--- a/python.pptx
+++ b/python.pptx
@@ -13,6 +13,15 @@
     <p:sldId id="261" r:id="rId7"/>
     <p:sldId id="262" r:id="rId8"/>
     <p:sldId id="263" r:id="rId9"/>
+    <p:sldId id="264" r:id="rId10"/>
+    <p:sldId id="265" r:id="rId11"/>
+    <p:sldId id="266" r:id="rId12"/>
+    <p:sldId id="267" r:id="rId13"/>
+    <p:sldId id="268" r:id="rId14"/>
+    <p:sldId id="269" r:id="rId15"/>
+    <p:sldId id="270" r:id="rId16"/>
+    <p:sldId id="271" r:id="rId17"/>
+    <p:sldId id="272" r:id="rId18"/>
   </p:sldIdLst>
   <p:sldSz cx="12192000" cy="6858000"/>
   <p:notesSz cx="6858000" cy="9144000"/>
@@ -111,6 +120,11 @@
       </a:defRPr>
     </a:lvl9pPr>
   </p:defaultTextStyle>
+  <p:extLst>
+    <p:ext uri="{EFAFB233-063F-42B5-8137-9DF3F51BA10A}">
+      <p15:sldGuideLst xmlns:p15="http://schemas.microsoft.com/office/powerpoint/2012/main"/>
+    </p:ext>
+  </p:extLst>
 </p:presentation>
 </file>
 
@@ -836,7 +850,7 @@
           <a:p>
             <a:fld id="{07042CFF-A88D-4E52-85D6-96D03CDBF678}" type="datetimeFigureOut">
               <a:rPr lang="zh-CN" altLang="en-US" smtClean="0"/>
-              <a:t>2019/2/12</a:t>
+              <a:t>2019/2/14</a:t>
             </a:fld>
             <a:endParaRPr lang="zh-CN" altLang="en-US"/>
           </a:p>
@@ -1087,7 +1101,7 @@
           <a:p>
             <a:fld id="{07042CFF-A88D-4E52-85D6-96D03CDBF678}" type="datetimeFigureOut">
               <a:rPr lang="zh-CN" altLang="en-US" smtClean="0"/>
-              <a:t>2019/2/12</a:t>
+              <a:t>2019/2/14</a:t>
             </a:fld>
             <a:endParaRPr lang="zh-CN" altLang="en-US"/>
           </a:p>
@@ -1401,7 +1415,7 @@
           <a:p>
             <a:fld id="{07042CFF-A88D-4E52-85D6-96D03CDBF678}" type="datetimeFigureOut">
               <a:rPr lang="zh-CN" altLang="en-US" smtClean="0"/>
-              <a:t>2019/2/12</a:t>
+              <a:t>2019/2/14</a:t>
             </a:fld>
             <a:endParaRPr lang="zh-CN" altLang="en-US"/>
           </a:p>
@@ -1742,7 +1756,7 @@
           <a:p>
             <a:fld id="{07042CFF-A88D-4E52-85D6-96D03CDBF678}" type="datetimeFigureOut">
               <a:rPr lang="zh-CN" altLang="en-US" smtClean="0"/>
-              <a:t>2019/2/12</a:t>
+              <a:t>2019/2/14</a:t>
             </a:fld>
             <a:endParaRPr lang="zh-CN" altLang="en-US"/>
           </a:p>
@@ -2056,7 +2070,7 @@
           <a:p>
             <a:fld id="{07042CFF-A88D-4E52-85D6-96D03CDBF678}" type="datetimeFigureOut">
               <a:rPr lang="zh-CN" altLang="en-US" smtClean="0"/>
-              <a:t>2019/2/12</a:t>
+              <a:t>2019/2/14</a:t>
             </a:fld>
             <a:endParaRPr lang="zh-CN" altLang="en-US"/>
           </a:p>
@@ -2449,7 +2463,7 @@
           <a:p>
             <a:fld id="{07042CFF-A88D-4E52-85D6-96D03CDBF678}" type="datetimeFigureOut">
               <a:rPr lang="zh-CN" altLang="en-US" smtClean="0"/>
-              <a:t>2019/2/12</a:t>
+              <a:t>2019/2/14</a:t>
             </a:fld>
             <a:endParaRPr lang="zh-CN" altLang="en-US"/>
           </a:p>
@@ -2619,7 +2633,7 @@
           <a:p>
             <a:fld id="{07042CFF-A88D-4E52-85D6-96D03CDBF678}" type="datetimeFigureOut">
               <a:rPr lang="zh-CN" altLang="en-US" smtClean="0"/>
-              <a:t>2019/2/12</a:t>
+              <a:t>2019/2/14</a:t>
             </a:fld>
             <a:endParaRPr lang="zh-CN" altLang="en-US"/>
           </a:p>
@@ -2799,7 +2813,7 @@
           <a:p>
             <a:fld id="{07042CFF-A88D-4E52-85D6-96D03CDBF678}" type="datetimeFigureOut">
               <a:rPr lang="zh-CN" altLang="en-US" smtClean="0"/>
-              <a:t>2019/2/12</a:t>
+              <a:t>2019/2/14</a:t>
             </a:fld>
             <a:endParaRPr lang="zh-CN" altLang="en-US"/>
           </a:p>
@@ -2975,7 +2989,7 @@
           <a:p>
             <a:fld id="{07042CFF-A88D-4E52-85D6-96D03CDBF678}" type="datetimeFigureOut">
               <a:rPr lang="zh-CN" altLang="en-US" smtClean="0"/>
-              <a:t>2019/2/12</a:t>
+              <a:t>2019/2/14</a:t>
             </a:fld>
             <a:endParaRPr lang="zh-CN" altLang="en-US"/>
           </a:p>
@@ -3222,7 +3236,7 @@
           <a:p>
             <a:fld id="{07042CFF-A88D-4E52-85D6-96D03CDBF678}" type="datetimeFigureOut">
               <a:rPr lang="zh-CN" altLang="en-US" smtClean="0"/>
-              <a:t>2019/2/12</a:t>
+              <a:t>2019/2/14</a:t>
             </a:fld>
             <a:endParaRPr lang="zh-CN" altLang="en-US"/>
           </a:p>
@@ -3454,7 +3468,7 @@
           <a:p>
             <a:fld id="{07042CFF-A88D-4E52-85D6-96D03CDBF678}" type="datetimeFigureOut">
               <a:rPr lang="zh-CN" altLang="en-US" smtClean="0"/>
-              <a:t>2019/2/12</a:t>
+              <a:t>2019/2/14</a:t>
             </a:fld>
             <a:endParaRPr lang="zh-CN" altLang="en-US"/>
           </a:p>
@@ -3828,7 +3842,7 @@
           <a:p>
             <a:fld id="{07042CFF-A88D-4E52-85D6-96D03CDBF678}" type="datetimeFigureOut">
               <a:rPr lang="zh-CN" altLang="en-US" smtClean="0"/>
-              <a:t>2019/2/12</a:t>
+              <a:t>2019/2/14</a:t>
             </a:fld>
             <a:endParaRPr lang="zh-CN" altLang="en-US"/>
           </a:p>
@@ -3951,7 +3965,7 @@
           <a:p>
             <a:fld id="{07042CFF-A88D-4E52-85D6-96D03CDBF678}" type="datetimeFigureOut">
               <a:rPr lang="zh-CN" altLang="en-US" smtClean="0"/>
-              <a:t>2019/2/12</a:t>
+              <a:t>2019/2/14</a:t>
             </a:fld>
             <a:endParaRPr lang="zh-CN" altLang="en-US"/>
           </a:p>
@@ -4046,7 +4060,7 @@
           <a:p>
             <a:fld id="{07042CFF-A88D-4E52-85D6-96D03CDBF678}" type="datetimeFigureOut">
               <a:rPr lang="zh-CN" altLang="en-US" smtClean="0"/>
-              <a:t>2019/2/12</a:t>
+              <a:t>2019/2/14</a:t>
             </a:fld>
             <a:endParaRPr lang="zh-CN" altLang="en-US"/>
           </a:p>
@@ -4301,7 +4315,7 @@
           <a:p>
             <a:fld id="{07042CFF-A88D-4E52-85D6-96D03CDBF678}" type="datetimeFigureOut">
               <a:rPr lang="zh-CN" altLang="en-US" smtClean="0"/>
-              <a:t>2019/2/12</a:t>
+              <a:t>2019/2/14</a:t>
             </a:fld>
             <a:endParaRPr lang="zh-CN" altLang="en-US"/>
           </a:p>
@@ -4564,7 +4578,7 @@
           <a:p>
             <a:fld id="{07042CFF-A88D-4E52-85D6-96D03CDBF678}" type="datetimeFigureOut">
               <a:rPr lang="zh-CN" altLang="en-US" smtClean="0"/>
-              <a:t>2019/2/12</a:t>
+              <a:t>2019/2/14</a:t>
             </a:fld>
             <a:endParaRPr lang="zh-CN" altLang="en-US"/>
           </a:p>
@@ -5307,7 +5321,7 @@
           <a:p>
             <a:fld id="{07042CFF-A88D-4E52-85D6-96D03CDBF678}" type="datetimeFigureOut">
               <a:rPr lang="zh-CN" altLang="en-US" smtClean="0"/>
-              <a:t>2019/2/12</a:t>
+              <a:t>2019/2/14</a:t>
             </a:fld>
             <a:endParaRPr lang="zh-CN" altLang="en-US"/>
           </a:p>
@@ -5898,6 +5912,1615 @@
 </p:sld>
 </file>
 
+<file path=ppt/slides/slide10.xml><?xml version="1.0" encoding="utf-8"?>
+<p:sld xmlns:a="http://schemas.openxmlformats.org/drawingml/2006/main" xmlns:r="http://schemas.openxmlformats.org/officeDocument/2006/relationships" xmlns:p="http://schemas.openxmlformats.org/presentationml/2006/main">
+  <p:cSld>
+    <p:spTree>
+      <p:nvGrpSpPr>
+        <p:cNvPr id="1" name=""/>
+        <p:cNvGrpSpPr/>
+        <p:nvPr/>
+      </p:nvGrpSpPr>
+      <p:grpSpPr>
+        <a:xfrm>
+          <a:off x="0" y="0"/>
+          <a:ext cx="0" cy="0"/>
+          <a:chOff x="0" y="0"/>
+          <a:chExt cx="0" cy="0"/>
+        </a:xfrm>
+      </p:grpSpPr>
+      <p:sp>
+        <p:nvSpPr>
+          <p:cNvPr id="2" name="标题 1"/>
+          <p:cNvSpPr>
+            <a:spLocks noGrp="1"/>
+          </p:cNvSpPr>
+          <p:nvPr>
+            <p:ph type="title"/>
+          </p:nvPr>
+        </p:nvSpPr>
+        <p:spPr/>
+        <p:txBody>
+          <a:bodyPr/>
+          <a:lstStyle/>
+          <a:p>
+            <a:r>
+              <a:rPr lang="zh-CN" altLang="en-US" dirty="0" smtClean="0"/>
+              <a:t>字典</a:t>
+            </a:r>
+            <a:endParaRPr lang="zh-CN" altLang="en-US" dirty="0"/>
+          </a:p>
+        </p:txBody>
+      </p:sp>
+      <p:sp>
+        <p:nvSpPr>
+          <p:cNvPr id="3" name="内容占位符 2"/>
+          <p:cNvSpPr>
+            <a:spLocks noGrp="1"/>
+          </p:cNvSpPr>
+          <p:nvPr>
+            <p:ph idx="1"/>
+          </p:nvPr>
+        </p:nvSpPr>
+        <p:spPr/>
+        <p:txBody>
+          <a:bodyPr/>
+          <a:lstStyle/>
+          <a:p>
+            <a:r>
+              <a:rPr lang="zh-CN" altLang="en-US" dirty="0" smtClean="0"/>
+              <a:t>可变类型；</a:t>
+            </a:r>
+            <a:endParaRPr lang="en-US" altLang="zh-CN" dirty="0" smtClean="0"/>
+          </a:p>
+          <a:p>
+            <a:r>
+              <a:rPr lang="zh-CN" altLang="en-US" dirty="0" smtClean="0"/>
+              <a:t>以‘</a:t>
+            </a:r>
+            <a:r>
+              <a:rPr lang="en-US" altLang="zh-CN" dirty="0" err="1" smtClean="0"/>
+              <a:t>key:value</a:t>
+            </a:r>
+            <a:r>
+              <a:rPr lang="zh-CN" altLang="en-US" dirty="0" smtClean="0"/>
+              <a:t>’进行存储，</a:t>
+            </a:r>
+            <a:r>
+              <a:rPr lang="en-US" altLang="zh-CN" dirty="0" smtClean="0"/>
+              <a:t>d={‘name’:’</a:t>
+            </a:r>
+            <a:r>
+              <a:rPr lang="en-US" altLang="zh-CN" dirty="0" err="1" smtClean="0"/>
+              <a:t>zhang</a:t>
+            </a:r>
+            <a:r>
+              <a:rPr lang="en-US" altLang="zh-CN" dirty="0" smtClean="0"/>
+              <a:t> san’,’age’:20};</a:t>
+            </a:r>
+          </a:p>
+          <a:p>
+            <a:r>
+              <a:rPr lang="zh-CN" altLang="en-US" dirty="0" smtClean="0"/>
+              <a:t>获取数据 </a:t>
+            </a:r>
+            <a:r>
+              <a:rPr lang="en-US" altLang="zh-CN" dirty="0" smtClean="0"/>
+              <a:t>d[‘</a:t>
+            </a:r>
+            <a:r>
+              <a:rPr lang="zh-CN" altLang="en-US" dirty="0" smtClean="0"/>
+              <a:t>键名</a:t>
+            </a:r>
+            <a:r>
+              <a:rPr lang="en-US" altLang="zh-CN" dirty="0" smtClean="0"/>
+              <a:t>’]</a:t>
+            </a:r>
+            <a:r>
+              <a:rPr lang="zh-CN" altLang="en-US" dirty="0" smtClean="0"/>
+              <a:t>，如</a:t>
+            </a:r>
+            <a:r>
+              <a:rPr lang="en-US" altLang="zh-CN" dirty="0" smtClean="0"/>
+              <a:t>d[‘name’]-&gt;</a:t>
+            </a:r>
+            <a:r>
+              <a:rPr lang="en-US" altLang="zh-CN" dirty="0" err="1" smtClean="0"/>
+              <a:t>zhang</a:t>
+            </a:r>
+            <a:r>
+              <a:rPr lang="en-US" altLang="zh-CN" dirty="0" smtClean="0"/>
+              <a:t> san;</a:t>
+            </a:r>
+          </a:p>
+          <a:p>
+            <a:r>
+              <a:rPr lang="zh-CN" altLang="en-US" dirty="0" smtClean="0"/>
+              <a:t>获取所有键 </a:t>
+            </a:r>
+            <a:r>
+              <a:rPr lang="en-US" altLang="zh-CN" dirty="0" err="1" smtClean="0"/>
+              <a:t>d.keys</a:t>
+            </a:r>
+            <a:r>
+              <a:rPr lang="en-US" altLang="zh-CN" dirty="0" smtClean="0"/>
+              <a:t>() </a:t>
+            </a:r>
+            <a:r>
+              <a:rPr lang="zh-CN" altLang="en-US" dirty="0" smtClean="0"/>
+              <a:t>获取所有值 </a:t>
+            </a:r>
+            <a:r>
+              <a:rPr lang="en-US" altLang="zh-CN" dirty="0" err="1" smtClean="0"/>
+              <a:t>d.values</a:t>
+            </a:r>
+            <a:r>
+              <a:rPr lang="en-US" altLang="zh-CN" dirty="0" smtClean="0"/>
+              <a:t>();</a:t>
+            </a:r>
+          </a:p>
+          <a:p>
+            <a:r>
+              <a:rPr lang="zh-CN" altLang="en-US" dirty="0" smtClean="0"/>
+              <a:t>新增 </a:t>
+            </a:r>
+            <a:r>
+              <a:rPr lang="en-US" altLang="zh-CN" dirty="0" smtClean="0"/>
+              <a:t>d[‘sex’]=‘nan’; </a:t>
+            </a:r>
+            <a:r>
+              <a:rPr lang="zh-CN" altLang="en-US" dirty="0" smtClean="0"/>
+              <a:t>修改 </a:t>
+            </a:r>
+            <a:r>
+              <a:rPr lang="en-US" altLang="zh-CN" dirty="0" smtClean="0"/>
+              <a:t>d[‘name’]=‘li </a:t>
+            </a:r>
+            <a:r>
+              <a:rPr lang="en-US" altLang="zh-CN" dirty="0" err="1" smtClean="0"/>
+              <a:t>si</a:t>
+            </a:r>
+            <a:r>
+              <a:rPr lang="en-US" altLang="zh-CN" dirty="0" smtClean="0"/>
+              <a:t>’; </a:t>
+            </a:r>
+            <a:r>
+              <a:rPr lang="zh-CN" altLang="en-US" dirty="0" smtClean="0"/>
+              <a:t>删除 </a:t>
+            </a:r>
+            <a:r>
+              <a:rPr lang="en-US" altLang="zh-CN" dirty="0" smtClean="0"/>
+              <a:t>del d[‘name’] </a:t>
+            </a:r>
+            <a:r>
+              <a:rPr lang="en-US" altLang="zh-CN" dirty="0" err="1" smtClean="0"/>
+              <a:t>d.pop</a:t>
+            </a:r>
+            <a:r>
+              <a:rPr lang="en-US" altLang="zh-CN" dirty="0" smtClean="0"/>
+              <a:t>(‘name’);</a:t>
+            </a:r>
+          </a:p>
+          <a:p>
+            <a:r>
+              <a:rPr lang="zh-CN" altLang="en-US" dirty="0" smtClean="0"/>
+              <a:t>常用方法</a:t>
+            </a:r>
+            <a:r>
+              <a:rPr lang="en-US" altLang="zh-CN" dirty="0" smtClean="0"/>
+              <a:t>:</a:t>
+            </a:r>
+            <a:r>
+              <a:rPr lang="en-US" altLang="zh-CN" dirty="0" err="1" smtClean="0"/>
+              <a:t>d.get</a:t>
+            </a:r>
+            <a:r>
+              <a:rPr lang="en-US" altLang="zh-CN" dirty="0" smtClean="0"/>
+              <a:t>(‘age’,25) </a:t>
+            </a:r>
+            <a:r>
+              <a:rPr lang="zh-CN" altLang="en-US" dirty="0" smtClean="0"/>
+              <a:t>获取数据；</a:t>
+            </a:r>
+            <a:endParaRPr lang="en-US" altLang="zh-CN" dirty="0"/>
+          </a:p>
+          <a:p>
+            <a:r>
+              <a:rPr lang="zh-CN" altLang="en-US" dirty="0" smtClean="0"/>
+              <a:t>循环：</a:t>
+            </a:r>
+            <a:r>
+              <a:rPr lang="en-US" altLang="zh-CN" dirty="0" smtClean="0"/>
+              <a:t>for key in </a:t>
+            </a:r>
+            <a:r>
+              <a:rPr lang="en-US" altLang="zh-CN" dirty="0" err="1" smtClean="0"/>
+              <a:t>d.keys</a:t>
+            </a:r>
+            <a:r>
+              <a:rPr lang="en-US" altLang="zh-CN" dirty="0" smtClean="0"/>
+              <a:t>():print(d[key])</a:t>
+            </a:r>
+          </a:p>
+          <a:p>
+            <a:r>
+              <a:rPr lang="zh-CN" altLang="en-US" dirty="0" smtClean="0"/>
+              <a:t>生成字典：</a:t>
+            </a:r>
+            <a:r>
+              <a:rPr lang="en-US" altLang="zh-CN" dirty="0" err="1" smtClean="0"/>
+              <a:t>dict.fromkeys</a:t>
+            </a:r>
+            <a:r>
+              <a:rPr lang="en-US" altLang="zh-CN" dirty="0" smtClean="0"/>
+              <a:t>([</a:t>
+            </a:r>
+            <a:r>
+              <a:rPr lang="en-US" altLang="zh-CN" dirty="0" err="1" smtClean="0"/>
+              <a:t>a,b,c</a:t>
+            </a:r>
+            <a:r>
+              <a:rPr lang="en-US" altLang="zh-CN" dirty="0" smtClean="0"/>
+              <a:t>],1);</a:t>
+            </a:r>
+            <a:r>
+              <a:rPr lang="en-US" altLang="zh-CN" dirty="0" err="1" smtClean="0"/>
+              <a:t>dict</a:t>
+            </a:r>
+            <a:r>
+              <a:rPr lang="en-US" altLang="zh-CN" dirty="0" smtClean="0"/>
+              <a:t>(name=‘</a:t>
+            </a:r>
+            <a:r>
+              <a:rPr lang="en-US" altLang="zh-CN" dirty="0" err="1" smtClean="0"/>
+              <a:t>zs</a:t>
+            </a:r>
+            <a:r>
+              <a:rPr lang="en-US" altLang="zh-CN" dirty="0" smtClean="0"/>
+              <a:t>’,age=20,sex=‘nan’);</a:t>
+            </a:r>
+          </a:p>
+          <a:p>
+            <a:endParaRPr lang="zh-CN" altLang="en-US" dirty="0"/>
+          </a:p>
+        </p:txBody>
+      </p:sp>
+    </p:spTree>
+    <p:extLst>
+      <p:ext uri="{BB962C8B-B14F-4D97-AF65-F5344CB8AC3E}">
+        <p14:creationId xmlns:p14="http://schemas.microsoft.com/office/powerpoint/2010/main" val="763759236"/>
+      </p:ext>
+    </p:extLst>
+  </p:cSld>
+  <p:clrMapOvr>
+    <a:masterClrMapping/>
+  </p:clrMapOvr>
+</p:sld>
+</file>
+
+<file path=ppt/slides/slide11.xml><?xml version="1.0" encoding="utf-8"?>
+<p:sld xmlns:a="http://schemas.openxmlformats.org/drawingml/2006/main" xmlns:r="http://schemas.openxmlformats.org/officeDocument/2006/relationships" xmlns:p="http://schemas.openxmlformats.org/presentationml/2006/main">
+  <p:cSld>
+    <p:spTree>
+      <p:nvGrpSpPr>
+        <p:cNvPr id="1" name=""/>
+        <p:cNvGrpSpPr/>
+        <p:nvPr/>
+      </p:nvGrpSpPr>
+      <p:grpSpPr>
+        <a:xfrm>
+          <a:off x="0" y="0"/>
+          <a:ext cx="0" cy="0"/>
+          <a:chOff x="0" y="0"/>
+          <a:chExt cx="0" cy="0"/>
+        </a:xfrm>
+      </p:grpSpPr>
+      <p:sp>
+        <p:nvSpPr>
+          <p:cNvPr id="2" name="标题 1"/>
+          <p:cNvSpPr>
+            <a:spLocks noGrp="1"/>
+          </p:cNvSpPr>
+          <p:nvPr>
+            <p:ph type="title"/>
+          </p:nvPr>
+        </p:nvSpPr>
+        <p:spPr/>
+        <p:txBody>
+          <a:bodyPr/>
+          <a:lstStyle/>
+          <a:p>
+            <a:r>
+              <a:rPr lang="zh-CN" altLang="en-US" dirty="0" smtClean="0"/>
+              <a:t>元</a:t>
+            </a:r>
+            <a:r>
+              <a:rPr lang="zh-CN" altLang="en-US" dirty="0"/>
+              <a:t>组</a:t>
+            </a:r>
+          </a:p>
+        </p:txBody>
+      </p:sp>
+      <p:sp>
+        <p:nvSpPr>
+          <p:cNvPr id="3" name="内容占位符 2"/>
+          <p:cNvSpPr>
+            <a:spLocks noGrp="1"/>
+          </p:cNvSpPr>
+          <p:nvPr>
+            <p:ph idx="1"/>
+          </p:nvPr>
+        </p:nvSpPr>
+        <p:spPr/>
+        <p:txBody>
+          <a:bodyPr/>
+          <a:lstStyle/>
+          <a:p>
+            <a:r>
+              <a:rPr lang="zh-CN" altLang="en-US" dirty="0" smtClean="0"/>
+              <a:t>不可变</a:t>
+            </a:r>
+            <a:r>
+              <a:rPr lang="zh-CN" altLang="en-US" dirty="0"/>
+              <a:t>类型</a:t>
+            </a:r>
+            <a:r>
+              <a:rPr lang="zh-CN" altLang="en-US" dirty="0" smtClean="0"/>
+              <a:t>；</a:t>
+            </a:r>
+            <a:endParaRPr lang="en-US" altLang="zh-CN" dirty="0" smtClean="0"/>
+          </a:p>
+          <a:p>
+            <a:r>
+              <a:rPr lang="zh-CN" altLang="en-US" dirty="0" smtClean="0"/>
+              <a:t>任意对象的有序集合</a:t>
+            </a:r>
+            <a:r>
+              <a:rPr lang="en-US" altLang="zh-CN" dirty="0" smtClean="0"/>
+              <a:t>,</a:t>
+            </a:r>
+            <a:r>
+              <a:rPr lang="zh-CN" altLang="en-US" dirty="0" smtClean="0"/>
+              <a:t>如</a:t>
+            </a:r>
+            <a:r>
+              <a:rPr lang="en-US" altLang="zh-CN" dirty="0" smtClean="0"/>
+              <a:t>y=(1,2,’hello’,[],{})</a:t>
+            </a:r>
+            <a:r>
+              <a:rPr lang="zh-CN" altLang="en-US" dirty="0" smtClean="0"/>
+              <a:t>；</a:t>
+            </a:r>
+            <a:endParaRPr lang="en-US" altLang="zh-CN" dirty="0" smtClean="0"/>
+          </a:p>
+          <a:p>
+            <a:r>
+              <a:rPr lang="zh-CN" altLang="en-US" dirty="0" smtClean="0"/>
+              <a:t>索引</a:t>
+            </a:r>
+            <a:r>
+              <a:rPr lang="en-US" altLang="zh-CN" dirty="0" smtClean="0"/>
+              <a:t>:y[</a:t>
+            </a:r>
+            <a:r>
+              <a:rPr lang="en-US" altLang="zh-CN" dirty="0" err="1" smtClean="0"/>
+              <a:t>i</a:t>
+            </a:r>
+            <a:r>
+              <a:rPr lang="en-US" altLang="zh-CN" dirty="0" smtClean="0"/>
+              <a:t>] </a:t>
+            </a:r>
+            <a:r>
+              <a:rPr lang="zh-CN" altLang="en-US" dirty="0" smtClean="0"/>
+              <a:t>获取值</a:t>
+            </a:r>
+            <a:r>
+              <a:rPr lang="en-US" altLang="zh-CN" dirty="0" smtClean="0"/>
+              <a:t>;</a:t>
+            </a:r>
+          </a:p>
+          <a:p>
+            <a:endParaRPr lang="zh-CN" altLang="en-US" dirty="0"/>
+          </a:p>
+        </p:txBody>
+      </p:sp>
+    </p:spTree>
+    <p:extLst>
+      <p:ext uri="{BB962C8B-B14F-4D97-AF65-F5344CB8AC3E}">
+        <p14:creationId xmlns:p14="http://schemas.microsoft.com/office/powerpoint/2010/main" val="3932402123"/>
+      </p:ext>
+    </p:extLst>
+  </p:cSld>
+  <p:clrMapOvr>
+    <a:masterClrMapping/>
+  </p:clrMapOvr>
+</p:sld>
+</file>
+
+<file path=ppt/slides/slide12.xml><?xml version="1.0" encoding="utf-8"?>
+<p:sld xmlns:a="http://schemas.openxmlformats.org/drawingml/2006/main" xmlns:r="http://schemas.openxmlformats.org/officeDocument/2006/relationships" xmlns:p="http://schemas.openxmlformats.org/presentationml/2006/main">
+  <p:cSld>
+    <p:spTree>
+      <p:nvGrpSpPr>
+        <p:cNvPr id="1" name=""/>
+        <p:cNvGrpSpPr/>
+        <p:nvPr/>
+      </p:nvGrpSpPr>
+      <p:grpSpPr>
+        <a:xfrm>
+          <a:off x="0" y="0"/>
+          <a:ext cx="0" cy="0"/>
+          <a:chOff x="0" y="0"/>
+          <a:chExt cx="0" cy="0"/>
+        </a:xfrm>
+      </p:grpSpPr>
+      <p:sp>
+        <p:nvSpPr>
+          <p:cNvPr id="2" name="标题 1"/>
+          <p:cNvSpPr>
+            <a:spLocks noGrp="1"/>
+          </p:cNvSpPr>
+          <p:nvPr>
+            <p:ph type="title"/>
+          </p:nvPr>
+        </p:nvSpPr>
+        <p:spPr/>
+        <p:txBody>
+          <a:bodyPr/>
+          <a:lstStyle/>
+          <a:p>
+            <a:r>
+              <a:rPr lang="zh-CN" altLang="en-US" dirty="0" smtClean="0"/>
+              <a:t>动态类型介绍</a:t>
+            </a:r>
+            <a:endParaRPr lang="zh-CN" altLang="en-US" dirty="0"/>
+          </a:p>
+        </p:txBody>
+      </p:sp>
+      <p:sp>
+        <p:nvSpPr>
+          <p:cNvPr id="3" name="内容占位符 2"/>
+          <p:cNvSpPr>
+            <a:spLocks noGrp="1"/>
+          </p:cNvSpPr>
+          <p:nvPr>
+            <p:ph idx="1"/>
+          </p:nvPr>
+        </p:nvSpPr>
+        <p:spPr/>
+        <p:txBody>
+          <a:bodyPr/>
+          <a:lstStyle/>
+          <a:p>
+            <a:r>
+              <a:rPr lang="zh-CN" altLang="en-US" dirty="0" smtClean="0"/>
+              <a:t>变量、对象、引用</a:t>
+            </a:r>
+            <a:r>
+              <a:rPr lang="en-US" altLang="zh-CN" dirty="0" smtClean="0"/>
+              <a:t>:a=3;</a:t>
+            </a:r>
+          </a:p>
+          <a:p>
+            <a:r>
+              <a:rPr lang="zh-CN" altLang="en-US" dirty="0" smtClean="0"/>
+              <a:t>类型属于对象，不是变量 </a:t>
+            </a:r>
+            <a:r>
+              <a:rPr lang="en-US" altLang="zh-CN" dirty="0" smtClean="0"/>
+              <a:t>a=3 a=‘hello’ a=1.34</a:t>
+            </a:r>
+            <a:r>
+              <a:rPr lang="zh-CN" altLang="en-US" dirty="0" smtClean="0"/>
+              <a:t>；</a:t>
+            </a:r>
+            <a:endParaRPr lang="en-US" altLang="zh-CN" dirty="0" smtClean="0"/>
+          </a:p>
+          <a:p>
+            <a:r>
+              <a:rPr lang="en-US" altLang="zh-CN" dirty="0" smtClean="0"/>
+              <a:t> </a:t>
+            </a:r>
+            <a:r>
+              <a:rPr lang="zh-CN" altLang="en-US" dirty="0" smtClean="0"/>
+              <a:t>共享引用：</a:t>
+            </a:r>
+            <a:r>
+              <a:rPr lang="en-US" altLang="zh-CN" dirty="0" smtClean="0"/>
+              <a:t>a=10 b=a  a=20   -&gt; a=20 b=10;</a:t>
+            </a:r>
+          </a:p>
+          <a:p>
+            <a:r>
+              <a:rPr lang="zh-CN" altLang="en-US" dirty="0" smtClean="0"/>
+              <a:t>相等</a:t>
+            </a:r>
+            <a:r>
+              <a:rPr lang="en-US" altLang="zh-CN" dirty="0" smtClean="0"/>
+              <a:t>:M=[1,2,3] L=M   L==M true  L is M true; L=[1,2,3] L==M true L is M false;</a:t>
+            </a:r>
+          </a:p>
+          <a:p>
+            <a:endParaRPr lang="zh-CN" altLang="en-US" dirty="0"/>
+          </a:p>
+        </p:txBody>
+      </p:sp>
+    </p:spTree>
+    <p:extLst>
+      <p:ext uri="{BB962C8B-B14F-4D97-AF65-F5344CB8AC3E}">
+        <p14:creationId xmlns:p14="http://schemas.microsoft.com/office/powerpoint/2010/main" val="655165603"/>
+      </p:ext>
+    </p:extLst>
+  </p:cSld>
+  <p:clrMapOvr>
+    <a:masterClrMapping/>
+  </p:clrMapOvr>
+</p:sld>
+</file>
+
+<file path=ppt/slides/slide13.xml><?xml version="1.0" encoding="utf-8"?>
+<p:sld xmlns:a="http://schemas.openxmlformats.org/drawingml/2006/main" xmlns:r="http://schemas.openxmlformats.org/officeDocument/2006/relationships" xmlns:p="http://schemas.openxmlformats.org/presentationml/2006/main">
+  <p:cSld>
+    <p:spTree>
+      <p:nvGrpSpPr>
+        <p:cNvPr id="1" name=""/>
+        <p:cNvGrpSpPr/>
+        <p:nvPr/>
+      </p:nvGrpSpPr>
+      <p:grpSpPr>
+        <a:xfrm>
+          <a:off x="0" y="0"/>
+          <a:ext cx="0" cy="0"/>
+          <a:chOff x="0" y="0"/>
+          <a:chExt cx="0" cy="0"/>
+        </a:xfrm>
+      </p:grpSpPr>
+      <p:sp>
+        <p:nvSpPr>
+          <p:cNvPr id="2" name="标题 1"/>
+          <p:cNvSpPr>
+            <a:spLocks noGrp="1"/>
+          </p:cNvSpPr>
+          <p:nvPr>
+            <p:ph type="title"/>
+          </p:nvPr>
+        </p:nvSpPr>
+        <p:spPr/>
+        <p:txBody>
+          <a:bodyPr/>
+          <a:lstStyle/>
+          <a:p>
+            <a:r>
+              <a:rPr lang="zh-CN" altLang="en-US" dirty="0" smtClean="0"/>
+              <a:t>拷贝</a:t>
+            </a:r>
+            <a:endParaRPr lang="zh-CN" altLang="en-US" dirty="0"/>
+          </a:p>
+        </p:txBody>
+      </p:sp>
+      <p:sp>
+        <p:nvSpPr>
+          <p:cNvPr id="3" name="内容占位符 2"/>
+          <p:cNvSpPr>
+            <a:spLocks noGrp="1"/>
+          </p:cNvSpPr>
+          <p:nvPr>
+            <p:ph idx="1"/>
+          </p:nvPr>
+        </p:nvSpPr>
+        <p:spPr/>
+        <p:txBody>
+          <a:bodyPr/>
+          <a:lstStyle/>
+          <a:p>
+            <a:r>
+              <a:rPr lang="zh-CN" altLang="en-US" dirty="0" smtClean="0"/>
+              <a:t>深拷贝、浅拷贝；</a:t>
+            </a:r>
+            <a:endParaRPr lang="en-US" altLang="zh-CN" dirty="0" smtClean="0"/>
+          </a:p>
+          <a:p>
+            <a:r>
+              <a:rPr lang="en-US" altLang="zh-CN" dirty="0" smtClean="0"/>
+              <a:t>Import copy </a:t>
+            </a:r>
+            <a:r>
+              <a:rPr lang="zh-CN" altLang="en-US" dirty="0" smtClean="0"/>
+              <a:t>模块</a:t>
+            </a:r>
+            <a:endParaRPr lang="en-US" altLang="zh-CN" dirty="0" smtClean="0"/>
+          </a:p>
+          <a:p>
+            <a:r>
+              <a:rPr lang="zh-CN" altLang="en-US" dirty="0" smtClean="0"/>
+              <a:t>浅拷贝</a:t>
+            </a:r>
+            <a:r>
+              <a:rPr lang="en-US" altLang="zh-CN" dirty="0" smtClean="0"/>
+              <a:t>:L[:],</a:t>
+            </a:r>
+            <a:r>
+              <a:rPr lang="en-US" altLang="zh-CN" dirty="0" err="1" smtClean="0"/>
+              <a:t>copy.copy</a:t>
+            </a:r>
+            <a:r>
+              <a:rPr lang="en-US" altLang="zh-CN" dirty="0" smtClean="0"/>
+              <a:t>(L);</a:t>
+            </a:r>
+          </a:p>
+          <a:p>
+            <a:r>
+              <a:rPr lang="zh-CN" altLang="en-US" dirty="0"/>
+              <a:t>深</a:t>
+            </a:r>
+            <a:r>
+              <a:rPr lang="zh-CN" altLang="en-US" dirty="0" smtClean="0"/>
+              <a:t>拷贝：</a:t>
+            </a:r>
+            <a:r>
+              <a:rPr lang="en-US" altLang="zh-CN" dirty="0" err="1" smtClean="0"/>
+              <a:t>copy.deepcopy</a:t>
+            </a:r>
+            <a:r>
+              <a:rPr lang="en-US" altLang="zh-CN" dirty="0" smtClean="0"/>
+              <a:t>(L);</a:t>
+            </a:r>
+          </a:p>
+          <a:p>
+            <a:r>
+              <a:rPr lang="zh-CN" altLang="en-US" dirty="0" smtClean="0"/>
+              <a:t>如</a:t>
+            </a:r>
+            <a:r>
+              <a:rPr lang="en-US" altLang="zh-CN" dirty="0" smtClean="0"/>
+              <a:t>:L=[1,2,3] P=[1,L,5] s1=</a:t>
+            </a:r>
+            <a:r>
+              <a:rPr lang="en-US" altLang="zh-CN" dirty="0" err="1" smtClean="0"/>
+              <a:t>copy.copy</a:t>
+            </a:r>
+            <a:r>
+              <a:rPr lang="en-US" altLang="zh-CN" dirty="0" smtClean="0"/>
+              <a:t>(P) s2=</a:t>
+            </a:r>
+            <a:r>
+              <a:rPr lang="en-US" altLang="zh-CN" dirty="0" err="1" smtClean="0"/>
+              <a:t>copy.deepcopy</a:t>
+            </a:r>
+            <a:r>
+              <a:rPr lang="en-US" altLang="zh-CN" dirty="0" smtClean="0"/>
+              <a:t>(P)</a:t>
+            </a:r>
+          </a:p>
+          <a:p>
+            <a:r>
+              <a:rPr lang="en-US" altLang="zh-CN" dirty="0" smtClean="0"/>
+              <a:t>L[1]=6   </a:t>
+            </a:r>
+            <a:r>
+              <a:rPr lang="zh-CN" altLang="en-US" dirty="0" smtClean="0"/>
+              <a:t>浅拷贝</a:t>
+            </a:r>
+            <a:r>
+              <a:rPr lang="en-US" altLang="zh-CN" dirty="0" smtClean="0"/>
+              <a:t>:s1=[1,[1,6,3],5] </a:t>
+            </a:r>
+            <a:r>
+              <a:rPr lang="zh-CN" altLang="en-US" dirty="0" smtClean="0"/>
+              <a:t>深拷贝：</a:t>
+            </a:r>
+            <a:r>
+              <a:rPr lang="en-US" altLang="zh-CN" dirty="0" smtClean="0"/>
+              <a:t>[1,[1,2,3],5]</a:t>
+            </a:r>
+            <a:endParaRPr lang="zh-CN" altLang="en-US" dirty="0"/>
+          </a:p>
+        </p:txBody>
+      </p:sp>
+    </p:spTree>
+    <p:extLst>
+      <p:ext uri="{BB962C8B-B14F-4D97-AF65-F5344CB8AC3E}">
+        <p14:creationId xmlns:p14="http://schemas.microsoft.com/office/powerpoint/2010/main" val="4071630771"/>
+      </p:ext>
+    </p:extLst>
+  </p:cSld>
+  <p:clrMapOvr>
+    <a:masterClrMapping/>
+  </p:clrMapOvr>
+</p:sld>
+</file>
+
+<file path=ppt/slides/slide14.xml><?xml version="1.0" encoding="utf-8"?>
+<p:sld xmlns:a="http://schemas.openxmlformats.org/drawingml/2006/main" xmlns:r="http://schemas.openxmlformats.org/officeDocument/2006/relationships" xmlns:p="http://schemas.openxmlformats.org/presentationml/2006/main">
+  <p:cSld>
+    <p:spTree>
+      <p:nvGrpSpPr>
+        <p:cNvPr id="1" name=""/>
+        <p:cNvGrpSpPr/>
+        <p:nvPr/>
+      </p:nvGrpSpPr>
+      <p:grpSpPr>
+        <a:xfrm>
+          <a:off x="0" y="0"/>
+          <a:ext cx="0" cy="0"/>
+          <a:chOff x="0" y="0"/>
+          <a:chExt cx="0" cy="0"/>
+        </a:xfrm>
+      </p:grpSpPr>
+      <p:sp>
+        <p:nvSpPr>
+          <p:cNvPr id="2" name="标题 1"/>
+          <p:cNvSpPr>
+            <a:spLocks noGrp="1"/>
+          </p:cNvSpPr>
+          <p:nvPr>
+            <p:ph type="title"/>
+          </p:nvPr>
+        </p:nvSpPr>
+        <p:spPr/>
+        <p:txBody>
+          <a:bodyPr/>
+          <a:lstStyle/>
+          <a:p>
+            <a:r>
+              <a:rPr lang="zh-CN" altLang="en-US" dirty="0" smtClean="0"/>
+              <a:t>文件操作</a:t>
+            </a:r>
+            <a:endParaRPr lang="zh-CN" altLang="en-US" dirty="0"/>
+          </a:p>
+        </p:txBody>
+      </p:sp>
+      <p:sp>
+        <p:nvSpPr>
+          <p:cNvPr id="3" name="内容占位符 2"/>
+          <p:cNvSpPr>
+            <a:spLocks noGrp="1"/>
+          </p:cNvSpPr>
+          <p:nvPr>
+            <p:ph idx="1"/>
+          </p:nvPr>
+        </p:nvSpPr>
+        <p:spPr>
+          <a:xfrm>
+            <a:off x="677334" y="1410789"/>
+            <a:ext cx="8596668" cy="4630573"/>
+          </a:xfrm>
+        </p:spPr>
+        <p:txBody>
+          <a:bodyPr/>
+          <a:lstStyle/>
+          <a:p>
+            <a:r>
+              <a:rPr lang="en-US" altLang="zh-CN" dirty="0" smtClean="0"/>
+              <a:t>Import </a:t>
+            </a:r>
+            <a:r>
+              <a:rPr lang="en-US" altLang="zh-CN" dirty="0" err="1" smtClean="0"/>
+              <a:t>os,os.path</a:t>
+            </a:r>
+            <a:r>
+              <a:rPr lang="en-US" altLang="zh-CN" dirty="0" smtClean="0"/>
+              <a:t> </a:t>
+            </a:r>
+            <a:r>
+              <a:rPr lang="zh-CN" altLang="en-US" dirty="0" smtClean="0"/>
+              <a:t>模块  获取文件路径路径的常用模块</a:t>
+            </a:r>
+            <a:endParaRPr lang="en-US" altLang="zh-CN" dirty="0" smtClean="0"/>
+          </a:p>
+          <a:p>
+            <a:r>
+              <a:rPr lang="zh-CN" altLang="en-US" dirty="0" smtClean="0"/>
+              <a:t>如：</a:t>
+            </a:r>
+            <a:r>
+              <a:rPr lang="en-US" altLang="zh-CN" dirty="0" err="1" smtClean="0"/>
+              <a:t>Os.getcwd</a:t>
+            </a:r>
+            <a:r>
+              <a:rPr lang="en-US" altLang="zh-CN" dirty="0" smtClean="0"/>
+              <a:t>()</a:t>
+            </a:r>
+            <a:r>
+              <a:rPr lang="zh-CN" altLang="en-US" dirty="0" smtClean="0"/>
+              <a:t>文件所在的当前目录 </a:t>
+            </a:r>
+            <a:r>
+              <a:rPr lang="en-US" altLang="zh-CN" dirty="0" smtClean="0"/>
+              <a:t>;</a:t>
+            </a:r>
+            <a:r>
+              <a:rPr lang="en-US" altLang="zh-CN" dirty="0" err="1" smtClean="0"/>
+              <a:t>os.listdir</a:t>
+            </a:r>
+            <a:r>
+              <a:rPr lang="en-US" altLang="zh-CN" dirty="0" smtClean="0"/>
+              <a:t>(path)</a:t>
+            </a:r>
+            <a:r>
+              <a:rPr lang="zh-CN" altLang="en-US" dirty="0" smtClean="0"/>
+              <a:t>列出目录下所有文件</a:t>
+            </a:r>
+            <a:r>
+              <a:rPr lang="en-US" altLang="zh-CN" dirty="0" smtClean="0"/>
+              <a:t>;</a:t>
+            </a:r>
+          </a:p>
+          <a:p>
+            <a:r>
+              <a:rPr lang="en-US" altLang="zh-CN" dirty="0" err="1" smtClean="0"/>
+              <a:t>Os.path.join</a:t>
+            </a:r>
+            <a:r>
+              <a:rPr lang="en-US" altLang="zh-CN" dirty="0" smtClean="0"/>
+              <a:t>(</a:t>
+            </a:r>
+            <a:r>
+              <a:rPr lang="en-US" altLang="zh-CN" dirty="0" err="1" smtClean="0"/>
+              <a:t>path,name</a:t>
+            </a:r>
+            <a:r>
+              <a:rPr lang="en-US" altLang="zh-CN" dirty="0" smtClean="0"/>
+              <a:t>) </a:t>
+            </a:r>
+            <a:r>
+              <a:rPr lang="zh-CN" altLang="en-US" dirty="0" smtClean="0"/>
+              <a:t>组合路径和文件名</a:t>
+            </a:r>
+            <a:r>
+              <a:rPr lang="en-US" altLang="zh-CN" dirty="0" smtClean="0"/>
+              <a:t>;</a:t>
+            </a:r>
+            <a:r>
+              <a:rPr lang="en-US" altLang="zh-CN" dirty="0" err="1" smtClean="0"/>
+              <a:t>os.path.isfile</a:t>
+            </a:r>
+            <a:r>
+              <a:rPr lang="en-US" altLang="zh-CN" dirty="0" smtClean="0"/>
+              <a:t>(path) </a:t>
+            </a:r>
+            <a:r>
+              <a:rPr lang="zh-CN" altLang="en-US" dirty="0" smtClean="0"/>
+              <a:t>是否是文件 </a:t>
+            </a:r>
+            <a:r>
+              <a:rPr lang="en-US" altLang="zh-CN" dirty="0" err="1" smtClean="0"/>
+              <a:t>os.path.isdir</a:t>
+            </a:r>
+            <a:r>
+              <a:rPr lang="en-US" altLang="zh-CN" dirty="0" smtClean="0"/>
+              <a:t>(path) </a:t>
+            </a:r>
+            <a:r>
+              <a:rPr lang="zh-CN" altLang="en-US" dirty="0" smtClean="0"/>
+              <a:t>是否是目录 </a:t>
+            </a:r>
+            <a:r>
+              <a:rPr lang="en-US" altLang="zh-CN" dirty="0" smtClean="0"/>
+              <a:t>;</a:t>
+            </a:r>
+          </a:p>
+          <a:p>
+            <a:r>
+              <a:rPr lang="zh-CN" altLang="en-US" dirty="0" smtClean="0"/>
+              <a:t>打开文件</a:t>
+            </a:r>
+            <a:r>
+              <a:rPr lang="en-US" altLang="zh-CN" dirty="0" smtClean="0"/>
+              <a:t>:f=open(path,</a:t>
+            </a:r>
+            <a:r>
+              <a:rPr lang="zh-CN" altLang="en-US" dirty="0" smtClean="0"/>
+              <a:t>类型</a:t>
+            </a:r>
+            <a:r>
+              <a:rPr lang="en-US" altLang="zh-CN" dirty="0" smtClean="0"/>
+              <a:t>) ‘w’ </a:t>
+            </a:r>
+            <a:r>
+              <a:rPr lang="zh-CN" altLang="en-US" dirty="0" smtClean="0"/>
+              <a:t>写模式 </a:t>
+            </a:r>
+            <a:r>
+              <a:rPr lang="en-US" altLang="zh-CN" dirty="0" smtClean="0"/>
+              <a:t>‘r’ </a:t>
+            </a:r>
+            <a:r>
+              <a:rPr lang="zh-CN" altLang="en-US" dirty="0" smtClean="0"/>
+              <a:t>读模式 </a:t>
+            </a:r>
+            <a:r>
+              <a:rPr lang="en-US" altLang="zh-CN" dirty="0" smtClean="0"/>
+              <a:t>‘a’ </a:t>
+            </a:r>
+            <a:r>
+              <a:rPr lang="zh-CN" altLang="en-US" dirty="0" smtClean="0"/>
+              <a:t>追加写模式  </a:t>
+            </a:r>
+            <a:r>
+              <a:rPr lang="en-US" altLang="zh-CN" dirty="0" err="1" smtClean="0"/>
+              <a:t>f.close</a:t>
+            </a:r>
+            <a:r>
+              <a:rPr lang="en-US" altLang="zh-CN" dirty="0" smtClean="0"/>
+              <a:t>()</a:t>
+            </a:r>
+            <a:r>
+              <a:rPr lang="zh-CN" altLang="en-US" dirty="0" smtClean="0"/>
+              <a:t>关闭；</a:t>
+            </a:r>
+            <a:endParaRPr lang="en-US" altLang="zh-CN" dirty="0" smtClean="0"/>
+          </a:p>
+          <a:p>
+            <a:r>
+              <a:rPr lang="zh-CN" altLang="en-US" dirty="0" smtClean="0"/>
+              <a:t>读取数据：</a:t>
+            </a:r>
+            <a:r>
+              <a:rPr lang="en-US" altLang="zh-CN" dirty="0" err="1" smtClean="0"/>
+              <a:t>f.read</a:t>
+            </a:r>
+            <a:r>
+              <a:rPr lang="en-US" altLang="zh-CN" dirty="0" smtClean="0"/>
+              <a:t>() </a:t>
+            </a:r>
+            <a:r>
+              <a:rPr lang="en-US" altLang="zh-CN" dirty="0" err="1" smtClean="0"/>
+              <a:t>f.readline</a:t>
+            </a:r>
+            <a:r>
+              <a:rPr lang="en-US" altLang="zh-CN" dirty="0" smtClean="0"/>
+              <a:t>() </a:t>
+            </a:r>
+            <a:r>
+              <a:rPr lang="en-US" altLang="zh-CN" dirty="0" err="1" smtClean="0"/>
+              <a:t>f.readlines</a:t>
+            </a:r>
+            <a:r>
+              <a:rPr lang="en-US" altLang="zh-CN" dirty="0" smtClean="0"/>
+              <a:t>();</a:t>
+            </a:r>
+          </a:p>
+          <a:p>
+            <a:r>
+              <a:rPr lang="zh-CN" altLang="en-US" dirty="0"/>
+              <a:t>写</a:t>
+            </a:r>
+            <a:r>
+              <a:rPr lang="zh-CN" altLang="en-US" dirty="0" smtClean="0"/>
+              <a:t>数据：</a:t>
+            </a:r>
+            <a:r>
+              <a:rPr lang="en-US" altLang="zh-CN" dirty="0" err="1" smtClean="0"/>
+              <a:t>f.write</a:t>
+            </a:r>
+            <a:r>
+              <a:rPr lang="en-US" altLang="zh-CN" dirty="0" smtClean="0"/>
+              <a:t>(‘hello’) </a:t>
+            </a:r>
+            <a:r>
+              <a:rPr lang="en-US" altLang="zh-CN" dirty="0" err="1" smtClean="0"/>
+              <a:t>f.writelines</a:t>
+            </a:r>
+            <a:r>
+              <a:rPr lang="en-US" altLang="zh-CN" dirty="0" smtClean="0"/>
+              <a:t>([‘hello \</a:t>
+            </a:r>
+            <a:r>
+              <a:rPr lang="en-US" altLang="zh-CN" dirty="0" err="1" smtClean="0"/>
+              <a:t>n’,’world</a:t>
+            </a:r>
+            <a:r>
+              <a:rPr lang="en-US" altLang="zh-CN" dirty="0" smtClean="0"/>
+              <a:t> \n’]);</a:t>
+            </a:r>
+          </a:p>
+          <a:p>
+            <a:r>
+              <a:rPr lang="zh-CN" altLang="en-US" dirty="0" smtClean="0"/>
+              <a:t>二进制读写：</a:t>
+            </a:r>
+            <a:r>
+              <a:rPr lang="en-US" altLang="zh-CN" dirty="0" smtClean="0"/>
+              <a:t>f=open(path,’</a:t>
+            </a:r>
+            <a:r>
+              <a:rPr lang="en-US" altLang="zh-CN" dirty="0" err="1" smtClean="0"/>
+              <a:t>wb</a:t>
+            </a:r>
+            <a:r>
+              <a:rPr lang="en-US" altLang="zh-CN" dirty="0" smtClean="0"/>
+              <a:t>’\’</a:t>
+            </a:r>
+            <a:r>
+              <a:rPr lang="en-US" altLang="zh-CN" dirty="0" err="1" smtClean="0"/>
+              <a:t>rb</a:t>
+            </a:r>
+            <a:r>
+              <a:rPr lang="en-US" altLang="zh-CN" dirty="0" smtClean="0"/>
+              <a:t>’);</a:t>
+            </a:r>
+          </a:p>
+          <a:p>
+            <a:r>
+              <a:rPr lang="zh-CN" altLang="en-US" dirty="0" smtClean="0"/>
+              <a:t>读写模式</a:t>
+            </a:r>
+            <a:r>
+              <a:rPr lang="en-US" altLang="zh-CN" dirty="0" smtClean="0"/>
+              <a:t>:f=open(</a:t>
+            </a:r>
+            <a:r>
+              <a:rPr lang="en-US" altLang="zh-CN" dirty="0" err="1" smtClean="0"/>
+              <a:t>path,’w</a:t>
+            </a:r>
+            <a:r>
+              <a:rPr lang="en-US" altLang="zh-CN" dirty="0" smtClean="0"/>
+              <a:t>+’) ‘+’</a:t>
+            </a:r>
+            <a:r>
+              <a:rPr lang="zh-CN" altLang="en-US" dirty="0" smtClean="0"/>
+              <a:t>字符表示读写模式也可以</a:t>
+            </a:r>
+            <a:r>
+              <a:rPr lang="en-US" altLang="zh-CN" dirty="0" smtClean="0"/>
+              <a:t>’</a:t>
+            </a:r>
+            <a:r>
+              <a:rPr lang="en-US" altLang="zh-CN" dirty="0" err="1" smtClean="0"/>
+              <a:t>r+’,’a</a:t>
+            </a:r>
+            <a:r>
+              <a:rPr lang="en-US" altLang="zh-CN" dirty="0" smtClean="0"/>
+              <a:t>+’;</a:t>
+            </a:r>
+          </a:p>
+          <a:p>
+            <a:r>
+              <a:rPr lang="zh-CN" altLang="en-US" dirty="0"/>
+              <a:t>常用</a:t>
+            </a:r>
+            <a:r>
+              <a:rPr lang="zh-CN" altLang="en-US" dirty="0" smtClean="0"/>
+              <a:t>写法：</a:t>
+            </a:r>
+            <a:r>
+              <a:rPr lang="en-US" altLang="zh-CN" dirty="0" smtClean="0"/>
+              <a:t>with open(</a:t>
+            </a:r>
+            <a:r>
+              <a:rPr lang="en-US" altLang="zh-CN" dirty="0" err="1" smtClean="0"/>
+              <a:t>path,’r</a:t>
+            </a:r>
+            <a:r>
+              <a:rPr lang="en-US" altLang="zh-CN" dirty="0" smtClean="0"/>
+              <a:t>’) as f: </a:t>
+            </a:r>
+          </a:p>
+          <a:p>
+            <a:r>
+              <a:rPr lang="en-US" altLang="zh-CN" dirty="0"/>
+              <a:t> </a:t>
+            </a:r>
+            <a:r>
+              <a:rPr lang="en-US" altLang="zh-CN" dirty="0" smtClean="0"/>
+              <a:t>                    print(</a:t>
+            </a:r>
+            <a:r>
+              <a:rPr lang="en-US" altLang="zh-CN" dirty="0" err="1" smtClean="0"/>
+              <a:t>f.readlines</a:t>
+            </a:r>
+            <a:r>
+              <a:rPr lang="en-US" altLang="zh-CN" smtClean="0"/>
+              <a:t>())</a:t>
+            </a:r>
+            <a:endParaRPr lang="en-US" altLang="zh-CN" dirty="0" smtClean="0"/>
+          </a:p>
+          <a:p>
+            <a:endParaRPr lang="en-US" altLang="zh-CN" dirty="0" smtClean="0"/>
+          </a:p>
+          <a:p>
+            <a:endParaRPr lang="zh-CN" altLang="en-US" dirty="0"/>
+          </a:p>
+        </p:txBody>
+      </p:sp>
+    </p:spTree>
+    <p:extLst>
+      <p:ext uri="{BB962C8B-B14F-4D97-AF65-F5344CB8AC3E}">
+        <p14:creationId xmlns:p14="http://schemas.microsoft.com/office/powerpoint/2010/main" val="1309885236"/>
+      </p:ext>
+    </p:extLst>
+  </p:cSld>
+  <p:clrMapOvr>
+    <a:masterClrMapping/>
+  </p:clrMapOvr>
+</p:sld>
+</file>
+
+<file path=ppt/slides/slide15.xml><?xml version="1.0" encoding="utf-8"?>
+<p:sld xmlns:a="http://schemas.openxmlformats.org/drawingml/2006/main" xmlns:r="http://schemas.openxmlformats.org/officeDocument/2006/relationships" xmlns:p="http://schemas.openxmlformats.org/presentationml/2006/main">
+  <p:cSld>
+    <p:spTree>
+      <p:nvGrpSpPr>
+        <p:cNvPr id="1" name=""/>
+        <p:cNvGrpSpPr/>
+        <p:nvPr/>
+      </p:nvGrpSpPr>
+      <p:grpSpPr>
+        <a:xfrm>
+          <a:off x="0" y="0"/>
+          <a:ext cx="0" cy="0"/>
+          <a:chOff x="0" y="0"/>
+          <a:chExt cx="0" cy="0"/>
+        </a:xfrm>
+      </p:grpSpPr>
+      <p:sp>
+        <p:nvSpPr>
+          <p:cNvPr id="2" name="标题 1"/>
+          <p:cNvSpPr>
+            <a:spLocks noGrp="1"/>
+          </p:cNvSpPr>
+          <p:nvPr>
+            <p:ph type="title"/>
+          </p:nvPr>
+        </p:nvSpPr>
+        <p:spPr/>
+        <p:txBody>
+          <a:bodyPr/>
+          <a:lstStyle/>
+          <a:p>
+            <a:r>
+              <a:rPr lang="zh-CN" altLang="en-US" dirty="0" smtClean="0"/>
+              <a:t>基本语法</a:t>
+            </a:r>
+            <a:endParaRPr lang="zh-CN" altLang="en-US" dirty="0"/>
+          </a:p>
+        </p:txBody>
+      </p:sp>
+      <p:sp>
+        <p:nvSpPr>
+          <p:cNvPr id="3" name="内容占位符 2"/>
+          <p:cNvSpPr>
+            <a:spLocks noGrp="1"/>
+          </p:cNvSpPr>
+          <p:nvPr>
+            <p:ph idx="1"/>
+          </p:nvPr>
+        </p:nvSpPr>
+        <p:spPr/>
+        <p:txBody>
+          <a:bodyPr/>
+          <a:lstStyle/>
+          <a:p>
+            <a:r>
+              <a:rPr lang="zh-CN" altLang="en-US" dirty="0" smtClean="0"/>
+              <a:t>复合语句后面必须有‘</a:t>
+            </a:r>
+            <a:r>
+              <a:rPr lang="en-US" altLang="zh-CN" dirty="0" smtClean="0"/>
+              <a:t>:</a:t>
+            </a:r>
+            <a:r>
+              <a:rPr lang="zh-CN" altLang="en-US" dirty="0" smtClean="0"/>
+              <a:t>’</a:t>
+            </a:r>
+            <a:r>
+              <a:rPr lang="en-US" altLang="zh-CN" dirty="0" smtClean="0"/>
+              <a:t>;</a:t>
+            </a:r>
+          </a:p>
+          <a:p>
+            <a:r>
+              <a:rPr lang="zh-CN" altLang="en-US" dirty="0" smtClean="0"/>
+              <a:t>语句尾部删除‘；’，如</a:t>
+            </a:r>
+            <a:r>
+              <a:rPr lang="en-US" altLang="zh-CN" dirty="0" smtClean="0"/>
+              <a:t>a=1</a:t>
+            </a:r>
+          </a:p>
+          <a:p>
+            <a:r>
+              <a:rPr lang="zh-CN" altLang="en-US" dirty="0" smtClean="0"/>
+              <a:t>缩进语法：同一缩进的代码行代表同一代码段；</a:t>
+            </a:r>
+            <a:endParaRPr lang="zh-CN" altLang="en-US" dirty="0"/>
+          </a:p>
+        </p:txBody>
+      </p:sp>
+      <p:pic>
+        <p:nvPicPr>
+          <p:cNvPr id="4" name="图片 3"/>
+          <p:cNvPicPr>
+            <a:picLocks noChangeAspect="1"/>
+          </p:cNvPicPr>
+          <p:nvPr/>
+        </p:nvPicPr>
+        <p:blipFill>
+          <a:blip r:embed="rId2"/>
+          <a:stretch>
+            <a:fillRect/>
+          </a:stretch>
+        </p:blipFill>
+        <p:spPr>
+          <a:xfrm>
+            <a:off x="1149939" y="3430904"/>
+            <a:ext cx="4562884" cy="2464799"/>
+          </a:xfrm>
+          <a:prstGeom prst="rect">
+            <a:avLst/>
+          </a:prstGeom>
+        </p:spPr>
+      </p:pic>
+    </p:spTree>
+    <p:extLst>
+      <p:ext uri="{BB962C8B-B14F-4D97-AF65-F5344CB8AC3E}">
+        <p14:creationId xmlns:p14="http://schemas.microsoft.com/office/powerpoint/2010/main" val="2852696663"/>
+      </p:ext>
+    </p:extLst>
+  </p:cSld>
+  <p:clrMapOvr>
+    <a:masterClrMapping/>
+  </p:clrMapOvr>
+</p:sld>
+</file>
+
+<file path=ppt/slides/slide16.xml><?xml version="1.0" encoding="utf-8"?>
+<p:sld xmlns:a="http://schemas.openxmlformats.org/drawingml/2006/main" xmlns:r="http://schemas.openxmlformats.org/officeDocument/2006/relationships" xmlns:p="http://schemas.openxmlformats.org/presentationml/2006/main">
+  <p:cSld>
+    <p:spTree>
+      <p:nvGrpSpPr>
+        <p:cNvPr id="1" name=""/>
+        <p:cNvGrpSpPr/>
+        <p:nvPr/>
+      </p:nvGrpSpPr>
+      <p:grpSpPr>
+        <a:xfrm>
+          <a:off x="0" y="0"/>
+          <a:ext cx="0" cy="0"/>
+          <a:chOff x="0" y="0"/>
+          <a:chExt cx="0" cy="0"/>
+        </a:xfrm>
+      </p:grpSpPr>
+      <p:sp>
+        <p:nvSpPr>
+          <p:cNvPr id="2" name="标题 1"/>
+          <p:cNvSpPr>
+            <a:spLocks noGrp="1"/>
+          </p:cNvSpPr>
+          <p:nvPr>
+            <p:ph type="title"/>
+          </p:nvPr>
+        </p:nvSpPr>
+        <p:spPr/>
+        <p:txBody>
+          <a:bodyPr/>
+          <a:lstStyle/>
+          <a:p>
+            <a:r>
+              <a:rPr lang="zh-CN" altLang="en-US" dirty="0" smtClean="0"/>
+              <a:t>赋值与命名</a:t>
+            </a:r>
+            <a:endParaRPr lang="zh-CN" altLang="en-US" dirty="0"/>
+          </a:p>
+        </p:txBody>
+      </p:sp>
+      <p:sp>
+        <p:nvSpPr>
+          <p:cNvPr id="3" name="内容占位符 2"/>
+          <p:cNvSpPr>
+            <a:spLocks noGrp="1"/>
+          </p:cNvSpPr>
+          <p:nvPr>
+            <p:ph idx="1"/>
+          </p:nvPr>
+        </p:nvSpPr>
+        <p:spPr/>
+        <p:txBody>
+          <a:bodyPr/>
+          <a:lstStyle/>
+          <a:p>
+            <a:r>
+              <a:rPr lang="zh-CN" altLang="en-US" dirty="0" smtClean="0"/>
+              <a:t>基本形式：</a:t>
+            </a:r>
+            <a:r>
+              <a:rPr lang="en-US" altLang="zh-CN" dirty="0" smtClean="0"/>
+              <a:t>a=1</a:t>
+            </a:r>
+          </a:p>
+          <a:p>
+            <a:r>
+              <a:rPr lang="zh-CN" altLang="en-US" dirty="0" smtClean="0"/>
+              <a:t>元组赋值形式：</a:t>
+            </a:r>
+            <a:r>
+              <a:rPr lang="en-US" altLang="zh-CN" dirty="0" err="1" smtClean="0"/>
+              <a:t>a,b</a:t>
+            </a:r>
+            <a:r>
+              <a:rPr lang="en-US" altLang="zh-CN" dirty="0" smtClean="0"/>
+              <a:t>=1,2</a:t>
+            </a:r>
+          </a:p>
+          <a:p>
+            <a:r>
+              <a:rPr lang="zh-CN" altLang="en-US" dirty="0" smtClean="0"/>
+              <a:t>序列赋值</a:t>
+            </a:r>
+            <a:r>
+              <a:rPr lang="en-US" altLang="zh-CN" dirty="0" smtClean="0"/>
+              <a:t>:</a:t>
+            </a:r>
+            <a:r>
+              <a:rPr lang="en-US" altLang="zh-CN" dirty="0" err="1" smtClean="0"/>
+              <a:t>a,b,c,d,e</a:t>
+            </a:r>
+            <a:r>
+              <a:rPr lang="en-US" altLang="zh-CN" dirty="0" smtClean="0"/>
+              <a:t>=‘hello’</a:t>
+            </a:r>
+          </a:p>
+          <a:p>
+            <a:r>
+              <a:rPr lang="zh-CN" altLang="en-US" dirty="0" smtClean="0"/>
+              <a:t>多目标赋值：</a:t>
+            </a:r>
+            <a:r>
+              <a:rPr lang="en-US" altLang="zh-CN" dirty="0" smtClean="0"/>
+              <a:t>a=b=1</a:t>
+            </a:r>
+          </a:p>
+          <a:p>
+            <a:r>
+              <a:rPr lang="zh-CN" altLang="en-US" dirty="0" smtClean="0"/>
+              <a:t>下划线或字母</a:t>
+            </a:r>
+            <a:r>
+              <a:rPr lang="en-US" altLang="zh-CN" dirty="0" smtClean="0"/>
+              <a:t>+</a:t>
+            </a:r>
+            <a:r>
+              <a:rPr lang="zh-CN" altLang="en-US" dirty="0" smtClean="0"/>
+              <a:t>数字、字母、下划线</a:t>
+            </a:r>
+            <a:r>
+              <a:rPr lang="en-US" altLang="zh-CN" dirty="0" smtClean="0"/>
+              <a:t>;</a:t>
+            </a:r>
+          </a:p>
+          <a:p>
+            <a:r>
+              <a:rPr lang="zh-CN" altLang="en-US" dirty="0" smtClean="0"/>
+              <a:t>保留字不能用做变量名；‘</a:t>
+            </a:r>
+            <a:r>
+              <a:rPr lang="en-US" altLang="zh-CN" dirty="0" smtClean="0"/>
+              <a:t>__name__</a:t>
+            </a:r>
+            <a:r>
+              <a:rPr lang="zh-CN" altLang="en-US" dirty="0" smtClean="0"/>
+              <a:t>’类似这类名称有特殊含义，不用做变量名</a:t>
+            </a:r>
+            <a:r>
+              <a:rPr lang="en-US" altLang="zh-CN" dirty="0" smtClean="0"/>
+              <a:t>;</a:t>
+            </a:r>
+          </a:p>
+          <a:p>
+            <a:endParaRPr lang="en-US" altLang="zh-CN" dirty="0" smtClean="0"/>
+          </a:p>
+          <a:p>
+            <a:endParaRPr lang="zh-CN" altLang="en-US" dirty="0"/>
+          </a:p>
+        </p:txBody>
+      </p:sp>
+    </p:spTree>
+    <p:extLst>
+      <p:ext uri="{BB962C8B-B14F-4D97-AF65-F5344CB8AC3E}">
+        <p14:creationId xmlns:p14="http://schemas.microsoft.com/office/powerpoint/2010/main" val="2075304684"/>
+      </p:ext>
+    </p:extLst>
+  </p:cSld>
+  <p:clrMapOvr>
+    <a:masterClrMapping/>
+  </p:clrMapOvr>
+</p:sld>
+</file>
+
+<file path=ppt/slides/slide17.xml><?xml version="1.0" encoding="utf-8"?>
+<p:sld xmlns:a="http://schemas.openxmlformats.org/drawingml/2006/main" xmlns:r="http://schemas.openxmlformats.org/officeDocument/2006/relationships" xmlns:p="http://schemas.openxmlformats.org/presentationml/2006/main">
+  <p:cSld>
+    <p:spTree>
+      <p:nvGrpSpPr>
+        <p:cNvPr id="1" name=""/>
+        <p:cNvGrpSpPr/>
+        <p:nvPr/>
+      </p:nvGrpSpPr>
+      <p:grpSpPr>
+        <a:xfrm>
+          <a:off x="0" y="0"/>
+          <a:ext cx="0" cy="0"/>
+          <a:chOff x="0" y="0"/>
+          <a:chExt cx="0" cy="0"/>
+        </a:xfrm>
+      </p:grpSpPr>
+      <p:sp>
+        <p:nvSpPr>
+          <p:cNvPr id="2" name="标题 1"/>
+          <p:cNvSpPr>
+            <a:spLocks noGrp="1"/>
+          </p:cNvSpPr>
+          <p:nvPr>
+            <p:ph type="title"/>
+          </p:nvPr>
+        </p:nvSpPr>
+        <p:spPr/>
+        <p:txBody>
+          <a:bodyPr/>
+          <a:lstStyle/>
+          <a:p>
+            <a:r>
+              <a:rPr lang="en-US" altLang="zh-CN" dirty="0" smtClean="0"/>
+              <a:t>If</a:t>
+            </a:r>
+            <a:r>
+              <a:rPr lang="zh-CN" altLang="en-US" dirty="0" smtClean="0"/>
+              <a:t>语句</a:t>
+            </a:r>
+            <a:endParaRPr lang="zh-CN" altLang="en-US" dirty="0"/>
+          </a:p>
+        </p:txBody>
+      </p:sp>
+      <p:sp>
+        <p:nvSpPr>
+          <p:cNvPr id="3" name="内容占位符 2"/>
+          <p:cNvSpPr>
+            <a:spLocks noGrp="1"/>
+          </p:cNvSpPr>
+          <p:nvPr>
+            <p:ph idx="1"/>
+          </p:nvPr>
+        </p:nvSpPr>
+        <p:spPr/>
+        <p:txBody>
+          <a:bodyPr/>
+          <a:lstStyle/>
+          <a:p>
+            <a:r>
+              <a:rPr lang="zh-CN" altLang="en-US" dirty="0" smtClean="0"/>
+              <a:t>表达形式：</a:t>
+            </a:r>
+            <a:endParaRPr lang="en-US" altLang="zh-CN" dirty="0" smtClean="0"/>
+          </a:p>
+          <a:p>
+            <a:r>
+              <a:rPr lang="en-US" altLang="zh-CN" dirty="0" smtClean="0"/>
+              <a:t>if </a:t>
+            </a:r>
+            <a:r>
+              <a:rPr lang="zh-CN" altLang="en-US" dirty="0" smtClean="0"/>
+              <a:t>条件判断</a:t>
+            </a:r>
+            <a:r>
+              <a:rPr lang="en-US" altLang="zh-CN" dirty="0" smtClean="0"/>
+              <a:t>1:</a:t>
+            </a:r>
+          </a:p>
+          <a:p>
+            <a:r>
+              <a:rPr lang="en-US" altLang="zh-CN" dirty="0"/>
+              <a:t> </a:t>
+            </a:r>
+            <a:r>
+              <a:rPr lang="en-US" altLang="zh-CN" dirty="0" smtClean="0"/>
+              <a:t>  </a:t>
+            </a:r>
+            <a:r>
+              <a:rPr lang="zh-CN" altLang="en-US" dirty="0" smtClean="0"/>
+              <a:t>代码</a:t>
+            </a:r>
+            <a:endParaRPr lang="en-US" altLang="zh-CN" dirty="0" smtClean="0"/>
+          </a:p>
+          <a:p>
+            <a:r>
+              <a:rPr lang="en-US" altLang="zh-CN" dirty="0" err="1"/>
+              <a:t>e</a:t>
+            </a:r>
+            <a:r>
+              <a:rPr lang="en-US" altLang="zh-CN" dirty="0" err="1" smtClean="0"/>
+              <a:t>lif</a:t>
+            </a:r>
+            <a:r>
+              <a:rPr lang="en-US" altLang="zh-CN" dirty="0" smtClean="0"/>
+              <a:t> </a:t>
+            </a:r>
+            <a:r>
+              <a:rPr lang="zh-CN" altLang="en-US" dirty="0" smtClean="0"/>
+              <a:t>条件判断</a:t>
+            </a:r>
+            <a:r>
+              <a:rPr lang="en-US" altLang="zh-CN" dirty="0" smtClean="0"/>
+              <a:t>2:</a:t>
+            </a:r>
+          </a:p>
+          <a:p>
+            <a:r>
+              <a:rPr lang="en-US" altLang="zh-CN" dirty="0"/>
+              <a:t> </a:t>
+            </a:r>
+            <a:r>
+              <a:rPr lang="en-US" altLang="zh-CN" dirty="0" smtClean="0"/>
+              <a:t> </a:t>
+            </a:r>
+            <a:r>
+              <a:rPr lang="zh-CN" altLang="en-US" dirty="0" smtClean="0"/>
+              <a:t>代码</a:t>
+            </a:r>
+            <a:endParaRPr lang="en-US" altLang="zh-CN" dirty="0" smtClean="0"/>
+          </a:p>
+          <a:p>
+            <a:r>
+              <a:rPr lang="en-US" altLang="zh-CN" dirty="0"/>
+              <a:t>e</a:t>
+            </a:r>
+            <a:r>
+              <a:rPr lang="en-US" altLang="zh-CN" dirty="0" smtClean="0"/>
+              <a:t>lse:</a:t>
+            </a:r>
+          </a:p>
+          <a:p>
+            <a:r>
+              <a:rPr lang="en-US" altLang="zh-CN" dirty="0"/>
+              <a:t> </a:t>
+            </a:r>
+            <a:r>
+              <a:rPr lang="en-US" altLang="zh-CN" dirty="0" smtClean="0"/>
+              <a:t> </a:t>
+            </a:r>
+            <a:r>
+              <a:rPr lang="zh-CN" altLang="en-US" dirty="0" smtClean="0"/>
+              <a:t>代码</a:t>
+            </a:r>
+            <a:endParaRPr lang="en-US" altLang="zh-CN" dirty="0" smtClean="0"/>
+          </a:p>
+          <a:p>
+            <a:r>
+              <a:rPr lang="zh-CN" altLang="en-US" dirty="0"/>
+              <a:t>三</a:t>
+            </a:r>
+            <a:r>
+              <a:rPr lang="zh-CN" altLang="en-US" dirty="0" smtClean="0"/>
+              <a:t>元表达式：</a:t>
+            </a:r>
+            <a:r>
+              <a:rPr lang="en-US" altLang="zh-CN" dirty="0" smtClean="0"/>
+              <a:t>A= ‘a’ if </a:t>
+            </a:r>
+            <a:r>
+              <a:rPr lang="zh-CN" altLang="en-US" dirty="0" smtClean="0"/>
+              <a:t>表达式 </a:t>
+            </a:r>
+            <a:r>
+              <a:rPr lang="en-US" altLang="zh-CN" dirty="0" smtClean="0"/>
+              <a:t>else ‘b’</a:t>
+            </a:r>
+          </a:p>
+        </p:txBody>
+      </p:sp>
+    </p:spTree>
+    <p:extLst>
+      <p:ext uri="{BB962C8B-B14F-4D97-AF65-F5344CB8AC3E}">
+        <p14:creationId xmlns:p14="http://schemas.microsoft.com/office/powerpoint/2010/main" val="2324336928"/>
+      </p:ext>
+    </p:extLst>
+  </p:cSld>
+  <p:clrMapOvr>
+    <a:masterClrMapping/>
+  </p:clrMapOvr>
+</p:sld>
+</file>
+
 <file path=ppt/slides/slide2.xml><?xml version="1.0" encoding="utf-8"?>
 <p:sld xmlns:a="http://schemas.openxmlformats.org/drawingml/2006/main" xmlns:r="http://schemas.openxmlformats.org/officeDocument/2006/relationships" xmlns:p="http://schemas.openxmlformats.org/presentationml/2006/main">
   <p:cSld>
@@ -6042,7 +7665,6 @@
               <a:rPr lang="zh-CN" altLang="en-US" dirty="0"/>
               <a:t>支持面向对象的风格或代码封装在对象的编程技术</a:t>
             </a:r>
-            <a:endParaRPr lang="zh-CN" altLang="en-US" dirty="0"/>
           </a:p>
         </p:txBody>
       </p:sp>
@@ -7558,6 +9180,230 @@
       </p:par>
     </p:tnLst>
   </p:timing>
+</p:sld>
+</file>
+
+<file path=ppt/slides/slide9.xml><?xml version="1.0" encoding="utf-8"?>
+<p:sld xmlns:a="http://schemas.openxmlformats.org/drawingml/2006/main" xmlns:r="http://schemas.openxmlformats.org/officeDocument/2006/relationships" xmlns:p="http://schemas.openxmlformats.org/presentationml/2006/main">
+  <p:cSld>
+    <p:spTree>
+      <p:nvGrpSpPr>
+        <p:cNvPr id="1" name=""/>
+        <p:cNvGrpSpPr/>
+        <p:nvPr/>
+      </p:nvGrpSpPr>
+      <p:grpSpPr>
+        <a:xfrm>
+          <a:off x="0" y="0"/>
+          <a:ext cx="0" cy="0"/>
+          <a:chOff x="0" y="0"/>
+          <a:chExt cx="0" cy="0"/>
+        </a:xfrm>
+      </p:grpSpPr>
+      <p:sp>
+        <p:nvSpPr>
+          <p:cNvPr id="2" name="标题 1"/>
+          <p:cNvSpPr>
+            <a:spLocks noGrp="1"/>
+          </p:cNvSpPr>
+          <p:nvPr>
+            <p:ph type="title"/>
+          </p:nvPr>
+        </p:nvSpPr>
+        <p:spPr/>
+        <p:txBody>
+          <a:bodyPr/>
+          <a:lstStyle/>
+          <a:p>
+            <a:r>
+              <a:rPr lang="zh-CN" altLang="en-US" dirty="0" smtClean="0"/>
+              <a:t>列表</a:t>
+            </a:r>
+            <a:endParaRPr lang="zh-CN" altLang="en-US" dirty="0"/>
+          </a:p>
+        </p:txBody>
+      </p:sp>
+      <p:sp>
+        <p:nvSpPr>
+          <p:cNvPr id="3" name="内容占位符 2"/>
+          <p:cNvSpPr>
+            <a:spLocks noGrp="1"/>
+          </p:cNvSpPr>
+          <p:nvPr>
+            <p:ph idx="1"/>
+          </p:nvPr>
+        </p:nvSpPr>
+        <p:spPr/>
+        <p:txBody>
+          <a:bodyPr/>
+          <a:lstStyle/>
+          <a:p>
+            <a:r>
+              <a:rPr lang="zh-CN" altLang="en-US" dirty="0" smtClean="0"/>
+              <a:t>可变类型；</a:t>
+            </a:r>
+            <a:endParaRPr lang="en-US" altLang="zh-CN" dirty="0" smtClean="0"/>
+          </a:p>
+          <a:p>
+            <a:r>
+              <a:rPr lang="zh-CN" altLang="en-US" dirty="0" smtClean="0"/>
+              <a:t>任意对象的有序集合</a:t>
+            </a:r>
+            <a:r>
+              <a:rPr lang="en-US" altLang="zh-CN" dirty="0" smtClean="0"/>
+              <a:t>:[1,’str’,[],{}]</a:t>
+            </a:r>
+          </a:p>
+          <a:p>
+            <a:r>
+              <a:rPr lang="zh-CN" altLang="en-US" dirty="0" smtClean="0"/>
+              <a:t>索引：</a:t>
+            </a:r>
+            <a:r>
+              <a:rPr lang="en-US" altLang="zh-CN" dirty="0" smtClean="0"/>
+              <a:t>L=[1,2,3,4] L[</a:t>
+            </a:r>
+            <a:r>
+              <a:rPr lang="en-US" altLang="zh-CN" dirty="0" err="1" smtClean="0"/>
+              <a:t>i</a:t>
+            </a:r>
+            <a:r>
+              <a:rPr lang="en-US" altLang="zh-CN" dirty="0" smtClean="0"/>
+              <a:t>]</a:t>
+            </a:r>
+            <a:r>
+              <a:rPr lang="zh-CN" altLang="en-US" dirty="0" smtClean="0"/>
+              <a:t>获取值；</a:t>
+            </a:r>
+            <a:endParaRPr lang="en-US" altLang="zh-CN" dirty="0" smtClean="0"/>
+          </a:p>
+          <a:p>
+            <a:r>
+              <a:rPr lang="zh-CN" altLang="en-US" dirty="0" smtClean="0"/>
+              <a:t>分片：</a:t>
+            </a:r>
+            <a:r>
+              <a:rPr lang="en-US" altLang="zh-CN" dirty="0" smtClean="0"/>
+              <a:t>L[1:]-&gt;[2,3,4]</a:t>
+            </a:r>
+            <a:r>
+              <a:rPr lang="zh-CN" altLang="en-US" dirty="0" smtClean="0"/>
+              <a:t>；</a:t>
+            </a:r>
+            <a:r>
+              <a:rPr lang="en-US" altLang="zh-CN" dirty="0" smtClean="0"/>
+              <a:t>S=L[:] </a:t>
+            </a:r>
+            <a:r>
+              <a:rPr lang="zh-CN" altLang="en-US" dirty="0" smtClean="0"/>
+              <a:t>实现</a:t>
+            </a:r>
+            <a:r>
+              <a:rPr lang="en-US" altLang="zh-CN" dirty="0" smtClean="0"/>
+              <a:t>L</a:t>
+            </a:r>
+            <a:r>
+              <a:rPr lang="zh-CN" altLang="en-US" dirty="0" smtClean="0"/>
+              <a:t>的浅拷贝</a:t>
+            </a:r>
+            <a:endParaRPr lang="en-US" altLang="zh-CN" dirty="0" smtClean="0"/>
+          </a:p>
+          <a:p>
+            <a:r>
+              <a:rPr lang="zh-CN" altLang="en-US" dirty="0" smtClean="0"/>
+              <a:t>常用方法：</a:t>
+            </a:r>
+            <a:r>
+              <a:rPr lang="en-US" altLang="zh-CN" dirty="0" err="1" smtClean="0"/>
+              <a:t>L.append</a:t>
+            </a:r>
+            <a:r>
+              <a:rPr lang="en-US" altLang="zh-CN" dirty="0" smtClean="0"/>
+              <a:t>(‘</a:t>
+            </a:r>
+            <a:r>
+              <a:rPr lang="en-US" altLang="zh-CN" dirty="0" err="1" smtClean="0"/>
+              <a:t>abc</a:t>
+            </a:r>
+            <a:r>
+              <a:rPr lang="en-US" altLang="zh-CN" dirty="0" smtClean="0"/>
+              <a:t>’) </a:t>
+            </a:r>
+            <a:r>
+              <a:rPr lang="zh-CN" altLang="en-US" dirty="0" smtClean="0"/>
+              <a:t>尾部添加</a:t>
+            </a:r>
+            <a:r>
+              <a:rPr lang="en-US" altLang="zh-CN" dirty="0" smtClean="0"/>
+              <a:t>;</a:t>
+            </a:r>
+            <a:r>
+              <a:rPr lang="en-US" altLang="zh-CN" dirty="0" err="1" smtClean="0"/>
+              <a:t>L.extend</a:t>
+            </a:r>
+            <a:r>
+              <a:rPr lang="en-US" altLang="zh-CN" dirty="0" smtClean="0"/>
+              <a:t>([1,2,3])</a:t>
+            </a:r>
+            <a:r>
+              <a:rPr lang="zh-CN" altLang="en-US" dirty="0" smtClean="0"/>
+              <a:t>尾部添加多个元素</a:t>
+            </a:r>
+            <a:r>
+              <a:rPr lang="en-US" altLang="zh-CN" dirty="0" smtClean="0"/>
+              <a:t> </a:t>
+            </a:r>
+            <a:r>
+              <a:rPr lang="zh-CN" altLang="en-US" dirty="0" smtClean="0"/>
+              <a:t>；</a:t>
+            </a:r>
+            <a:r>
+              <a:rPr lang="en-US" altLang="zh-CN" dirty="0" err="1" smtClean="0"/>
+              <a:t>L.sort</a:t>
+            </a:r>
+            <a:r>
+              <a:rPr lang="en-US" altLang="zh-CN" dirty="0" smtClean="0"/>
+              <a:t>(reverse=false) </a:t>
+            </a:r>
+            <a:r>
+              <a:rPr lang="zh-CN" altLang="en-US" dirty="0" smtClean="0"/>
+              <a:t>排序 默认正序排序；</a:t>
+            </a:r>
+            <a:r>
+              <a:rPr lang="en-US" altLang="zh-CN" dirty="0" err="1" smtClean="0"/>
+              <a:t>L.pop</a:t>
+            </a:r>
+            <a:r>
+              <a:rPr lang="en-US" altLang="zh-CN" dirty="0" smtClean="0"/>
+              <a:t>(index) </a:t>
+            </a:r>
+            <a:r>
+              <a:rPr lang="zh-CN" altLang="en-US" dirty="0" smtClean="0"/>
+              <a:t>移除元素 默认尾部移除；</a:t>
+            </a:r>
+            <a:r>
+              <a:rPr lang="en-US" altLang="zh-CN" dirty="0" smtClean="0"/>
+              <a:t> </a:t>
+            </a:r>
+          </a:p>
+          <a:p>
+            <a:endParaRPr lang="en-US" altLang="zh-CN" dirty="0" smtClean="0"/>
+          </a:p>
+          <a:p>
+            <a:endParaRPr lang="zh-CN" altLang="en-US" dirty="0"/>
+          </a:p>
+        </p:txBody>
+      </p:sp>
+    </p:spTree>
+    <p:extLst>
+      <p:ext uri="{BB962C8B-B14F-4D97-AF65-F5344CB8AC3E}">
+        <p14:creationId xmlns:p14="http://schemas.microsoft.com/office/powerpoint/2010/main" val="3241077342"/>
+      </p:ext>
+    </p:extLst>
+  </p:cSld>
+  <p:clrMapOvr>
+    <a:masterClrMapping/>
+  </p:clrMapOvr>
 </p:sld>
 </file>
 

--- a/python.pptx
+++ b/python.pptx
@@ -22,6 +22,9 @@
     <p:sldId id="270" r:id="rId16"/>
     <p:sldId id="271" r:id="rId17"/>
     <p:sldId id="272" r:id="rId18"/>
+    <p:sldId id="273" r:id="rId19"/>
+    <p:sldId id="274" r:id="rId20"/>
+    <p:sldId id="275" r:id="rId21"/>
   </p:sldIdLst>
   <p:sldSz cx="12192000" cy="6858000"/>
   <p:notesSz cx="6858000" cy="9144000"/>
@@ -850,7 +853,7 @@
           <a:p>
             <a:fld id="{07042CFF-A88D-4E52-85D6-96D03CDBF678}" type="datetimeFigureOut">
               <a:rPr lang="zh-CN" altLang="en-US" smtClean="0"/>
-              <a:t>2019/2/14</a:t>
+              <a:t>2019/2/18</a:t>
             </a:fld>
             <a:endParaRPr lang="zh-CN" altLang="en-US"/>
           </a:p>
@@ -1101,7 +1104,7 @@
           <a:p>
             <a:fld id="{07042CFF-A88D-4E52-85D6-96D03CDBF678}" type="datetimeFigureOut">
               <a:rPr lang="zh-CN" altLang="en-US" smtClean="0"/>
-              <a:t>2019/2/14</a:t>
+              <a:t>2019/2/18</a:t>
             </a:fld>
             <a:endParaRPr lang="zh-CN" altLang="en-US"/>
           </a:p>
@@ -1415,7 +1418,7 @@
           <a:p>
             <a:fld id="{07042CFF-A88D-4E52-85D6-96D03CDBF678}" type="datetimeFigureOut">
               <a:rPr lang="zh-CN" altLang="en-US" smtClean="0"/>
-              <a:t>2019/2/14</a:t>
+              <a:t>2019/2/18</a:t>
             </a:fld>
             <a:endParaRPr lang="zh-CN" altLang="en-US"/>
           </a:p>
@@ -1756,7 +1759,7 @@
           <a:p>
             <a:fld id="{07042CFF-A88D-4E52-85D6-96D03CDBF678}" type="datetimeFigureOut">
               <a:rPr lang="zh-CN" altLang="en-US" smtClean="0"/>
-              <a:t>2019/2/14</a:t>
+              <a:t>2019/2/18</a:t>
             </a:fld>
             <a:endParaRPr lang="zh-CN" altLang="en-US"/>
           </a:p>
@@ -2070,7 +2073,7 @@
           <a:p>
             <a:fld id="{07042CFF-A88D-4E52-85D6-96D03CDBF678}" type="datetimeFigureOut">
               <a:rPr lang="zh-CN" altLang="en-US" smtClean="0"/>
-              <a:t>2019/2/14</a:t>
+              <a:t>2019/2/18</a:t>
             </a:fld>
             <a:endParaRPr lang="zh-CN" altLang="en-US"/>
           </a:p>
@@ -2463,7 +2466,7 @@
           <a:p>
             <a:fld id="{07042CFF-A88D-4E52-85D6-96D03CDBF678}" type="datetimeFigureOut">
               <a:rPr lang="zh-CN" altLang="en-US" smtClean="0"/>
-              <a:t>2019/2/14</a:t>
+              <a:t>2019/2/18</a:t>
             </a:fld>
             <a:endParaRPr lang="zh-CN" altLang="en-US"/>
           </a:p>
@@ -2633,7 +2636,7 @@
           <a:p>
             <a:fld id="{07042CFF-A88D-4E52-85D6-96D03CDBF678}" type="datetimeFigureOut">
               <a:rPr lang="zh-CN" altLang="en-US" smtClean="0"/>
-              <a:t>2019/2/14</a:t>
+              <a:t>2019/2/18</a:t>
             </a:fld>
             <a:endParaRPr lang="zh-CN" altLang="en-US"/>
           </a:p>
@@ -2813,7 +2816,7 @@
           <a:p>
             <a:fld id="{07042CFF-A88D-4E52-85D6-96D03CDBF678}" type="datetimeFigureOut">
               <a:rPr lang="zh-CN" altLang="en-US" smtClean="0"/>
-              <a:t>2019/2/14</a:t>
+              <a:t>2019/2/18</a:t>
             </a:fld>
             <a:endParaRPr lang="zh-CN" altLang="en-US"/>
           </a:p>
@@ -2989,7 +2992,7 @@
           <a:p>
             <a:fld id="{07042CFF-A88D-4E52-85D6-96D03CDBF678}" type="datetimeFigureOut">
               <a:rPr lang="zh-CN" altLang="en-US" smtClean="0"/>
-              <a:t>2019/2/14</a:t>
+              <a:t>2019/2/18</a:t>
             </a:fld>
             <a:endParaRPr lang="zh-CN" altLang="en-US"/>
           </a:p>
@@ -3236,7 +3239,7 @@
           <a:p>
             <a:fld id="{07042CFF-A88D-4E52-85D6-96D03CDBF678}" type="datetimeFigureOut">
               <a:rPr lang="zh-CN" altLang="en-US" smtClean="0"/>
-              <a:t>2019/2/14</a:t>
+              <a:t>2019/2/18</a:t>
             </a:fld>
             <a:endParaRPr lang="zh-CN" altLang="en-US"/>
           </a:p>
@@ -3468,7 +3471,7 @@
           <a:p>
             <a:fld id="{07042CFF-A88D-4E52-85D6-96D03CDBF678}" type="datetimeFigureOut">
               <a:rPr lang="zh-CN" altLang="en-US" smtClean="0"/>
-              <a:t>2019/2/14</a:t>
+              <a:t>2019/2/18</a:t>
             </a:fld>
             <a:endParaRPr lang="zh-CN" altLang="en-US"/>
           </a:p>
@@ -3842,7 +3845,7 @@
           <a:p>
             <a:fld id="{07042CFF-A88D-4E52-85D6-96D03CDBF678}" type="datetimeFigureOut">
               <a:rPr lang="zh-CN" altLang="en-US" smtClean="0"/>
-              <a:t>2019/2/14</a:t>
+              <a:t>2019/2/18</a:t>
             </a:fld>
             <a:endParaRPr lang="zh-CN" altLang="en-US"/>
           </a:p>
@@ -3965,7 +3968,7 @@
           <a:p>
             <a:fld id="{07042CFF-A88D-4E52-85D6-96D03CDBF678}" type="datetimeFigureOut">
               <a:rPr lang="zh-CN" altLang="en-US" smtClean="0"/>
-              <a:t>2019/2/14</a:t>
+              <a:t>2019/2/18</a:t>
             </a:fld>
             <a:endParaRPr lang="zh-CN" altLang="en-US"/>
           </a:p>
@@ -4060,7 +4063,7 @@
           <a:p>
             <a:fld id="{07042CFF-A88D-4E52-85D6-96D03CDBF678}" type="datetimeFigureOut">
               <a:rPr lang="zh-CN" altLang="en-US" smtClean="0"/>
-              <a:t>2019/2/14</a:t>
+              <a:t>2019/2/18</a:t>
             </a:fld>
             <a:endParaRPr lang="zh-CN" altLang="en-US"/>
           </a:p>
@@ -4315,7 +4318,7 @@
           <a:p>
             <a:fld id="{07042CFF-A88D-4E52-85D6-96D03CDBF678}" type="datetimeFigureOut">
               <a:rPr lang="zh-CN" altLang="en-US" smtClean="0"/>
-              <a:t>2019/2/14</a:t>
+              <a:t>2019/2/18</a:t>
             </a:fld>
             <a:endParaRPr lang="zh-CN" altLang="en-US"/>
           </a:p>
@@ -4578,7 +4581,7 @@
           <a:p>
             <a:fld id="{07042CFF-A88D-4E52-85D6-96D03CDBF678}" type="datetimeFigureOut">
               <a:rPr lang="zh-CN" altLang="en-US" smtClean="0"/>
-              <a:t>2019/2/14</a:t>
+              <a:t>2019/2/18</a:t>
             </a:fld>
             <a:endParaRPr lang="zh-CN" altLang="en-US"/>
           </a:p>
@@ -5321,7 +5324,7 @@
           <a:p>
             <a:fld id="{07042CFF-A88D-4E52-85D6-96D03CDBF678}" type="datetimeFigureOut">
               <a:rPr lang="zh-CN" altLang="en-US" smtClean="0"/>
-              <a:t>2019/2/14</a:t>
+              <a:t>2019/2/18</a:t>
             </a:fld>
             <a:endParaRPr lang="zh-CN" altLang="en-US"/>
           </a:p>
@@ -7521,6 +7524,379 @@
 </p:sld>
 </file>
 
+<file path=ppt/slides/slide18.xml><?xml version="1.0" encoding="utf-8"?>
+<p:sld xmlns:a="http://schemas.openxmlformats.org/drawingml/2006/main" xmlns:r="http://schemas.openxmlformats.org/officeDocument/2006/relationships" xmlns:p="http://schemas.openxmlformats.org/presentationml/2006/main">
+  <p:cSld>
+    <p:spTree>
+      <p:nvGrpSpPr>
+        <p:cNvPr id="1" name=""/>
+        <p:cNvGrpSpPr/>
+        <p:nvPr/>
+      </p:nvGrpSpPr>
+      <p:grpSpPr>
+        <a:xfrm>
+          <a:off x="0" y="0"/>
+          <a:ext cx="0" cy="0"/>
+          <a:chOff x="0" y="0"/>
+          <a:chExt cx="0" cy="0"/>
+        </a:xfrm>
+      </p:grpSpPr>
+      <p:sp>
+        <p:nvSpPr>
+          <p:cNvPr id="2" name="标题 1"/>
+          <p:cNvSpPr>
+            <a:spLocks noGrp="1"/>
+          </p:cNvSpPr>
+          <p:nvPr>
+            <p:ph type="title"/>
+          </p:nvPr>
+        </p:nvSpPr>
+        <p:spPr/>
+        <p:txBody>
+          <a:bodyPr/>
+          <a:lstStyle/>
+          <a:p>
+            <a:r>
+              <a:rPr lang="en-US" altLang="zh-CN" dirty="0" smtClean="0"/>
+              <a:t>While</a:t>
+            </a:r>
+            <a:r>
+              <a:rPr lang="zh-CN" altLang="en-US" dirty="0" smtClean="0"/>
+              <a:t>循环</a:t>
+            </a:r>
+            <a:endParaRPr lang="zh-CN" altLang="en-US" dirty="0"/>
+          </a:p>
+        </p:txBody>
+      </p:sp>
+      <p:sp>
+        <p:nvSpPr>
+          <p:cNvPr id="3" name="内容占位符 2"/>
+          <p:cNvSpPr>
+            <a:spLocks noGrp="1"/>
+          </p:cNvSpPr>
+          <p:nvPr>
+            <p:ph idx="1"/>
+          </p:nvPr>
+        </p:nvSpPr>
+        <p:spPr/>
+        <p:txBody>
+          <a:bodyPr/>
+          <a:lstStyle/>
+          <a:p>
+            <a:r>
+              <a:rPr lang="zh-CN" altLang="en-US" dirty="0" smtClean="0"/>
+              <a:t>基本格式</a:t>
+            </a:r>
+            <a:r>
+              <a:rPr lang="en-US" altLang="zh-CN" dirty="0" smtClean="0"/>
+              <a:t>:</a:t>
+            </a:r>
+          </a:p>
+          <a:p>
+            <a:r>
+              <a:rPr lang="en-US" altLang="zh-CN" dirty="0"/>
+              <a:t>  </a:t>
+            </a:r>
+            <a:r>
+              <a:rPr lang="en-US" altLang="zh-CN" dirty="0" smtClean="0"/>
+              <a:t> while &lt;</a:t>
+            </a:r>
+            <a:r>
+              <a:rPr lang="zh-CN" altLang="en-US" dirty="0" smtClean="0"/>
+              <a:t>表达式</a:t>
+            </a:r>
+            <a:r>
+              <a:rPr lang="en-US" altLang="zh-CN" dirty="0" smtClean="0"/>
+              <a:t>&gt;:</a:t>
+            </a:r>
+          </a:p>
+          <a:p>
+            <a:r>
+              <a:rPr lang="en-US" altLang="zh-CN" dirty="0"/>
+              <a:t> </a:t>
+            </a:r>
+            <a:r>
+              <a:rPr lang="en-US" altLang="zh-CN" dirty="0" smtClean="0"/>
+              <a:t>      &lt;statement&gt;</a:t>
+            </a:r>
+          </a:p>
+          <a:p>
+            <a:r>
+              <a:rPr lang="en-US" altLang="zh-CN" dirty="0"/>
+              <a:t> </a:t>
+            </a:r>
+            <a:r>
+              <a:rPr lang="en-US" altLang="zh-CN" dirty="0" smtClean="0"/>
+              <a:t>  else:</a:t>
+            </a:r>
+          </a:p>
+          <a:p>
+            <a:r>
+              <a:rPr lang="en-US" altLang="zh-CN" dirty="0"/>
+              <a:t> </a:t>
+            </a:r>
+            <a:r>
+              <a:rPr lang="en-US" altLang="zh-CN" dirty="0" smtClean="0"/>
+              <a:t>      &lt;statement&gt;</a:t>
+            </a:r>
+          </a:p>
+          <a:p>
+            <a:r>
+              <a:rPr lang="en-US" altLang="zh-CN" dirty="0" smtClean="0"/>
+              <a:t>Break </a:t>
+            </a:r>
+            <a:r>
+              <a:rPr lang="zh-CN" altLang="en-US" dirty="0" smtClean="0"/>
+              <a:t>跳出循环或者表达式不为真时跳出循环；</a:t>
+            </a:r>
+            <a:endParaRPr lang="en-US" altLang="zh-CN" dirty="0" smtClean="0"/>
+          </a:p>
+          <a:p>
+            <a:r>
+              <a:rPr lang="zh-CN" altLang="en-US" dirty="0" smtClean="0"/>
+              <a:t>使用</a:t>
+            </a:r>
+            <a:r>
+              <a:rPr lang="en-US" altLang="zh-CN" dirty="0" smtClean="0"/>
+              <a:t>break</a:t>
+            </a:r>
+            <a:r>
+              <a:rPr lang="zh-CN" altLang="en-US" dirty="0" smtClean="0"/>
+              <a:t>后不会执行</a:t>
+            </a:r>
+            <a:r>
+              <a:rPr lang="en-US" altLang="zh-CN" dirty="0" smtClean="0"/>
+              <a:t>else</a:t>
+            </a:r>
+            <a:r>
+              <a:rPr lang="zh-CN" altLang="en-US" dirty="0" smtClean="0"/>
+              <a:t>内代码，表达式为</a:t>
+            </a:r>
+            <a:r>
+              <a:rPr lang="en-US" altLang="zh-CN" dirty="0" smtClean="0"/>
+              <a:t>false</a:t>
+            </a:r>
+            <a:r>
+              <a:rPr lang="zh-CN" altLang="en-US" dirty="0" smtClean="0"/>
+              <a:t>跳出循环时会执行</a:t>
+            </a:r>
+            <a:r>
+              <a:rPr lang="en-US" altLang="zh-CN" dirty="0" smtClean="0"/>
+              <a:t>else</a:t>
+            </a:r>
+            <a:r>
+              <a:rPr lang="zh-CN" altLang="en-US" dirty="0" smtClean="0"/>
+              <a:t>内代码</a:t>
+            </a:r>
+            <a:endParaRPr lang="en-US" altLang="zh-CN" dirty="0" smtClean="0"/>
+          </a:p>
+        </p:txBody>
+      </p:sp>
+    </p:spTree>
+    <p:extLst>
+      <p:ext uri="{BB962C8B-B14F-4D97-AF65-F5344CB8AC3E}">
+        <p14:creationId xmlns:p14="http://schemas.microsoft.com/office/powerpoint/2010/main" val="2366166277"/>
+      </p:ext>
+    </p:extLst>
+  </p:cSld>
+  <p:clrMapOvr>
+    <a:masterClrMapping/>
+  </p:clrMapOvr>
+</p:sld>
+</file>
+
+<file path=ppt/slides/slide19.xml><?xml version="1.0" encoding="utf-8"?>
+<p:sld xmlns:a="http://schemas.openxmlformats.org/drawingml/2006/main" xmlns:r="http://schemas.openxmlformats.org/officeDocument/2006/relationships" xmlns:p="http://schemas.openxmlformats.org/presentationml/2006/main">
+  <p:cSld>
+    <p:spTree>
+      <p:nvGrpSpPr>
+        <p:cNvPr id="1" name=""/>
+        <p:cNvGrpSpPr/>
+        <p:nvPr/>
+      </p:nvGrpSpPr>
+      <p:grpSpPr>
+        <a:xfrm>
+          <a:off x="0" y="0"/>
+          <a:ext cx="0" cy="0"/>
+          <a:chOff x="0" y="0"/>
+          <a:chExt cx="0" cy="0"/>
+        </a:xfrm>
+      </p:grpSpPr>
+      <p:sp>
+        <p:nvSpPr>
+          <p:cNvPr id="2" name="标题 1"/>
+          <p:cNvSpPr>
+            <a:spLocks noGrp="1"/>
+          </p:cNvSpPr>
+          <p:nvPr>
+            <p:ph type="title"/>
+          </p:nvPr>
+        </p:nvSpPr>
+        <p:spPr/>
+        <p:txBody>
+          <a:bodyPr/>
+          <a:lstStyle/>
+          <a:p>
+            <a:r>
+              <a:rPr lang="en-US" altLang="zh-CN" dirty="0"/>
+              <a:t>f</a:t>
+            </a:r>
+            <a:r>
+              <a:rPr lang="en-US" altLang="zh-CN" dirty="0" smtClean="0"/>
+              <a:t>or</a:t>
+            </a:r>
+            <a:r>
+              <a:rPr lang="zh-CN" altLang="en-US" dirty="0" smtClean="0"/>
+              <a:t>循环</a:t>
+            </a:r>
+            <a:endParaRPr lang="zh-CN" altLang="en-US" dirty="0"/>
+          </a:p>
+        </p:txBody>
+      </p:sp>
+      <p:sp>
+        <p:nvSpPr>
+          <p:cNvPr id="3" name="内容占位符 2"/>
+          <p:cNvSpPr>
+            <a:spLocks noGrp="1"/>
+          </p:cNvSpPr>
+          <p:nvPr>
+            <p:ph idx="1"/>
+          </p:nvPr>
+        </p:nvSpPr>
+        <p:spPr/>
+        <p:txBody>
+          <a:bodyPr/>
+          <a:lstStyle/>
+          <a:p>
+            <a:r>
+              <a:rPr lang="zh-CN" altLang="en-US" dirty="0" smtClean="0"/>
+              <a:t>基本格式：</a:t>
+            </a:r>
+            <a:endParaRPr lang="en-US" altLang="zh-CN" dirty="0" smtClean="0"/>
+          </a:p>
+          <a:p>
+            <a:r>
+              <a:rPr lang="en-US" altLang="zh-CN" dirty="0"/>
+              <a:t> </a:t>
+            </a:r>
+            <a:r>
+              <a:rPr lang="en-US" altLang="zh-CN" dirty="0" smtClean="0"/>
+              <a:t> for &lt;target&gt; in &lt;object&gt;:</a:t>
+            </a:r>
+          </a:p>
+          <a:p>
+            <a:r>
+              <a:rPr lang="en-US" altLang="zh-CN" dirty="0"/>
+              <a:t> </a:t>
+            </a:r>
+            <a:r>
+              <a:rPr lang="en-US" altLang="zh-CN" dirty="0" smtClean="0"/>
+              <a:t>     &lt;statement&gt;</a:t>
+            </a:r>
+          </a:p>
+          <a:p>
+            <a:r>
+              <a:rPr lang="en-US" altLang="zh-CN" dirty="0"/>
+              <a:t> </a:t>
+            </a:r>
+            <a:r>
+              <a:rPr lang="en-US" altLang="zh-CN" dirty="0" smtClean="0"/>
+              <a:t>     if &lt;test&gt;:break;</a:t>
+            </a:r>
+          </a:p>
+          <a:p>
+            <a:r>
+              <a:rPr lang="en-US" altLang="zh-CN" dirty="0"/>
+              <a:t> </a:t>
+            </a:r>
+            <a:r>
+              <a:rPr lang="en-US" altLang="zh-CN" dirty="0" smtClean="0"/>
+              <a:t>     if &lt;test&gt;:continue;</a:t>
+            </a:r>
+          </a:p>
+          <a:p>
+            <a:r>
+              <a:rPr lang="en-US" altLang="zh-CN" dirty="0"/>
+              <a:t> </a:t>
+            </a:r>
+            <a:r>
+              <a:rPr lang="en-US" altLang="zh-CN" dirty="0" smtClean="0"/>
+              <a:t> else:</a:t>
+            </a:r>
+          </a:p>
+          <a:p>
+            <a:r>
+              <a:rPr lang="en-US" altLang="zh-CN" dirty="0"/>
+              <a:t> </a:t>
+            </a:r>
+            <a:r>
+              <a:rPr lang="en-US" altLang="zh-CN" dirty="0" smtClean="0"/>
+              <a:t>     &lt;statement&gt;</a:t>
+            </a:r>
+          </a:p>
+          <a:p>
+            <a:r>
+              <a:rPr lang="zh-CN" altLang="en-US" dirty="0"/>
+              <a:t>使用</a:t>
+            </a:r>
+            <a:r>
+              <a:rPr lang="en-US" altLang="zh-CN" dirty="0"/>
+              <a:t>break</a:t>
+            </a:r>
+            <a:r>
+              <a:rPr lang="zh-CN" altLang="en-US" dirty="0"/>
+              <a:t>后不会执行</a:t>
+            </a:r>
+            <a:r>
+              <a:rPr lang="en-US" altLang="zh-CN" dirty="0"/>
+              <a:t>else</a:t>
+            </a:r>
+            <a:r>
+              <a:rPr lang="zh-CN" altLang="en-US" dirty="0"/>
+              <a:t>内代码</a:t>
+            </a:r>
+            <a:r>
+              <a:rPr lang="zh-CN" altLang="en-US" dirty="0" smtClean="0"/>
+              <a:t>，循环执行结束时</a:t>
+            </a:r>
+            <a:r>
+              <a:rPr lang="zh-CN" altLang="en-US" dirty="0"/>
+              <a:t>会执行</a:t>
+            </a:r>
+            <a:r>
+              <a:rPr lang="en-US" altLang="zh-CN" dirty="0"/>
+              <a:t>else</a:t>
+            </a:r>
+            <a:r>
+              <a:rPr lang="zh-CN" altLang="en-US" dirty="0"/>
+              <a:t>内代码</a:t>
+            </a:r>
+            <a:endParaRPr lang="en-US" altLang="zh-CN" dirty="0"/>
+          </a:p>
+          <a:p>
+            <a:pPr marL="0" indent="0">
+              <a:buNone/>
+            </a:pPr>
+            <a:endParaRPr lang="en-US" altLang="zh-CN" dirty="0" smtClean="0"/>
+          </a:p>
+          <a:p>
+            <a:endParaRPr lang="en-US" altLang="zh-CN" dirty="0" smtClean="0"/>
+          </a:p>
+        </p:txBody>
+      </p:sp>
+    </p:spTree>
+    <p:extLst>
+      <p:ext uri="{BB962C8B-B14F-4D97-AF65-F5344CB8AC3E}">
+        <p14:creationId xmlns:p14="http://schemas.microsoft.com/office/powerpoint/2010/main" val="1043552080"/>
+      </p:ext>
+    </p:extLst>
+  </p:cSld>
+  <p:clrMapOvr>
+    <a:masterClrMapping/>
+  </p:clrMapOvr>
+</p:sld>
+</file>
+
 <file path=ppt/slides/slide2.xml><?xml version="1.0" encoding="utf-8"?>
 <p:sld xmlns:a="http://schemas.openxmlformats.org/drawingml/2006/main" xmlns:r="http://schemas.openxmlformats.org/officeDocument/2006/relationships" xmlns:p="http://schemas.openxmlformats.org/presentationml/2006/main">
   <p:cSld>
@@ -7685,6 +8061,312 @@
       </p:par>
     </p:tnLst>
   </p:timing>
+</p:sld>
+</file>
+
+<file path=ppt/slides/slide20.xml><?xml version="1.0" encoding="utf-8"?>
+<p:sld xmlns:a="http://schemas.openxmlformats.org/drawingml/2006/main" xmlns:r="http://schemas.openxmlformats.org/officeDocument/2006/relationships" xmlns:p="http://schemas.openxmlformats.org/presentationml/2006/main">
+  <p:cSld>
+    <p:spTree>
+      <p:nvGrpSpPr>
+        <p:cNvPr id="1" name=""/>
+        <p:cNvGrpSpPr/>
+        <p:nvPr/>
+      </p:nvGrpSpPr>
+      <p:grpSpPr>
+        <a:xfrm>
+          <a:off x="0" y="0"/>
+          <a:ext cx="0" cy="0"/>
+          <a:chOff x="0" y="0"/>
+          <a:chExt cx="0" cy="0"/>
+        </a:xfrm>
+      </p:grpSpPr>
+      <p:sp>
+        <p:nvSpPr>
+          <p:cNvPr id="2" name="标题 1"/>
+          <p:cNvSpPr>
+            <a:spLocks noGrp="1"/>
+          </p:cNvSpPr>
+          <p:nvPr>
+            <p:ph type="title"/>
+          </p:nvPr>
+        </p:nvSpPr>
+        <p:spPr/>
+        <p:txBody>
+          <a:bodyPr/>
+          <a:lstStyle/>
+          <a:p>
+            <a:r>
+              <a:rPr lang="zh-CN" altLang="en-US" dirty="0" smtClean="0"/>
+              <a:t>内置函数</a:t>
+            </a:r>
+            <a:endParaRPr lang="zh-CN" altLang="en-US" dirty="0"/>
+          </a:p>
+        </p:txBody>
+      </p:sp>
+      <p:sp>
+        <p:nvSpPr>
+          <p:cNvPr id="3" name="内容占位符 2"/>
+          <p:cNvSpPr>
+            <a:spLocks noGrp="1"/>
+          </p:cNvSpPr>
+          <p:nvPr>
+            <p:ph idx="1"/>
+          </p:nvPr>
+        </p:nvSpPr>
+        <p:spPr/>
+        <p:txBody>
+          <a:bodyPr/>
+          <a:lstStyle/>
+          <a:p>
+            <a:r>
+              <a:rPr lang="en-US" altLang="zh-CN" dirty="0" smtClean="0"/>
+              <a:t>Range:</a:t>
+            </a:r>
+            <a:r>
+              <a:rPr lang="zh-CN" altLang="en-US" dirty="0" smtClean="0"/>
+              <a:t>生成序列列表 </a:t>
+            </a:r>
+            <a:r>
+              <a:rPr lang="en-US" altLang="zh-CN" dirty="0" smtClean="0"/>
+              <a:t>range(</a:t>
+            </a:r>
+            <a:r>
+              <a:rPr lang="en-US" altLang="zh-CN" dirty="0" err="1" smtClean="0"/>
+              <a:t>start,stop,step</a:t>
+            </a:r>
+            <a:r>
+              <a:rPr lang="en-US" altLang="zh-CN" dirty="0" smtClean="0"/>
+              <a:t>) </a:t>
+            </a:r>
+            <a:r>
+              <a:rPr lang="zh-CN" altLang="en-US" dirty="0" smtClean="0"/>
+              <a:t>用于</a:t>
+            </a:r>
+            <a:r>
+              <a:rPr lang="en-US" altLang="zh-CN" dirty="0" smtClean="0"/>
+              <a:t>for</a:t>
+            </a:r>
+            <a:r>
+              <a:rPr lang="zh-CN" altLang="en-US" dirty="0" smtClean="0"/>
+              <a:t>循环</a:t>
+            </a:r>
+            <a:endParaRPr lang="en-US" altLang="zh-CN" dirty="0" smtClean="0"/>
+          </a:p>
+          <a:p>
+            <a:r>
+              <a:rPr lang="en-US" altLang="zh-CN" dirty="0" smtClean="0"/>
+              <a:t>   for </a:t>
+            </a:r>
+            <a:r>
+              <a:rPr lang="en-US" altLang="zh-CN" dirty="0" err="1" smtClean="0"/>
+              <a:t>i</a:t>
+            </a:r>
+            <a:r>
+              <a:rPr lang="en-US" altLang="zh-CN" dirty="0" smtClean="0"/>
+              <a:t> in range(0,6,2):print I  ---</a:t>
+            </a:r>
+            <a:r>
+              <a:rPr lang="en-US" altLang="zh-CN" dirty="0" smtClean="0">
+                <a:sym typeface="Wingdings" panose="05000000000000000000" pitchFamily="2" charset="2"/>
+              </a:rPr>
+              <a:t>  0 2 4 6</a:t>
+            </a:r>
+          </a:p>
+          <a:p>
+            <a:r>
+              <a:rPr lang="en-US" altLang="zh-CN" dirty="0" smtClean="0"/>
+              <a:t>Zip:</a:t>
+            </a:r>
+            <a:r>
+              <a:rPr lang="zh-CN" altLang="en-US" dirty="0" smtClean="0"/>
+              <a:t>将并排的元素进行配对 </a:t>
+            </a:r>
+            <a:endParaRPr lang="en-US" altLang="zh-CN" dirty="0" smtClean="0"/>
+          </a:p>
+          <a:p>
+            <a:r>
+              <a:rPr lang="en-US" altLang="zh-CN" dirty="0" smtClean="0"/>
+              <a:t>   L1=[1,2,3,4,5] L2=[‘</a:t>
+            </a:r>
+            <a:r>
+              <a:rPr lang="en-US" altLang="zh-CN" dirty="0" err="1" smtClean="0"/>
+              <a:t>a’,’b’,’c’,’d’,’e</a:t>
+            </a:r>
+            <a:r>
+              <a:rPr lang="en-US" altLang="zh-CN" dirty="0" smtClean="0"/>
+              <a:t>’] L3=zip(L1,L2)</a:t>
+            </a:r>
+          </a:p>
+          <a:p>
+            <a:r>
+              <a:rPr lang="en-US" altLang="zh-CN" dirty="0" smtClean="0"/>
+              <a:t>   Print(list(L3))----</a:t>
+            </a:r>
+            <a:r>
+              <a:rPr lang="en-US" altLang="zh-CN" dirty="0" smtClean="0">
+                <a:sym typeface="Wingdings" panose="05000000000000000000" pitchFamily="2" charset="2"/>
+              </a:rPr>
+              <a:t>[(1,’a’),(2,’b’),(3,’c’),(4,’d’),(5,’e’)] </a:t>
+            </a:r>
+          </a:p>
+          <a:p>
+            <a:r>
+              <a:rPr lang="zh-CN" altLang="en-US" dirty="0" smtClean="0">
+                <a:sym typeface="Wingdings" panose="05000000000000000000" pitchFamily="2" charset="2"/>
+              </a:rPr>
+              <a:t>  用于</a:t>
+            </a:r>
+            <a:r>
+              <a:rPr lang="en-US" altLang="zh-CN" dirty="0" smtClean="0">
+                <a:sym typeface="Wingdings" panose="05000000000000000000" pitchFamily="2" charset="2"/>
+              </a:rPr>
+              <a:t>for</a:t>
+            </a:r>
+            <a:r>
+              <a:rPr lang="zh-CN" altLang="en-US" dirty="0" smtClean="0">
+                <a:sym typeface="Wingdings" panose="05000000000000000000" pitchFamily="2" charset="2"/>
+              </a:rPr>
+              <a:t>循环：</a:t>
+            </a:r>
+            <a:r>
+              <a:rPr lang="en-US" altLang="zh-CN" dirty="0" smtClean="0">
+                <a:sym typeface="Wingdings" panose="05000000000000000000" pitchFamily="2" charset="2"/>
+              </a:rPr>
+              <a:t>for </a:t>
+            </a:r>
+            <a:r>
+              <a:rPr lang="en-US" altLang="zh-CN" dirty="0" err="1" smtClean="0">
+                <a:sym typeface="Wingdings" panose="05000000000000000000" pitchFamily="2" charset="2"/>
+              </a:rPr>
+              <a:t>a,b</a:t>
+            </a:r>
+            <a:r>
+              <a:rPr lang="en-US" altLang="zh-CN" dirty="0" smtClean="0">
+                <a:sym typeface="Wingdings" panose="05000000000000000000" pitchFamily="2" charset="2"/>
+              </a:rPr>
+              <a:t> in zip(L1,L2):print(</a:t>
+            </a:r>
+            <a:r>
+              <a:rPr lang="en-US" altLang="zh-CN" dirty="0" err="1" smtClean="0">
+                <a:sym typeface="Wingdings" panose="05000000000000000000" pitchFamily="2" charset="2"/>
+              </a:rPr>
+              <a:t>a,b</a:t>
+            </a:r>
+            <a:r>
+              <a:rPr lang="en-US" altLang="zh-CN" dirty="0" smtClean="0">
+                <a:sym typeface="Wingdings" panose="05000000000000000000" pitchFamily="2" charset="2"/>
+              </a:rPr>
+              <a:t>)</a:t>
+            </a:r>
+          </a:p>
+          <a:p>
+            <a:r>
+              <a:rPr lang="en-US" altLang="zh-CN" dirty="0">
+                <a:sym typeface="Wingdings" panose="05000000000000000000" pitchFamily="2" charset="2"/>
+              </a:rPr>
+              <a:t>e</a:t>
+            </a:r>
+            <a:r>
+              <a:rPr lang="en-US" altLang="zh-CN" dirty="0" smtClean="0">
+                <a:sym typeface="Wingdings" panose="05000000000000000000" pitchFamily="2" charset="2"/>
+              </a:rPr>
+              <a:t>numerate:</a:t>
+            </a:r>
+            <a:r>
+              <a:rPr lang="zh-CN" altLang="en-US" dirty="0" smtClean="0">
+                <a:sym typeface="Wingdings" panose="05000000000000000000" pitchFamily="2" charset="2"/>
+              </a:rPr>
+              <a:t>产偏移和元素  </a:t>
+            </a:r>
+            <a:r>
+              <a:rPr lang="en-US" altLang="zh-CN" dirty="0" smtClean="0">
+                <a:sym typeface="Wingdings" panose="05000000000000000000" pitchFamily="2" charset="2"/>
+              </a:rPr>
+              <a:t>enumerate(</a:t>
+            </a:r>
+            <a:r>
+              <a:rPr lang="en-US" altLang="zh-CN" dirty="0" err="1" smtClean="0">
+                <a:sym typeface="Wingdings" panose="05000000000000000000" pitchFamily="2" charset="2"/>
+              </a:rPr>
+              <a:t>iter,start</a:t>
+            </a:r>
+            <a:r>
+              <a:rPr lang="en-US" altLang="zh-CN" dirty="0" smtClean="0">
+                <a:sym typeface="Wingdings" panose="05000000000000000000" pitchFamily="2" charset="2"/>
+              </a:rPr>
+              <a:t>);</a:t>
+            </a:r>
+          </a:p>
+          <a:p>
+            <a:r>
+              <a:rPr lang="en-US" altLang="zh-CN" dirty="0">
+                <a:sym typeface="Wingdings" panose="05000000000000000000" pitchFamily="2" charset="2"/>
+              </a:rPr>
+              <a:t> </a:t>
+            </a:r>
+            <a:r>
+              <a:rPr lang="en-US" altLang="zh-CN" dirty="0" smtClean="0">
+                <a:sym typeface="Wingdings" panose="05000000000000000000" pitchFamily="2" charset="2"/>
+              </a:rPr>
+              <a:t>  for </a:t>
+            </a:r>
+            <a:r>
+              <a:rPr lang="en-US" altLang="zh-CN" dirty="0" err="1" smtClean="0">
+                <a:sym typeface="Wingdings" panose="05000000000000000000" pitchFamily="2" charset="2"/>
+              </a:rPr>
+              <a:t>offet,item</a:t>
+            </a:r>
+            <a:r>
+              <a:rPr lang="en-US" altLang="zh-CN" dirty="0" smtClean="0">
+                <a:sym typeface="Wingdings" panose="05000000000000000000" pitchFamily="2" charset="2"/>
+              </a:rPr>
+              <a:t> in enumerate(range(5),1):print(</a:t>
+            </a:r>
+            <a:r>
+              <a:rPr lang="en-US" altLang="zh-CN" dirty="0" err="1" smtClean="0">
+                <a:sym typeface="Wingdings" panose="05000000000000000000" pitchFamily="2" charset="2"/>
+              </a:rPr>
+              <a:t>offet,item</a:t>
+            </a:r>
+            <a:r>
+              <a:rPr lang="en-US" altLang="zh-CN" dirty="0" smtClean="0">
+                <a:sym typeface="Wingdings" panose="05000000000000000000" pitchFamily="2" charset="2"/>
+              </a:rPr>
+              <a:t>)</a:t>
+            </a:r>
+          </a:p>
+          <a:p>
+            <a:r>
+              <a:rPr lang="en-US" altLang="zh-CN" dirty="0">
+                <a:sym typeface="Wingdings" panose="05000000000000000000" pitchFamily="2" charset="2"/>
+              </a:rPr>
+              <a:t> </a:t>
+            </a:r>
+            <a:r>
+              <a:rPr lang="en-US" altLang="zh-CN" dirty="0" smtClean="0">
+                <a:sym typeface="Wingdings" panose="05000000000000000000" pitchFamily="2" charset="2"/>
+              </a:rPr>
+              <a:t>  -----(1,0) (2,1) (3,2) (4,3) (5,4)</a:t>
+            </a:r>
+          </a:p>
+          <a:p>
+            <a:endParaRPr lang="en-US" altLang="zh-CN" dirty="0" smtClean="0">
+              <a:sym typeface="Wingdings" panose="05000000000000000000" pitchFamily="2" charset="2"/>
+            </a:endParaRPr>
+          </a:p>
+        </p:txBody>
+      </p:sp>
+    </p:spTree>
+    <p:extLst>
+      <p:ext uri="{BB962C8B-B14F-4D97-AF65-F5344CB8AC3E}">
+        <p14:creationId xmlns:p14="http://schemas.microsoft.com/office/powerpoint/2010/main" val="1119848278"/>
+      </p:ext>
+    </p:extLst>
+  </p:cSld>
+  <p:clrMapOvr>
+    <a:masterClrMapping/>
+  </p:clrMapOvr>
 </p:sld>
 </file>
 

--- a/python.pptx
+++ b/python.pptx
@@ -25,6 +25,19 @@
     <p:sldId id="273" r:id="rId19"/>
     <p:sldId id="274" r:id="rId20"/>
     <p:sldId id="275" r:id="rId21"/>
+    <p:sldId id="276" r:id="rId22"/>
+    <p:sldId id="277" r:id="rId23"/>
+    <p:sldId id="278" r:id="rId24"/>
+    <p:sldId id="279" r:id="rId25"/>
+    <p:sldId id="280" r:id="rId26"/>
+    <p:sldId id="281" r:id="rId27"/>
+    <p:sldId id="282" r:id="rId28"/>
+    <p:sldId id="283" r:id="rId29"/>
+    <p:sldId id="284" r:id="rId30"/>
+    <p:sldId id="285" r:id="rId31"/>
+    <p:sldId id="286" r:id="rId32"/>
+    <p:sldId id="287" r:id="rId33"/>
+    <p:sldId id="288" r:id="rId34"/>
   </p:sldIdLst>
   <p:sldSz cx="12192000" cy="6858000"/>
   <p:notesSz cx="6858000" cy="9144000"/>
@@ -853,7 +866,7 @@
           <a:p>
             <a:fld id="{07042CFF-A88D-4E52-85D6-96D03CDBF678}" type="datetimeFigureOut">
               <a:rPr lang="zh-CN" altLang="en-US" smtClean="0"/>
-              <a:t>2019/2/18</a:t>
+              <a:t>2019/2/20</a:t>
             </a:fld>
             <a:endParaRPr lang="zh-CN" altLang="en-US"/>
           </a:p>
@@ -1104,7 +1117,7 @@
           <a:p>
             <a:fld id="{07042CFF-A88D-4E52-85D6-96D03CDBF678}" type="datetimeFigureOut">
               <a:rPr lang="zh-CN" altLang="en-US" smtClean="0"/>
-              <a:t>2019/2/18</a:t>
+              <a:t>2019/2/20</a:t>
             </a:fld>
             <a:endParaRPr lang="zh-CN" altLang="en-US"/>
           </a:p>
@@ -1418,7 +1431,7 @@
           <a:p>
             <a:fld id="{07042CFF-A88D-4E52-85D6-96D03CDBF678}" type="datetimeFigureOut">
               <a:rPr lang="zh-CN" altLang="en-US" smtClean="0"/>
-              <a:t>2019/2/18</a:t>
+              <a:t>2019/2/20</a:t>
             </a:fld>
             <a:endParaRPr lang="zh-CN" altLang="en-US"/>
           </a:p>
@@ -1759,7 +1772,7 @@
           <a:p>
             <a:fld id="{07042CFF-A88D-4E52-85D6-96D03CDBF678}" type="datetimeFigureOut">
               <a:rPr lang="zh-CN" altLang="en-US" smtClean="0"/>
-              <a:t>2019/2/18</a:t>
+              <a:t>2019/2/20</a:t>
             </a:fld>
             <a:endParaRPr lang="zh-CN" altLang="en-US"/>
           </a:p>
@@ -2073,7 +2086,7 @@
           <a:p>
             <a:fld id="{07042CFF-A88D-4E52-85D6-96D03CDBF678}" type="datetimeFigureOut">
               <a:rPr lang="zh-CN" altLang="en-US" smtClean="0"/>
-              <a:t>2019/2/18</a:t>
+              <a:t>2019/2/20</a:t>
             </a:fld>
             <a:endParaRPr lang="zh-CN" altLang="en-US"/>
           </a:p>
@@ -2466,7 +2479,7 @@
           <a:p>
             <a:fld id="{07042CFF-A88D-4E52-85D6-96D03CDBF678}" type="datetimeFigureOut">
               <a:rPr lang="zh-CN" altLang="en-US" smtClean="0"/>
-              <a:t>2019/2/18</a:t>
+              <a:t>2019/2/20</a:t>
             </a:fld>
             <a:endParaRPr lang="zh-CN" altLang="en-US"/>
           </a:p>
@@ -2636,7 +2649,7 @@
           <a:p>
             <a:fld id="{07042CFF-A88D-4E52-85D6-96D03CDBF678}" type="datetimeFigureOut">
               <a:rPr lang="zh-CN" altLang="en-US" smtClean="0"/>
-              <a:t>2019/2/18</a:t>
+              <a:t>2019/2/20</a:t>
             </a:fld>
             <a:endParaRPr lang="zh-CN" altLang="en-US"/>
           </a:p>
@@ -2816,7 +2829,7 @@
           <a:p>
             <a:fld id="{07042CFF-A88D-4E52-85D6-96D03CDBF678}" type="datetimeFigureOut">
               <a:rPr lang="zh-CN" altLang="en-US" smtClean="0"/>
-              <a:t>2019/2/18</a:t>
+              <a:t>2019/2/20</a:t>
             </a:fld>
             <a:endParaRPr lang="zh-CN" altLang="en-US"/>
           </a:p>
@@ -2992,7 +3005,7 @@
           <a:p>
             <a:fld id="{07042CFF-A88D-4E52-85D6-96D03CDBF678}" type="datetimeFigureOut">
               <a:rPr lang="zh-CN" altLang="en-US" smtClean="0"/>
-              <a:t>2019/2/18</a:t>
+              <a:t>2019/2/20</a:t>
             </a:fld>
             <a:endParaRPr lang="zh-CN" altLang="en-US"/>
           </a:p>
@@ -3239,7 +3252,7 @@
           <a:p>
             <a:fld id="{07042CFF-A88D-4E52-85D6-96D03CDBF678}" type="datetimeFigureOut">
               <a:rPr lang="zh-CN" altLang="en-US" smtClean="0"/>
-              <a:t>2019/2/18</a:t>
+              <a:t>2019/2/20</a:t>
             </a:fld>
             <a:endParaRPr lang="zh-CN" altLang="en-US"/>
           </a:p>
@@ -3471,7 +3484,7 @@
           <a:p>
             <a:fld id="{07042CFF-A88D-4E52-85D6-96D03CDBF678}" type="datetimeFigureOut">
               <a:rPr lang="zh-CN" altLang="en-US" smtClean="0"/>
-              <a:t>2019/2/18</a:t>
+              <a:t>2019/2/20</a:t>
             </a:fld>
             <a:endParaRPr lang="zh-CN" altLang="en-US"/>
           </a:p>
@@ -3845,7 +3858,7 @@
           <a:p>
             <a:fld id="{07042CFF-A88D-4E52-85D6-96D03CDBF678}" type="datetimeFigureOut">
               <a:rPr lang="zh-CN" altLang="en-US" smtClean="0"/>
-              <a:t>2019/2/18</a:t>
+              <a:t>2019/2/20</a:t>
             </a:fld>
             <a:endParaRPr lang="zh-CN" altLang="en-US"/>
           </a:p>
@@ -3968,7 +3981,7 @@
           <a:p>
             <a:fld id="{07042CFF-A88D-4E52-85D6-96D03CDBF678}" type="datetimeFigureOut">
               <a:rPr lang="zh-CN" altLang="en-US" smtClean="0"/>
-              <a:t>2019/2/18</a:t>
+              <a:t>2019/2/20</a:t>
             </a:fld>
             <a:endParaRPr lang="zh-CN" altLang="en-US"/>
           </a:p>
@@ -4063,7 +4076,7 @@
           <a:p>
             <a:fld id="{07042CFF-A88D-4E52-85D6-96D03CDBF678}" type="datetimeFigureOut">
               <a:rPr lang="zh-CN" altLang="en-US" smtClean="0"/>
-              <a:t>2019/2/18</a:t>
+              <a:t>2019/2/20</a:t>
             </a:fld>
             <a:endParaRPr lang="zh-CN" altLang="en-US"/>
           </a:p>
@@ -4318,7 +4331,7 @@
           <a:p>
             <a:fld id="{07042CFF-A88D-4E52-85D6-96D03CDBF678}" type="datetimeFigureOut">
               <a:rPr lang="zh-CN" altLang="en-US" smtClean="0"/>
-              <a:t>2019/2/18</a:t>
+              <a:t>2019/2/20</a:t>
             </a:fld>
             <a:endParaRPr lang="zh-CN" altLang="en-US"/>
           </a:p>
@@ -4581,7 +4594,7 @@
           <a:p>
             <a:fld id="{07042CFF-A88D-4E52-85D6-96D03CDBF678}" type="datetimeFigureOut">
               <a:rPr lang="zh-CN" altLang="en-US" smtClean="0"/>
-              <a:t>2019/2/18</a:t>
+              <a:t>2019/2/20</a:t>
             </a:fld>
             <a:endParaRPr lang="zh-CN" altLang="en-US"/>
           </a:p>
@@ -5324,7 +5337,7 @@
           <a:p>
             <a:fld id="{07042CFF-A88D-4E52-85D6-96D03CDBF678}" type="datetimeFigureOut">
               <a:rPr lang="zh-CN" altLang="en-US" smtClean="0"/>
-              <a:t>2019/2/18</a:t>
+              <a:t>2019/2/20</a:t>
             </a:fld>
             <a:endParaRPr lang="zh-CN" altLang="en-US"/>
           </a:p>
@@ -8370,6 +8383,1642 @@
 </p:sld>
 </file>
 
+<file path=ppt/slides/slide21.xml><?xml version="1.0" encoding="utf-8"?>
+<p:sld xmlns:a="http://schemas.openxmlformats.org/drawingml/2006/main" xmlns:r="http://schemas.openxmlformats.org/officeDocument/2006/relationships" xmlns:p="http://schemas.openxmlformats.org/presentationml/2006/main">
+  <p:cSld>
+    <p:spTree>
+      <p:nvGrpSpPr>
+        <p:cNvPr id="1" name=""/>
+        <p:cNvGrpSpPr/>
+        <p:nvPr/>
+      </p:nvGrpSpPr>
+      <p:grpSpPr>
+        <a:xfrm>
+          <a:off x="0" y="0"/>
+          <a:ext cx="0" cy="0"/>
+          <a:chOff x="0" y="0"/>
+          <a:chExt cx="0" cy="0"/>
+        </a:xfrm>
+      </p:grpSpPr>
+      <p:sp>
+        <p:nvSpPr>
+          <p:cNvPr id="2" name="标题 1"/>
+          <p:cNvSpPr>
+            <a:spLocks noGrp="1"/>
+          </p:cNvSpPr>
+          <p:nvPr>
+            <p:ph type="title"/>
+          </p:nvPr>
+        </p:nvSpPr>
+        <p:spPr/>
+        <p:txBody>
+          <a:bodyPr/>
+          <a:lstStyle/>
+          <a:p>
+            <a:r>
+              <a:rPr lang="zh-CN" altLang="en-US" dirty="0" smtClean="0"/>
+              <a:t>函数基本介绍</a:t>
+            </a:r>
+            <a:endParaRPr lang="zh-CN" altLang="en-US" dirty="0"/>
+          </a:p>
+        </p:txBody>
+      </p:sp>
+      <p:sp>
+        <p:nvSpPr>
+          <p:cNvPr id="3" name="内容占位符 2"/>
+          <p:cNvSpPr>
+            <a:spLocks noGrp="1"/>
+          </p:cNvSpPr>
+          <p:nvPr>
+            <p:ph idx="1"/>
+          </p:nvPr>
+        </p:nvSpPr>
+        <p:spPr/>
+        <p:txBody>
+          <a:bodyPr/>
+          <a:lstStyle/>
+          <a:p>
+            <a:r>
+              <a:rPr lang="zh-CN" altLang="en-US" dirty="0" smtClean="0"/>
+              <a:t>书写形式</a:t>
+            </a:r>
+            <a:r>
+              <a:rPr lang="en-US" altLang="zh-CN" dirty="0" smtClean="0"/>
+              <a:t>:</a:t>
+            </a:r>
+          </a:p>
+          <a:p>
+            <a:r>
+              <a:rPr lang="en-US" altLang="zh-CN" dirty="0" err="1" smtClean="0"/>
+              <a:t>def</a:t>
+            </a:r>
+            <a:r>
+              <a:rPr lang="en-US" altLang="zh-CN" dirty="0" smtClean="0"/>
+              <a:t> </a:t>
+            </a:r>
+            <a:r>
+              <a:rPr lang="en-US" altLang="zh-CN" dirty="0" err="1" smtClean="0"/>
+              <a:t>addData</a:t>
+            </a:r>
+            <a:r>
+              <a:rPr lang="en-US" altLang="zh-CN" dirty="0" smtClean="0"/>
+              <a:t>(</a:t>
+            </a:r>
+            <a:r>
+              <a:rPr lang="en-US" altLang="zh-CN" dirty="0" err="1" smtClean="0"/>
+              <a:t>a,b</a:t>
+            </a:r>
+            <a:r>
+              <a:rPr lang="en-US" altLang="zh-CN" dirty="0" smtClean="0"/>
+              <a:t>):</a:t>
+            </a:r>
+          </a:p>
+          <a:p>
+            <a:r>
+              <a:rPr lang="en-US" altLang="zh-CN" dirty="0"/>
+              <a:t> </a:t>
+            </a:r>
+            <a:r>
+              <a:rPr lang="en-US" altLang="zh-CN" dirty="0" smtClean="0"/>
+              <a:t>     c=10+a+b</a:t>
+            </a:r>
+          </a:p>
+          <a:p>
+            <a:r>
+              <a:rPr lang="en-US" altLang="zh-CN" dirty="0"/>
+              <a:t> </a:t>
+            </a:r>
+            <a:r>
+              <a:rPr lang="en-US" altLang="zh-CN" dirty="0" smtClean="0"/>
+              <a:t>     return c</a:t>
+            </a:r>
+          </a:p>
+          <a:p>
+            <a:r>
+              <a:rPr lang="zh-CN" altLang="en-US" dirty="0" smtClean="0"/>
+              <a:t>函数调用</a:t>
+            </a:r>
+            <a:r>
+              <a:rPr lang="en-US" altLang="zh-CN" dirty="0" smtClean="0"/>
+              <a:t>:c=</a:t>
+            </a:r>
+            <a:r>
+              <a:rPr lang="en-US" altLang="zh-CN" dirty="0" err="1" smtClean="0"/>
+              <a:t>addData</a:t>
+            </a:r>
+            <a:r>
+              <a:rPr lang="en-US" altLang="zh-CN" dirty="0" smtClean="0"/>
+              <a:t>(10,20)  </a:t>
+            </a:r>
+          </a:p>
+          <a:p>
+            <a:r>
+              <a:rPr lang="zh-CN" altLang="en-US" dirty="0" smtClean="0"/>
+              <a:t>返回可以使用</a:t>
+            </a:r>
+            <a:r>
+              <a:rPr lang="en-US" altLang="zh-CN" dirty="0" err="1" smtClean="0"/>
+              <a:t>return,yield</a:t>
+            </a:r>
+            <a:endParaRPr lang="en-US" altLang="zh-CN" dirty="0" smtClean="0"/>
+          </a:p>
+          <a:p>
+            <a:r>
+              <a:rPr lang="zh-CN" altLang="en-US" dirty="0" smtClean="0"/>
+              <a:t>其他形式：</a:t>
+            </a:r>
+            <a:r>
+              <a:rPr lang="en-US" altLang="zh-CN" dirty="0" err="1" smtClean="0"/>
+              <a:t>func</a:t>
+            </a:r>
+            <a:r>
+              <a:rPr lang="en-US" altLang="zh-CN" dirty="0" smtClean="0"/>
+              <a:t>=</a:t>
+            </a:r>
+            <a:r>
+              <a:rPr lang="en-US" altLang="zh-CN" dirty="0" err="1" smtClean="0"/>
+              <a:t>addData</a:t>
+            </a:r>
+            <a:r>
+              <a:rPr lang="en-US" altLang="zh-CN" dirty="0" smtClean="0"/>
+              <a:t>            </a:t>
+            </a:r>
+            <a:r>
+              <a:rPr lang="en-US" altLang="zh-CN" dirty="0" err="1" smtClean="0"/>
+              <a:t>func</a:t>
+            </a:r>
+            <a:r>
+              <a:rPr lang="en-US" altLang="zh-CN" dirty="0" smtClean="0"/>
+              <a:t>(10,20)</a:t>
+            </a:r>
+            <a:endParaRPr lang="zh-CN" altLang="en-US" dirty="0"/>
+          </a:p>
+        </p:txBody>
+      </p:sp>
+    </p:spTree>
+    <p:extLst>
+      <p:ext uri="{BB962C8B-B14F-4D97-AF65-F5344CB8AC3E}">
+        <p14:creationId xmlns:p14="http://schemas.microsoft.com/office/powerpoint/2010/main" val="3569330010"/>
+      </p:ext>
+    </p:extLst>
+  </p:cSld>
+  <p:clrMapOvr>
+    <a:masterClrMapping/>
+  </p:clrMapOvr>
+</p:sld>
+</file>
+
+<file path=ppt/slides/slide22.xml><?xml version="1.0" encoding="utf-8"?>
+<p:sld xmlns:a="http://schemas.openxmlformats.org/drawingml/2006/main" xmlns:r="http://schemas.openxmlformats.org/officeDocument/2006/relationships" xmlns:p="http://schemas.openxmlformats.org/presentationml/2006/main">
+  <p:cSld>
+    <p:spTree>
+      <p:nvGrpSpPr>
+        <p:cNvPr id="1" name=""/>
+        <p:cNvGrpSpPr/>
+        <p:nvPr/>
+      </p:nvGrpSpPr>
+      <p:grpSpPr>
+        <a:xfrm>
+          <a:off x="0" y="0"/>
+          <a:ext cx="0" cy="0"/>
+          <a:chOff x="0" y="0"/>
+          <a:chExt cx="0" cy="0"/>
+        </a:xfrm>
+      </p:grpSpPr>
+      <p:sp>
+        <p:nvSpPr>
+          <p:cNvPr id="2" name="标题 1"/>
+          <p:cNvSpPr>
+            <a:spLocks noGrp="1"/>
+          </p:cNvSpPr>
+          <p:nvPr>
+            <p:ph type="title"/>
+          </p:nvPr>
+        </p:nvSpPr>
+        <p:spPr/>
+        <p:txBody>
+          <a:bodyPr/>
+          <a:lstStyle/>
+          <a:p>
+            <a:r>
+              <a:rPr lang="zh-CN" altLang="en-US" dirty="0" smtClean="0"/>
+              <a:t>作用域</a:t>
+            </a:r>
+            <a:endParaRPr lang="zh-CN" altLang="en-US" dirty="0"/>
+          </a:p>
+        </p:txBody>
+      </p:sp>
+      <p:sp>
+        <p:nvSpPr>
+          <p:cNvPr id="3" name="内容占位符 2"/>
+          <p:cNvSpPr>
+            <a:spLocks noGrp="1"/>
+          </p:cNvSpPr>
+          <p:nvPr>
+            <p:ph idx="1"/>
+          </p:nvPr>
+        </p:nvSpPr>
+        <p:spPr/>
+        <p:txBody>
+          <a:bodyPr/>
+          <a:lstStyle/>
+          <a:p>
+            <a:r>
+              <a:rPr lang="zh-CN" altLang="en-US" dirty="0" smtClean="0"/>
+              <a:t>变量类型：本地变量、全局变量、内置变量；</a:t>
+            </a:r>
+            <a:endParaRPr lang="en-US" altLang="zh-CN" dirty="0" smtClean="0"/>
+          </a:p>
+          <a:p>
+            <a:endParaRPr lang="en-US" altLang="zh-CN" dirty="0" smtClean="0"/>
+          </a:p>
+          <a:p>
+            <a:endParaRPr lang="en-US" altLang="zh-CN" dirty="0"/>
+          </a:p>
+          <a:p>
+            <a:endParaRPr lang="en-US" altLang="zh-CN" dirty="0" smtClean="0"/>
+          </a:p>
+          <a:p>
+            <a:endParaRPr lang="en-US" altLang="zh-CN" dirty="0"/>
+          </a:p>
+          <a:p>
+            <a:r>
+              <a:rPr lang="zh-CN" altLang="en-US" dirty="0" smtClean="0"/>
+              <a:t>函数内部改变全局变量值需要使用</a:t>
+            </a:r>
+            <a:r>
+              <a:rPr lang="en-US" altLang="zh-CN" dirty="0" smtClean="0"/>
+              <a:t>global</a:t>
+            </a:r>
+            <a:endParaRPr lang="zh-CN" altLang="en-US" dirty="0"/>
+          </a:p>
+        </p:txBody>
+      </p:sp>
+      <p:pic>
+        <p:nvPicPr>
+          <p:cNvPr id="4" name="图片 3"/>
+          <p:cNvPicPr>
+            <a:picLocks noChangeAspect="1"/>
+          </p:cNvPicPr>
+          <p:nvPr/>
+        </p:nvPicPr>
+        <p:blipFill>
+          <a:blip r:embed="rId2"/>
+          <a:stretch>
+            <a:fillRect/>
+          </a:stretch>
+        </p:blipFill>
+        <p:spPr>
+          <a:xfrm>
+            <a:off x="994817" y="2662700"/>
+            <a:ext cx="1476375" cy="1438275"/>
+          </a:xfrm>
+          <a:prstGeom prst="rect">
+            <a:avLst/>
+          </a:prstGeom>
+        </p:spPr>
+      </p:pic>
+      <p:pic>
+        <p:nvPicPr>
+          <p:cNvPr id="5" name="图片 4"/>
+          <p:cNvPicPr>
+            <a:picLocks noChangeAspect="1"/>
+          </p:cNvPicPr>
+          <p:nvPr/>
+        </p:nvPicPr>
+        <p:blipFill>
+          <a:blip r:embed="rId3"/>
+          <a:stretch>
+            <a:fillRect/>
+          </a:stretch>
+        </p:blipFill>
+        <p:spPr>
+          <a:xfrm>
+            <a:off x="3567521" y="2662699"/>
+            <a:ext cx="1196068" cy="1510823"/>
+          </a:xfrm>
+          <a:prstGeom prst="rect">
+            <a:avLst/>
+          </a:prstGeom>
+        </p:spPr>
+      </p:pic>
+    </p:spTree>
+    <p:extLst>
+      <p:ext uri="{BB962C8B-B14F-4D97-AF65-F5344CB8AC3E}">
+        <p14:creationId xmlns:p14="http://schemas.microsoft.com/office/powerpoint/2010/main" val="3481224983"/>
+      </p:ext>
+    </p:extLst>
+  </p:cSld>
+  <p:clrMapOvr>
+    <a:masterClrMapping/>
+  </p:clrMapOvr>
+</p:sld>
+</file>
+
+<file path=ppt/slides/slide23.xml><?xml version="1.0" encoding="utf-8"?>
+<p:sld xmlns:a="http://schemas.openxmlformats.org/drawingml/2006/main" xmlns:r="http://schemas.openxmlformats.org/officeDocument/2006/relationships" xmlns:p="http://schemas.openxmlformats.org/presentationml/2006/main">
+  <p:cSld>
+    <p:spTree>
+      <p:nvGrpSpPr>
+        <p:cNvPr id="1" name=""/>
+        <p:cNvGrpSpPr/>
+        <p:nvPr/>
+      </p:nvGrpSpPr>
+      <p:grpSpPr>
+        <a:xfrm>
+          <a:off x="0" y="0"/>
+          <a:ext cx="0" cy="0"/>
+          <a:chOff x="0" y="0"/>
+          <a:chExt cx="0" cy="0"/>
+        </a:xfrm>
+      </p:grpSpPr>
+      <p:sp>
+        <p:nvSpPr>
+          <p:cNvPr id="2" name="标题 1"/>
+          <p:cNvSpPr>
+            <a:spLocks noGrp="1"/>
+          </p:cNvSpPr>
+          <p:nvPr>
+            <p:ph type="title"/>
+          </p:nvPr>
+        </p:nvSpPr>
+        <p:spPr/>
+        <p:txBody>
+          <a:bodyPr/>
+          <a:lstStyle/>
+          <a:p>
+            <a:r>
+              <a:rPr lang="zh-CN" altLang="en-US" dirty="0" smtClean="0"/>
+              <a:t>闭包</a:t>
+            </a:r>
+            <a:endParaRPr lang="zh-CN" altLang="en-US" dirty="0"/>
+          </a:p>
+        </p:txBody>
+      </p:sp>
+      <p:sp>
+        <p:nvSpPr>
+          <p:cNvPr id="3" name="内容占位符 2"/>
+          <p:cNvSpPr>
+            <a:spLocks noGrp="1"/>
+          </p:cNvSpPr>
+          <p:nvPr>
+            <p:ph idx="1"/>
+          </p:nvPr>
+        </p:nvSpPr>
+        <p:spPr/>
+        <p:txBody>
+          <a:bodyPr/>
+          <a:lstStyle/>
+          <a:p>
+            <a:r>
+              <a:rPr lang="zh-CN" altLang="en-US" dirty="0"/>
+              <a:t>表现</a:t>
+            </a:r>
+            <a:r>
+              <a:rPr lang="zh-CN" altLang="en-US" dirty="0" smtClean="0"/>
+              <a:t>形式</a:t>
+            </a:r>
+            <a:r>
+              <a:rPr lang="en-US" altLang="zh-CN" dirty="0" smtClean="0"/>
+              <a:t>:</a:t>
+            </a:r>
+          </a:p>
+          <a:p>
+            <a:endParaRPr lang="en-US" altLang="zh-CN" dirty="0"/>
+          </a:p>
+          <a:p>
+            <a:endParaRPr lang="en-US" altLang="zh-CN" dirty="0" smtClean="0"/>
+          </a:p>
+          <a:p>
+            <a:endParaRPr lang="en-US" altLang="zh-CN" dirty="0"/>
+          </a:p>
+          <a:p>
+            <a:endParaRPr lang="en-US" altLang="zh-CN" dirty="0" smtClean="0"/>
+          </a:p>
+          <a:p>
+            <a:r>
+              <a:rPr lang="zh-CN" altLang="en-US" dirty="0" smtClean="0"/>
+              <a:t>调用</a:t>
+            </a:r>
+            <a:r>
+              <a:rPr lang="en-US" altLang="zh-CN" dirty="0" smtClean="0"/>
+              <a:t>:f=</a:t>
+            </a:r>
+            <a:r>
+              <a:rPr lang="en-US" altLang="zh-CN" dirty="0" err="1" smtClean="0"/>
+              <a:t>make_filter</a:t>
+            </a:r>
+            <a:r>
+              <a:rPr lang="en-US" altLang="zh-CN" dirty="0" smtClean="0"/>
+              <a:t>(‘test’)   f(‘a.txt’)  f(‘b.txt’)</a:t>
+            </a:r>
+          </a:p>
+          <a:p>
+            <a:endParaRPr lang="en-US" altLang="zh-CN" dirty="0" smtClean="0"/>
+          </a:p>
+        </p:txBody>
+      </p:sp>
+      <p:pic>
+        <p:nvPicPr>
+          <p:cNvPr id="4" name="图片 3"/>
+          <p:cNvPicPr>
+            <a:picLocks noChangeAspect="1"/>
+          </p:cNvPicPr>
+          <p:nvPr/>
+        </p:nvPicPr>
+        <p:blipFill>
+          <a:blip r:embed="rId2"/>
+          <a:stretch>
+            <a:fillRect/>
+          </a:stretch>
+        </p:blipFill>
+        <p:spPr>
+          <a:xfrm>
+            <a:off x="1101225" y="2644820"/>
+            <a:ext cx="3057525" cy="1533525"/>
+          </a:xfrm>
+          <a:prstGeom prst="rect">
+            <a:avLst/>
+          </a:prstGeom>
+        </p:spPr>
+      </p:pic>
+    </p:spTree>
+    <p:extLst>
+      <p:ext uri="{BB962C8B-B14F-4D97-AF65-F5344CB8AC3E}">
+        <p14:creationId xmlns:p14="http://schemas.microsoft.com/office/powerpoint/2010/main" val="3927102120"/>
+      </p:ext>
+    </p:extLst>
+  </p:cSld>
+  <p:clrMapOvr>
+    <a:masterClrMapping/>
+  </p:clrMapOvr>
+</p:sld>
+</file>
+
+<file path=ppt/slides/slide24.xml><?xml version="1.0" encoding="utf-8"?>
+<p:sld xmlns:a="http://schemas.openxmlformats.org/drawingml/2006/main" xmlns:r="http://schemas.openxmlformats.org/officeDocument/2006/relationships" xmlns:p="http://schemas.openxmlformats.org/presentationml/2006/main">
+  <p:cSld>
+    <p:spTree>
+      <p:nvGrpSpPr>
+        <p:cNvPr id="1" name=""/>
+        <p:cNvGrpSpPr/>
+        <p:nvPr/>
+      </p:nvGrpSpPr>
+      <p:grpSpPr>
+        <a:xfrm>
+          <a:off x="0" y="0"/>
+          <a:ext cx="0" cy="0"/>
+          <a:chOff x="0" y="0"/>
+          <a:chExt cx="0" cy="0"/>
+        </a:xfrm>
+      </p:grpSpPr>
+      <p:sp>
+        <p:nvSpPr>
+          <p:cNvPr id="2" name="标题 1"/>
+          <p:cNvSpPr>
+            <a:spLocks noGrp="1"/>
+          </p:cNvSpPr>
+          <p:nvPr>
+            <p:ph type="title"/>
+          </p:nvPr>
+        </p:nvSpPr>
+        <p:spPr/>
+        <p:txBody>
+          <a:bodyPr/>
+          <a:lstStyle/>
+          <a:p>
+            <a:r>
+              <a:rPr lang="zh-CN" altLang="en-US" dirty="0" smtClean="0"/>
+              <a:t>函数参数</a:t>
+            </a:r>
+            <a:endParaRPr lang="zh-CN" altLang="en-US" dirty="0"/>
+          </a:p>
+        </p:txBody>
+      </p:sp>
+      <p:sp>
+        <p:nvSpPr>
+          <p:cNvPr id="3" name="内容占位符 2"/>
+          <p:cNvSpPr>
+            <a:spLocks noGrp="1"/>
+          </p:cNvSpPr>
+          <p:nvPr>
+            <p:ph idx="1"/>
+          </p:nvPr>
+        </p:nvSpPr>
+        <p:spPr/>
+        <p:txBody>
+          <a:bodyPr/>
+          <a:lstStyle/>
+          <a:p>
+            <a:r>
+              <a:rPr lang="zh-CN" altLang="en-US" dirty="0" smtClean="0"/>
+              <a:t>基本形式</a:t>
+            </a:r>
+            <a:r>
+              <a:rPr lang="en-US" altLang="zh-CN" dirty="0" smtClean="0"/>
+              <a:t>:</a:t>
+            </a:r>
+            <a:r>
+              <a:rPr lang="en-US" altLang="zh-CN" dirty="0" err="1" smtClean="0"/>
+              <a:t>def</a:t>
+            </a:r>
+            <a:r>
+              <a:rPr lang="en-US" altLang="zh-CN" dirty="0" smtClean="0"/>
+              <a:t> add(</a:t>
+            </a:r>
+            <a:r>
+              <a:rPr lang="en-US" altLang="zh-CN" dirty="0" err="1" smtClean="0"/>
+              <a:t>a,b,c</a:t>
+            </a:r>
+            <a:r>
+              <a:rPr lang="en-US" altLang="zh-CN" dirty="0" smtClean="0"/>
+              <a:t>)       </a:t>
+            </a:r>
+            <a:r>
+              <a:rPr lang="zh-CN" altLang="en-US" dirty="0" smtClean="0"/>
+              <a:t>一般调用</a:t>
+            </a:r>
+            <a:r>
+              <a:rPr lang="en-US" altLang="zh-CN" dirty="0" smtClean="0"/>
+              <a:t>:add(1,2,3) </a:t>
+            </a:r>
+            <a:r>
+              <a:rPr lang="zh-CN" altLang="en-US" dirty="0" smtClean="0"/>
+              <a:t>关键字调用 </a:t>
+            </a:r>
+            <a:r>
+              <a:rPr lang="en-US" altLang="zh-CN" dirty="0" smtClean="0"/>
+              <a:t>add(b=2,c=3,a=1)</a:t>
+            </a:r>
+          </a:p>
+          <a:p>
+            <a:r>
+              <a:rPr lang="zh-CN" altLang="en-US" dirty="0" smtClean="0"/>
+              <a:t>默认参数形式</a:t>
+            </a:r>
+            <a:r>
+              <a:rPr lang="en-US" altLang="zh-CN" dirty="0" smtClean="0"/>
+              <a:t>:</a:t>
+            </a:r>
+            <a:r>
+              <a:rPr lang="en-US" altLang="zh-CN" dirty="0" err="1" smtClean="0"/>
+              <a:t>def</a:t>
+            </a:r>
+            <a:r>
+              <a:rPr lang="en-US" altLang="zh-CN" dirty="0" smtClean="0"/>
+              <a:t> add(</a:t>
+            </a:r>
+            <a:r>
+              <a:rPr lang="en-US" altLang="zh-CN" dirty="0" err="1" smtClean="0"/>
+              <a:t>a,b</a:t>
+            </a:r>
+            <a:r>
+              <a:rPr lang="en-US" altLang="zh-CN" dirty="0" smtClean="0"/>
+              <a:t>=2,c=3) </a:t>
+            </a:r>
+            <a:r>
+              <a:rPr lang="zh-CN" altLang="en-US" dirty="0" smtClean="0"/>
+              <a:t>一般调用</a:t>
+            </a:r>
+            <a:r>
+              <a:rPr lang="en-US" altLang="zh-CN" dirty="0" smtClean="0"/>
+              <a:t>:add(1),add(1,5),add(1,6,4)</a:t>
+            </a:r>
+          </a:p>
+          <a:p>
+            <a:r>
+              <a:rPr lang="zh-CN" altLang="en-US" dirty="0" smtClean="0"/>
+              <a:t>可变参数：</a:t>
+            </a:r>
+            <a:r>
+              <a:rPr lang="en-US" altLang="zh-CN" dirty="0" err="1" smtClean="0"/>
+              <a:t>def</a:t>
+            </a:r>
+            <a:r>
+              <a:rPr lang="en-US" altLang="zh-CN" dirty="0" smtClean="0"/>
+              <a:t> add(*</a:t>
+            </a:r>
+            <a:r>
+              <a:rPr lang="en-US" altLang="zh-CN" dirty="0" err="1" smtClean="0"/>
+              <a:t>args</a:t>
+            </a:r>
+            <a:r>
+              <a:rPr lang="en-US" altLang="zh-CN" dirty="0" smtClean="0"/>
+              <a:t>)  </a:t>
+            </a:r>
+            <a:r>
+              <a:rPr lang="zh-CN" altLang="en-US" dirty="0" smtClean="0"/>
+              <a:t>调用</a:t>
+            </a:r>
+            <a:r>
+              <a:rPr lang="en-US" altLang="zh-CN" dirty="0" smtClean="0"/>
+              <a:t>:add(1,2,3,4,5)</a:t>
+            </a:r>
+          </a:p>
+          <a:p>
+            <a:r>
+              <a:rPr lang="zh-CN" altLang="en-US" dirty="0" smtClean="0"/>
+              <a:t>可变参数键值对形式</a:t>
+            </a:r>
+            <a:r>
+              <a:rPr lang="en-US" altLang="zh-CN" dirty="0"/>
+              <a:t> </a:t>
+            </a:r>
+            <a:r>
+              <a:rPr lang="en-US" altLang="zh-CN" dirty="0" err="1" smtClean="0"/>
+              <a:t>def</a:t>
+            </a:r>
+            <a:r>
+              <a:rPr lang="en-US" altLang="zh-CN" dirty="0" smtClean="0"/>
+              <a:t> add(**</a:t>
+            </a:r>
+            <a:r>
+              <a:rPr lang="en-US" altLang="zh-CN" dirty="0" err="1" smtClean="0"/>
+              <a:t>kwargs</a:t>
+            </a:r>
+            <a:r>
+              <a:rPr lang="en-US" altLang="zh-CN" dirty="0" smtClean="0"/>
+              <a:t>)  </a:t>
+            </a:r>
+            <a:r>
+              <a:rPr lang="zh-CN" altLang="en-US" dirty="0" smtClean="0"/>
+              <a:t>调用</a:t>
+            </a:r>
+            <a:r>
+              <a:rPr lang="en-US" altLang="zh-CN" dirty="0" smtClean="0"/>
+              <a:t>:add(name=‘</a:t>
+            </a:r>
+            <a:r>
+              <a:rPr lang="en-US" altLang="zh-CN" dirty="0" err="1" smtClean="0"/>
+              <a:t>test’,age</a:t>
+            </a:r>
+            <a:r>
+              <a:rPr lang="en-US" altLang="zh-CN" dirty="0" smtClean="0"/>
+              <a:t>=20)</a:t>
+            </a:r>
+          </a:p>
+          <a:p>
+            <a:endParaRPr lang="en-US" altLang="zh-CN" dirty="0" smtClean="0"/>
+          </a:p>
+        </p:txBody>
+      </p:sp>
+    </p:spTree>
+    <p:extLst>
+      <p:ext uri="{BB962C8B-B14F-4D97-AF65-F5344CB8AC3E}">
+        <p14:creationId xmlns:p14="http://schemas.microsoft.com/office/powerpoint/2010/main" val="2220133490"/>
+      </p:ext>
+    </p:extLst>
+  </p:cSld>
+  <p:clrMapOvr>
+    <a:masterClrMapping/>
+  </p:clrMapOvr>
+</p:sld>
+</file>
+
+<file path=ppt/slides/slide25.xml><?xml version="1.0" encoding="utf-8"?>
+<p:sld xmlns:a="http://schemas.openxmlformats.org/drawingml/2006/main" xmlns:r="http://schemas.openxmlformats.org/officeDocument/2006/relationships" xmlns:p="http://schemas.openxmlformats.org/presentationml/2006/main">
+  <p:cSld>
+    <p:spTree>
+      <p:nvGrpSpPr>
+        <p:cNvPr id="1" name=""/>
+        <p:cNvGrpSpPr/>
+        <p:nvPr/>
+      </p:nvGrpSpPr>
+      <p:grpSpPr>
+        <a:xfrm>
+          <a:off x="0" y="0"/>
+          <a:ext cx="0" cy="0"/>
+          <a:chOff x="0" y="0"/>
+          <a:chExt cx="0" cy="0"/>
+        </a:xfrm>
+      </p:grpSpPr>
+      <p:sp>
+        <p:nvSpPr>
+          <p:cNvPr id="2" name="标题 1"/>
+          <p:cNvSpPr>
+            <a:spLocks noGrp="1"/>
+          </p:cNvSpPr>
+          <p:nvPr>
+            <p:ph type="title"/>
+          </p:nvPr>
+        </p:nvSpPr>
+        <p:spPr/>
+        <p:txBody>
+          <a:bodyPr/>
+          <a:lstStyle/>
+          <a:p>
+            <a:r>
+              <a:rPr lang="en-US" altLang="zh-CN" dirty="0" smtClean="0"/>
+              <a:t>Lambda</a:t>
+            </a:r>
+            <a:r>
+              <a:rPr lang="zh-CN" altLang="en-US" dirty="0" smtClean="0"/>
+              <a:t>表达式</a:t>
+            </a:r>
+            <a:endParaRPr lang="zh-CN" altLang="en-US" dirty="0"/>
+          </a:p>
+        </p:txBody>
+      </p:sp>
+      <p:sp>
+        <p:nvSpPr>
+          <p:cNvPr id="3" name="内容占位符 2"/>
+          <p:cNvSpPr>
+            <a:spLocks noGrp="1"/>
+          </p:cNvSpPr>
+          <p:nvPr>
+            <p:ph idx="1"/>
+          </p:nvPr>
+        </p:nvSpPr>
+        <p:spPr/>
+        <p:txBody>
+          <a:bodyPr/>
+          <a:lstStyle/>
+          <a:p>
+            <a:r>
+              <a:rPr lang="zh-CN" altLang="en-US" dirty="0" smtClean="0"/>
+              <a:t>基本形式</a:t>
+            </a:r>
+            <a:r>
+              <a:rPr lang="en-US" altLang="zh-CN" dirty="0" smtClean="0"/>
+              <a:t>: lambda </a:t>
+            </a:r>
+            <a:r>
+              <a:rPr lang="en-US" altLang="zh-CN" dirty="0" err="1" smtClean="0"/>
+              <a:t>x,y,z:x+y+z</a:t>
+            </a:r>
+            <a:endParaRPr lang="en-US" altLang="zh-CN" dirty="0" smtClean="0"/>
+          </a:p>
+          <a:p>
+            <a:r>
+              <a:rPr lang="en-US" altLang="zh-CN" dirty="0" smtClean="0"/>
+              <a:t>F=</a:t>
+            </a:r>
+            <a:r>
+              <a:rPr lang="en-US" altLang="zh-CN" dirty="0"/>
+              <a:t>lambda </a:t>
+            </a:r>
+            <a:r>
+              <a:rPr lang="en-US" altLang="zh-CN" dirty="0" err="1" smtClean="0"/>
+              <a:t>x,y,z:x+y+z</a:t>
+            </a:r>
+            <a:r>
+              <a:rPr lang="zh-CN" altLang="en-US" dirty="0" smtClean="0"/>
+              <a:t>        </a:t>
+            </a:r>
+            <a:r>
+              <a:rPr lang="en-US" altLang="zh-CN" dirty="0" smtClean="0"/>
+              <a:t>F(1,4,5)-</a:t>
+            </a:r>
+            <a:r>
+              <a:rPr lang="en-US" altLang="zh-CN" dirty="0" smtClean="0">
+                <a:sym typeface="Wingdings" panose="05000000000000000000" pitchFamily="2" charset="2"/>
+              </a:rPr>
+              <a:t>10</a:t>
+            </a:r>
+          </a:p>
+          <a:p>
+            <a:r>
+              <a:rPr lang="zh-CN" altLang="en-US" dirty="0" smtClean="0"/>
+              <a:t>书写简洁，可以放到不能出现</a:t>
+            </a:r>
+            <a:r>
+              <a:rPr lang="en-US" altLang="zh-CN" dirty="0" err="1" smtClean="0"/>
+              <a:t>def</a:t>
+            </a:r>
+            <a:r>
+              <a:rPr lang="zh-CN" altLang="en-US" dirty="0" smtClean="0"/>
+              <a:t>的地方进行使用</a:t>
+            </a:r>
+            <a:endParaRPr lang="en-US" altLang="zh-CN" dirty="0" smtClean="0"/>
+          </a:p>
+          <a:p>
+            <a:endParaRPr lang="en-US" altLang="zh-CN" dirty="0"/>
+          </a:p>
+          <a:p>
+            <a:endParaRPr lang="en-US" altLang="zh-CN" dirty="0" smtClean="0"/>
+          </a:p>
+          <a:p>
+            <a:endParaRPr lang="en-US" altLang="zh-CN" dirty="0"/>
+          </a:p>
+          <a:p>
+            <a:endParaRPr lang="en-US" altLang="zh-CN" dirty="0" smtClean="0"/>
+          </a:p>
+          <a:p>
+            <a:endParaRPr lang="en-US" altLang="zh-CN" dirty="0" smtClean="0"/>
+          </a:p>
+          <a:p>
+            <a:endParaRPr lang="en-US" altLang="zh-CN" dirty="0"/>
+          </a:p>
+        </p:txBody>
+      </p:sp>
+      <p:pic>
+        <p:nvPicPr>
+          <p:cNvPr id="4" name="图片 3"/>
+          <p:cNvPicPr>
+            <a:picLocks noChangeAspect="1"/>
+          </p:cNvPicPr>
+          <p:nvPr/>
+        </p:nvPicPr>
+        <p:blipFill>
+          <a:blip r:embed="rId2"/>
+          <a:stretch>
+            <a:fillRect/>
+          </a:stretch>
+        </p:blipFill>
+        <p:spPr>
+          <a:xfrm>
+            <a:off x="1039449" y="3490789"/>
+            <a:ext cx="2557190" cy="1220371"/>
+          </a:xfrm>
+          <a:prstGeom prst="rect">
+            <a:avLst/>
+          </a:prstGeom>
+        </p:spPr>
+      </p:pic>
+    </p:spTree>
+    <p:extLst>
+      <p:ext uri="{BB962C8B-B14F-4D97-AF65-F5344CB8AC3E}">
+        <p14:creationId xmlns:p14="http://schemas.microsoft.com/office/powerpoint/2010/main" val="3708613896"/>
+      </p:ext>
+    </p:extLst>
+  </p:cSld>
+  <p:clrMapOvr>
+    <a:masterClrMapping/>
+  </p:clrMapOvr>
+</p:sld>
+</file>
+
+<file path=ppt/slides/slide26.xml><?xml version="1.0" encoding="utf-8"?>
+<p:sld xmlns:a="http://schemas.openxmlformats.org/drawingml/2006/main" xmlns:r="http://schemas.openxmlformats.org/officeDocument/2006/relationships" xmlns:p="http://schemas.openxmlformats.org/presentationml/2006/main">
+  <p:cSld>
+    <p:spTree>
+      <p:nvGrpSpPr>
+        <p:cNvPr id="1" name=""/>
+        <p:cNvGrpSpPr/>
+        <p:nvPr/>
+      </p:nvGrpSpPr>
+      <p:grpSpPr>
+        <a:xfrm>
+          <a:off x="0" y="0"/>
+          <a:ext cx="0" cy="0"/>
+          <a:chOff x="0" y="0"/>
+          <a:chExt cx="0" cy="0"/>
+        </a:xfrm>
+      </p:grpSpPr>
+      <p:sp>
+        <p:nvSpPr>
+          <p:cNvPr id="2" name="标题 1"/>
+          <p:cNvSpPr>
+            <a:spLocks noGrp="1"/>
+          </p:cNvSpPr>
+          <p:nvPr>
+            <p:ph type="title"/>
+          </p:nvPr>
+        </p:nvSpPr>
+        <p:spPr/>
+        <p:txBody>
+          <a:bodyPr/>
+          <a:lstStyle/>
+          <a:p>
+            <a:r>
+              <a:rPr lang="en-US" altLang="zh-CN" dirty="0"/>
+              <a:t>m</a:t>
+            </a:r>
+            <a:r>
+              <a:rPr lang="en-US" altLang="zh-CN" dirty="0" smtClean="0"/>
+              <a:t>ap</a:t>
+            </a:r>
+            <a:r>
+              <a:rPr lang="zh-CN" altLang="en-US" dirty="0" smtClean="0"/>
+              <a:t>函数</a:t>
+            </a:r>
+            <a:endParaRPr lang="zh-CN" altLang="en-US" dirty="0"/>
+          </a:p>
+        </p:txBody>
+      </p:sp>
+      <p:sp>
+        <p:nvSpPr>
+          <p:cNvPr id="3" name="内容占位符 2"/>
+          <p:cNvSpPr>
+            <a:spLocks noGrp="1"/>
+          </p:cNvSpPr>
+          <p:nvPr>
+            <p:ph idx="1"/>
+          </p:nvPr>
+        </p:nvSpPr>
+        <p:spPr/>
+        <p:txBody>
+          <a:bodyPr/>
+          <a:lstStyle/>
+          <a:p>
+            <a:r>
+              <a:rPr lang="zh-CN" altLang="en-US" dirty="0" smtClean="0"/>
+              <a:t>功能：对列表或者其他序列内的每一个元素进行同一个操作并把结果集合起来；</a:t>
+            </a:r>
+            <a:endParaRPr lang="en-US" altLang="zh-CN" dirty="0" smtClean="0"/>
+          </a:p>
+          <a:p>
+            <a:r>
+              <a:rPr lang="en-US" altLang="zh-CN" dirty="0" smtClean="0"/>
+              <a:t>Counter=[1,2,3,4]  </a:t>
+            </a:r>
+            <a:r>
+              <a:rPr lang="en-US" altLang="zh-CN" dirty="0" err="1" smtClean="0"/>
+              <a:t>def</a:t>
+            </a:r>
+            <a:r>
+              <a:rPr lang="en-US" altLang="zh-CN" dirty="0" smtClean="0"/>
+              <a:t> add(x):return x+10     map(</a:t>
+            </a:r>
+            <a:r>
+              <a:rPr lang="en-US" altLang="zh-CN" dirty="0" err="1" smtClean="0"/>
+              <a:t>add,Counter</a:t>
+            </a:r>
+            <a:r>
+              <a:rPr lang="en-US" altLang="zh-CN" dirty="0" smtClean="0"/>
+              <a:t>)-&gt;[11,12,13,14]</a:t>
+            </a:r>
+          </a:p>
+          <a:p>
+            <a:r>
+              <a:rPr lang="en-US" altLang="zh-CN" dirty="0" smtClean="0"/>
+              <a:t>map(lambda x:x+10,Counter)  -</a:t>
+            </a:r>
+            <a:r>
+              <a:rPr lang="en-US" altLang="zh-CN" dirty="0" smtClean="0">
+                <a:sym typeface="Wingdings" panose="05000000000000000000" pitchFamily="2" charset="2"/>
+              </a:rPr>
+              <a:t>[11,12,13,14]</a:t>
+            </a:r>
+          </a:p>
+          <a:p>
+            <a:r>
+              <a:rPr lang="zh-CN" altLang="en-US" dirty="0" smtClean="0">
+                <a:sym typeface="Wingdings" panose="05000000000000000000" pitchFamily="2" charset="2"/>
+              </a:rPr>
+              <a:t>如果参数为多个序列</a:t>
+            </a:r>
+            <a:r>
+              <a:rPr lang="en-US" altLang="zh-CN" dirty="0" smtClean="0">
+                <a:sym typeface="Wingdings" panose="05000000000000000000" pitchFamily="2" charset="2"/>
+              </a:rPr>
+              <a:t>:</a:t>
+            </a:r>
+          </a:p>
+          <a:p>
+            <a:r>
+              <a:rPr lang="en-US" altLang="zh-CN" dirty="0" smtClean="0">
+                <a:sym typeface="Wingdings" panose="05000000000000000000" pitchFamily="2" charset="2"/>
+              </a:rPr>
+              <a:t>L1=[1,2,3]  L2=[2,3,4]                  power(2,3) ---8(2</a:t>
+            </a:r>
+            <a:r>
+              <a:rPr lang="zh-CN" altLang="en-US" dirty="0" smtClean="0">
+                <a:sym typeface="Wingdings" panose="05000000000000000000" pitchFamily="2" charset="2"/>
+              </a:rPr>
+              <a:t>的三次方</a:t>
+            </a:r>
+            <a:r>
+              <a:rPr lang="en-US" altLang="zh-CN" dirty="0" smtClean="0">
+                <a:sym typeface="Wingdings" panose="05000000000000000000" pitchFamily="2" charset="2"/>
+              </a:rPr>
+              <a:t>)</a:t>
+            </a:r>
+          </a:p>
+          <a:p>
+            <a:r>
+              <a:rPr lang="en-US" altLang="zh-CN" dirty="0" smtClean="0">
+                <a:sym typeface="Wingdings" panose="05000000000000000000" pitchFamily="2" charset="2"/>
+              </a:rPr>
+              <a:t>map(power,L1,L2)</a:t>
+            </a:r>
+            <a:r>
+              <a:rPr lang="en-US" altLang="zh-CN" dirty="0" smtClean="0"/>
+              <a:t> ----</a:t>
+            </a:r>
+            <a:r>
+              <a:rPr lang="en-US" altLang="zh-CN" dirty="0" smtClean="0">
+                <a:sym typeface="Wingdings" panose="05000000000000000000" pitchFamily="2" charset="2"/>
+              </a:rPr>
+              <a:t>[1,8,81]</a:t>
+            </a:r>
+          </a:p>
+          <a:p>
+            <a:r>
+              <a:rPr lang="zh-CN" altLang="en-US" dirty="0" smtClean="0">
+                <a:sym typeface="Wingdings" panose="05000000000000000000" pitchFamily="2" charset="2"/>
+              </a:rPr>
+              <a:t>返回的是</a:t>
+            </a:r>
+            <a:r>
+              <a:rPr lang="en-US" altLang="zh-CN" dirty="0" smtClean="0">
+                <a:sym typeface="Wingdings" panose="05000000000000000000" pitchFamily="2" charset="2"/>
+              </a:rPr>
+              <a:t>map</a:t>
+            </a:r>
+            <a:r>
+              <a:rPr lang="zh-CN" altLang="en-US" dirty="0" smtClean="0">
+                <a:sym typeface="Wingdings" panose="05000000000000000000" pitchFamily="2" charset="2"/>
+              </a:rPr>
+              <a:t>对象，需要通过</a:t>
+            </a:r>
+            <a:r>
+              <a:rPr lang="en-US" altLang="zh-CN" dirty="0" smtClean="0">
+                <a:sym typeface="Wingdings" panose="05000000000000000000" pitchFamily="2" charset="2"/>
+              </a:rPr>
+              <a:t>list</a:t>
+            </a:r>
+            <a:r>
+              <a:rPr lang="zh-CN" altLang="en-US" dirty="0" smtClean="0">
+                <a:sym typeface="Wingdings" panose="05000000000000000000" pitchFamily="2" charset="2"/>
+              </a:rPr>
+              <a:t>强制转换获取数据</a:t>
+            </a:r>
+            <a:endParaRPr lang="zh-CN" altLang="en-US" dirty="0"/>
+          </a:p>
+        </p:txBody>
+      </p:sp>
+    </p:spTree>
+    <p:extLst>
+      <p:ext uri="{BB962C8B-B14F-4D97-AF65-F5344CB8AC3E}">
+        <p14:creationId xmlns:p14="http://schemas.microsoft.com/office/powerpoint/2010/main" val="3663431738"/>
+      </p:ext>
+    </p:extLst>
+  </p:cSld>
+  <p:clrMapOvr>
+    <a:masterClrMapping/>
+  </p:clrMapOvr>
+</p:sld>
+</file>
+
+<file path=ppt/slides/slide27.xml><?xml version="1.0" encoding="utf-8"?>
+<p:sld xmlns:a="http://schemas.openxmlformats.org/drawingml/2006/main" xmlns:r="http://schemas.openxmlformats.org/officeDocument/2006/relationships" xmlns:p="http://schemas.openxmlformats.org/presentationml/2006/main">
+  <p:cSld>
+    <p:spTree>
+      <p:nvGrpSpPr>
+        <p:cNvPr id="1" name=""/>
+        <p:cNvGrpSpPr/>
+        <p:nvPr/>
+      </p:nvGrpSpPr>
+      <p:grpSpPr>
+        <a:xfrm>
+          <a:off x="0" y="0"/>
+          <a:ext cx="0" cy="0"/>
+          <a:chOff x="0" y="0"/>
+          <a:chExt cx="0" cy="0"/>
+        </a:xfrm>
+      </p:grpSpPr>
+      <p:sp>
+        <p:nvSpPr>
+          <p:cNvPr id="2" name="标题 1"/>
+          <p:cNvSpPr>
+            <a:spLocks noGrp="1"/>
+          </p:cNvSpPr>
+          <p:nvPr>
+            <p:ph type="title"/>
+          </p:nvPr>
+        </p:nvSpPr>
+        <p:spPr/>
+        <p:txBody>
+          <a:bodyPr/>
+          <a:lstStyle/>
+          <a:p>
+            <a:r>
+              <a:rPr lang="en-US" altLang="zh-CN" dirty="0"/>
+              <a:t>f</a:t>
+            </a:r>
+            <a:r>
+              <a:rPr lang="en-US" altLang="zh-CN" dirty="0" smtClean="0"/>
+              <a:t>ilter</a:t>
+            </a:r>
+            <a:r>
+              <a:rPr lang="zh-CN" altLang="en-US" dirty="0" smtClean="0"/>
+              <a:t>和</a:t>
+            </a:r>
+            <a:r>
+              <a:rPr lang="en-US" altLang="zh-CN" dirty="0" smtClean="0"/>
+              <a:t>reduce</a:t>
+            </a:r>
+            <a:r>
+              <a:rPr lang="zh-CN" altLang="en-US" dirty="0" smtClean="0"/>
+              <a:t>函数</a:t>
+            </a:r>
+            <a:endParaRPr lang="zh-CN" altLang="en-US" dirty="0"/>
+          </a:p>
+        </p:txBody>
+      </p:sp>
+      <p:sp>
+        <p:nvSpPr>
+          <p:cNvPr id="3" name="内容占位符 2"/>
+          <p:cNvSpPr>
+            <a:spLocks noGrp="1"/>
+          </p:cNvSpPr>
+          <p:nvPr>
+            <p:ph idx="1"/>
+          </p:nvPr>
+        </p:nvSpPr>
+        <p:spPr/>
+        <p:txBody>
+          <a:bodyPr/>
+          <a:lstStyle/>
+          <a:p>
+            <a:r>
+              <a:rPr lang="en-US" altLang="zh-CN" dirty="0"/>
+              <a:t>f</a:t>
+            </a:r>
+            <a:r>
+              <a:rPr lang="en-US" altLang="zh-CN" dirty="0" smtClean="0"/>
+              <a:t>ilter</a:t>
+            </a:r>
+            <a:r>
+              <a:rPr lang="zh-CN" altLang="en-US" dirty="0" smtClean="0"/>
+              <a:t>过滤函数：对于序列进行同一操作得到复合条件的数据</a:t>
+            </a:r>
+            <a:r>
+              <a:rPr lang="en-US" altLang="zh-CN" dirty="0" smtClean="0"/>
+              <a:t>;</a:t>
+            </a:r>
+          </a:p>
+          <a:p>
+            <a:r>
+              <a:rPr lang="zh-CN" altLang="en-US" dirty="0"/>
+              <a:t>基本</a:t>
+            </a:r>
+            <a:r>
+              <a:rPr lang="zh-CN" altLang="en-US" dirty="0" smtClean="0"/>
+              <a:t>形式</a:t>
+            </a:r>
+            <a:r>
+              <a:rPr lang="en-US" altLang="zh-CN" dirty="0" smtClean="0"/>
+              <a:t>:filter(</a:t>
+            </a:r>
+            <a:r>
+              <a:rPr lang="en-US" altLang="zh-CN" dirty="0" err="1" smtClean="0"/>
+              <a:t>f,iter</a:t>
+            </a:r>
+            <a:r>
+              <a:rPr lang="en-US" altLang="zh-CN" dirty="0" smtClean="0"/>
+              <a:t>)</a:t>
+            </a:r>
+          </a:p>
+          <a:p>
+            <a:r>
+              <a:rPr lang="en-US" altLang="zh-CN" dirty="0" smtClean="0"/>
+              <a:t>filter(lambda x:x&gt;0,[-1,-5,1,4,5])-------</a:t>
+            </a:r>
+            <a:r>
+              <a:rPr lang="en-US" altLang="zh-CN" dirty="0" smtClean="0">
+                <a:sym typeface="Wingdings" panose="05000000000000000000" pitchFamily="2" charset="2"/>
+              </a:rPr>
+              <a:t>[1,4,5]</a:t>
+            </a:r>
+          </a:p>
+          <a:p>
+            <a:r>
+              <a:rPr lang="en-US" altLang="zh-CN" dirty="0">
+                <a:sym typeface="Wingdings" panose="05000000000000000000" pitchFamily="2" charset="2"/>
+              </a:rPr>
+              <a:t>r</a:t>
+            </a:r>
+            <a:r>
+              <a:rPr lang="en-US" altLang="zh-CN" dirty="0" smtClean="0">
+                <a:sym typeface="Wingdings" panose="05000000000000000000" pitchFamily="2" charset="2"/>
+              </a:rPr>
+              <a:t>educe</a:t>
+            </a:r>
+            <a:r>
+              <a:rPr lang="zh-CN" altLang="en-US" dirty="0" smtClean="0">
+                <a:sym typeface="Wingdings" panose="05000000000000000000" pitchFamily="2" charset="2"/>
+              </a:rPr>
+              <a:t>函数：序列内的元素依次两两应用函数把得到的值与序列的下一个元素再应用函数，直到序列尾部，得出最后结果；</a:t>
+            </a:r>
+            <a:endParaRPr lang="en-US" altLang="zh-CN" dirty="0" smtClean="0">
+              <a:sym typeface="Wingdings" panose="05000000000000000000" pitchFamily="2" charset="2"/>
+            </a:endParaRPr>
+          </a:p>
+          <a:p>
+            <a:r>
+              <a:rPr lang="en-US" altLang="zh-CN" dirty="0" smtClean="0">
+                <a:sym typeface="Wingdings" panose="05000000000000000000" pitchFamily="2" charset="2"/>
+              </a:rPr>
+              <a:t>Python3</a:t>
+            </a:r>
+            <a:r>
+              <a:rPr lang="zh-CN" altLang="en-US" dirty="0" smtClean="0">
+                <a:sym typeface="Wingdings" panose="05000000000000000000" pitchFamily="2" charset="2"/>
+              </a:rPr>
+              <a:t>内 </a:t>
+            </a:r>
+            <a:r>
+              <a:rPr lang="en-US" altLang="zh-CN" dirty="0" smtClean="0">
+                <a:sym typeface="Wingdings" panose="05000000000000000000" pitchFamily="2" charset="2"/>
+              </a:rPr>
+              <a:t>import </a:t>
+            </a:r>
+            <a:r>
+              <a:rPr lang="en-US" altLang="zh-CN" dirty="0" err="1" smtClean="0">
+                <a:sym typeface="Wingdings" panose="05000000000000000000" pitchFamily="2" charset="2"/>
+              </a:rPr>
+              <a:t>functools</a:t>
+            </a:r>
+            <a:r>
+              <a:rPr lang="en-US" altLang="zh-CN" dirty="0" smtClean="0">
+                <a:sym typeface="Wingdings" panose="05000000000000000000" pitchFamily="2" charset="2"/>
+              </a:rPr>
+              <a:t> import reduce</a:t>
+            </a:r>
+          </a:p>
+          <a:p>
+            <a:r>
+              <a:rPr lang="en-US" altLang="zh-CN" dirty="0" smtClean="0">
+                <a:sym typeface="Wingdings" panose="05000000000000000000" pitchFamily="2" charset="2"/>
+              </a:rPr>
+              <a:t>reduce(lambda </a:t>
+            </a:r>
+            <a:r>
+              <a:rPr lang="en-US" altLang="zh-CN" dirty="0" err="1" smtClean="0">
+                <a:sym typeface="Wingdings" panose="05000000000000000000" pitchFamily="2" charset="2"/>
+              </a:rPr>
+              <a:t>x,y:x+y</a:t>
+            </a:r>
+            <a:r>
+              <a:rPr lang="en-US" altLang="zh-CN" dirty="0" smtClean="0">
+                <a:sym typeface="Wingdings" panose="05000000000000000000" pitchFamily="2" charset="2"/>
+              </a:rPr>
+              <a:t>,[1,2,3,4],-1) -----10     </a:t>
+            </a:r>
+            <a:r>
+              <a:rPr lang="zh-CN" altLang="en-US" dirty="0" smtClean="0">
+                <a:sym typeface="Wingdings" panose="05000000000000000000" pitchFamily="2" charset="2"/>
+              </a:rPr>
+              <a:t>第三个参数为可选参数</a:t>
+            </a:r>
+            <a:endParaRPr lang="zh-CN" altLang="en-US" dirty="0"/>
+          </a:p>
+        </p:txBody>
+      </p:sp>
+    </p:spTree>
+    <p:extLst>
+      <p:ext uri="{BB962C8B-B14F-4D97-AF65-F5344CB8AC3E}">
+        <p14:creationId xmlns:p14="http://schemas.microsoft.com/office/powerpoint/2010/main" val="1840103991"/>
+      </p:ext>
+    </p:extLst>
+  </p:cSld>
+  <p:clrMapOvr>
+    <a:masterClrMapping/>
+  </p:clrMapOvr>
+</p:sld>
+</file>
+
+<file path=ppt/slides/slide28.xml><?xml version="1.0" encoding="utf-8"?>
+<p:sld xmlns:a="http://schemas.openxmlformats.org/drawingml/2006/main" xmlns:r="http://schemas.openxmlformats.org/officeDocument/2006/relationships" xmlns:p="http://schemas.openxmlformats.org/presentationml/2006/main">
+  <p:cSld>
+    <p:spTree>
+      <p:nvGrpSpPr>
+        <p:cNvPr id="1" name=""/>
+        <p:cNvGrpSpPr/>
+        <p:nvPr/>
+      </p:nvGrpSpPr>
+      <p:grpSpPr>
+        <a:xfrm>
+          <a:off x="0" y="0"/>
+          <a:ext cx="0" cy="0"/>
+          <a:chOff x="0" y="0"/>
+          <a:chExt cx="0" cy="0"/>
+        </a:xfrm>
+      </p:grpSpPr>
+      <p:sp>
+        <p:nvSpPr>
+          <p:cNvPr id="2" name="标题 1"/>
+          <p:cNvSpPr>
+            <a:spLocks noGrp="1"/>
+          </p:cNvSpPr>
+          <p:nvPr>
+            <p:ph type="title"/>
+          </p:nvPr>
+        </p:nvSpPr>
+        <p:spPr/>
+        <p:txBody>
+          <a:bodyPr/>
+          <a:lstStyle/>
+          <a:p>
+            <a:r>
+              <a:rPr lang="zh-CN" altLang="en-US" dirty="0" smtClean="0"/>
+              <a:t>列表解析式</a:t>
+            </a:r>
+            <a:endParaRPr lang="zh-CN" altLang="en-US" dirty="0"/>
+          </a:p>
+        </p:txBody>
+      </p:sp>
+      <p:sp>
+        <p:nvSpPr>
+          <p:cNvPr id="3" name="内容占位符 2"/>
+          <p:cNvSpPr>
+            <a:spLocks noGrp="1"/>
+          </p:cNvSpPr>
+          <p:nvPr>
+            <p:ph idx="1"/>
+          </p:nvPr>
+        </p:nvSpPr>
+        <p:spPr/>
+        <p:txBody>
+          <a:bodyPr/>
+          <a:lstStyle/>
+          <a:p>
+            <a:r>
+              <a:rPr lang="zh-CN" altLang="en-US" dirty="0" smtClean="0"/>
+              <a:t>它可以根据已有列表高效的创建新的列表；</a:t>
+            </a:r>
+            <a:endParaRPr lang="en-US" altLang="zh-CN" dirty="0" smtClean="0"/>
+          </a:p>
+          <a:p>
+            <a:r>
+              <a:rPr lang="zh-CN" altLang="en-US" dirty="0"/>
+              <a:t>基本</a:t>
+            </a:r>
+            <a:r>
+              <a:rPr lang="zh-CN" altLang="en-US" dirty="0" smtClean="0"/>
+              <a:t>形式：</a:t>
+            </a:r>
+            <a:r>
+              <a:rPr lang="en-US" altLang="zh-CN" dirty="0" smtClean="0"/>
+              <a:t>[x+5 for x in L]  L</a:t>
+            </a:r>
+            <a:r>
+              <a:rPr lang="zh-CN" altLang="en-US" dirty="0" smtClean="0"/>
+              <a:t>为一个可迭代的类型数据</a:t>
+            </a:r>
+            <a:r>
+              <a:rPr lang="en-US" altLang="zh-CN" dirty="0" smtClean="0"/>
+              <a:t>;</a:t>
+            </a:r>
+          </a:p>
+          <a:p>
+            <a:r>
+              <a:rPr lang="zh-CN" altLang="en-US" dirty="0" smtClean="0"/>
+              <a:t>写法比较</a:t>
+            </a:r>
+            <a:r>
+              <a:rPr lang="en-US" altLang="zh-CN" dirty="0" smtClean="0"/>
+              <a:t>:</a:t>
+            </a:r>
+          </a:p>
+          <a:p>
+            <a:endParaRPr lang="zh-CN" altLang="en-US" dirty="0"/>
+          </a:p>
+        </p:txBody>
+      </p:sp>
+      <p:pic>
+        <p:nvPicPr>
+          <p:cNvPr id="4" name="图片 3"/>
+          <p:cNvPicPr>
+            <a:picLocks noChangeAspect="1"/>
+          </p:cNvPicPr>
+          <p:nvPr/>
+        </p:nvPicPr>
+        <p:blipFill>
+          <a:blip r:embed="rId2"/>
+          <a:stretch>
+            <a:fillRect/>
+          </a:stretch>
+        </p:blipFill>
+        <p:spPr>
+          <a:xfrm>
+            <a:off x="1182461" y="3448458"/>
+            <a:ext cx="2076450" cy="866775"/>
+          </a:xfrm>
+          <a:prstGeom prst="rect">
+            <a:avLst/>
+          </a:prstGeom>
+        </p:spPr>
+      </p:pic>
+      <p:pic>
+        <p:nvPicPr>
+          <p:cNvPr id="5" name="图片 4"/>
+          <p:cNvPicPr>
+            <a:picLocks noChangeAspect="1"/>
+          </p:cNvPicPr>
+          <p:nvPr/>
+        </p:nvPicPr>
+        <p:blipFill>
+          <a:blip r:embed="rId3"/>
+          <a:stretch>
+            <a:fillRect/>
+          </a:stretch>
+        </p:blipFill>
+        <p:spPr>
+          <a:xfrm>
+            <a:off x="3764038" y="3448458"/>
+            <a:ext cx="2857500" cy="561975"/>
+          </a:xfrm>
+          <a:prstGeom prst="rect">
+            <a:avLst/>
+          </a:prstGeom>
+        </p:spPr>
+      </p:pic>
+    </p:spTree>
+    <p:extLst>
+      <p:ext uri="{BB962C8B-B14F-4D97-AF65-F5344CB8AC3E}">
+        <p14:creationId xmlns:p14="http://schemas.microsoft.com/office/powerpoint/2010/main" val="1252762277"/>
+      </p:ext>
+    </p:extLst>
+  </p:cSld>
+  <p:clrMapOvr>
+    <a:masterClrMapping/>
+  </p:clrMapOvr>
+</p:sld>
+</file>
+
+<file path=ppt/slides/slide29.xml><?xml version="1.0" encoding="utf-8"?>
+<p:sld xmlns:a="http://schemas.openxmlformats.org/drawingml/2006/main" xmlns:r="http://schemas.openxmlformats.org/officeDocument/2006/relationships" xmlns:p="http://schemas.openxmlformats.org/presentationml/2006/main">
+  <p:cSld>
+    <p:spTree>
+      <p:nvGrpSpPr>
+        <p:cNvPr id="1" name=""/>
+        <p:cNvGrpSpPr/>
+        <p:nvPr/>
+      </p:nvGrpSpPr>
+      <p:grpSpPr>
+        <a:xfrm>
+          <a:off x="0" y="0"/>
+          <a:ext cx="0" cy="0"/>
+          <a:chOff x="0" y="0"/>
+          <a:chExt cx="0" cy="0"/>
+        </a:xfrm>
+      </p:grpSpPr>
+      <p:sp>
+        <p:nvSpPr>
+          <p:cNvPr id="2" name="标题 1"/>
+          <p:cNvSpPr>
+            <a:spLocks noGrp="1"/>
+          </p:cNvSpPr>
+          <p:nvPr>
+            <p:ph type="title"/>
+          </p:nvPr>
+        </p:nvSpPr>
+        <p:spPr/>
+        <p:txBody>
+          <a:bodyPr/>
+          <a:lstStyle/>
+          <a:p>
+            <a:r>
+              <a:rPr lang="zh-CN" altLang="en-US" dirty="0" smtClean="0"/>
+              <a:t>迭代器</a:t>
+            </a:r>
+            <a:endParaRPr lang="zh-CN" altLang="en-US" dirty="0"/>
+          </a:p>
+        </p:txBody>
+      </p:sp>
+      <p:sp>
+        <p:nvSpPr>
+          <p:cNvPr id="3" name="内容占位符 2"/>
+          <p:cNvSpPr>
+            <a:spLocks noGrp="1"/>
+          </p:cNvSpPr>
+          <p:nvPr>
+            <p:ph idx="1"/>
+          </p:nvPr>
+        </p:nvSpPr>
+        <p:spPr/>
+        <p:txBody>
+          <a:bodyPr/>
+          <a:lstStyle/>
+          <a:p>
+            <a:r>
+              <a:rPr lang="zh-CN" altLang="en-US" dirty="0" smtClean="0"/>
+              <a:t>迭代器对象从第一个元素开始访问，直到最后，只能往前不能后退；</a:t>
+            </a:r>
+            <a:endParaRPr lang="en-US" altLang="zh-CN" dirty="0" smtClean="0"/>
+          </a:p>
+          <a:p>
+            <a:r>
+              <a:rPr lang="zh-CN" altLang="en-US" dirty="0"/>
+              <a:t>基本</a:t>
+            </a:r>
+            <a:r>
+              <a:rPr lang="zh-CN" altLang="en-US" dirty="0" smtClean="0"/>
+              <a:t>方法</a:t>
+            </a:r>
+            <a:r>
+              <a:rPr lang="en-US" altLang="zh-CN" dirty="0"/>
+              <a:t>:</a:t>
+            </a:r>
+            <a:r>
+              <a:rPr lang="en-US" altLang="zh-CN" dirty="0" err="1" smtClean="0"/>
+              <a:t>iter</a:t>
+            </a:r>
+            <a:r>
+              <a:rPr lang="en-US" altLang="zh-CN" dirty="0" smtClean="0"/>
+              <a:t>()</a:t>
+            </a:r>
+            <a:r>
+              <a:rPr lang="zh-CN" altLang="en-US" dirty="0" smtClean="0"/>
+              <a:t>和</a:t>
+            </a:r>
+            <a:r>
+              <a:rPr lang="en-US" altLang="zh-CN" dirty="0" smtClean="0"/>
+              <a:t>next();</a:t>
+            </a:r>
+          </a:p>
+          <a:p>
+            <a:r>
+              <a:rPr lang="zh-CN" altLang="en-US" dirty="0" smtClean="0"/>
+              <a:t>到达尾部，继续</a:t>
+            </a:r>
+            <a:r>
+              <a:rPr lang="en-US" altLang="zh-CN" dirty="0" smtClean="0"/>
+              <a:t>next()</a:t>
+            </a:r>
+            <a:r>
+              <a:rPr lang="zh-CN" altLang="en-US" dirty="0" smtClean="0"/>
+              <a:t>会抛出</a:t>
+            </a:r>
+            <a:r>
+              <a:rPr lang="en-US" altLang="zh-CN" dirty="0" err="1" smtClean="0"/>
+              <a:t>StopIteration</a:t>
+            </a:r>
+            <a:r>
+              <a:rPr lang="zh-CN" altLang="en-US" dirty="0" smtClean="0"/>
+              <a:t>异常；</a:t>
+            </a:r>
+            <a:endParaRPr lang="en-US" altLang="zh-CN" dirty="0" smtClean="0"/>
+          </a:p>
+          <a:p>
+            <a:r>
+              <a:rPr lang="zh-CN" altLang="en-US" dirty="0" smtClean="0"/>
+              <a:t>创建一个迭代器类必须实现</a:t>
+            </a:r>
+            <a:r>
+              <a:rPr lang="en-US" altLang="zh-CN" dirty="0" smtClean="0"/>
+              <a:t>__</a:t>
+            </a:r>
+            <a:r>
+              <a:rPr lang="en-US" altLang="zh-CN" dirty="0" err="1" smtClean="0"/>
+              <a:t>iter</a:t>
+            </a:r>
+            <a:r>
+              <a:rPr lang="en-US" altLang="zh-CN" dirty="0" smtClean="0"/>
+              <a:t>__</a:t>
+            </a:r>
+            <a:r>
+              <a:rPr lang="zh-CN" altLang="en-US" dirty="0" smtClean="0"/>
+              <a:t>和</a:t>
+            </a:r>
+            <a:r>
+              <a:rPr lang="en-US" altLang="zh-CN" dirty="0" smtClean="0"/>
+              <a:t>__next__</a:t>
+            </a:r>
+            <a:r>
+              <a:rPr lang="zh-CN" altLang="en-US" dirty="0" smtClean="0"/>
+              <a:t>方法</a:t>
+            </a:r>
+            <a:r>
+              <a:rPr lang="en-US" altLang="zh-CN" dirty="0" smtClean="0"/>
+              <a:t>;</a:t>
+            </a:r>
+          </a:p>
+          <a:p>
+            <a:endParaRPr lang="zh-CN" altLang="en-US" dirty="0"/>
+          </a:p>
+        </p:txBody>
+      </p:sp>
+      <p:pic>
+        <p:nvPicPr>
+          <p:cNvPr id="4" name="图片 3"/>
+          <p:cNvPicPr>
+            <a:picLocks noChangeAspect="1"/>
+          </p:cNvPicPr>
+          <p:nvPr/>
+        </p:nvPicPr>
+        <p:blipFill>
+          <a:blip r:embed="rId2"/>
+          <a:stretch>
+            <a:fillRect/>
+          </a:stretch>
+        </p:blipFill>
+        <p:spPr>
+          <a:xfrm>
+            <a:off x="1028019" y="3699801"/>
+            <a:ext cx="2124075" cy="2571750"/>
+          </a:xfrm>
+          <a:prstGeom prst="rect">
+            <a:avLst/>
+          </a:prstGeom>
+        </p:spPr>
+      </p:pic>
+    </p:spTree>
+    <p:extLst>
+      <p:ext uri="{BB962C8B-B14F-4D97-AF65-F5344CB8AC3E}">
+        <p14:creationId xmlns:p14="http://schemas.microsoft.com/office/powerpoint/2010/main" val="2024799774"/>
+      </p:ext>
+    </p:extLst>
+  </p:cSld>
+  <p:clrMapOvr>
+    <a:masterClrMapping/>
+  </p:clrMapOvr>
+</p:sld>
+</file>
+
 <file path=ppt/slides/slide3.xml><?xml version="1.0" encoding="utf-8"?>
 <p:sld xmlns:a="http://schemas.openxmlformats.org/drawingml/2006/main" xmlns:r="http://schemas.openxmlformats.org/officeDocument/2006/relationships" xmlns:p="http://schemas.openxmlformats.org/presentationml/2006/main">
   <p:cSld>
@@ -8566,6 +10215,667 @@
       </p:par>
     </p:tnLst>
   </p:timing>
+</p:sld>
+</file>
+
+<file path=ppt/slides/slide30.xml><?xml version="1.0" encoding="utf-8"?>
+<p:sld xmlns:a="http://schemas.openxmlformats.org/drawingml/2006/main" xmlns:r="http://schemas.openxmlformats.org/officeDocument/2006/relationships" xmlns:p="http://schemas.openxmlformats.org/presentationml/2006/main">
+  <p:cSld>
+    <p:spTree>
+      <p:nvGrpSpPr>
+        <p:cNvPr id="1" name=""/>
+        <p:cNvGrpSpPr/>
+        <p:nvPr/>
+      </p:nvGrpSpPr>
+      <p:grpSpPr>
+        <a:xfrm>
+          <a:off x="0" y="0"/>
+          <a:ext cx="0" cy="0"/>
+          <a:chOff x="0" y="0"/>
+          <a:chExt cx="0" cy="0"/>
+        </a:xfrm>
+      </p:grpSpPr>
+      <p:sp>
+        <p:nvSpPr>
+          <p:cNvPr id="2" name="标题 1"/>
+          <p:cNvSpPr>
+            <a:spLocks noGrp="1"/>
+          </p:cNvSpPr>
+          <p:nvPr>
+            <p:ph type="title"/>
+          </p:nvPr>
+        </p:nvSpPr>
+        <p:spPr/>
+        <p:txBody>
+          <a:bodyPr/>
+          <a:lstStyle/>
+          <a:p>
+            <a:r>
+              <a:rPr lang="zh-CN" altLang="en-US" dirty="0" smtClean="0"/>
+              <a:t>生成器</a:t>
+            </a:r>
+            <a:endParaRPr lang="zh-CN" altLang="en-US" dirty="0"/>
+          </a:p>
+        </p:txBody>
+      </p:sp>
+      <p:sp>
+        <p:nvSpPr>
+          <p:cNvPr id="3" name="内容占位符 2"/>
+          <p:cNvSpPr>
+            <a:spLocks noGrp="1"/>
+          </p:cNvSpPr>
+          <p:nvPr>
+            <p:ph idx="1"/>
+          </p:nvPr>
+        </p:nvSpPr>
+        <p:spPr/>
+        <p:txBody>
+          <a:bodyPr/>
+          <a:lstStyle/>
+          <a:p>
+            <a:r>
+              <a:rPr lang="zh-CN" altLang="en-US" dirty="0" smtClean="0"/>
+              <a:t>生成器是一个返回迭代器的函数，用于迭代操作；</a:t>
+            </a:r>
+            <a:endParaRPr lang="en-US" altLang="zh-CN" dirty="0" smtClean="0"/>
+          </a:p>
+          <a:p>
+            <a:r>
+              <a:rPr lang="zh-CN" altLang="en-US" dirty="0" smtClean="0"/>
+              <a:t>普通函数返回使用</a:t>
+            </a:r>
+            <a:r>
+              <a:rPr lang="en-US" altLang="zh-CN" dirty="0" smtClean="0"/>
+              <a:t>return</a:t>
+            </a:r>
+            <a:r>
+              <a:rPr lang="zh-CN" altLang="en-US" dirty="0" smtClean="0"/>
+              <a:t>，生成器函数返回</a:t>
+            </a:r>
+            <a:r>
+              <a:rPr lang="en-US" altLang="zh-CN" dirty="0" smtClean="0"/>
+              <a:t>yield;</a:t>
+            </a:r>
+          </a:p>
+          <a:p>
+            <a:r>
+              <a:rPr lang="zh-CN" altLang="en-US" dirty="0" smtClean="0"/>
+              <a:t>生成器函数运行过程中，遇到</a:t>
+            </a:r>
+            <a:r>
+              <a:rPr lang="en-US" altLang="zh-CN" dirty="0" smtClean="0"/>
+              <a:t>yield</a:t>
+            </a:r>
+            <a:r>
+              <a:rPr lang="zh-CN" altLang="en-US" dirty="0" smtClean="0"/>
+              <a:t>会暂停保存当前的信息，并在下一次</a:t>
+            </a:r>
+            <a:r>
+              <a:rPr lang="en-US" altLang="zh-CN" dirty="0" smtClean="0"/>
+              <a:t>next</a:t>
+            </a:r>
+            <a:r>
+              <a:rPr lang="zh-CN" altLang="en-US" dirty="0" smtClean="0"/>
+              <a:t>时会从当前位置继续执行；</a:t>
+            </a:r>
+            <a:endParaRPr lang="en-US" altLang="zh-CN" dirty="0" smtClean="0"/>
+          </a:p>
+          <a:p>
+            <a:endParaRPr lang="en-US" altLang="zh-CN" dirty="0" smtClean="0"/>
+          </a:p>
+          <a:p>
+            <a:endParaRPr lang="en-US" altLang="zh-CN" dirty="0"/>
+          </a:p>
+          <a:p>
+            <a:endParaRPr lang="en-US" altLang="zh-CN" dirty="0" smtClean="0"/>
+          </a:p>
+          <a:p>
+            <a:r>
+              <a:rPr lang="zh-CN" altLang="en-US" dirty="0"/>
+              <a:t>结果</a:t>
+            </a:r>
+            <a:r>
+              <a:rPr lang="zh-CN" altLang="en-US" dirty="0" smtClean="0"/>
+              <a:t>为</a:t>
+            </a:r>
+            <a:r>
+              <a:rPr lang="en-US" altLang="zh-CN" dirty="0" smtClean="0"/>
+              <a:t>:6 7 8 9</a:t>
+            </a:r>
+          </a:p>
+          <a:p>
+            <a:r>
+              <a:rPr lang="zh-CN" altLang="en-US" dirty="0" smtClean="0"/>
+              <a:t>生成器表达式</a:t>
+            </a:r>
+            <a:r>
+              <a:rPr lang="en-US" altLang="zh-CN" dirty="0" smtClean="0">
+                <a:sym typeface="Wingdings" panose="05000000000000000000" pitchFamily="2" charset="2"/>
+              </a:rPr>
+              <a:t>:(x**2 for x in rang(4))</a:t>
+            </a:r>
+            <a:endParaRPr lang="zh-CN" altLang="en-US" dirty="0"/>
+          </a:p>
+        </p:txBody>
+      </p:sp>
+      <p:pic>
+        <p:nvPicPr>
+          <p:cNvPr id="4" name="图片 3"/>
+          <p:cNvPicPr>
+            <a:picLocks noChangeAspect="1"/>
+          </p:cNvPicPr>
+          <p:nvPr/>
+        </p:nvPicPr>
+        <p:blipFill>
+          <a:blip r:embed="rId2"/>
+          <a:stretch>
+            <a:fillRect/>
+          </a:stretch>
+        </p:blipFill>
+        <p:spPr>
+          <a:xfrm>
+            <a:off x="1100681" y="3611063"/>
+            <a:ext cx="1647825" cy="1238250"/>
+          </a:xfrm>
+          <a:prstGeom prst="rect">
+            <a:avLst/>
+          </a:prstGeom>
+        </p:spPr>
+      </p:pic>
+    </p:spTree>
+    <p:extLst>
+      <p:ext uri="{BB962C8B-B14F-4D97-AF65-F5344CB8AC3E}">
+        <p14:creationId xmlns:p14="http://schemas.microsoft.com/office/powerpoint/2010/main" val="2819961007"/>
+      </p:ext>
+    </p:extLst>
+  </p:cSld>
+  <p:clrMapOvr>
+    <a:masterClrMapping/>
+  </p:clrMapOvr>
+</p:sld>
+</file>
+
+<file path=ppt/slides/slide31.xml><?xml version="1.0" encoding="utf-8"?>
+<p:sld xmlns:a="http://schemas.openxmlformats.org/drawingml/2006/main" xmlns:r="http://schemas.openxmlformats.org/officeDocument/2006/relationships" xmlns:p="http://schemas.openxmlformats.org/presentationml/2006/main">
+  <p:cSld>
+    <p:spTree>
+      <p:nvGrpSpPr>
+        <p:cNvPr id="1" name=""/>
+        <p:cNvGrpSpPr/>
+        <p:nvPr/>
+      </p:nvGrpSpPr>
+      <p:grpSpPr>
+        <a:xfrm>
+          <a:off x="0" y="0"/>
+          <a:ext cx="0" cy="0"/>
+          <a:chOff x="0" y="0"/>
+          <a:chExt cx="0" cy="0"/>
+        </a:xfrm>
+      </p:grpSpPr>
+      <p:sp>
+        <p:nvSpPr>
+          <p:cNvPr id="2" name="标题 1"/>
+          <p:cNvSpPr>
+            <a:spLocks noGrp="1"/>
+          </p:cNvSpPr>
+          <p:nvPr>
+            <p:ph type="title"/>
+          </p:nvPr>
+        </p:nvSpPr>
+        <p:spPr/>
+        <p:txBody>
+          <a:bodyPr/>
+          <a:lstStyle/>
+          <a:p>
+            <a:r>
+              <a:rPr lang="zh-CN" altLang="en-US" dirty="0" smtClean="0"/>
+              <a:t>装饰器</a:t>
+            </a:r>
+            <a:r>
+              <a:rPr lang="en-US" altLang="zh-CN" dirty="0" smtClean="0"/>
+              <a:t>-1</a:t>
+            </a:r>
+            <a:endParaRPr lang="zh-CN" altLang="en-US" dirty="0"/>
+          </a:p>
+        </p:txBody>
+      </p:sp>
+      <p:sp>
+        <p:nvSpPr>
+          <p:cNvPr id="3" name="内容占位符 2"/>
+          <p:cNvSpPr>
+            <a:spLocks noGrp="1"/>
+          </p:cNvSpPr>
+          <p:nvPr>
+            <p:ph idx="1"/>
+          </p:nvPr>
+        </p:nvSpPr>
+        <p:spPr/>
+        <p:txBody>
+          <a:bodyPr/>
+          <a:lstStyle/>
+          <a:p>
+            <a:r>
+              <a:rPr lang="zh-CN" altLang="en-US" dirty="0" smtClean="0"/>
+              <a:t>表现形式</a:t>
+            </a:r>
+            <a:r>
+              <a:rPr lang="en-US" altLang="zh-CN" dirty="0" smtClean="0"/>
+              <a:t>:</a:t>
+            </a:r>
+          </a:p>
+          <a:p>
+            <a:endParaRPr lang="en-US" altLang="zh-CN" dirty="0"/>
+          </a:p>
+          <a:p>
+            <a:endParaRPr lang="en-US" altLang="zh-CN" dirty="0" smtClean="0"/>
+          </a:p>
+          <a:p>
+            <a:endParaRPr lang="en-US" altLang="zh-CN" dirty="0"/>
+          </a:p>
+          <a:p>
+            <a:endParaRPr lang="en-US" altLang="zh-CN" dirty="0" smtClean="0"/>
+          </a:p>
+          <a:p>
+            <a:endParaRPr lang="en-US" altLang="zh-CN" dirty="0"/>
+          </a:p>
+          <a:p>
+            <a:endParaRPr lang="en-US" altLang="zh-CN" dirty="0" smtClean="0"/>
+          </a:p>
+          <a:p>
+            <a:endParaRPr lang="en-US" altLang="zh-CN" dirty="0"/>
+          </a:p>
+          <a:p>
+            <a:pPr marL="0" indent="0">
+              <a:buNone/>
+            </a:pPr>
+            <a:r>
+              <a:rPr lang="en-US" altLang="zh-CN" dirty="0"/>
+              <a:t>foo:&lt;function </a:t>
+            </a:r>
+            <a:r>
+              <a:rPr lang="en-US" altLang="zh-CN" dirty="0" err="1"/>
+              <a:t>calculateTime</a:t>
+            </a:r>
+            <a:r>
+              <a:rPr lang="en-US" altLang="zh-CN" dirty="0"/>
+              <a:t>.&lt;locals&gt;.wrapper at 0x000000000292AA60&gt;</a:t>
+            </a:r>
+            <a:endParaRPr lang="en-US" altLang="zh-CN" dirty="0" smtClean="0"/>
+          </a:p>
+          <a:p>
+            <a:endParaRPr lang="zh-CN" altLang="en-US" dirty="0"/>
+          </a:p>
+        </p:txBody>
+      </p:sp>
+      <p:pic>
+        <p:nvPicPr>
+          <p:cNvPr id="4" name="图片 3"/>
+          <p:cNvPicPr>
+            <a:picLocks noChangeAspect="1"/>
+          </p:cNvPicPr>
+          <p:nvPr/>
+        </p:nvPicPr>
+        <p:blipFill>
+          <a:blip r:embed="rId2"/>
+          <a:stretch>
+            <a:fillRect/>
+          </a:stretch>
+        </p:blipFill>
+        <p:spPr>
+          <a:xfrm>
+            <a:off x="1116465" y="2483167"/>
+            <a:ext cx="2295525" cy="2867025"/>
+          </a:xfrm>
+          <a:prstGeom prst="rect">
+            <a:avLst/>
+          </a:prstGeom>
+        </p:spPr>
+      </p:pic>
+    </p:spTree>
+    <p:extLst>
+      <p:ext uri="{BB962C8B-B14F-4D97-AF65-F5344CB8AC3E}">
+        <p14:creationId xmlns:p14="http://schemas.microsoft.com/office/powerpoint/2010/main" val="4111048801"/>
+      </p:ext>
+    </p:extLst>
+  </p:cSld>
+  <p:clrMapOvr>
+    <a:masterClrMapping/>
+  </p:clrMapOvr>
+</p:sld>
+</file>
+
+<file path=ppt/slides/slide32.xml><?xml version="1.0" encoding="utf-8"?>
+<p:sld xmlns:a="http://schemas.openxmlformats.org/drawingml/2006/main" xmlns:r="http://schemas.openxmlformats.org/officeDocument/2006/relationships" xmlns:p="http://schemas.openxmlformats.org/presentationml/2006/main">
+  <p:cSld>
+    <p:spTree>
+      <p:nvGrpSpPr>
+        <p:cNvPr id="1" name=""/>
+        <p:cNvGrpSpPr/>
+        <p:nvPr/>
+      </p:nvGrpSpPr>
+      <p:grpSpPr>
+        <a:xfrm>
+          <a:off x="0" y="0"/>
+          <a:ext cx="0" cy="0"/>
+          <a:chOff x="0" y="0"/>
+          <a:chExt cx="0" cy="0"/>
+        </a:xfrm>
+      </p:grpSpPr>
+      <p:sp>
+        <p:nvSpPr>
+          <p:cNvPr id="2" name="标题 1"/>
+          <p:cNvSpPr>
+            <a:spLocks noGrp="1"/>
+          </p:cNvSpPr>
+          <p:nvPr>
+            <p:ph type="title"/>
+          </p:nvPr>
+        </p:nvSpPr>
+        <p:spPr/>
+        <p:txBody>
+          <a:bodyPr/>
+          <a:lstStyle/>
+          <a:p>
+            <a:r>
+              <a:rPr lang="zh-CN" altLang="en-US" dirty="0" smtClean="0"/>
+              <a:t>装饰器</a:t>
+            </a:r>
+            <a:r>
+              <a:rPr lang="en-US" altLang="zh-CN" dirty="0" smtClean="0"/>
+              <a:t>-2</a:t>
+            </a:r>
+            <a:endParaRPr lang="zh-CN" altLang="en-US" dirty="0"/>
+          </a:p>
+        </p:txBody>
+      </p:sp>
+      <p:sp>
+        <p:nvSpPr>
+          <p:cNvPr id="3" name="内容占位符 2"/>
+          <p:cNvSpPr>
+            <a:spLocks noGrp="1"/>
+          </p:cNvSpPr>
+          <p:nvPr>
+            <p:ph idx="1"/>
+          </p:nvPr>
+        </p:nvSpPr>
+        <p:spPr/>
+        <p:txBody>
+          <a:bodyPr/>
+          <a:lstStyle/>
+          <a:p>
+            <a:r>
+              <a:rPr lang="zh-CN" altLang="en-US" dirty="0" smtClean="0"/>
+              <a:t>常用写法</a:t>
+            </a:r>
+            <a:r>
+              <a:rPr lang="en-US" altLang="zh-CN" dirty="0" smtClean="0"/>
+              <a:t>:</a:t>
+            </a:r>
+          </a:p>
+          <a:p>
+            <a:endParaRPr lang="en-US" altLang="zh-CN" dirty="0"/>
+          </a:p>
+          <a:p>
+            <a:endParaRPr lang="en-US" altLang="zh-CN" dirty="0" smtClean="0"/>
+          </a:p>
+          <a:p>
+            <a:r>
+              <a:rPr lang="zh-CN" altLang="en-US" dirty="0" smtClean="0"/>
+              <a:t>此时的</a:t>
+            </a:r>
+            <a:r>
+              <a:rPr lang="en-US" altLang="zh-CN" dirty="0" smtClean="0"/>
+              <a:t>test</a:t>
+            </a:r>
+            <a:r>
+              <a:rPr lang="zh-CN" altLang="en-US" dirty="0" smtClean="0"/>
+              <a:t>函数对象为</a:t>
+            </a:r>
+            <a:r>
+              <a:rPr lang="en-US" altLang="zh-CN" dirty="0" smtClean="0"/>
+              <a:t>:test=</a:t>
+            </a:r>
+            <a:r>
+              <a:rPr lang="en-US" altLang="zh-CN" dirty="0" err="1" smtClean="0"/>
+              <a:t>calculateTime</a:t>
+            </a:r>
+            <a:r>
+              <a:rPr lang="en-US" altLang="zh-CN" dirty="0" smtClean="0"/>
+              <a:t>(test</a:t>
+            </a:r>
+            <a:r>
+              <a:rPr lang="en-US" altLang="zh-CN" dirty="0" smtClean="0"/>
+              <a:t>)</a:t>
+            </a:r>
+          </a:p>
+          <a:p>
+            <a:r>
+              <a:rPr lang="zh-CN" altLang="en-US" dirty="0" smtClean="0"/>
+              <a:t>带参数的装饰器</a:t>
+            </a:r>
+            <a:r>
+              <a:rPr lang="en-US" altLang="zh-CN" dirty="0" smtClean="0"/>
+              <a:t>:</a:t>
+            </a:r>
+            <a:endParaRPr lang="en-US" altLang="zh-CN" dirty="0" smtClean="0"/>
+          </a:p>
+          <a:p>
+            <a:endParaRPr lang="en-US" altLang="zh-CN" dirty="0" smtClean="0"/>
+          </a:p>
+          <a:p>
+            <a:endParaRPr lang="zh-CN" altLang="en-US" dirty="0"/>
+          </a:p>
+        </p:txBody>
+      </p:sp>
+      <p:pic>
+        <p:nvPicPr>
+          <p:cNvPr id="4" name="图片 3"/>
+          <p:cNvPicPr>
+            <a:picLocks noChangeAspect="1"/>
+          </p:cNvPicPr>
+          <p:nvPr/>
+        </p:nvPicPr>
+        <p:blipFill>
+          <a:blip r:embed="rId2"/>
+          <a:stretch>
+            <a:fillRect/>
+          </a:stretch>
+        </p:blipFill>
+        <p:spPr>
+          <a:xfrm>
+            <a:off x="1111160" y="2530928"/>
+            <a:ext cx="1504950" cy="838200"/>
+          </a:xfrm>
+          <a:prstGeom prst="rect">
+            <a:avLst/>
+          </a:prstGeom>
+        </p:spPr>
+      </p:pic>
+      <p:pic>
+        <p:nvPicPr>
+          <p:cNvPr id="5" name="图片 4"/>
+          <p:cNvPicPr>
+            <a:picLocks noChangeAspect="1"/>
+          </p:cNvPicPr>
+          <p:nvPr/>
+        </p:nvPicPr>
+        <p:blipFill>
+          <a:blip r:embed="rId3"/>
+          <a:stretch>
+            <a:fillRect/>
+          </a:stretch>
+        </p:blipFill>
+        <p:spPr>
+          <a:xfrm>
+            <a:off x="2889422" y="3742295"/>
+            <a:ext cx="2590800" cy="2800350"/>
+          </a:xfrm>
+          <a:prstGeom prst="rect">
+            <a:avLst/>
+          </a:prstGeom>
+        </p:spPr>
+      </p:pic>
+    </p:spTree>
+    <p:extLst>
+      <p:ext uri="{BB962C8B-B14F-4D97-AF65-F5344CB8AC3E}">
+        <p14:creationId xmlns:p14="http://schemas.microsoft.com/office/powerpoint/2010/main" val="2220280241"/>
+      </p:ext>
+    </p:extLst>
+  </p:cSld>
+  <p:clrMapOvr>
+    <a:masterClrMapping/>
+  </p:clrMapOvr>
+</p:sld>
+</file>
+
+<file path=ppt/slides/slide33.xml><?xml version="1.0" encoding="utf-8"?>
+<p:sld xmlns:a="http://schemas.openxmlformats.org/drawingml/2006/main" xmlns:r="http://schemas.openxmlformats.org/officeDocument/2006/relationships" xmlns:p="http://schemas.openxmlformats.org/presentationml/2006/main">
+  <p:cSld>
+    <p:spTree>
+      <p:nvGrpSpPr>
+        <p:cNvPr id="1" name=""/>
+        <p:cNvGrpSpPr/>
+        <p:nvPr/>
+      </p:nvGrpSpPr>
+      <p:grpSpPr>
+        <a:xfrm>
+          <a:off x="0" y="0"/>
+          <a:ext cx="0" cy="0"/>
+          <a:chOff x="0" y="0"/>
+          <a:chExt cx="0" cy="0"/>
+        </a:xfrm>
+      </p:grpSpPr>
+      <p:sp>
+        <p:nvSpPr>
+          <p:cNvPr id="2" name="标题 1"/>
+          <p:cNvSpPr>
+            <a:spLocks noGrp="1"/>
+          </p:cNvSpPr>
+          <p:nvPr>
+            <p:ph type="title"/>
+          </p:nvPr>
+        </p:nvSpPr>
+        <p:spPr/>
+        <p:txBody>
+          <a:bodyPr/>
+          <a:lstStyle/>
+          <a:p>
+            <a:r>
+              <a:rPr lang="zh-CN" altLang="en-US" dirty="0" smtClean="0"/>
+              <a:t>装饰器</a:t>
+            </a:r>
+            <a:r>
+              <a:rPr lang="en-US" altLang="zh-CN" dirty="0" smtClean="0"/>
+              <a:t>-3</a:t>
+            </a:r>
+            <a:endParaRPr lang="zh-CN" altLang="en-US" dirty="0"/>
+          </a:p>
+        </p:txBody>
+      </p:sp>
+      <p:sp>
+        <p:nvSpPr>
+          <p:cNvPr id="3" name="内容占位符 2"/>
+          <p:cNvSpPr>
+            <a:spLocks noGrp="1"/>
+          </p:cNvSpPr>
+          <p:nvPr>
+            <p:ph idx="1"/>
+          </p:nvPr>
+        </p:nvSpPr>
+        <p:spPr/>
+        <p:txBody>
+          <a:bodyPr/>
+          <a:lstStyle/>
+          <a:p>
+            <a:r>
+              <a:rPr lang="zh-CN" altLang="en-US" dirty="0" smtClean="0"/>
+              <a:t>类装饰器</a:t>
+            </a:r>
+            <a:r>
+              <a:rPr lang="en-US" altLang="zh-CN" dirty="0" smtClean="0"/>
+              <a:t>:</a:t>
+            </a:r>
+            <a:r>
+              <a:rPr lang="zh-CN" altLang="en-US" dirty="0" smtClean="0"/>
+              <a:t>实现</a:t>
+            </a:r>
+            <a:r>
+              <a:rPr lang="en-US" altLang="zh-CN" dirty="0" smtClean="0"/>
+              <a:t>__call__</a:t>
+            </a:r>
+            <a:r>
+              <a:rPr lang="zh-CN" altLang="en-US" dirty="0" smtClean="0"/>
+              <a:t>方法</a:t>
+            </a:r>
+            <a:endParaRPr lang="en-US" altLang="zh-CN" dirty="0" smtClean="0"/>
+          </a:p>
+          <a:p>
+            <a:endParaRPr lang="en-US" altLang="zh-CN" dirty="0"/>
+          </a:p>
+          <a:p>
+            <a:endParaRPr lang="en-US" altLang="zh-CN" dirty="0" smtClean="0"/>
+          </a:p>
+          <a:p>
+            <a:endParaRPr lang="en-US" altLang="zh-CN" dirty="0"/>
+          </a:p>
+          <a:p>
+            <a:endParaRPr lang="en-US" altLang="zh-CN" dirty="0" smtClean="0"/>
+          </a:p>
+          <a:p>
+            <a:endParaRPr lang="en-US" altLang="zh-CN" dirty="0"/>
+          </a:p>
+          <a:p>
+            <a:endParaRPr lang="en-US" altLang="zh-CN" dirty="0" smtClean="0"/>
+          </a:p>
+          <a:p>
+            <a:endParaRPr lang="en-US" altLang="zh-CN" dirty="0"/>
+          </a:p>
+          <a:p>
+            <a:r>
+              <a:rPr lang="en-US" altLang="zh-CN" smtClean="0"/>
+              <a:t>test=Foo(test)</a:t>
+            </a:r>
+            <a:endParaRPr lang="en-US" altLang="zh-CN" dirty="0" smtClean="0"/>
+          </a:p>
+          <a:p>
+            <a:endParaRPr lang="zh-CN" altLang="en-US" dirty="0"/>
+          </a:p>
+        </p:txBody>
+      </p:sp>
+      <p:pic>
+        <p:nvPicPr>
+          <p:cNvPr id="4" name="图片 3"/>
+          <p:cNvPicPr>
+            <a:picLocks noChangeAspect="1"/>
+          </p:cNvPicPr>
+          <p:nvPr/>
+        </p:nvPicPr>
+        <p:blipFill>
+          <a:blip r:embed="rId2"/>
+          <a:stretch>
+            <a:fillRect/>
+          </a:stretch>
+        </p:blipFill>
+        <p:spPr>
+          <a:xfrm>
+            <a:off x="998451" y="2518332"/>
+            <a:ext cx="2352675" cy="2809875"/>
+          </a:xfrm>
+          <a:prstGeom prst="rect">
+            <a:avLst/>
+          </a:prstGeom>
+        </p:spPr>
+      </p:pic>
+    </p:spTree>
+    <p:extLst>
+      <p:ext uri="{BB962C8B-B14F-4D97-AF65-F5344CB8AC3E}">
+        <p14:creationId xmlns:p14="http://schemas.microsoft.com/office/powerpoint/2010/main" val="3815380664"/>
+      </p:ext>
+    </p:extLst>
+  </p:cSld>
+  <p:clrMapOvr>
+    <a:masterClrMapping/>
+  </p:clrMapOvr>
 </p:sld>
 </file>
 

--- a/python.pptx
+++ b/python.pptx
@@ -38,6 +38,7 @@
     <p:sldId id="286" r:id="rId32"/>
     <p:sldId id="287" r:id="rId33"/>
     <p:sldId id="288" r:id="rId34"/>
+    <p:sldId id="289" r:id="rId35"/>
   </p:sldIdLst>
   <p:sldSz cx="12192000" cy="6858000"/>
   <p:notesSz cx="6858000" cy="9144000"/>
@@ -722,7 +723,7 @@
           </a:lstStyle>
           <a:p>
             <a:r>
-              <a:rPr lang="zh-CN" altLang="en-US" smtClean="0"/>
+              <a:rPr lang="zh-CN" altLang="en-US"/>
               <a:t>单击此处编辑母版标题样式</a:t>
             </a:r>
             <a:endParaRPr lang="en-US" dirty="0"/>
@@ -842,7 +843,7 @@
           </a:lstStyle>
           <a:p>
             <a:r>
-              <a:rPr lang="zh-CN" altLang="en-US" smtClean="0"/>
+              <a:rPr lang="zh-CN" altLang="en-US"/>
               <a:t>单击此处编辑母版副标题样式</a:t>
             </a:r>
             <a:endParaRPr lang="en-US" dirty="0"/>
@@ -866,7 +867,7 @@
           <a:p>
             <a:fld id="{07042CFF-A88D-4E52-85D6-96D03CDBF678}" type="datetimeFigureOut">
               <a:rPr lang="zh-CN" altLang="en-US" smtClean="0"/>
-              <a:t>2019/2/20</a:t>
+              <a:t>2019-02-20</a:t>
             </a:fld>
             <a:endParaRPr lang="zh-CN" altLang="en-US"/>
           </a:p>
@@ -971,7 +972,7 @@
           </a:lstStyle>
           <a:p>
             <a:r>
-              <a:rPr lang="zh-CN" altLang="en-US" smtClean="0"/>
+              <a:rPr lang="zh-CN" altLang="en-US"/>
               <a:t>单击此处编辑母版标题样式</a:t>
             </a:r>
             <a:endParaRPr lang="en-US" dirty="0"/>
@@ -1094,7 +1095,7 @@
           <a:p>
             <a:pPr lvl="0"/>
             <a:r>
-              <a:rPr lang="zh-CN" altLang="en-US" smtClean="0"/>
+              <a:rPr lang="zh-CN" altLang="en-US"/>
               <a:t>单击此处编辑母版文本样式</a:t>
             </a:r>
           </a:p>
@@ -1117,7 +1118,7 @@
           <a:p>
             <a:fld id="{07042CFF-A88D-4E52-85D6-96D03CDBF678}" type="datetimeFigureOut">
               <a:rPr lang="zh-CN" altLang="en-US" smtClean="0"/>
-              <a:t>2019/2/20</a:t>
+              <a:t>2019-02-20</a:t>
             </a:fld>
             <a:endParaRPr lang="zh-CN" altLang="en-US"/>
           </a:p>
@@ -1222,7 +1223,7 @@
           </a:lstStyle>
           <a:p>
             <a:r>
-              <a:rPr lang="zh-CN" altLang="en-US" smtClean="0"/>
+              <a:rPr lang="zh-CN" altLang="en-US"/>
               <a:t>单击此处编辑母版标题样式</a:t>
             </a:r>
             <a:endParaRPr lang="en-US" dirty="0"/>
@@ -1286,7 +1287,7 @@
           <a:p>
             <a:pPr lvl="0"/>
             <a:r>
-              <a:rPr lang="zh-CN" altLang="en-US" smtClean="0"/>
+              <a:rPr lang="zh-CN" altLang="en-US"/>
               <a:t>单击此处编辑母版文本样式</a:t>
             </a:r>
           </a:p>
@@ -1408,7 +1409,7 @@
           <a:p>
             <a:pPr lvl="0"/>
             <a:r>
-              <a:rPr lang="zh-CN" altLang="en-US" smtClean="0"/>
+              <a:rPr lang="zh-CN" altLang="en-US"/>
               <a:t>单击此处编辑母版文本样式</a:t>
             </a:r>
           </a:p>
@@ -1431,7 +1432,7 @@
           <a:p>
             <a:fld id="{07042CFF-A88D-4E52-85D6-96D03CDBF678}" type="datetimeFigureOut">
               <a:rPr lang="zh-CN" altLang="en-US" smtClean="0"/>
-              <a:t>2019/2/20</a:t>
+              <a:t>2019-02-20</a:t>
             </a:fld>
             <a:endParaRPr lang="zh-CN" altLang="en-US"/>
           </a:p>
@@ -1626,7 +1627,7 @@
           </a:lstStyle>
           <a:p>
             <a:r>
-              <a:rPr lang="zh-CN" altLang="en-US" smtClean="0"/>
+              <a:rPr lang="zh-CN" altLang="en-US"/>
               <a:t>单击此处编辑母版标题样式</a:t>
             </a:r>
             <a:endParaRPr lang="en-US" dirty="0"/>
@@ -1749,7 +1750,7 @@
           <a:p>
             <a:pPr lvl="0"/>
             <a:r>
-              <a:rPr lang="zh-CN" altLang="en-US" smtClean="0"/>
+              <a:rPr lang="zh-CN" altLang="en-US"/>
               <a:t>单击此处编辑母版文本样式</a:t>
             </a:r>
           </a:p>
@@ -1772,7 +1773,7 @@
           <a:p>
             <a:fld id="{07042CFF-A88D-4E52-85D6-96D03CDBF678}" type="datetimeFigureOut">
               <a:rPr lang="zh-CN" altLang="en-US" smtClean="0"/>
-              <a:t>2019/2/20</a:t>
+              <a:t>2019-02-20</a:t>
             </a:fld>
             <a:endParaRPr lang="zh-CN" altLang="en-US"/>
           </a:p>
@@ -1877,7 +1878,7 @@
           </a:lstStyle>
           <a:p>
             <a:r>
-              <a:rPr lang="zh-CN" altLang="en-US" smtClean="0"/>
+              <a:rPr lang="zh-CN" altLang="en-US"/>
               <a:t>单击此处编辑母版标题样式</a:t>
             </a:r>
             <a:endParaRPr lang="en-US" dirty="0"/>
@@ -1941,7 +1942,7 @@
           <a:p>
             <a:pPr lvl="0"/>
             <a:r>
-              <a:rPr lang="zh-CN" altLang="en-US" smtClean="0"/>
+              <a:rPr lang="zh-CN" altLang="en-US"/>
               <a:t>单击此处编辑母版文本样式</a:t>
             </a:r>
           </a:p>
@@ -2063,7 +2064,7 @@
           <a:p>
             <a:pPr lvl="0"/>
             <a:r>
-              <a:rPr lang="zh-CN" altLang="en-US" smtClean="0"/>
+              <a:rPr lang="zh-CN" altLang="en-US"/>
               <a:t>单击此处编辑母版文本样式</a:t>
             </a:r>
           </a:p>
@@ -2086,7 +2087,7 @@
           <a:p>
             <a:fld id="{07042CFF-A88D-4E52-85D6-96D03CDBF678}" type="datetimeFigureOut">
               <a:rPr lang="zh-CN" altLang="en-US" smtClean="0"/>
-              <a:t>2019/2/20</a:t>
+              <a:t>2019-02-20</a:t>
             </a:fld>
             <a:endParaRPr lang="zh-CN" altLang="en-US"/>
           </a:p>
@@ -2273,7 +2274,7 @@
           </a:lstStyle>
           <a:p>
             <a:r>
-              <a:rPr lang="zh-CN" altLang="en-US" smtClean="0"/>
+              <a:rPr lang="zh-CN" altLang="en-US"/>
               <a:t>单击此处编辑母版标题样式</a:t>
             </a:r>
             <a:endParaRPr lang="en-US" dirty="0"/>
@@ -2334,7 +2335,7 @@
           <a:p>
             <a:pPr lvl="0"/>
             <a:r>
-              <a:rPr lang="zh-CN" altLang="en-US" smtClean="0"/>
+              <a:rPr lang="zh-CN" altLang="en-US"/>
               <a:t>单击此处编辑母版文本样式</a:t>
             </a:r>
           </a:p>
@@ -2456,7 +2457,7 @@
           <a:p>
             <a:pPr lvl="0"/>
             <a:r>
-              <a:rPr lang="zh-CN" altLang="en-US" smtClean="0"/>
+              <a:rPr lang="zh-CN" altLang="en-US"/>
               <a:t>单击此处编辑母版文本样式</a:t>
             </a:r>
           </a:p>
@@ -2479,7 +2480,7 @@
           <a:p>
             <a:fld id="{07042CFF-A88D-4E52-85D6-96D03CDBF678}" type="datetimeFigureOut">
               <a:rPr lang="zh-CN" altLang="en-US" smtClean="0"/>
-              <a:t>2019/2/20</a:t>
+              <a:t>2019-02-20</a:t>
             </a:fld>
             <a:endParaRPr lang="zh-CN" altLang="en-US"/>
           </a:p>
@@ -2573,7 +2574,7 @@
           <a:lstStyle/>
           <a:p>
             <a:r>
-              <a:rPr lang="zh-CN" altLang="en-US" smtClean="0"/>
+              <a:rPr lang="zh-CN" altLang="en-US"/>
               <a:t>单击此处编辑母版标题样式</a:t>
             </a:r>
             <a:endParaRPr lang="en-US" dirty="0"/>
@@ -2597,35 +2598,35 @@
           <a:p>
             <a:pPr lvl="0"/>
             <a:r>
-              <a:rPr lang="zh-CN" altLang="en-US" smtClean="0"/>
+              <a:rPr lang="zh-CN" altLang="en-US"/>
               <a:t>单击此处编辑母版文本样式</a:t>
             </a:r>
           </a:p>
           <a:p>
             <a:pPr lvl="1"/>
             <a:r>
-              <a:rPr lang="zh-CN" altLang="en-US" smtClean="0"/>
+              <a:rPr lang="zh-CN" altLang="en-US"/>
               <a:t>第二级</a:t>
             </a:r>
           </a:p>
           <a:p>
             <a:pPr lvl="2"/>
             <a:r>
-              <a:rPr lang="zh-CN" altLang="en-US" smtClean="0"/>
+              <a:rPr lang="zh-CN" altLang="en-US"/>
               <a:t>第三级</a:t>
             </a:r>
           </a:p>
           <a:p>
             <a:pPr lvl="3"/>
             <a:r>
-              <a:rPr lang="zh-CN" altLang="en-US" smtClean="0"/>
+              <a:rPr lang="zh-CN" altLang="en-US"/>
               <a:t>第四级</a:t>
             </a:r>
           </a:p>
           <a:p>
             <a:pPr lvl="4"/>
             <a:r>
-              <a:rPr lang="zh-CN" altLang="en-US" smtClean="0"/>
+              <a:rPr lang="zh-CN" altLang="en-US"/>
               <a:t>第五级</a:t>
             </a:r>
             <a:endParaRPr lang="en-US" dirty="0"/>
@@ -2649,7 +2650,7 @@
           <a:p>
             <a:fld id="{07042CFF-A88D-4E52-85D6-96D03CDBF678}" type="datetimeFigureOut">
               <a:rPr lang="zh-CN" altLang="en-US" smtClean="0"/>
-              <a:t>2019/2/20</a:t>
+              <a:t>2019-02-20</a:t>
             </a:fld>
             <a:endParaRPr lang="zh-CN" altLang="en-US"/>
           </a:p>
@@ -2748,7 +2749,7 @@
           <a:lstStyle/>
           <a:p>
             <a:r>
-              <a:rPr lang="zh-CN" altLang="en-US" smtClean="0"/>
+              <a:rPr lang="zh-CN" altLang="en-US"/>
               <a:t>单击此处编辑母版标题样式</a:t>
             </a:r>
             <a:endParaRPr lang="en-US" dirty="0"/>
@@ -2777,35 +2778,35 @@
           <a:p>
             <a:pPr lvl="0"/>
             <a:r>
-              <a:rPr lang="zh-CN" altLang="en-US" smtClean="0"/>
+              <a:rPr lang="zh-CN" altLang="en-US"/>
               <a:t>单击此处编辑母版文本样式</a:t>
             </a:r>
           </a:p>
           <a:p>
             <a:pPr lvl="1"/>
             <a:r>
-              <a:rPr lang="zh-CN" altLang="en-US" smtClean="0"/>
+              <a:rPr lang="zh-CN" altLang="en-US"/>
               <a:t>第二级</a:t>
             </a:r>
           </a:p>
           <a:p>
             <a:pPr lvl="2"/>
             <a:r>
-              <a:rPr lang="zh-CN" altLang="en-US" smtClean="0"/>
+              <a:rPr lang="zh-CN" altLang="en-US"/>
               <a:t>第三级</a:t>
             </a:r>
           </a:p>
           <a:p>
             <a:pPr lvl="3"/>
             <a:r>
-              <a:rPr lang="zh-CN" altLang="en-US" smtClean="0"/>
+              <a:rPr lang="zh-CN" altLang="en-US"/>
               <a:t>第四级</a:t>
             </a:r>
           </a:p>
           <a:p>
             <a:pPr lvl="4"/>
             <a:r>
-              <a:rPr lang="zh-CN" altLang="en-US" smtClean="0"/>
+              <a:rPr lang="zh-CN" altLang="en-US"/>
               <a:t>第五级</a:t>
             </a:r>
             <a:endParaRPr lang="en-US" dirty="0"/>
@@ -2829,7 +2830,7 @@
           <a:p>
             <a:fld id="{07042CFF-A88D-4E52-85D6-96D03CDBF678}" type="datetimeFigureOut">
               <a:rPr lang="zh-CN" altLang="en-US" smtClean="0"/>
-              <a:t>2019/2/20</a:t>
+              <a:t>2019-02-20</a:t>
             </a:fld>
             <a:endParaRPr lang="zh-CN" altLang="en-US"/>
           </a:p>
@@ -2929,7 +2930,7 @@
           </a:lstStyle>
           <a:p>
             <a:r>
-              <a:rPr lang="zh-CN" altLang="en-US" smtClean="0"/>
+              <a:rPr lang="zh-CN" altLang="en-US"/>
               <a:t>单击此处编辑母版标题样式</a:t>
             </a:r>
             <a:endParaRPr lang="en-US" dirty="0"/>
@@ -2953,35 +2954,35 @@
           <a:p>
             <a:pPr lvl="0"/>
             <a:r>
-              <a:rPr lang="zh-CN" altLang="en-US" smtClean="0"/>
+              <a:rPr lang="zh-CN" altLang="en-US"/>
               <a:t>单击此处编辑母版文本样式</a:t>
             </a:r>
           </a:p>
           <a:p>
             <a:pPr lvl="1"/>
             <a:r>
-              <a:rPr lang="zh-CN" altLang="en-US" smtClean="0"/>
+              <a:rPr lang="zh-CN" altLang="en-US"/>
               <a:t>第二级</a:t>
             </a:r>
           </a:p>
           <a:p>
             <a:pPr lvl="2"/>
             <a:r>
-              <a:rPr lang="zh-CN" altLang="en-US" smtClean="0"/>
+              <a:rPr lang="zh-CN" altLang="en-US"/>
               <a:t>第三级</a:t>
             </a:r>
           </a:p>
           <a:p>
             <a:pPr lvl="3"/>
             <a:r>
-              <a:rPr lang="zh-CN" altLang="en-US" smtClean="0"/>
+              <a:rPr lang="zh-CN" altLang="en-US"/>
               <a:t>第四级</a:t>
             </a:r>
           </a:p>
           <a:p>
             <a:pPr lvl="4"/>
             <a:r>
-              <a:rPr lang="zh-CN" altLang="en-US" smtClean="0"/>
+              <a:rPr lang="zh-CN" altLang="en-US"/>
               <a:t>第五级</a:t>
             </a:r>
             <a:endParaRPr lang="en-US" dirty="0"/>
@@ -3005,7 +3006,7 @@
           <a:p>
             <a:fld id="{07042CFF-A88D-4E52-85D6-96D03CDBF678}" type="datetimeFigureOut">
               <a:rPr lang="zh-CN" altLang="en-US" smtClean="0"/>
-              <a:t>2019/2/20</a:t>
+              <a:t>2019-02-20</a:t>
             </a:fld>
             <a:endParaRPr lang="zh-CN" altLang="en-US"/>
           </a:p>
@@ -3108,7 +3109,7 @@
           </a:lstStyle>
           <a:p>
             <a:r>
-              <a:rPr lang="zh-CN" altLang="en-US" smtClean="0"/>
+              <a:rPr lang="zh-CN" altLang="en-US"/>
               <a:t>单击此处编辑母版标题样式</a:t>
             </a:r>
             <a:endParaRPr lang="en-US" dirty="0"/>
@@ -3229,7 +3230,7 @@
           <a:p>
             <a:pPr lvl="0"/>
             <a:r>
-              <a:rPr lang="zh-CN" altLang="en-US" smtClean="0"/>
+              <a:rPr lang="zh-CN" altLang="en-US"/>
               <a:t>单击此处编辑母版文本样式</a:t>
             </a:r>
           </a:p>
@@ -3252,7 +3253,7 @@
           <a:p>
             <a:fld id="{07042CFF-A88D-4E52-85D6-96D03CDBF678}" type="datetimeFigureOut">
               <a:rPr lang="zh-CN" altLang="en-US" smtClean="0"/>
-              <a:t>2019/2/20</a:t>
+              <a:t>2019-02-20</a:t>
             </a:fld>
             <a:endParaRPr lang="zh-CN" altLang="en-US"/>
           </a:p>
@@ -3346,7 +3347,7 @@
           <a:lstStyle/>
           <a:p>
             <a:r>
-              <a:rPr lang="zh-CN" altLang="en-US" smtClean="0"/>
+              <a:rPr lang="zh-CN" altLang="en-US"/>
               <a:t>单击此处编辑母版标题样式</a:t>
             </a:r>
             <a:endParaRPr lang="en-US" dirty="0"/>
@@ -3375,35 +3376,35 @@
           <a:p>
             <a:pPr lvl="0"/>
             <a:r>
-              <a:rPr lang="zh-CN" altLang="en-US" smtClean="0"/>
+              <a:rPr lang="zh-CN" altLang="en-US"/>
               <a:t>单击此处编辑母版文本样式</a:t>
             </a:r>
           </a:p>
           <a:p>
             <a:pPr lvl="1"/>
             <a:r>
-              <a:rPr lang="zh-CN" altLang="en-US" smtClean="0"/>
+              <a:rPr lang="zh-CN" altLang="en-US"/>
               <a:t>第二级</a:t>
             </a:r>
           </a:p>
           <a:p>
             <a:pPr lvl="2"/>
             <a:r>
-              <a:rPr lang="zh-CN" altLang="en-US" smtClean="0"/>
+              <a:rPr lang="zh-CN" altLang="en-US"/>
               <a:t>第三级</a:t>
             </a:r>
           </a:p>
           <a:p>
             <a:pPr lvl="3"/>
             <a:r>
-              <a:rPr lang="zh-CN" altLang="en-US" smtClean="0"/>
+              <a:rPr lang="zh-CN" altLang="en-US"/>
               <a:t>第四级</a:t>
             </a:r>
           </a:p>
           <a:p>
             <a:pPr lvl="4"/>
             <a:r>
-              <a:rPr lang="zh-CN" altLang="en-US" smtClean="0"/>
+              <a:rPr lang="zh-CN" altLang="en-US"/>
               <a:t>第五级</a:t>
             </a:r>
             <a:endParaRPr lang="en-US" dirty="0"/>
@@ -3432,35 +3433,35 @@
           <a:p>
             <a:pPr lvl="0"/>
             <a:r>
-              <a:rPr lang="zh-CN" altLang="en-US" smtClean="0"/>
+              <a:rPr lang="zh-CN" altLang="en-US"/>
               <a:t>单击此处编辑母版文本样式</a:t>
             </a:r>
           </a:p>
           <a:p>
             <a:pPr lvl="1"/>
             <a:r>
-              <a:rPr lang="zh-CN" altLang="en-US" smtClean="0"/>
+              <a:rPr lang="zh-CN" altLang="en-US"/>
               <a:t>第二级</a:t>
             </a:r>
           </a:p>
           <a:p>
             <a:pPr lvl="2"/>
             <a:r>
-              <a:rPr lang="zh-CN" altLang="en-US" smtClean="0"/>
+              <a:rPr lang="zh-CN" altLang="en-US"/>
               <a:t>第三级</a:t>
             </a:r>
           </a:p>
           <a:p>
             <a:pPr lvl="3"/>
             <a:r>
-              <a:rPr lang="zh-CN" altLang="en-US" smtClean="0"/>
+              <a:rPr lang="zh-CN" altLang="en-US"/>
               <a:t>第四级</a:t>
             </a:r>
           </a:p>
           <a:p>
             <a:pPr lvl="4"/>
             <a:r>
-              <a:rPr lang="zh-CN" altLang="en-US" smtClean="0"/>
+              <a:rPr lang="zh-CN" altLang="en-US"/>
               <a:t>第五级</a:t>
             </a:r>
             <a:endParaRPr lang="en-US" dirty="0"/>
@@ -3484,7 +3485,7 @@
           <a:p>
             <a:fld id="{07042CFF-A88D-4E52-85D6-96D03CDBF678}" type="datetimeFigureOut">
               <a:rPr lang="zh-CN" altLang="en-US" smtClean="0"/>
-              <a:t>2019/2/20</a:t>
+              <a:t>2019-02-20</a:t>
             </a:fld>
             <a:endParaRPr lang="zh-CN" altLang="en-US"/>
           </a:p>
@@ -3582,7 +3583,7 @@
           </a:lstStyle>
           <a:p>
             <a:r>
-              <a:rPr lang="zh-CN" altLang="en-US" smtClean="0"/>
+              <a:rPr lang="zh-CN" altLang="en-US"/>
               <a:t>单击此处编辑母版标题样式</a:t>
             </a:r>
             <a:endParaRPr lang="en-US" dirty="0"/>
@@ -3650,7 +3651,7 @@
           <a:p>
             <a:pPr lvl="0"/>
             <a:r>
-              <a:rPr lang="zh-CN" altLang="en-US" smtClean="0"/>
+              <a:rPr lang="zh-CN" altLang="en-US"/>
               <a:t>单击此处编辑母版文本样式</a:t>
             </a:r>
           </a:p>
@@ -3680,35 +3681,35 @@
           <a:p>
             <a:pPr lvl="0"/>
             <a:r>
-              <a:rPr lang="zh-CN" altLang="en-US" smtClean="0"/>
+              <a:rPr lang="zh-CN" altLang="en-US"/>
               <a:t>单击此处编辑母版文本样式</a:t>
             </a:r>
           </a:p>
           <a:p>
             <a:pPr lvl="1"/>
             <a:r>
-              <a:rPr lang="zh-CN" altLang="en-US" smtClean="0"/>
+              <a:rPr lang="zh-CN" altLang="en-US"/>
               <a:t>第二级</a:t>
             </a:r>
           </a:p>
           <a:p>
             <a:pPr lvl="2"/>
             <a:r>
-              <a:rPr lang="zh-CN" altLang="en-US" smtClean="0"/>
+              <a:rPr lang="zh-CN" altLang="en-US"/>
               <a:t>第三级</a:t>
             </a:r>
           </a:p>
           <a:p>
             <a:pPr lvl="3"/>
             <a:r>
-              <a:rPr lang="zh-CN" altLang="en-US" smtClean="0"/>
+              <a:rPr lang="zh-CN" altLang="en-US"/>
               <a:t>第四级</a:t>
             </a:r>
           </a:p>
           <a:p>
             <a:pPr lvl="4"/>
             <a:r>
-              <a:rPr lang="zh-CN" altLang="en-US" smtClean="0"/>
+              <a:rPr lang="zh-CN" altLang="en-US"/>
               <a:t>第五级</a:t>
             </a:r>
             <a:endParaRPr lang="en-US" dirty="0"/>
@@ -3776,7 +3777,7 @@
           <a:p>
             <a:pPr lvl="0"/>
             <a:r>
-              <a:rPr lang="zh-CN" altLang="en-US" smtClean="0"/>
+              <a:rPr lang="zh-CN" altLang="en-US"/>
               <a:t>单击此处编辑母版文本样式</a:t>
             </a:r>
           </a:p>
@@ -3806,35 +3807,35 @@
           <a:p>
             <a:pPr lvl="0"/>
             <a:r>
-              <a:rPr lang="zh-CN" altLang="en-US" smtClean="0"/>
+              <a:rPr lang="zh-CN" altLang="en-US"/>
               <a:t>单击此处编辑母版文本样式</a:t>
             </a:r>
           </a:p>
           <a:p>
             <a:pPr lvl="1"/>
             <a:r>
-              <a:rPr lang="zh-CN" altLang="en-US" smtClean="0"/>
+              <a:rPr lang="zh-CN" altLang="en-US"/>
               <a:t>第二级</a:t>
             </a:r>
           </a:p>
           <a:p>
             <a:pPr lvl="2"/>
             <a:r>
-              <a:rPr lang="zh-CN" altLang="en-US" smtClean="0"/>
+              <a:rPr lang="zh-CN" altLang="en-US"/>
               <a:t>第三级</a:t>
             </a:r>
           </a:p>
           <a:p>
             <a:pPr lvl="3"/>
             <a:r>
-              <a:rPr lang="zh-CN" altLang="en-US" smtClean="0"/>
+              <a:rPr lang="zh-CN" altLang="en-US"/>
               <a:t>第四级</a:t>
             </a:r>
           </a:p>
           <a:p>
             <a:pPr lvl="4"/>
             <a:r>
-              <a:rPr lang="zh-CN" altLang="en-US" smtClean="0"/>
+              <a:rPr lang="zh-CN" altLang="en-US"/>
               <a:t>第五级</a:t>
             </a:r>
             <a:endParaRPr lang="en-US" dirty="0"/>
@@ -3858,7 +3859,7 @@
           <a:p>
             <a:fld id="{07042CFF-A88D-4E52-85D6-96D03CDBF678}" type="datetimeFigureOut">
               <a:rPr lang="zh-CN" altLang="en-US" smtClean="0"/>
-              <a:t>2019/2/20</a:t>
+              <a:t>2019-02-20</a:t>
             </a:fld>
             <a:endParaRPr lang="zh-CN" altLang="en-US"/>
           </a:p>
@@ -3957,7 +3958,7 @@
           <a:lstStyle/>
           <a:p>
             <a:r>
-              <a:rPr lang="zh-CN" altLang="en-US" smtClean="0"/>
+              <a:rPr lang="zh-CN" altLang="en-US"/>
               <a:t>单击此处编辑母版标题样式</a:t>
             </a:r>
             <a:endParaRPr lang="en-US" dirty="0"/>
@@ -3981,7 +3982,7 @@
           <a:p>
             <a:fld id="{07042CFF-A88D-4E52-85D6-96D03CDBF678}" type="datetimeFigureOut">
               <a:rPr lang="zh-CN" altLang="en-US" smtClean="0"/>
-              <a:t>2019/2/20</a:t>
+              <a:t>2019-02-20</a:t>
             </a:fld>
             <a:endParaRPr lang="zh-CN" altLang="en-US"/>
           </a:p>
@@ -4076,7 +4077,7 @@
           <a:p>
             <a:fld id="{07042CFF-A88D-4E52-85D6-96D03CDBF678}" type="datetimeFigureOut">
               <a:rPr lang="zh-CN" altLang="en-US" smtClean="0"/>
-              <a:t>2019/2/20</a:t>
+              <a:t>2019-02-20</a:t>
             </a:fld>
             <a:endParaRPr lang="zh-CN" altLang="en-US"/>
           </a:p>
@@ -4181,7 +4182,7 @@
           </a:lstStyle>
           <a:p>
             <a:r>
-              <a:rPr lang="zh-CN" altLang="en-US" smtClean="0"/>
+              <a:rPr lang="zh-CN" altLang="en-US"/>
               <a:t>单击此处编辑母版标题样式</a:t>
             </a:r>
             <a:endParaRPr lang="en-US" dirty="0"/>
@@ -4212,35 +4213,35 @@
           <a:p>
             <a:pPr lvl="0"/>
             <a:r>
-              <a:rPr lang="zh-CN" altLang="en-US" smtClean="0"/>
+              <a:rPr lang="zh-CN" altLang="en-US"/>
               <a:t>单击此处编辑母版文本样式</a:t>
             </a:r>
           </a:p>
           <a:p>
             <a:pPr lvl="1"/>
             <a:r>
-              <a:rPr lang="zh-CN" altLang="en-US" smtClean="0"/>
+              <a:rPr lang="zh-CN" altLang="en-US"/>
               <a:t>第二级</a:t>
             </a:r>
           </a:p>
           <a:p>
             <a:pPr lvl="2"/>
             <a:r>
-              <a:rPr lang="zh-CN" altLang="en-US" smtClean="0"/>
+              <a:rPr lang="zh-CN" altLang="en-US"/>
               <a:t>第三级</a:t>
             </a:r>
           </a:p>
           <a:p>
             <a:pPr lvl="3"/>
             <a:r>
-              <a:rPr lang="zh-CN" altLang="en-US" smtClean="0"/>
+              <a:rPr lang="zh-CN" altLang="en-US"/>
               <a:t>第四级</a:t>
             </a:r>
           </a:p>
           <a:p>
             <a:pPr lvl="4"/>
             <a:r>
-              <a:rPr lang="zh-CN" altLang="en-US" smtClean="0"/>
+              <a:rPr lang="zh-CN" altLang="en-US"/>
               <a:t>第五级</a:t>
             </a:r>
             <a:endParaRPr lang="en-US" dirty="0"/>
@@ -4308,7 +4309,7 @@
           <a:p>
             <a:pPr lvl="0"/>
             <a:r>
-              <a:rPr lang="zh-CN" altLang="en-US" smtClean="0"/>
+              <a:rPr lang="zh-CN" altLang="en-US"/>
               <a:t>单击此处编辑母版文本样式</a:t>
             </a:r>
           </a:p>
@@ -4331,7 +4332,7 @@
           <a:p>
             <a:fld id="{07042CFF-A88D-4E52-85D6-96D03CDBF678}" type="datetimeFigureOut">
               <a:rPr lang="zh-CN" altLang="en-US" smtClean="0"/>
-              <a:t>2019/2/20</a:t>
+              <a:t>2019-02-20</a:t>
             </a:fld>
             <a:endParaRPr lang="zh-CN" altLang="en-US"/>
           </a:p>
@@ -4436,7 +4437,7 @@
           </a:lstStyle>
           <a:p>
             <a:r>
-              <a:rPr lang="zh-CN" altLang="en-US" smtClean="0"/>
+              <a:rPr lang="zh-CN" altLang="en-US"/>
               <a:t>单击此处编辑母版标题样式</a:t>
             </a:r>
             <a:endParaRPr lang="en-US" dirty="0"/>
@@ -4503,7 +4504,7 @@
           </a:lstStyle>
           <a:p>
             <a:r>
-              <a:rPr lang="zh-CN" altLang="en-US" smtClean="0"/>
+              <a:rPr lang="zh-CN" altLang="en-US"/>
               <a:t>单击图标添加图片</a:t>
             </a:r>
             <a:endParaRPr lang="en-US" dirty="0"/>
@@ -4571,7 +4572,7 @@
           <a:p>
             <a:pPr lvl="0"/>
             <a:r>
-              <a:rPr lang="zh-CN" altLang="en-US" smtClean="0"/>
+              <a:rPr lang="zh-CN" altLang="en-US"/>
               <a:t>单击此处编辑母版文本样式</a:t>
             </a:r>
           </a:p>
@@ -4594,7 +4595,7 @@
           <a:p>
             <a:fld id="{07042CFF-A88D-4E52-85D6-96D03CDBF678}" type="datetimeFigureOut">
               <a:rPr lang="zh-CN" altLang="en-US" smtClean="0"/>
-              <a:t>2019/2/20</a:t>
+              <a:t>2019-02-20</a:t>
             </a:fld>
             <a:endParaRPr lang="zh-CN" altLang="en-US"/>
           </a:p>
@@ -5233,7 +5234,7 @@
           <a:lstStyle/>
           <a:p>
             <a:r>
-              <a:rPr lang="zh-CN" altLang="en-US" smtClean="0"/>
+              <a:rPr lang="zh-CN" altLang="en-US"/>
               <a:t>单击此处编辑母版标题样式</a:t>
             </a:r>
             <a:endParaRPr lang="en-US" dirty="0"/>
@@ -5267,35 +5268,35 @@
           <a:p>
             <a:pPr lvl="0"/>
             <a:r>
-              <a:rPr lang="zh-CN" altLang="en-US" smtClean="0"/>
+              <a:rPr lang="zh-CN" altLang="en-US"/>
               <a:t>单击此处编辑母版文本样式</a:t>
             </a:r>
           </a:p>
           <a:p>
             <a:pPr lvl="1"/>
             <a:r>
-              <a:rPr lang="zh-CN" altLang="en-US" smtClean="0"/>
+              <a:rPr lang="zh-CN" altLang="en-US"/>
               <a:t>第二级</a:t>
             </a:r>
           </a:p>
           <a:p>
             <a:pPr lvl="2"/>
             <a:r>
-              <a:rPr lang="zh-CN" altLang="en-US" smtClean="0"/>
+              <a:rPr lang="zh-CN" altLang="en-US"/>
               <a:t>第三级</a:t>
             </a:r>
           </a:p>
           <a:p>
             <a:pPr lvl="3"/>
             <a:r>
-              <a:rPr lang="zh-CN" altLang="en-US" smtClean="0"/>
+              <a:rPr lang="zh-CN" altLang="en-US"/>
               <a:t>第四级</a:t>
             </a:r>
           </a:p>
           <a:p>
             <a:pPr lvl="4"/>
             <a:r>
-              <a:rPr lang="zh-CN" altLang="en-US" smtClean="0"/>
+              <a:rPr lang="zh-CN" altLang="en-US"/>
               <a:t>第五级</a:t>
             </a:r>
             <a:endParaRPr lang="en-US" dirty="0"/>
@@ -5337,7 +5338,7 @@
           <a:p>
             <a:fld id="{07042CFF-A88D-4E52-85D6-96D03CDBF678}" type="datetimeFigureOut">
               <a:rPr lang="zh-CN" altLang="en-US" smtClean="0"/>
-              <a:t>2019/2/20</a:t>
+              <a:t>2019-02-20</a:t>
             </a:fld>
             <a:endParaRPr lang="zh-CN" altLang="en-US"/>
           </a:p>
@@ -5878,14 +5879,13 @@
           <a:p>
             <a:pPr algn="ctr"/>
             <a:r>
-              <a:rPr lang="en-US" altLang="zh-CN" dirty="0" smtClean="0"/>
+              <a:rPr lang="en-US" altLang="zh-CN" dirty="0"/>
               <a:t>Python</a:t>
             </a:r>
             <a:r>
-              <a:rPr lang="zh-CN" altLang="en-US" dirty="0" smtClean="0"/>
+              <a:rPr lang="zh-CN" altLang="en-US" dirty="0"/>
               <a:t>入门学习</a:t>
             </a:r>
-            <a:endParaRPr lang="zh-CN" altLang="en-US" dirty="0"/>
           </a:p>
         </p:txBody>
       </p:sp>
@@ -5918,13 +5918,6 @@
   <p:clrMapOvr>
     <a:masterClrMapping/>
   </p:clrMapOvr>
-  <p:timing>
-    <p:tnLst>
-      <p:par>
-        <p:cTn id="1" dur="indefinite" restart="never" nodeType="tmRoot"/>
-      </p:par>
-    </p:tnLst>
-  </p:timing>
 </p:sld>
 </file>
 
@@ -5961,10 +5954,9 @@
           <a:lstStyle/>
           <a:p>
             <a:r>
-              <a:rPr lang="zh-CN" altLang="en-US" dirty="0" smtClean="0"/>
+              <a:rPr lang="zh-CN" altLang="en-US" dirty="0"/>
               <a:t>字典</a:t>
             </a:r>
-            <a:endParaRPr lang="zh-CN" altLang="en-US" dirty="0"/>
           </a:p>
         </p:txBody>
       </p:sp>
@@ -5984,215 +5976,215 @@
           <a:lstStyle/>
           <a:p>
             <a:r>
-              <a:rPr lang="zh-CN" altLang="en-US" dirty="0" smtClean="0"/>
+              <a:rPr lang="zh-CN" altLang="en-US" dirty="0"/>
               <a:t>可变类型；</a:t>
             </a:r>
-            <a:endParaRPr lang="en-US" altLang="zh-CN" dirty="0" smtClean="0"/>
-          </a:p>
-          <a:p>
-            <a:r>
-              <a:rPr lang="zh-CN" altLang="en-US" dirty="0" smtClean="0"/>
+            <a:endParaRPr lang="en-US" altLang="zh-CN" dirty="0"/>
+          </a:p>
+          <a:p>
+            <a:r>
+              <a:rPr lang="zh-CN" altLang="en-US" dirty="0"/>
               <a:t>以‘</a:t>
             </a:r>
             <a:r>
-              <a:rPr lang="en-US" altLang="zh-CN" dirty="0" err="1" smtClean="0"/>
+              <a:rPr lang="en-US" altLang="zh-CN" dirty="0" err="1"/>
               <a:t>key:value</a:t>
             </a:r>
             <a:r>
-              <a:rPr lang="zh-CN" altLang="en-US" dirty="0" smtClean="0"/>
+              <a:rPr lang="zh-CN" altLang="en-US" dirty="0"/>
               <a:t>’进行存储，</a:t>
             </a:r>
             <a:r>
-              <a:rPr lang="en-US" altLang="zh-CN" dirty="0" smtClean="0"/>
+              <a:rPr lang="en-US" altLang="zh-CN" dirty="0"/>
               <a:t>d={‘name’:’</a:t>
             </a:r>
             <a:r>
-              <a:rPr lang="en-US" altLang="zh-CN" dirty="0" err="1" smtClean="0"/>
+              <a:rPr lang="en-US" altLang="zh-CN" dirty="0" err="1"/>
               <a:t>zhang</a:t>
             </a:r>
             <a:r>
-              <a:rPr lang="en-US" altLang="zh-CN" dirty="0" smtClean="0"/>
+              <a:rPr lang="en-US" altLang="zh-CN" dirty="0"/>
               <a:t> san’,’age’:20};</a:t>
             </a:r>
           </a:p>
           <a:p>
             <a:r>
-              <a:rPr lang="zh-CN" altLang="en-US" dirty="0" smtClean="0"/>
+              <a:rPr lang="zh-CN" altLang="en-US" dirty="0"/>
               <a:t>获取数据 </a:t>
             </a:r>
             <a:r>
-              <a:rPr lang="en-US" altLang="zh-CN" dirty="0" smtClean="0"/>
+              <a:rPr lang="en-US" altLang="zh-CN" dirty="0"/>
               <a:t>d[‘</a:t>
             </a:r>
             <a:r>
-              <a:rPr lang="zh-CN" altLang="en-US" dirty="0" smtClean="0"/>
+              <a:rPr lang="zh-CN" altLang="en-US" dirty="0"/>
               <a:t>键名</a:t>
             </a:r>
             <a:r>
-              <a:rPr lang="en-US" altLang="zh-CN" dirty="0" smtClean="0"/>
+              <a:rPr lang="en-US" altLang="zh-CN" dirty="0"/>
               <a:t>’]</a:t>
             </a:r>
             <a:r>
-              <a:rPr lang="zh-CN" altLang="en-US" dirty="0" smtClean="0"/>
+              <a:rPr lang="zh-CN" altLang="en-US" dirty="0"/>
               <a:t>，如</a:t>
             </a:r>
             <a:r>
-              <a:rPr lang="en-US" altLang="zh-CN" dirty="0" smtClean="0"/>
+              <a:rPr lang="en-US" altLang="zh-CN" dirty="0"/>
               <a:t>d[‘name’]-&gt;</a:t>
             </a:r>
             <a:r>
-              <a:rPr lang="en-US" altLang="zh-CN" dirty="0" err="1" smtClean="0"/>
+              <a:rPr lang="en-US" altLang="zh-CN" dirty="0" err="1"/>
               <a:t>zhang</a:t>
             </a:r>
             <a:r>
-              <a:rPr lang="en-US" altLang="zh-CN" dirty="0" smtClean="0"/>
+              <a:rPr lang="en-US" altLang="zh-CN" dirty="0"/>
               <a:t> san;</a:t>
             </a:r>
           </a:p>
           <a:p>
             <a:r>
-              <a:rPr lang="zh-CN" altLang="en-US" dirty="0" smtClean="0"/>
+              <a:rPr lang="zh-CN" altLang="en-US" dirty="0"/>
               <a:t>获取所有键 </a:t>
             </a:r>
             <a:r>
-              <a:rPr lang="en-US" altLang="zh-CN" dirty="0" err="1" smtClean="0"/>
+              <a:rPr lang="en-US" altLang="zh-CN" dirty="0" err="1"/>
               <a:t>d.keys</a:t>
             </a:r>
             <a:r>
-              <a:rPr lang="en-US" altLang="zh-CN" dirty="0" smtClean="0"/>
+              <a:rPr lang="en-US" altLang="zh-CN" dirty="0"/>
               <a:t>() </a:t>
             </a:r>
             <a:r>
-              <a:rPr lang="zh-CN" altLang="en-US" dirty="0" smtClean="0"/>
+              <a:rPr lang="zh-CN" altLang="en-US" dirty="0"/>
               <a:t>获取所有值 </a:t>
             </a:r>
             <a:r>
-              <a:rPr lang="en-US" altLang="zh-CN" dirty="0" err="1" smtClean="0"/>
+              <a:rPr lang="en-US" altLang="zh-CN" dirty="0" err="1"/>
               <a:t>d.values</a:t>
             </a:r>
             <a:r>
-              <a:rPr lang="en-US" altLang="zh-CN" dirty="0" smtClean="0"/>
+              <a:rPr lang="en-US" altLang="zh-CN" dirty="0"/>
               <a:t>();</a:t>
             </a:r>
           </a:p>
           <a:p>
             <a:r>
-              <a:rPr lang="zh-CN" altLang="en-US" dirty="0" smtClean="0"/>
+              <a:rPr lang="zh-CN" altLang="en-US" dirty="0"/>
               <a:t>新增 </a:t>
             </a:r>
             <a:r>
-              <a:rPr lang="en-US" altLang="zh-CN" dirty="0" smtClean="0"/>
+              <a:rPr lang="en-US" altLang="zh-CN" dirty="0"/>
               <a:t>d[‘sex’]=‘nan’; </a:t>
             </a:r>
             <a:r>
-              <a:rPr lang="zh-CN" altLang="en-US" dirty="0" smtClean="0"/>
+              <a:rPr lang="zh-CN" altLang="en-US" dirty="0"/>
               <a:t>修改 </a:t>
             </a:r>
             <a:r>
-              <a:rPr lang="en-US" altLang="zh-CN" dirty="0" smtClean="0"/>
+              <a:rPr lang="en-US" altLang="zh-CN" dirty="0"/>
               <a:t>d[‘name’]=‘li </a:t>
             </a:r>
             <a:r>
-              <a:rPr lang="en-US" altLang="zh-CN" dirty="0" err="1" smtClean="0"/>
+              <a:rPr lang="en-US" altLang="zh-CN" dirty="0" err="1"/>
               <a:t>si</a:t>
             </a:r>
             <a:r>
-              <a:rPr lang="en-US" altLang="zh-CN" dirty="0" smtClean="0"/>
+              <a:rPr lang="en-US" altLang="zh-CN" dirty="0"/>
               <a:t>’; </a:t>
             </a:r>
             <a:r>
-              <a:rPr lang="zh-CN" altLang="en-US" dirty="0" smtClean="0"/>
+              <a:rPr lang="zh-CN" altLang="en-US" dirty="0"/>
               <a:t>删除 </a:t>
             </a:r>
             <a:r>
-              <a:rPr lang="en-US" altLang="zh-CN" dirty="0" smtClean="0"/>
+              <a:rPr lang="en-US" altLang="zh-CN" dirty="0"/>
               <a:t>del d[‘name’] </a:t>
             </a:r>
             <a:r>
-              <a:rPr lang="en-US" altLang="zh-CN" dirty="0" err="1" smtClean="0"/>
+              <a:rPr lang="en-US" altLang="zh-CN" dirty="0" err="1"/>
               <a:t>d.pop</a:t>
             </a:r>
             <a:r>
-              <a:rPr lang="en-US" altLang="zh-CN" dirty="0" smtClean="0"/>
+              <a:rPr lang="en-US" altLang="zh-CN" dirty="0"/>
               <a:t>(‘name’);</a:t>
             </a:r>
           </a:p>
           <a:p>
             <a:r>
-              <a:rPr lang="zh-CN" altLang="en-US" dirty="0" smtClean="0"/>
+              <a:rPr lang="zh-CN" altLang="en-US" dirty="0"/>
               <a:t>常用方法</a:t>
             </a:r>
             <a:r>
-              <a:rPr lang="en-US" altLang="zh-CN" dirty="0" smtClean="0"/>
+              <a:rPr lang="en-US" altLang="zh-CN" dirty="0"/>
               <a:t>:</a:t>
             </a:r>
             <a:r>
-              <a:rPr lang="en-US" altLang="zh-CN" dirty="0" err="1" smtClean="0"/>
+              <a:rPr lang="en-US" altLang="zh-CN" dirty="0" err="1"/>
               <a:t>d.get</a:t>
             </a:r>
             <a:r>
-              <a:rPr lang="en-US" altLang="zh-CN" dirty="0" smtClean="0"/>
+              <a:rPr lang="en-US" altLang="zh-CN" dirty="0"/>
               <a:t>(‘age’,25) </a:t>
             </a:r>
             <a:r>
-              <a:rPr lang="zh-CN" altLang="en-US" dirty="0" smtClean="0"/>
+              <a:rPr lang="zh-CN" altLang="en-US" dirty="0"/>
               <a:t>获取数据；</a:t>
             </a:r>
             <a:endParaRPr lang="en-US" altLang="zh-CN" dirty="0"/>
           </a:p>
           <a:p>
             <a:r>
-              <a:rPr lang="zh-CN" altLang="en-US" dirty="0" smtClean="0"/>
+              <a:rPr lang="zh-CN" altLang="en-US" dirty="0"/>
               <a:t>循环：</a:t>
             </a:r>
             <a:r>
-              <a:rPr lang="en-US" altLang="zh-CN" dirty="0" smtClean="0"/>
+              <a:rPr lang="en-US" altLang="zh-CN" dirty="0"/>
               <a:t>for key in </a:t>
             </a:r>
             <a:r>
-              <a:rPr lang="en-US" altLang="zh-CN" dirty="0" err="1" smtClean="0"/>
+              <a:rPr lang="en-US" altLang="zh-CN" dirty="0" err="1"/>
               <a:t>d.keys</a:t>
             </a:r>
             <a:r>
-              <a:rPr lang="en-US" altLang="zh-CN" dirty="0" smtClean="0"/>
+              <a:rPr lang="en-US" altLang="zh-CN" dirty="0"/>
               <a:t>():print(d[key])</a:t>
             </a:r>
           </a:p>
           <a:p>
             <a:r>
-              <a:rPr lang="zh-CN" altLang="en-US" dirty="0" smtClean="0"/>
+              <a:rPr lang="zh-CN" altLang="en-US" dirty="0"/>
               <a:t>生成字典：</a:t>
             </a:r>
             <a:r>
-              <a:rPr lang="en-US" altLang="zh-CN" dirty="0" err="1" smtClean="0"/>
+              <a:rPr lang="en-US" altLang="zh-CN" dirty="0" err="1"/>
               <a:t>dict.fromkeys</a:t>
             </a:r>
             <a:r>
-              <a:rPr lang="en-US" altLang="zh-CN" dirty="0" smtClean="0"/>
+              <a:rPr lang="en-US" altLang="zh-CN" dirty="0"/>
               <a:t>([</a:t>
             </a:r>
             <a:r>
-              <a:rPr lang="en-US" altLang="zh-CN" dirty="0" err="1" smtClean="0"/>
+              <a:rPr lang="en-US" altLang="zh-CN" dirty="0" err="1"/>
               <a:t>a,b,c</a:t>
             </a:r>
             <a:r>
-              <a:rPr lang="en-US" altLang="zh-CN" dirty="0" smtClean="0"/>
+              <a:rPr lang="en-US" altLang="zh-CN" dirty="0"/>
               <a:t>],1);</a:t>
             </a:r>
             <a:r>
-              <a:rPr lang="en-US" altLang="zh-CN" dirty="0" err="1" smtClean="0"/>
+              <a:rPr lang="en-US" altLang="zh-CN" dirty="0" err="1"/>
               <a:t>dict</a:t>
             </a:r>
             <a:r>
-              <a:rPr lang="en-US" altLang="zh-CN" dirty="0" smtClean="0"/>
+              <a:rPr lang="en-US" altLang="zh-CN" dirty="0"/>
               <a:t>(name=‘</a:t>
             </a:r>
             <a:r>
-              <a:rPr lang="en-US" altLang="zh-CN" dirty="0" err="1" smtClean="0"/>
+              <a:rPr lang="en-US" altLang="zh-CN" dirty="0" err="1"/>
               <a:t>zs</a:t>
             </a:r>
             <a:r>
-              <a:rPr lang="en-US" altLang="zh-CN" dirty="0" smtClean="0"/>
+              <a:rPr lang="en-US" altLang="zh-CN" dirty="0"/>
               <a:t>’,age=20,sex=‘nan’);</a:t>
             </a:r>
           </a:p>
@@ -6247,12 +6239,8 @@
           <a:lstStyle/>
           <a:p>
             <a:r>
-              <a:rPr lang="zh-CN" altLang="en-US" dirty="0" smtClean="0"/>
-              <a:t>元</a:t>
-            </a:r>
-            <a:r>
-              <a:rPr lang="zh-CN" altLang="en-US" dirty="0"/>
-              <a:t>组</a:t>
+              <a:rPr lang="zh-CN" altLang="en-US" dirty="0"/>
+              <a:t>元组</a:t>
             </a:r>
           </a:p>
         </p:txBody>
@@ -6273,65 +6261,57 @@
           <a:lstStyle/>
           <a:p>
             <a:r>
-              <a:rPr lang="zh-CN" altLang="en-US" dirty="0" smtClean="0"/>
-              <a:t>不可变</a:t>
-            </a:r>
-            <a:r>
-              <a:rPr lang="zh-CN" altLang="en-US" dirty="0"/>
-              <a:t>类型</a:t>
-            </a:r>
-            <a:r>
-              <a:rPr lang="zh-CN" altLang="en-US" dirty="0" smtClean="0"/>
+              <a:rPr lang="zh-CN" altLang="en-US" dirty="0"/>
+              <a:t>不可变类型；</a:t>
+            </a:r>
+            <a:endParaRPr lang="en-US" altLang="zh-CN" dirty="0"/>
+          </a:p>
+          <a:p>
+            <a:r>
+              <a:rPr lang="zh-CN" altLang="en-US" dirty="0"/>
+              <a:t>任意对象的有序集合</a:t>
+            </a:r>
+            <a:r>
+              <a:rPr lang="en-US" altLang="zh-CN" dirty="0"/>
+              <a:t>,</a:t>
+            </a:r>
+            <a:r>
+              <a:rPr lang="zh-CN" altLang="en-US" dirty="0"/>
+              <a:t>如</a:t>
+            </a:r>
+            <a:r>
+              <a:rPr lang="en-US" altLang="zh-CN" dirty="0"/>
+              <a:t>y=(1,2,’hello’,[],{})</a:t>
+            </a:r>
+            <a:r>
+              <a:rPr lang="zh-CN" altLang="en-US" dirty="0"/>
               <a:t>；</a:t>
             </a:r>
-            <a:endParaRPr lang="en-US" altLang="zh-CN" dirty="0" smtClean="0"/>
-          </a:p>
-          <a:p>
-            <a:r>
-              <a:rPr lang="zh-CN" altLang="en-US" dirty="0" smtClean="0"/>
-              <a:t>任意对象的有序集合</a:t>
-            </a:r>
-            <a:r>
-              <a:rPr lang="en-US" altLang="zh-CN" dirty="0" smtClean="0"/>
-              <a:t>,</a:t>
-            </a:r>
-            <a:r>
-              <a:rPr lang="zh-CN" altLang="en-US" dirty="0" smtClean="0"/>
-              <a:t>如</a:t>
-            </a:r>
-            <a:r>
-              <a:rPr lang="en-US" altLang="zh-CN" dirty="0" smtClean="0"/>
-              <a:t>y=(1,2,’hello’,[],{})</a:t>
-            </a:r>
-            <a:r>
-              <a:rPr lang="zh-CN" altLang="en-US" dirty="0" smtClean="0"/>
-              <a:t>；</a:t>
-            </a:r>
-            <a:endParaRPr lang="en-US" altLang="zh-CN" dirty="0" smtClean="0"/>
-          </a:p>
-          <a:p>
-            <a:r>
-              <a:rPr lang="zh-CN" altLang="en-US" dirty="0" smtClean="0"/>
+            <a:endParaRPr lang="en-US" altLang="zh-CN" dirty="0"/>
+          </a:p>
+          <a:p>
+            <a:r>
+              <a:rPr lang="zh-CN" altLang="en-US" dirty="0"/>
               <a:t>索引</a:t>
             </a:r>
             <a:r>
-              <a:rPr lang="en-US" altLang="zh-CN" dirty="0" smtClean="0"/>
+              <a:rPr lang="en-US" altLang="zh-CN" dirty="0"/>
               <a:t>:y[</a:t>
             </a:r>
             <a:r>
-              <a:rPr lang="en-US" altLang="zh-CN" dirty="0" err="1" smtClean="0"/>
+              <a:rPr lang="en-US" altLang="zh-CN" dirty="0" err="1"/>
               <a:t>i</a:t>
             </a:r>
             <a:r>
-              <a:rPr lang="en-US" altLang="zh-CN" dirty="0" smtClean="0"/>
+              <a:rPr lang="en-US" altLang="zh-CN" dirty="0"/>
               <a:t>] </a:t>
             </a:r>
             <a:r>
-              <a:rPr lang="zh-CN" altLang="en-US" dirty="0" smtClean="0"/>
+              <a:rPr lang="zh-CN" altLang="en-US" dirty="0"/>
               <a:t>获取值</a:t>
             </a:r>
             <a:r>
-              <a:rPr lang="en-US" altLang="zh-CN" dirty="0" smtClean="0"/>
+              <a:rPr lang="en-US" altLang="zh-CN" dirty="0"/>
               <a:t>;</a:t>
             </a:r>
           </a:p>
@@ -6386,10 +6366,9 @@
           <a:lstStyle/>
           <a:p>
             <a:r>
-              <a:rPr lang="zh-CN" altLang="en-US" dirty="0" smtClean="0"/>
+              <a:rPr lang="zh-CN" altLang="en-US" dirty="0"/>
               <a:t>动态类型介绍</a:t>
             </a:r>
-            <a:endParaRPr lang="zh-CN" altLang="en-US" dirty="0"/>
           </a:p>
         </p:txBody>
       </p:sp>
@@ -6409,50 +6388,50 @@
           <a:lstStyle/>
           <a:p>
             <a:r>
-              <a:rPr lang="zh-CN" altLang="en-US" dirty="0" smtClean="0"/>
+              <a:rPr lang="zh-CN" altLang="en-US" dirty="0"/>
               <a:t>变量、对象、引用</a:t>
             </a:r>
             <a:r>
-              <a:rPr lang="en-US" altLang="zh-CN" dirty="0" smtClean="0"/>
+              <a:rPr lang="en-US" altLang="zh-CN" dirty="0"/>
               <a:t>:a=3;</a:t>
             </a:r>
           </a:p>
           <a:p>
             <a:r>
-              <a:rPr lang="zh-CN" altLang="en-US" dirty="0" smtClean="0"/>
+              <a:rPr lang="zh-CN" altLang="en-US" dirty="0"/>
               <a:t>类型属于对象，不是变量 </a:t>
             </a:r>
             <a:r>
-              <a:rPr lang="en-US" altLang="zh-CN" dirty="0" smtClean="0"/>
+              <a:rPr lang="en-US" altLang="zh-CN" dirty="0"/>
               <a:t>a=3 a=‘hello’ a=1.34</a:t>
             </a:r>
             <a:r>
-              <a:rPr lang="zh-CN" altLang="en-US" dirty="0" smtClean="0"/>
+              <a:rPr lang="zh-CN" altLang="en-US" dirty="0"/>
               <a:t>；</a:t>
             </a:r>
-            <a:endParaRPr lang="en-US" altLang="zh-CN" dirty="0" smtClean="0"/>
-          </a:p>
-          <a:p>
-            <a:r>
-              <a:rPr lang="en-US" altLang="zh-CN" dirty="0" smtClean="0"/>
+            <a:endParaRPr lang="en-US" altLang="zh-CN" dirty="0"/>
+          </a:p>
+          <a:p>
+            <a:r>
+              <a:rPr lang="en-US" altLang="zh-CN" dirty="0"/>
               <a:t> </a:t>
             </a:r>
             <a:r>
-              <a:rPr lang="zh-CN" altLang="en-US" dirty="0" smtClean="0"/>
+              <a:rPr lang="zh-CN" altLang="en-US" dirty="0"/>
               <a:t>共享引用：</a:t>
             </a:r>
             <a:r>
-              <a:rPr lang="en-US" altLang="zh-CN" dirty="0" smtClean="0"/>
+              <a:rPr lang="en-US" altLang="zh-CN" dirty="0"/>
               <a:t>a=10 b=a  a=20   -&gt; a=20 b=10;</a:t>
             </a:r>
           </a:p>
           <a:p>
             <a:r>
-              <a:rPr lang="zh-CN" altLang="en-US" dirty="0" smtClean="0"/>
+              <a:rPr lang="zh-CN" altLang="en-US" dirty="0"/>
               <a:t>相等</a:t>
             </a:r>
             <a:r>
-              <a:rPr lang="en-US" altLang="zh-CN" dirty="0" smtClean="0"/>
+              <a:rPr lang="en-US" altLang="zh-CN" dirty="0"/>
               <a:t>:M=[1,2,3] L=M   L==M true  L is M true; L=[1,2,3] L==M true L is M false;</a:t>
             </a:r>
           </a:p>
@@ -6507,10 +6486,9 @@
           <a:lstStyle/>
           <a:p>
             <a:r>
-              <a:rPr lang="zh-CN" altLang="en-US" dirty="0" smtClean="0"/>
+              <a:rPr lang="zh-CN" altLang="en-US" dirty="0"/>
               <a:t>拷贝</a:t>
             </a:r>
-            <a:endParaRPr lang="zh-CN" altLang="en-US" dirty="0"/>
           </a:p>
         </p:txBody>
       </p:sp>
@@ -6530,103 +6508,99 @@
           <a:lstStyle/>
           <a:p>
             <a:r>
-              <a:rPr lang="zh-CN" altLang="en-US" dirty="0" smtClean="0"/>
+              <a:rPr lang="zh-CN" altLang="en-US" dirty="0"/>
               <a:t>深拷贝、浅拷贝；</a:t>
             </a:r>
-            <a:endParaRPr lang="en-US" altLang="zh-CN" dirty="0" smtClean="0"/>
-          </a:p>
-          <a:p>
-            <a:r>
-              <a:rPr lang="en-US" altLang="zh-CN" dirty="0" smtClean="0"/>
+            <a:endParaRPr lang="en-US" altLang="zh-CN" dirty="0"/>
+          </a:p>
+          <a:p>
+            <a:r>
+              <a:rPr lang="en-US" altLang="zh-CN" dirty="0"/>
               <a:t>Import copy </a:t>
             </a:r>
             <a:r>
-              <a:rPr lang="zh-CN" altLang="en-US" dirty="0" smtClean="0"/>
+              <a:rPr lang="zh-CN" altLang="en-US" dirty="0"/>
               <a:t>模块</a:t>
             </a:r>
-            <a:endParaRPr lang="en-US" altLang="zh-CN" dirty="0" smtClean="0"/>
-          </a:p>
-          <a:p>
-            <a:r>
-              <a:rPr lang="zh-CN" altLang="en-US" dirty="0" smtClean="0"/>
+            <a:endParaRPr lang="en-US" altLang="zh-CN" dirty="0"/>
+          </a:p>
+          <a:p>
+            <a:r>
+              <a:rPr lang="zh-CN" altLang="en-US" dirty="0"/>
               <a:t>浅拷贝</a:t>
             </a:r>
             <a:r>
-              <a:rPr lang="en-US" altLang="zh-CN" dirty="0" smtClean="0"/>
+              <a:rPr lang="en-US" altLang="zh-CN" dirty="0"/>
               <a:t>:L[:],</a:t>
             </a:r>
             <a:r>
-              <a:rPr lang="en-US" altLang="zh-CN" dirty="0" err="1" smtClean="0"/>
+              <a:rPr lang="en-US" altLang="zh-CN" dirty="0" err="1"/>
               <a:t>copy.copy</a:t>
             </a:r>
             <a:r>
-              <a:rPr lang="en-US" altLang="zh-CN" dirty="0" smtClean="0"/>
+              <a:rPr lang="en-US" altLang="zh-CN" dirty="0"/>
               <a:t>(L);</a:t>
             </a:r>
           </a:p>
           <a:p>
             <a:r>
               <a:rPr lang="zh-CN" altLang="en-US" dirty="0"/>
-              <a:t>深</a:t>
-            </a:r>
-            <a:r>
-              <a:rPr lang="zh-CN" altLang="en-US" dirty="0" smtClean="0"/>
-              <a:t>拷贝：</a:t>
-            </a:r>
-            <a:r>
-              <a:rPr lang="en-US" altLang="zh-CN" dirty="0" err="1" smtClean="0"/>
+              <a:t>深拷贝：</a:t>
+            </a:r>
+            <a:r>
+              <a:rPr lang="en-US" altLang="zh-CN" dirty="0" err="1"/>
               <a:t>copy.deepcopy</a:t>
             </a:r>
             <a:r>
-              <a:rPr lang="en-US" altLang="zh-CN" dirty="0" smtClean="0"/>
+              <a:rPr lang="en-US" altLang="zh-CN" dirty="0"/>
               <a:t>(L);</a:t>
             </a:r>
           </a:p>
           <a:p>
             <a:r>
-              <a:rPr lang="zh-CN" altLang="en-US" dirty="0" smtClean="0"/>
+              <a:rPr lang="zh-CN" altLang="en-US" dirty="0"/>
               <a:t>如</a:t>
             </a:r>
             <a:r>
-              <a:rPr lang="en-US" altLang="zh-CN" dirty="0" smtClean="0"/>
+              <a:rPr lang="en-US" altLang="zh-CN" dirty="0"/>
               <a:t>:L=[1,2,3] P=[1,L,5] s1=</a:t>
             </a:r>
             <a:r>
-              <a:rPr lang="en-US" altLang="zh-CN" dirty="0" err="1" smtClean="0"/>
+              <a:rPr lang="en-US" altLang="zh-CN" dirty="0" err="1"/>
               <a:t>copy.copy</a:t>
             </a:r>
             <a:r>
-              <a:rPr lang="en-US" altLang="zh-CN" dirty="0" smtClean="0"/>
+              <a:rPr lang="en-US" altLang="zh-CN" dirty="0"/>
               <a:t>(P) s2=</a:t>
             </a:r>
             <a:r>
-              <a:rPr lang="en-US" altLang="zh-CN" dirty="0" err="1" smtClean="0"/>
+              <a:rPr lang="en-US" altLang="zh-CN" dirty="0" err="1"/>
               <a:t>copy.deepcopy</a:t>
             </a:r>
             <a:r>
-              <a:rPr lang="en-US" altLang="zh-CN" dirty="0" smtClean="0"/>
+              <a:rPr lang="en-US" altLang="zh-CN" dirty="0"/>
               <a:t>(P)</a:t>
             </a:r>
           </a:p>
           <a:p>
             <a:r>
-              <a:rPr lang="en-US" altLang="zh-CN" dirty="0" smtClean="0"/>
+              <a:rPr lang="en-US" altLang="zh-CN" dirty="0"/>
               <a:t>L[1]=6   </a:t>
             </a:r>
             <a:r>
-              <a:rPr lang="zh-CN" altLang="en-US" dirty="0" smtClean="0"/>
+              <a:rPr lang="zh-CN" altLang="en-US" dirty="0"/>
               <a:t>浅拷贝</a:t>
             </a:r>
             <a:r>
-              <a:rPr lang="en-US" altLang="zh-CN" dirty="0" smtClean="0"/>
+              <a:rPr lang="en-US" altLang="zh-CN" dirty="0"/>
               <a:t>:s1=[1,[1,6,3],5] </a:t>
             </a:r>
             <a:r>
-              <a:rPr lang="zh-CN" altLang="en-US" dirty="0" smtClean="0"/>
+              <a:rPr lang="zh-CN" altLang="en-US" dirty="0"/>
               <a:t>深拷贝：</a:t>
             </a:r>
             <a:r>
-              <a:rPr lang="en-US" altLang="zh-CN" dirty="0" smtClean="0"/>
+              <a:rPr lang="en-US" altLang="zh-CN" dirty="0"/>
               <a:t>[1,[1,2,3],5]</a:t>
             </a:r>
             <a:endParaRPr lang="zh-CN" altLang="en-US" dirty="0"/>
@@ -6679,10 +6653,9 @@
           <a:lstStyle/>
           <a:p>
             <a:r>
-              <a:rPr lang="zh-CN" altLang="en-US" dirty="0" smtClean="0"/>
+              <a:rPr lang="zh-CN" altLang="en-US" dirty="0"/>
               <a:t>文件操作</a:t>
             </a:r>
-            <a:endParaRPr lang="zh-CN" altLang="en-US" dirty="0"/>
           </a:p>
         </p:txBody>
       </p:sp>
@@ -6707,333 +6680,321 @@
           <a:lstStyle/>
           <a:p>
             <a:r>
-              <a:rPr lang="en-US" altLang="zh-CN" dirty="0" smtClean="0"/>
+              <a:rPr lang="en-US" altLang="zh-CN" dirty="0"/>
               <a:t>Import </a:t>
             </a:r>
             <a:r>
-              <a:rPr lang="en-US" altLang="zh-CN" dirty="0" err="1" smtClean="0"/>
+              <a:rPr lang="en-US" altLang="zh-CN" dirty="0" err="1"/>
               <a:t>os,os.path</a:t>
             </a:r>
             <a:r>
-              <a:rPr lang="en-US" altLang="zh-CN" dirty="0" smtClean="0"/>
+              <a:rPr lang="en-US" altLang="zh-CN" dirty="0"/>
               <a:t> </a:t>
             </a:r>
             <a:r>
-              <a:rPr lang="zh-CN" altLang="en-US" dirty="0" smtClean="0"/>
+              <a:rPr lang="zh-CN" altLang="en-US" dirty="0"/>
               <a:t>模块  获取文件路径路径的常用模块</a:t>
             </a:r>
-            <a:endParaRPr lang="en-US" altLang="zh-CN" dirty="0" smtClean="0"/>
-          </a:p>
-          <a:p>
-            <a:r>
-              <a:rPr lang="zh-CN" altLang="en-US" dirty="0" smtClean="0"/>
+            <a:endParaRPr lang="en-US" altLang="zh-CN" dirty="0"/>
+          </a:p>
+          <a:p>
+            <a:r>
+              <a:rPr lang="zh-CN" altLang="en-US" dirty="0"/>
               <a:t>如：</a:t>
             </a:r>
             <a:r>
-              <a:rPr lang="en-US" altLang="zh-CN" dirty="0" err="1" smtClean="0"/>
+              <a:rPr lang="en-US" altLang="zh-CN" dirty="0" err="1"/>
               <a:t>Os.getcwd</a:t>
             </a:r>
             <a:r>
-              <a:rPr lang="en-US" altLang="zh-CN" dirty="0" smtClean="0"/>
+              <a:rPr lang="en-US" altLang="zh-CN" dirty="0"/>
               <a:t>()</a:t>
             </a:r>
             <a:r>
-              <a:rPr lang="zh-CN" altLang="en-US" dirty="0" smtClean="0"/>
+              <a:rPr lang="zh-CN" altLang="en-US" dirty="0"/>
               <a:t>文件所在的当前目录 </a:t>
             </a:r>
             <a:r>
-              <a:rPr lang="en-US" altLang="zh-CN" dirty="0" smtClean="0"/>
+              <a:rPr lang="en-US" altLang="zh-CN" dirty="0"/>
               <a:t>;</a:t>
             </a:r>
             <a:r>
-              <a:rPr lang="en-US" altLang="zh-CN" dirty="0" err="1" smtClean="0"/>
+              <a:rPr lang="en-US" altLang="zh-CN" dirty="0" err="1"/>
               <a:t>os.listdir</a:t>
             </a:r>
             <a:r>
-              <a:rPr lang="en-US" altLang="zh-CN" dirty="0" smtClean="0"/>
+              <a:rPr lang="en-US" altLang="zh-CN" dirty="0"/>
               <a:t>(path)</a:t>
             </a:r>
             <a:r>
-              <a:rPr lang="zh-CN" altLang="en-US" dirty="0" smtClean="0"/>
+              <a:rPr lang="zh-CN" altLang="en-US" dirty="0"/>
               <a:t>列出目录下所有文件</a:t>
             </a:r>
             <a:r>
-              <a:rPr lang="en-US" altLang="zh-CN" dirty="0" smtClean="0"/>
+              <a:rPr lang="en-US" altLang="zh-CN" dirty="0"/>
               <a:t>;</a:t>
             </a:r>
           </a:p>
           <a:p>
             <a:r>
-              <a:rPr lang="en-US" altLang="zh-CN" dirty="0" err="1" smtClean="0"/>
+              <a:rPr lang="en-US" altLang="zh-CN" dirty="0" err="1"/>
               <a:t>Os.path.join</a:t>
             </a:r>
             <a:r>
-              <a:rPr lang="en-US" altLang="zh-CN" dirty="0" smtClean="0"/>
+              <a:rPr lang="en-US" altLang="zh-CN" dirty="0"/>
               <a:t>(</a:t>
             </a:r>
             <a:r>
-              <a:rPr lang="en-US" altLang="zh-CN" dirty="0" err="1" smtClean="0"/>
+              <a:rPr lang="en-US" altLang="zh-CN" dirty="0" err="1"/>
               <a:t>path,name</a:t>
             </a:r>
             <a:r>
-              <a:rPr lang="en-US" altLang="zh-CN" dirty="0" smtClean="0"/>
+              <a:rPr lang="en-US" altLang="zh-CN" dirty="0"/>
               <a:t>) </a:t>
             </a:r>
             <a:r>
-              <a:rPr lang="zh-CN" altLang="en-US" dirty="0" smtClean="0"/>
+              <a:rPr lang="zh-CN" altLang="en-US" dirty="0"/>
               <a:t>组合路径和文件名</a:t>
             </a:r>
             <a:r>
-              <a:rPr lang="en-US" altLang="zh-CN" dirty="0" smtClean="0"/>
+              <a:rPr lang="en-US" altLang="zh-CN" dirty="0"/>
               <a:t>;</a:t>
             </a:r>
             <a:r>
-              <a:rPr lang="en-US" altLang="zh-CN" dirty="0" err="1" smtClean="0"/>
+              <a:rPr lang="en-US" altLang="zh-CN" dirty="0" err="1"/>
               <a:t>os.path.isfile</a:t>
             </a:r>
             <a:r>
-              <a:rPr lang="en-US" altLang="zh-CN" dirty="0" smtClean="0"/>
+              <a:rPr lang="en-US" altLang="zh-CN" dirty="0"/>
               <a:t>(path) </a:t>
             </a:r>
             <a:r>
-              <a:rPr lang="zh-CN" altLang="en-US" dirty="0" smtClean="0"/>
+              <a:rPr lang="zh-CN" altLang="en-US" dirty="0"/>
               <a:t>是否是文件 </a:t>
             </a:r>
             <a:r>
-              <a:rPr lang="en-US" altLang="zh-CN" dirty="0" err="1" smtClean="0"/>
+              <a:rPr lang="en-US" altLang="zh-CN" dirty="0" err="1"/>
               <a:t>os.path.isdir</a:t>
             </a:r>
             <a:r>
-              <a:rPr lang="en-US" altLang="zh-CN" dirty="0" smtClean="0"/>
+              <a:rPr lang="en-US" altLang="zh-CN" dirty="0"/>
               <a:t>(path) </a:t>
             </a:r>
             <a:r>
-              <a:rPr lang="zh-CN" altLang="en-US" dirty="0" smtClean="0"/>
+              <a:rPr lang="zh-CN" altLang="en-US" dirty="0"/>
               <a:t>是否是目录 </a:t>
             </a:r>
             <a:r>
-              <a:rPr lang="en-US" altLang="zh-CN" dirty="0" smtClean="0"/>
+              <a:rPr lang="en-US" altLang="zh-CN" dirty="0"/>
               <a:t>;</a:t>
             </a:r>
           </a:p>
           <a:p>
             <a:r>
-              <a:rPr lang="zh-CN" altLang="en-US" dirty="0" smtClean="0"/>
+              <a:rPr lang="zh-CN" altLang="en-US" dirty="0"/>
               <a:t>打开文件</a:t>
             </a:r>
             <a:r>
-              <a:rPr lang="en-US" altLang="zh-CN" dirty="0" smtClean="0"/>
+              <a:rPr lang="en-US" altLang="zh-CN" dirty="0"/>
               <a:t>:f=open(path,</a:t>
             </a:r>
             <a:r>
-              <a:rPr lang="zh-CN" altLang="en-US" dirty="0" smtClean="0"/>
+              <a:rPr lang="zh-CN" altLang="en-US" dirty="0"/>
               <a:t>类型</a:t>
             </a:r>
             <a:r>
-              <a:rPr lang="en-US" altLang="zh-CN" dirty="0" smtClean="0"/>
+              <a:rPr lang="en-US" altLang="zh-CN" dirty="0"/>
               <a:t>) ‘w’ </a:t>
             </a:r>
             <a:r>
-              <a:rPr lang="zh-CN" altLang="en-US" dirty="0" smtClean="0"/>
+              <a:rPr lang="zh-CN" altLang="en-US" dirty="0"/>
               <a:t>写模式 </a:t>
             </a:r>
             <a:r>
-              <a:rPr lang="en-US" altLang="zh-CN" dirty="0" smtClean="0"/>
+              <a:rPr lang="en-US" altLang="zh-CN" dirty="0"/>
               <a:t>‘r’ </a:t>
             </a:r>
             <a:r>
-              <a:rPr lang="zh-CN" altLang="en-US" dirty="0" smtClean="0"/>
+              <a:rPr lang="zh-CN" altLang="en-US" dirty="0"/>
               <a:t>读模式 </a:t>
             </a:r>
             <a:r>
-              <a:rPr lang="en-US" altLang="zh-CN" dirty="0" smtClean="0"/>
+              <a:rPr lang="en-US" altLang="zh-CN" dirty="0"/>
               <a:t>‘a’ </a:t>
             </a:r>
             <a:r>
-              <a:rPr lang="zh-CN" altLang="en-US" dirty="0" smtClean="0"/>
+              <a:rPr lang="zh-CN" altLang="en-US" dirty="0"/>
               <a:t>追加写模式  </a:t>
             </a:r>
             <a:r>
-              <a:rPr lang="en-US" altLang="zh-CN" dirty="0" err="1" smtClean="0"/>
+              <a:rPr lang="en-US" altLang="zh-CN" dirty="0" err="1"/>
               <a:t>f.close</a:t>
             </a:r>
             <a:r>
-              <a:rPr lang="en-US" altLang="zh-CN" dirty="0" smtClean="0"/>
+              <a:rPr lang="en-US" altLang="zh-CN" dirty="0"/>
               <a:t>()</a:t>
             </a:r>
             <a:r>
-              <a:rPr lang="zh-CN" altLang="en-US" dirty="0" smtClean="0"/>
+              <a:rPr lang="zh-CN" altLang="en-US" dirty="0"/>
               <a:t>关闭；</a:t>
             </a:r>
-            <a:endParaRPr lang="en-US" altLang="zh-CN" dirty="0" smtClean="0"/>
-          </a:p>
-          <a:p>
-            <a:r>
-              <a:rPr lang="zh-CN" altLang="en-US" dirty="0" smtClean="0"/>
+            <a:endParaRPr lang="en-US" altLang="zh-CN" dirty="0"/>
+          </a:p>
+          <a:p>
+            <a:r>
+              <a:rPr lang="zh-CN" altLang="en-US" dirty="0"/>
               <a:t>读取数据：</a:t>
             </a:r>
             <a:r>
-              <a:rPr lang="en-US" altLang="zh-CN" dirty="0" err="1" smtClean="0"/>
+              <a:rPr lang="en-US" altLang="zh-CN" dirty="0" err="1"/>
               <a:t>f.read</a:t>
             </a:r>
             <a:r>
-              <a:rPr lang="en-US" altLang="zh-CN" dirty="0" smtClean="0"/>
+              <a:rPr lang="en-US" altLang="zh-CN" dirty="0"/>
               <a:t>() </a:t>
             </a:r>
             <a:r>
-              <a:rPr lang="en-US" altLang="zh-CN" dirty="0" err="1" smtClean="0"/>
+              <a:rPr lang="en-US" altLang="zh-CN" dirty="0" err="1"/>
               <a:t>f.readline</a:t>
             </a:r>
             <a:r>
-              <a:rPr lang="en-US" altLang="zh-CN" dirty="0" smtClean="0"/>
+              <a:rPr lang="en-US" altLang="zh-CN" dirty="0"/>
               <a:t>() </a:t>
             </a:r>
             <a:r>
-              <a:rPr lang="en-US" altLang="zh-CN" dirty="0" err="1" smtClean="0"/>
+              <a:rPr lang="en-US" altLang="zh-CN" dirty="0" err="1"/>
               <a:t>f.readlines</a:t>
             </a:r>
             <a:r>
-              <a:rPr lang="en-US" altLang="zh-CN" dirty="0" smtClean="0"/>
+              <a:rPr lang="en-US" altLang="zh-CN" dirty="0"/>
               <a:t>();</a:t>
             </a:r>
           </a:p>
           <a:p>
             <a:r>
               <a:rPr lang="zh-CN" altLang="en-US" dirty="0"/>
-              <a:t>写</a:t>
-            </a:r>
-            <a:r>
-              <a:rPr lang="zh-CN" altLang="en-US" dirty="0" smtClean="0"/>
-              <a:t>数据：</a:t>
-            </a:r>
-            <a:r>
-              <a:rPr lang="en-US" altLang="zh-CN" dirty="0" err="1" smtClean="0"/>
+              <a:t>写数据：</a:t>
+            </a:r>
+            <a:r>
+              <a:rPr lang="en-US" altLang="zh-CN" dirty="0" err="1"/>
               <a:t>f.write</a:t>
             </a:r>
             <a:r>
-              <a:rPr lang="en-US" altLang="zh-CN" dirty="0" smtClean="0"/>
+              <a:rPr lang="en-US" altLang="zh-CN" dirty="0"/>
               <a:t>(‘hello’) </a:t>
             </a:r>
             <a:r>
-              <a:rPr lang="en-US" altLang="zh-CN" dirty="0" err="1" smtClean="0"/>
+              <a:rPr lang="en-US" altLang="zh-CN" dirty="0" err="1"/>
               <a:t>f.writelines</a:t>
             </a:r>
             <a:r>
-              <a:rPr lang="en-US" altLang="zh-CN" dirty="0" smtClean="0"/>
+              <a:rPr lang="en-US" altLang="zh-CN" dirty="0"/>
               <a:t>([‘hello \</a:t>
             </a:r>
             <a:r>
-              <a:rPr lang="en-US" altLang="zh-CN" dirty="0" err="1" smtClean="0"/>
+              <a:rPr lang="en-US" altLang="zh-CN" dirty="0" err="1"/>
               <a:t>n’,’world</a:t>
             </a:r>
             <a:r>
-              <a:rPr lang="en-US" altLang="zh-CN" dirty="0" smtClean="0"/>
+              <a:rPr lang="en-US" altLang="zh-CN" dirty="0"/>
               <a:t> \n’]);</a:t>
             </a:r>
           </a:p>
           <a:p>
             <a:r>
-              <a:rPr lang="zh-CN" altLang="en-US" dirty="0" smtClean="0"/>
+              <a:rPr lang="zh-CN" altLang="en-US" dirty="0"/>
               <a:t>二进制读写：</a:t>
             </a:r>
             <a:r>
-              <a:rPr lang="en-US" altLang="zh-CN" dirty="0" smtClean="0"/>
+              <a:rPr lang="en-US" altLang="zh-CN" dirty="0"/>
               <a:t>f=open(path,’</a:t>
             </a:r>
             <a:r>
-              <a:rPr lang="en-US" altLang="zh-CN" dirty="0" err="1" smtClean="0"/>
+              <a:rPr lang="en-US" altLang="zh-CN" dirty="0" err="1"/>
               <a:t>wb</a:t>
             </a:r>
             <a:r>
-              <a:rPr lang="en-US" altLang="zh-CN" dirty="0" smtClean="0"/>
+              <a:rPr lang="en-US" altLang="zh-CN" dirty="0"/>
               <a:t>’\’</a:t>
             </a:r>
             <a:r>
-              <a:rPr lang="en-US" altLang="zh-CN" dirty="0" err="1" smtClean="0"/>
+              <a:rPr lang="en-US" altLang="zh-CN" dirty="0" err="1"/>
               <a:t>rb</a:t>
             </a:r>
             <a:r>
-              <a:rPr lang="en-US" altLang="zh-CN" dirty="0" smtClean="0"/>
+              <a:rPr lang="en-US" altLang="zh-CN" dirty="0"/>
               <a:t>’);</a:t>
             </a:r>
           </a:p>
           <a:p>
             <a:r>
-              <a:rPr lang="zh-CN" altLang="en-US" dirty="0" smtClean="0"/>
+              <a:rPr lang="zh-CN" altLang="en-US" dirty="0"/>
               <a:t>读写模式</a:t>
             </a:r>
             <a:r>
-              <a:rPr lang="en-US" altLang="zh-CN" dirty="0" smtClean="0"/>
+              <a:rPr lang="en-US" altLang="zh-CN" dirty="0"/>
               <a:t>:f=open(</a:t>
             </a:r>
             <a:r>
-              <a:rPr lang="en-US" altLang="zh-CN" dirty="0" err="1" smtClean="0"/>
+              <a:rPr lang="en-US" altLang="zh-CN" dirty="0" err="1"/>
               <a:t>path,’w</a:t>
             </a:r>
             <a:r>
-              <a:rPr lang="en-US" altLang="zh-CN" dirty="0" smtClean="0"/>
+              <a:rPr lang="en-US" altLang="zh-CN" dirty="0"/>
               <a:t>+’) ‘+’</a:t>
             </a:r>
             <a:r>
-              <a:rPr lang="zh-CN" altLang="en-US" dirty="0" smtClean="0"/>
+              <a:rPr lang="zh-CN" altLang="en-US" dirty="0"/>
               <a:t>字符表示读写模式也可以</a:t>
             </a:r>
             <a:r>
-              <a:rPr lang="en-US" altLang="zh-CN" dirty="0" smtClean="0"/>
+              <a:rPr lang="en-US" altLang="zh-CN" dirty="0"/>
               <a:t>’</a:t>
             </a:r>
             <a:r>
-              <a:rPr lang="en-US" altLang="zh-CN" dirty="0" err="1" smtClean="0"/>
+              <a:rPr lang="en-US" altLang="zh-CN" dirty="0" err="1"/>
               <a:t>r+’,’a</a:t>
             </a:r>
             <a:r>
-              <a:rPr lang="en-US" altLang="zh-CN" dirty="0" smtClean="0"/>
+              <a:rPr lang="en-US" altLang="zh-CN" dirty="0"/>
               <a:t>+’;</a:t>
             </a:r>
           </a:p>
           <a:p>
             <a:r>
               <a:rPr lang="zh-CN" altLang="en-US" dirty="0"/>
-              <a:t>常用</a:t>
-            </a:r>
-            <a:r>
-              <a:rPr lang="zh-CN" altLang="en-US" dirty="0" smtClean="0"/>
-              <a:t>写法：</a:t>
-            </a:r>
-            <a:r>
-              <a:rPr lang="en-US" altLang="zh-CN" dirty="0" smtClean="0"/>
+              <a:t>常用写法：</a:t>
+            </a:r>
+            <a:r>
+              <a:rPr lang="en-US" altLang="zh-CN" dirty="0"/>
               <a:t>with open(</a:t>
             </a:r>
             <a:r>
-              <a:rPr lang="en-US" altLang="zh-CN" dirty="0" err="1" smtClean="0"/>
+              <a:rPr lang="en-US" altLang="zh-CN" dirty="0" err="1"/>
               <a:t>path,’r</a:t>
             </a:r>
             <a:r>
-              <a:rPr lang="en-US" altLang="zh-CN" dirty="0" smtClean="0"/>
+              <a:rPr lang="en-US" altLang="zh-CN" dirty="0"/>
               <a:t>’) as f: </a:t>
             </a:r>
           </a:p>
           <a:p>
             <a:r>
               <a:rPr lang="en-US" altLang="zh-CN" dirty="0"/>
-              <a:t> </a:t>
-            </a:r>
-            <a:r>
-              <a:rPr lang="en-US" altLang="zh-CN" dirty="0" smtClean="0"/>
-              <a:t>                    print(</a:t>
-            </a:r>
-            <a:r>
-              <a:rPr lang="en-US" altLang="zh-CN" dirty="0" err="1" smtClean="0"/>
+              <a:t>                     print(</a:t>
+            </a:r>
+            <a:r>
+              <a:rPr lang="en-US" altLang="zh-CN" dirty="0" err="1"/>
               <a:t>f.readlines</a:t>
             </a:r>
             <a:r>
-              <a:rPr lang="en-US" altLang="zh-CN" smtClean="0"/>
+              <a:rPr lang="en-US" altLang="zh-CN"/>
               <a:t>())</a:t>
             </a:r>
-            <a:endParaRPr lang="en-US" altLang="zh-CN" dirty="0" smtClean="0"/>
-          </a:p>
-          <a:p>
-            <a:endParaRPr lang="en-US" altLang="zh-CN" dirty="0" smtClean="0"/>
+            <a:endParaRPr lang="en-US" altLang="zh-CN" dirty="0"/>
+          </a:p>
+          <a:p>
+            <a:endParaRPr lang="en-US" altLang="zh-CN" dirty="0"/>
           </a:p>
           <a:p>
             <a:endParaRPr lang="zh-CN" altLang="en-US" dirty="0"/>
@@ -7086,10 +7047,9 @@
           <a:lstStyle/>
           <a:p>
             <a:r>
-              <a:rPr lang="zh-CN" altLang="en-US" dirty="0" smtClean="0"/>
+              <a:rPr lang="zh-CN" altLang="en-US" dirty="0"/>
               <a:t>基本语法</a:t>
             </a:r>
-            <a:endParaRPr lang="zh-CN" altLang="en-US" dirty="0"/>
           </a:p>
         </p:txBody>
       </p:sp>
@@ -7109,38 +7069,37 @@
           <a:lstStyle/>
           <a:p>
             <a:r>
-              <a:rPr lang="zh-CN" altLang="en-US" dirty="0" smtClean="0"/>
+              <a:rPr lang="zh-CN" altLang="en-US" dirty="0"/>
               <a:t>复合语句后面必须有‘</a:t>
             </a:r>
             <a:r>
-              <a:rPr lang="en-US" altLang="zh-CN" dirty="0" smtClean="0"/>
+              <a:rPr lang="en-US" altLang="zh-CN" dirty="0"/>
               <a:t>:</a:t>
             </a:r>
             <a:r>
-              <a:rPr lang="zh-CN" altLang="en-US" dirty="0" smtClean="0"/>
+              <a:rPr lang="zh-CN" altLang="en-US" dirty="0"/>
               <a:t>’</a:t>
             </a:r>
             <a:r>
-              <a:rPr lang="en-US" altLang="zh-CN" dirty="0" smtClean="0"/>
+              <a:rPr lang="en-US" altLang="zh-CN" dirty="0"/>
               <a:t>;</a:t>
             </a:r>
           </a:p>
           <a:p>
             <a:r>
-              <a:rPr lang="zh-CN" altLang="en-US" dirty="0" smtClean="0"/>
+              <a:rPr lang="zh-CN" altLang="en-US" dirty="0"/>
               <a:t>语句尾部删除‘；’，如</a:t>
             </a:r>
             <a:r>
-              <a:rPr lang="en-US" altLang="zh-CN" dirty="0" smtClean="0"/>
+              <a:rPr lang="en-US" altLang="zh-CN" dirty="0"/>
               <a:t>a=1</a:t>
             </a:r>
           </a:p>
           <a:p>
             <a:r>
-              <a:rPr lang="zh-CN" altLang="en-US" dirty="0" smtClean="0"/>
+              <a:rPr lang="zh-CN" altLang="en-US" dirty="0"/>
               <a:t>缩进语法：同一缩进的代码行代表同一代码段；</a:t>
             </a:r>
-            <a:endParaRPr lang="zh-CN" altLang="en-US" dirty="0"/>
           </a:p>
         </p:txBody>
       </p:sp>
@@ -7214,10 +7173,9 @@
           <a:lstStyle/>
           <a:p>
             <a:r>
-              <a:rPr lang="zh-CN" altLang="en-US" dirty="0" smtClean="0"/>
+              <a:rPr lang="zh-CN" altLang="en-US" dirty="0"/>
               <a:t>赋值与命名</a:t>
             </a:r>
-            <a:endParaRPr lang="zh-CN" altLang="en-US" dirty="0"/>
           </a:p>
         </p:txBody>
       </p:sp>
@@ -7237,94 +7195,94 @@
           <a:lstStyle/>
           <a:p>
             <a:r>
-              <a:rPr lang="zh-CN" altLang="en-US" dirty="0" smtClean="0"/>
+              <a:rPr lang="zh-CN" altLang="en-US" dirty="0"/>
               <a:t>基本形式：</a:t>
             </a:r>
             <a:r>
-              <a:rPr lang="en-US" altLang="zh-CN" dirty="0" smtClean="0"/>
+              <a:rPr lang="en-US" altLang="zh-CN" dirty="0"/>
               <a:t>a=1</a:t>
             </a:r>
           </a:p>
           <a:p>
             <a:r>
-              <a:rPr lang="zh-CN" altLang="en-US" dirty="0" smtClean="0"/>
+              <a:rPr lang="zh-CN" altLang="en-US" dirty="0"/>
               <a:t>元组赋值形式：</a:t>
             </a:r>
             <a:r>
-              <a:rPr lang="en-US" altLang="zh-CN" dirty="0" err="1" smtClean="0"/>
+              <a:rPr lang="en-US" altLang="zh-CN" dirty="0" err="1"/>
               <a:t>a,b</a:t>
             </a:r>
             <a:r>
-              <a:rPr lang="en-US" altLang="zh-CN" dirty="0" smtClean="0"/>
+              <a:rPr lang="en-US" altLang="zh-CN" dirty="0"/>
               <a:t>=1,2</a:t>
             </a:r>
           </a:p>
           <a:p>
             <a:r>
-              <a:rPr lang="zh-CN" altLang="en-US" dirty="0" smtClean="0"/>
+              <a:rPr lang="zh-CN" altLang="en-US" dirty="0"/>
               <a:t>序列赋值</a:t>
             </a:r>
             <a:r>
-              <a:rPr lang="en-US" altLang="zh-CN" dirty="0" smtClean="0"/>
+              <a:rPr lang="en-US" altLang="zh-CN" dirty="0"/>
               <a:t>:</a:t>
             </a:r>
             <a:r>
-              <a:rPr lang="en-US" altLang="zh-CN" dirty="0" err="1" smtClean="0"/>
+              <a:rPr lang="en-US" altLang="zh-CN" dirty="0" err="1"/>
               <a:t>a,b,c,d,e</a:t>
             </a:r>
             <a:r>
-              <a:rPr lang="en-US" altLang="zh-CN" dirty="0" smtClean="0"/>
+              <a:rPr lang="en-US" altLang="zh-CN" dirty="0"/>
               <a:t>=‘hello’</a:t>
             </a:r>
           </a:p>
           <a:p>
             <a:r>
-              <a:rPr lang="zh-CN" altLang="en-US" dirty="0" smtClean="0"/>
+              <a:rPr lang="zh-CN" altLang="en-US" dirty="0"/>
               <a:t>多目标赋值：</a:t>
             </a:r>
             <a:r>
-              <a:rPr lang="en-US" altLang="zh-CN" dirty="0" smtClean="0"/>
+              <a:rPr lang="en-US" altLang="zh-CN" dirty="0"/>
               <a:t>a=b=1</a:t>
             </a:r>
           </a:p>
           <a:p>
             <a:r>
-              <a:rPr lang="zh-CN" altLang="en-US" dirty="0" smtClean="0"/>
+              <a:rPr lang="zh-CN" altLang="en-US" dirty="0"/>
               <a:t>下划线或字母</a:t>
             </a:r>
             <a:r>
-              <a:rPr lang="en-US" altLang="zh-CN" dirty="0" smtClean="0"/>
+              <a:rPr lang="en-US" altLang="zh-CN" dirty="0"/>
               <a:t>+</a:t>
             </a:r>
             <a:r>
-              <a:rPr lang="zh-CN" altLang="en-US" dirty="0" smtClean="0"/>
+              <a:rPr lang="zh-CN" altLang="en-US" dirty="0"/>
               <a:t>数字、字母、下划线</a:t>
             </a:r>
             <a:r>
-              <a:rPr lang="en-US" altLang="zh-CN" dirty="0" smtClean="0"/>
+              <a:rPr lang="en-US" altLang="zh-CN" dirty="0"/>
               <a:t>;</a:t>
             </a:r>
           </a:p>
           <a:p>
             <a:r>
-              <a:rPr lang="zh-CN" altLang="en-US" dirty="0" smtClean="0"/>
+              <a:rPr lang="zh-CN" altLang="en-US" dirty="0"/>
               <a:t>保留字不能用做变量名；‘</a:t>
             </a:r>
             <a:r>
-              <a:rPr lang="en-US" altLang="zh-CN" dirty="0" smtClean="0"/>
+              <a:rPr lang="en-US" altLang="zh-CN" dirty="0"/>
               <a:t>__name__</a:t>
             </a:r>
             <a:r>
-              <a:rPr lang="zh-CN" altLang="en-US" dirty="0" smtClean="0"/>
+              <a:rPr lang="zh-CN" altLang="en-US" dirty="0"/>
               <a:t>’类似这类名称有特殊含义，不用做变量名</a:t>
             </a:r>
             <a:r>
-              <a:rPr lang="en-US" altLang="zh-CN" dirty="0" smtClean="0"/>
+              <a:rPr lang="en-US" altLang="zh-CN" dirty="0"/>
               <a:t>;</a:t>
             </a:r>
           </a:p>
           <a:p>
-            <a:endParaRPr lang="en-US" altLang="zh-CN" dirty="0" smtClean="0"/>
+            <a:endParaRPr lang="en-US" altLang="zh-CN" dirty="0"/>
           </a:p>
           <a:p>
             <a:endParaRPr lang="zh-CN" altLang="en-US" dirty="0"/>
@@ -7377,14 +7335,13 @@
           <a:lstStyle/>
           <a:p>
             <a:r>
-              <a:rPr lang="en-US" altLang="zh-CN" dirty="0" smtClean="0"/>
+              <a:rPr lang="en-US" altLang="zh-CN" dirty="0"/>
               <a:t>If</a:t>
             </a:r>
             <a:r>
-              <a:rPr lang="zh-CN" altLang="en-US" dirty="0" smtClean="0"/>
+              <a:rPr lang="zh-CN" altLang="en-US" dirty="0"/>
               <a:t>语句</a:t>
             </a:r>
-            <a:endParaRPr lang="zh-CN" altLang="en-US" dirty="0"/>
           </a:p>
         </p:txBody>
       </p:sp>
@@ -7404,121 +7361,97 @@
           <a:lstStyle/>
           <a:p>
             <a:r>
-              <a:rPr lang="zh-CN" altLang="en-US" dirty="0" smtClean="0"/>
+              <a:rPr lang="zh-CN" altLang="en-US" dirty="0"/>
               <a:t>表达形式：</a:t>
             </a:r>
-            <a:endParaRPr lang="en-US" altLang="zh-CN" dirty="0" smtClean="0"/>
-          </a:p>
-          <a:p>
-            <a:r>
-              <a:rPr lang="en-US" altLang="zh-CN" dirty="0" smtClean="0"/>
+            <a:endParaRPr lang="en-US" altLang="zh-CN" dirty="0"/>
+          </a:p>
+          <a:p>
+            <a:r>
+              <a:rPr lang="en-US" altLang="zh-CN" dirty="0"/>
               <a:t>if </a:t>
             </a:r>
             <a:r>
-              <a:rPr lang="zh-CN" altLang="en-US" dirty="0" smtClean="0"/>
+              <a:rPr lang="zh-CN" altLang="en-US" dirty="0"/>
               <a:t>条件判断</a:t>
             </a:r>
             <a:r>
-              <a:rPr lang="en-US" altLang="zh-CN" dirty="0" smtClean="0"/>
+              <a:rPr lang="en-US" altLang="zh-CN" dirty="0"/>
               <a:t>1:</a:t>
             </a:r>
           </a:p>
           <a:p>
             <a:r>
               <a:rPr lang="en-US" altLang="zh-CN" dirty="0"/>
+              <a:t>   </a:t>
+            </a:r>
+            <a:r>
+              <a:rPr lang="zh-CN" altLang="en-US" dirty="0"/>
+              <a:t>代码</a:t>
+            </a:r>
+            <a:endParaRPr lang="en-US" altLang="zh-CN" dirty="0"/>
+          </a:p>
+          <a:p>
+            <a:r>
+              <a:rPr lang="en-US" altLang="zh-CN" dirty="0" err="1"/>
+              <a:t>elif</a:t>
+            </a:r>
+            <a:r>
+              <a:rPr lang="en-US" altLang="zh-CN" dirty="0"/>
               <a:t> </a:t>
             </a:r>
             <a:r>
-              <a:rPr lang="en-US" altLang="zh-CN" dirty="0" smtClean="0"/>
+              <a:rPr lang="zh-CN" altLang="en-US" dirty="0"/>
+              <a:t>条件判断</a:t>
+            </a:r>
+            <a:r>
+              <a:rPr lang="en-US" altLang="zh-CN" dirty="0"/>
+              <a:t>2:</a:t>
+            </a:r>
+          </a:p>
+          <a:p>
+            <a:r>
+              <a:rPr lang="en-US" altLang="zh-CN" dirty="0"/>
               <a:t>  </a:t>
             </a:r>
             <a:r>
-              <a:rPr lang="zh-CN" altLang="en-US" dirty="0" smtClean="0"/>
+              <a:rPr lang="zh-CN" altLang="en-US" dirty="0"/>
               <a:t>代码</a:t>
             </a:r>
-            <a:endParaRPr lang="en-US" altLang="zh-CN" dirty="0" smtClean="0"/>
-          </a:p>
-          <a:p>
-            <a:r>
-              <a:rPr lang="en-US" altLang="zh-CN" dirty="0" err="1"/>
-              <a:t>e</a:t>
-            </a:r>
-            <a:r>
-              <a:rPr lang="en-US" altLang="zh-CN" dirty="0" err="1" smtClean="0"/>
-              <a:t>lif</a:t>
-            </a:r>
-            <a:r>
-              <a:rPr lang="en-US" altLang="zh-CN" dirty="0" smtClean="0"/>
-              <a:t> </a:t>
-            </a:r>
-            <a:r>
-              <a:rPr lang="zh-CN" altLang="en-US" dirty="0" smtClean="0"/>
-              <a:t>条件判断</a:t>
-            </a:r>
-            <a:r>
-              <a:rPr lang="en-US" altLang="zh-CN" dirty="0" smtClean="0"/>
-              <a:t>2:</a:t>
-            </a:r>
-          </a:p>
-          <a:p>
-            <a:r>
-              <a:rPr lang="en-US" altLang="zh-CN" dirty="0"/>
-              <a:t> </a:t>
-            </a:r>
-            <a:r>
-              <a:rPr lang="en-US" altLang="zh-CN" dirty="0" smtClean="0"/>
-              <a:t> </a:t>
-            </a:r>
-            <a:r>
-              <a:rPr lang="zh-CN" altLang="en-US" dirty="0" smtClean="0"/>
+            <a:endParaRPr lang="en-US" altLang="zh-CN" dirty="0"/>
+          </a:p>
+          <a:p>
+            <a:r>
+              <a:rPr lang="en-US" altLang="zh-CN" dirty="0"/>
+              <a:t>else:</a:t>
+            </a:r>
+          </a:p>
+          <a:p>
+            <a:r>
+              <a:rPr lang="en-US" altLang="zh-CN" dirty="0"/>
+              <a:t>  </a:t>
+            </a:r>
+            <a:r>
+              <a:rPr lang="zh-CN" altLang="en-US" dirty="0"/>
               <a:t>代码</a:t>
             </a:r>
-            <a:endParaRPr lang="en-US" altLang="zh-CN" dirty="0" smtClean="0"/>
-          </a:p>
-          <a:p>
-            <a:r>
-              <a:rPr lang="en-US" altLang="zh-CN" dirty="0"/>
-              <a:t>e</a:t>
-            </a:r>
-            <a:r>
-              <a:rPr lang="en-US" altLang="zh-CN" dirty="0" smtClean="0"/>
-              <a:t>lse:</a:t>
-            </a:r>
-          </a:p>
-          <a:p>
-            <a:r>
-              <a:rPr lang="en-US" altLang="zh-CN" dirty="0"/>
-              <a:t> </a:t>
-            </a:r>
-            <a:r>
-              <a:rPr lang="en-US" altLang="zh-CN" dirty="0" smtClean="0"/>
-              <a:t> </a:t>
-            </a:r>
-            <a:r>
-              <a:rPr lang="zh-CN" altLang="en-US" dirty="0" smtClean="0"/>
-              <a:t>代码</a:t>
-            </a:r>
-            <a:endParaRPr lang="en-US" altLang="zh-CN" dirty="0" smtClean="0"/>
-          </a:p>
-          <a:p>
-            <a:r>
-              <a:rPr lang="zh-CN" altLang="en-US" dirty="0"/>
-              <a:t>三</a:t>
-            </a:r>
-            <a:r>
-              <a:rPr lang="zh-CN" altLang="en-US" dirty="0" smtClean="0"/>
-              <a:t>元表达式：</a:t>
-            </a:r>
-            <a:r>
-              <a:rPr lang="en-US" altLang="zh-CN" dirty="0" smtClean="0"/>
+            <a:endParaRPr lang="en-US" altLang="zh-CN" dirty="0"/>
+          </a:p>
+          <a:p>
+            <a:r>
+              <a:rPr lang="zh-CN" altLang="en-US" dirty="0"/>
+              <a:t>三元表达式：</a:t>
+            </a:r>
+            <a:r>
+              <a:rPr lang="en-US" altLang="zh-CN" dirty="0"/>
               <a:t>A= ‘a’ if </a:t>
             </a:r>
             <a:r>
-              <a:rPr lang="zh-CN" altLang="en-US" dirty="0" smtClean="0"/>
+              <a:rPr lang="zh-CN" altLang="en-US" dirty="0"/>
               <a:t>表达式 </a:t>
             </a:r>
             <a:r>
-              <a:rPr lang="en-US" altLang="zh-CN" dirty="0" smtClean="0"/>
+              <a:rPr lang="en-US" altLang="zh-CN" dirty="0"/>
               <a:t>else ‘b’</a:t>
             </a:r>
           </a:p>
@@ -7570,14 +7503,13 @@
           <a:lstStyle/>
           <a:p>
             <a:r>
-              <a:rPr lang="en-US" altLang="zh-CN" dirty="0" smtClean="0"/>
+              <a:rPr lang="en-US" altLang="zh-CN" dirty="0"/>
               <a:t>While</a:t>
             </a:r>
             <a:r>
-              <a:rPr lang="zh-CN" altLang="en-US" dirty="0" smtClean="0"/>
+              <a:rPr lang="zh-CN" altLang="en-US" dirty="0"/>
               <a:t>循环</a:t>
             </a:r>
-            <a:endParaRPr lang="zh-CN" altLang="en-US" dirty="0"/>
           </a:p>
         </p:txBody>
       </p:sp>
@@ -7597,111 +7529,95 @@
           <a:lstStyle/>
           <a:p>
             <a:r>
-              <a:rPr lang="zh-CN" altLang="en-US" dirty="0" smtClean="0"/>
+              <a:rPr lang="zh-CN" altLang="en-US" dirty="0"/>
               <a:t>基本格式</a:t>
             </a:r>
             <a:r>
-              <a:rPr lang="en-US" altLang="zh-CN" dirty="0" smtClean="0"/>
+              <a:rPr lang="en-US" altLang="zh-CN" dirty="0"/>
               <a:t>:</a:t>
             </a:r>
           </a:p>
           <a:p>
             <a:r>
               <a:rPr lang="en-US" altLang="zh-CN" dirty="0"/>
-              <a:t>  </a:t>
-            </a:r>
-            <a:r>
-              <a:rPr lang="en-US" altLang="zh-CN" dirty="0" smtClean="0"/>
-              <a:t> while &lt;</a:t>
-            </a:r>
-            <a:r>
-              <a:rPr lang="zh-CN" altLang="en-US" dirty="0" smtClean="0"/>
+              <a:t>   while &lt;</a:t>
+            </a:r>
+            <a:r>
+              <a:rPr lang="zh-CN" altLang="en-US" dirty="0"/>
               <a:t>表达式</a:t>
             </a:r>
             <a:r>
-              <a:rPr lang="en-US" altLang="zh-CN" dirty="0" smtClean="0"/>
+              <a:rPr lang="en-US" altLang="zh-CN" dirty="0"/>
               <a:t>&gt;:</a:t>
             </a:r>
           </a:p>
           <a:p>
             <a:r>
               <a:rPr lang="en-US" altLang="zh-CN" dirty="0"/>
-              <a:t> </a:t>
-            </a:r>
-            <a:r>
-              <a:rPr lang="en-US" altLang="zh-CN" dirty="0" smtClean="0"/>
-              <a:t>      &lt;statement&gt;</a:t>
-            </a:r>
-          </a:p>
-          <a:p>
-            <a:r>
-              <a:rPr lang="en-US" altLang="zh-CN" dirty="0"/>
-              <a:t> </a:t>
-            </a:r>
-            <a:r>
-              <a:rPr lang="en-US" altLang="zh-CN" dirty="0" smtClean="0"/>
-              <a:t>  else:</a:t>
-            </a:r>
-          </a:p>
-          <a:p>
-            <a:r>
-              <a:rPr lang="en-US" altLang="zh-CN" dirty="0"/>
-              <a:t> </a:t>
-            </a:r>
-            <a:r>
-              <a:rPr lang="en-US" altLang="zh-CN" dirty="0" smtClean="0"/>
-              <a:t>      &lt;statement&gt;</a:t>
-            </a:r>
-          </a:p>
-          <a:p>
-            <a:r>
-              <a:rPr lang="en-US" altLang="zh-CN" dirty="0" smtClean="0"/>
+              <a:t>       &lt;statement&gt;</a:t>
+            </a:r>
+          </a:p>
+          <a:p>
+            <a:r>
+              <a:rPr lang="en-US" altLang="zh-CN" dirty="0"/>
+              <a:t>   else:</a:t>
+            </a:r>
+          </a:p>
+          <a:p>
+            <a:r>
+              <a:rPr lang="en-US" altLang="zh-CN" dirty="0"/>
+              <a:t>       &lt;statement&gt;</a:t>
+            </a:r>
+          </a:p>
+          <a:p>
+            <a:r>
+              <a:rPr lang="en-US" altLang="zh-CN" dirty="0"/>
               <a:t>Break </a:t>
             </a:r>
             <a:r>
-              <a:rPr lang="zh-CN" altLang="en-US" dirty="0" smtClean="0"/>
+              <a:rPr lang="zh-CN" altLang="en-US" dirty="0"/>
               <a:t>跳出循环或者表达式不为真时跳出循环；</a:t>
             </a:r>
-            <a:endParaRPr lang="en-US" altLang="zh-CN" dirty="0" smtClean="0"/>
-          </a:p>
-          <a:p>
-            <a:r>
-              <a:rPr lang="zh-CN" altLang="en-US" dirty="0" smtClean="0"/>
+            <a:endParaRPr lang="en-US" altLang="zh-CN" dirty="0"/>
+          </a:p>
+          <a:p>
+            <a:r>
+              <a:rPr lang="zh-CN" altLang="en-US" dirty="0"/>
               <a:t>使用</a:t>
             </a:r>
             <a:r>
-              <a:rPr lang="en-US" altLang="zh-CN" dirty="0" smtClean="0"/>
+              <a:rPr lang="en-US" altLang="zh-CN" dirty="0"/>
               <a:t>break</a:t>
             </a:r>
             <a:r>
-              <a:rPr lang="zh-CN" altLang="en-US" dirty="0" smtClean="0"/>
+              <a:rPr lang="zh-CN" altLang="en-US" dirty="0"/>
               <a:t>后不会执行</a:t>
             </a:r>
             <a:r>
-              <a:rPr lang="en-US" altLang="zh-CN" dirty="0" smtClean="0"/>
+              <a:rPr lang="en-US" altLang="zh-CN" dirty="0"/>
               <a:t>else</a:t>
             </a:r>
             <a:r>
-              <a:rPr lang="zh-CN" altLang="en-US" dirty="0" smtClean="0"/>
+              <a:rPr lang="zh-CN" altLang="en-US" dirty="0"/>
               <a:t>内代码，表达式为</a:t>
             </a:r>
             <a:r>
-              <a:rPr lang="en-US" altLang="zh-CN" dirty="0" smtClean="0"/>
+              <a:rPr lang="en-US" altLang="zh-CN" dirty="0"/>
               <a:t>false</a:t>
             </a:r>
             <a:r>
-              <a:rPr lang="zh-CN" altLang="en-US" dirty="0" smtClean="0"/>
+              <a:rPr lang="zh-CN" altLang="en-US" dirty="0"/>
               <a:t>跳出循环时会执行</a:t>
             </a:r>
             <a:r>
-              <a:rPr lang="en-US" altLang="zh-CN" dirty="0" smtClean="0"/>
+              <a:rPr lang="en-US" altLang="zh-CN" dirty="0"/>
               <a:t>else</a:t>
             </a:r>
             <a:r>
-              <a:rPr lang="zh-CN" altLang="en-US" dirty="0" smtClean="0"/>
+              <a:rPr lang="zh-CN" altLang="en-US" dirty="0"/>
               <a:t>内代码</a:t>
             </a:r>
-            <a:endParaRPr lang="en-US" altLang="zh-CN" dirty="0" smtClean="0"/>
+            <a:endParaRPr lang="en-US" altLang="zh-CN" dirty="0"/>
           </a:p>
         </p:txBody>
       </p:sp>
@@ -7752,17 +7668,12 @@
           <a:p>
             <a:r>
               <a:rPr lang="en-US" altLang="zh-CN" dirty="0"/>
-              <a:t>f</a:t>
-            </a:r>
-            <a:r>
-              <a:rPr lang="en-US" altLang="zh-CN" dirty="0" smtClean="0"/>
-              <a:t>or</a:t>
-            </a:r>
-            <a:r>
-              <a:rPr lang="zh-CN" altLang="en-US" dirty="0" smtClean="0"/>
+              <a:t>for</a:t>
+            </a:r>
+            <a:r>
+              <a:rPr lang="zh-CN" altLang="en-US" dirty="0"/>
               <a:t>循环</a:t>
             </a:r>
-            <a:endParaRPr lang="zh-CN" altLang="en-US" dirty="0"/>
           </a:p>
         </p:txBody>
       </p:sp>
@@ -7782,69 +7693,45 @@
           <a:lstStyle/>
           <a:p>
             <a:r>
-              <a:rPr lang="zh-CN" altLang="en-US" dirty="0" smtClean="0"/>
+              <a:rPr lang="zh-CN" altLang="en-US" dirty="0"/>
               <a:t>基本格式：</a:t>
             </a:r>
-            <a:endParaRPr lang="en-US" altLang="zh-CN" dirty="0" smtClean="0"/>
-          </a:p>
-          <a:p>
-            <a:r>
-              <a:rPr lang="en-US" altLang="zh-CN" dirty="0"/>
-              <a:t> </a:t>
-            </a:r>
-            <a:r>
-              <a:rPr lang="en-US" altLang="zh-CN" dirty="0" smtClean="0"/>
-              <a:t> for &lt;target&gt; in &lt;object&gt;:</a:t>
-            </a:r>
-          </a:p>
-          <a:p>
-            <a:r>
-              <a:rPr lang="en-US" altLang="zh-CN" dirty="0"/>
-              <a:t> </a:t>
-            </a:r>
-            <a:r>
-              <a:rPr lang="en-US" altLang="zh-CN" dirty="0" smtClean="0"/>
-              <a:t>     &lt;statement&gt;</a:t>
-            </a:r>
-          </a:p>
-          <a:p>
-            <a:r>
-              <a:rPr lang="en-US" altLang="zh-CN" dirty="0"/>
-              <a:t> </a:t>
-            </a:r>
-            <a:r>
-              <a:rPr lang="en-US" altLang="zh-CN" dirty="0" smtClean="0"/>
-              <a:t>     if &lt;test&gt;:break;</a:t>
-            </a:r>
-          </a:p>
-          <a:p>
-            <a:r>
-              <a:rPr lang="en-US" altLang="zh-CN" dirty="0"/>
-              <a:t> </a:t>
-            </a:r>
-            <a:r>
-              <a:rPr lang="en-US" altLang="zh-CN" dirty="0" smtClean="0"/>
-              <a:t>     if &lt;test&gt;:continue;</a:t>
-            </a:r>
-          </a:p>
-          <a:p>
-            <a:r>
-              <a:rPr lang="en-US" altLang="zh-CN" dirty="0"/>
-              <a:t> </a:t>
-            </a:r>
-            <a:r>
-              <a:rPr lang="en-US" altLang="zh-CN" dirty="0" smtClean="0"/>
-              <a:t> else:</a:t>
-            </a:r>
-          </a:p>
-          <a:p>
-            <a:r>
-              <a:rPr lang="en-US" altLang="zh-CN" dirty="0"/>
-              <a:t> </a:t>
-            </a:r>
-            <a:r>
-              <a:rPr lang="en-US" altLang="zh-CN" dirty="0" smtClean="0"/>
-              <a:t>     &lt;statement&gt;</a:t>
+            <a:endParaRPr lang="en-US" altLang="zh-CN" dirty="0"/>
+          </a:p>
+          <a:p>
+            <a:r>
+              <a:rPr lang="en-US" altLang="zh-CN" dirty="0"/>
+              <a:t>  for &lt;target&gt; in &lt;object&gt;:</a:t>
+            </a:r>
+          </a:p>
+          <a:p>
+            <a:r>
+              <a:rPr lang="en-US" altLang="zh-CN" dirty="0"/>
+              <a:t>      &lt;statement&gt;</a:t>
+            </a:r>
+          </a:p>
+          <a:p>
+            <a:r>
+              <a:rPr lang="en-US" altLang="zh-CN" dirty="0"/>
+              <a:t>      if &lt;test&gt;:break;</a:t>
+            </a:r>
+          </a:p>
+          <a:p>
+            <a:r>
+              <a:rPr lang="en-US" altLang="zh-CN" dirty="0"/>
+              <a:t>      if &lt;test&gt;:continue;</a:t>
+            </a:r>
+          </a:p>
+          <a:p>
+            <a:r>
+              <a:rPr lang="en-US" altLang="zh-CN" dirty="0"/>
+              <a:t>  else:</a:t>
+            </a:r>
+          </a:p>
+          <a:p>
+            <a:r>
+              <a:rPr lang="en-US" altLang="zh-CN" dirty="0"/>
+              <a:t>      &lt;statement&gt;</a:t>
             </a:r>
           </a:p>
           <a:p>
@@ -7866,15 +7753,7 @@
             </a:r>
             <a:r>
               <a:rPr lang="zh-CN" altLang="en-US" dirty="0"/>
-              <a:t>内代码</a:t>
-            </a:r>
-            <a:r>
-              <a:rPr lang="zh-CN" altLang="en-US" dirty="0" smtClean="0"/>
-              <a:t>，循环执行结束时</a:t>
-            </a:r>
-            <a:r>
-              <a:rPr lang="zh-CN" altLang="en-US" dirty="0"/>
-              <a:t>会执行</a:t>
+              <a:t>内代码，循环执行结束时会执行</a:t>
             </a:r>
             <a:r>
               <a:rPr lang="en-US" altLang="zh-CN" dirty="0"/>
@@ -7890,10 +7769,10 @@
             <a:pPr marL="0" indent="0">
               <a:buNone/>
             </a:pPr>
-            <a:endParaRPr lang="en-US" altLang="zh-CN" dirty="0" smtClean="0"/>
-          </a:p>
-          <a:p>
-            <a:endParaRPr lang="en-US" altLang="zh-CN" dirty="0" smtClean="0"/>
+            <a:endParaRPr lang="en-US" altLang="zh-CN" dirty="0"/>
+          </a:p>
+          <a:p>
+            <a:endParaRPr lang="en-US" altLang="zh-CN" dirty="0"/>
           </a:p>
         </p:txBody>
       </p:sp>
@@ -7943,14 +7822,13 @@
           <a:lstStyle/>
           <a:p>
             <a:r>
-              <a:rPr lang="en-US" altLang="zh-CN" dirty="0" smtClean="0"/>
+              <a:rPr lang="en-US" altLang="zh-CN" dirty="0"/>
               <a:t>Python</a:t>
             </a:r>
             <a:r>
-              <a:rPr lang="zh-CN" altLang="en-US" dirty="0" smtClean="0"/>
+              <a:rPr lang="zh-CN" altLang="en-US" dirty="0"/>
               <a:t>是什么？</a:t>
             </a:r>
-            <a:endParaRPr lang="zh-CN" altLang="en-US" dirty="0"/>
           </a:p>
         </p:txBody>
       </p:sp>
@@ -7975,13 +7853,9 @@
             </a:r>
             <a:r>
               <a:rPr lang="zh-CN" altLang="en-US" dirty="0"/>
-              <a:t>是一个高层次的结合了解释性、编译性、互动性和面向对象的脚本</a:t>
-            </a:r>
-            <a:r>
-              <a:rPr lang="zh-CN" altLang="en-US" dirty="0" smtClean="0"/>
-              <a:t>语言。</a:t>
-            </a:r>
-            <a:endParaRPr lang="en-US" altLang="zh-CN" dirty="0" smtClean="0"/>
+              <a:t>是一个高层次的结合了解释性、编译性、互动性和面向对象的脚本语言。</a:t>
+            </a:r>
+            <a:endParaRPr lang="en-US" altLang="zh-CN" dirty="0"/>
           </a:p>
           <a:p>
             <a:r>
@@ -7994,13 +7868,9 @@
             </a:r>
             <a:r>
               <a:rPr lang="zh-CN" altLang="en-US" dirty="0"/>
-              <a:t> 这意味着开发过程中没有了编译这个</a:t>
-            </a:r>
-            <a:r>
-              <a:rPr lang="zh-CN" altLang="en-US" dirty="0" smtClean="0"/>
-              <a:t>环节；</a:t>
-            </a:r>
-            <a:endParaRPr lang="en-US" altLang="zh-CN" dirty="0" smtClean="0"/>
+              <a:t> 这意味着开发过程中没有了编译这个环节；</a:t>
+            </a:r>
+            <a:endParaRPr lang="en-US" altLang="zh-CN" dirty="0"/>
           </a:p>
           <a:p>
             <a:r>
@@ -8021,13 +7891,9 @@
             </a:r>
             <a:r>
               <a:rPr lang="zh-CN" altLang="en-US" dirty="0"/>
-              <a:t>提示符，直接互动执行写你的</a:t>
-            </a:r>
-            <a:r>
-              <a:rPr lang="zh-CN" altLang="en-US" dirty="0" smtClean="0"/>
-              <a:t>程序；</a:t>
-            </a:r>
-            <a:endParaRPr lang="en-US" altLang="zh-CN" dirty="0" smtClean="0"/>
+              <a:t>提示符，直接互动执行写你的程序；</a:t>
+            </a:r>
+            <a:endParaRPr lang="en-US" altLang="zh-CN" dirty="0"/>
           </a:p>
           <a:p>
             <a:r>
@@ -8067,13 +7933,6 @@
   <p:clrMapOvr>
     <a:masterClrMapping/>
   </p:clrMapOvr>
-  <p:timing>
-    <p:tnLst>
-      <p:par>
-        <p:cTn id="1" dur="indefinite" restart="never" nodeType="tmRoot"/>
-      </p:par>
-    </p:tnLst>
-  </p:timing>
 </p:sld>
 </file>
 
@@ -8110,10 +7969,9 @@
           <a:lstStyle/>
           <a:p>
             <a:r>
-              <a:rPr lang="zh-CN" altLang="en-US" dirty="0" smtClean="0"/>
+              <a:rPr lang="zh-CN" altLang="en-US" dirty="0"/>
               <a:t>内置函数</a:t>
             </a:r>
-            <a:endParaRPr lang="zh-CN" altLang="en-US" dirty="0"/>
           </a:p>
         </p:txBody>
       </p:sp>
@@ -8133,54 +7991,54 @@
           <a:lstStyle/>
           <a:p>
             <a:r>
-              <a:rPr lang="en-US" altLang="zh-CN" dirty="0" smtClean="0"/>
+              <a:rPr lang="en-US" altLang="zh-CN" dirty="0"/>
               <a:t>Range:</a:t>
             </a:r>
             <a:r>
-              <a:rPr lang="zh-CN" altLang="en-US" dirty="0" smtClean="0"/>
+              <a:rPr lang="zh-CN" altLang="en-US" dirty="0"/>
               <a:t>生成序列列表 </a:t>
             </a:r>
             <a:r>
-              <a:rPr lang="en-US" altLang="zh-CN" dirty="0" smtClean="0"/>
+              <a:rPr lang="en-US" altLang="zh-CN" dirty="0"/>
               <a:t>range(</a:t>
             </a:r>
             <a:r>
-              <a:rPr lang="en-US" altLang="zh-CN" dirty="0" err="1" smtClean="0"/>
+              <a:rPr lang="en-US" altLang="zh-CN" dirty="0" err="1"/>
               <a:t>start,stop,step</a:t>
             </a:r>
             <a:r>
-              <a:rPr lang="en-US" altLang="zh-CN" dirty="0" smtClean="0"/>
+              <a:rPr lang="en-US" altLang="zh-CN" dirty="0"/>
               <a:t>) </a:t>
             </a:r>
             <a:r>
-              <a:rPr lang="zh-CN" altLang="en-US" dirty="0" smtClean="0"/>
+              <a:rPr lang="zh-CN" altLang="en-US" dirty="0"/>
               <a:t>用于</a:t>
             </a:r>
             <a:r>
-              <a:rPr lang="en-US" altLang="zh-CN" dirty="0" smtClean="0"/>
+              <a:rPr lang="en-US" altLang="zh-CN" dirty="0"/>
               <a:t>for</a:t>
             </a:r>
             <a:r>
-              <a:rPr lang="zh-CN" altLang="en-US" dirty="0" smtClean="0"/>
+              <a:rPr lang="zh-CN" altLang="en-US" dirty="0"/>
               <a:t>循环</a:t>
             </a:r>
-            <a:endParaRPr lang="en-US" altLang="zh-CN" dirty="0" smtClean="0"/>
-          </a:p>
-          <a:p>
-            <a:r>
-              <a:rPr lang="en-US" altLang="zh-CN" dirty="0" smtClean="0"/>
+            <a:endParaRPr lang="en-US" altLang="zh-CN" dirty="0"/>
+          </a:p>
+          <a:p>
+            <a:r>
+              <a:rPr lang="en-US" altLang="zh-CN" dirty="0"/>
               <a:t>   for </a:t>
             </a:r>
             <a:r>
-              <a:rPr lang="en-US" altLang="zh-CN" dirty="0" err="1" smtClean="0"/>
+              <a:rPr lang="en-US" altLang="zh-CN" dirty="0" err="1"/>
               <a:t>i</a:t>
             </a:r>
             <a:r>
-              <a:rPr lang="en-US" altLang="zh-CN" dirty="0" smtClean="0"/>
+              <a:rPr lang="en-US" altLang="zh-CN" dirty="0"/>
               <a:t> in range(0,6,2):print I  ---</a:t>
             </a:r>
             <a:r>
-              <a:rPr lang="en-US" altLang="zh-CN" dirty="0" smtClean="0">
+              <a:rPr lang="en-US" altLang="zh-CN" dirty="0">
                 <a:sym typeface="Wingdings" panose="05000000000000000000" pitchFamily="2" charset="2"/>
               </a:rPr>
               <a:t>  0 2 4 6</a:t>
@@ -8188,36 +8046,36 @@
           </a:p>
           <a:p>
             <a:r>
-              <a:rPr lang="en-US" altLang="zh-CN" dirty="0" smtClean="0"/>
+              <a:rPr lang="en-US" altLang="zh-CN" dirty="0"/>
               <a:t>Zip:</a:t>
             </a:r>
             <a:r>
-              <a:rPr lang="zh-CN" altLang="en-US" dirty="0" smtClean="0"/>
+              <a:rPr lang="zh-CN" altLang="en-US" dirty="0"/>
               <a:t>将并排的元素进行配对 </a:t>
             </a:r>
-            <a:endParaRPr lang="en-US" altLang="zh-CN" dirty="0" smtClean="0"/>
-          </a:p>
-          <a:p>
-            <a:r>
-              <a:rPr lang="en-US" altLang="zh-CN" dirty="0" smtClean="0"/>
+            <a:endParaRPr lang="en-US" altLang="zh-CN" dirty="0"/>
+          </a:p>
+          <a:p>
+            <a:r>
+              <a:rPr lang="en-US" altLang="zh-CN" dirty="0"/>
               <a:t>   L1=[1,2,3,4,5] L2=[‘</a:t>
             </a:r>
             <a:r>
-              <a:rPr lang="en-US" altLang="zh-CN" dirty="0" err="1" smtClean="0"/>
+              <a:rPr lang="en-US" altLang="zh-CN" dirty="0" err="1"/>
               <a:t>a’,’b’,’c’,’d’,’e</a:t>
             </a:r>
             <a:r>
-              <a:rPr lang="en-US" altLang="zh-CN" dirty="0" smtClean="0"/>
+              <a:rPr lang="en-US" altLang="zh-CN" dirty="0"/>
               <a:t>’] L3=zip(L1,L2)</a:t>
             </a:r>
           </a:p>
           <a:p>
             <a:r>
-              <a:rPr lang="en-US" altLang="zh-CN" dirty="0" smtClean="0"/>
+              <a:rPr lang="en-US" altLang="zh-CN" dirty="0"/>
               <a:t>   Print(list(L3))----</a:t>
             </a:r>
             <a:r>
-              <a:rPr lang="en-US" altLang="zh-CN" dirty="0" smtClean="0">
+              <a:rPr lang="en-US" altLang="zh-CN" dirty="0">
                 <a:sym typeface="Wingdings" panose="05000000000000000000" pitchFamily="2" charset="2"/>
               </a:rPr>
               <a:t>[(1,’a’),(2,’b’),(3,’c’),(4,’d’),(5,’e’)] </a:t>
@@ -8225,49 +8083,49 @@
           </a:p>
           <a:p>
             <a:r>
-              <a:rPr lang="zh-CN" altLang="en-US" dirty="0" smtClean="0">
+              <a:rPr lang="zh-CN" altLang="en-US" dirty="0">
                 <a:sym typeface="Wingdings" panose="05000000000000000000" pitchFamily="2" charset="2"/>
               </a:rPr>
               <a:t>  用于</a:t>
             </a:r>
             <a:r>
-              <a:rPr lang="en-US" altLang="zh-CN" dirty="0" smtClean="0">
+              <a:rPr lang="en-US" altLang="zh-CN" dirty="0">
                 <a:sym typeface="Wingdings" panose="05000000000000000000" pitchFamily="2" charset="2"/>
               </a:rPr>
               <a:t>for</a:t>
             </a:r>
             <a:r>
-              <a:rPr lang="zh-CN" altLang="en-US" dirty="0" smtClean="0">
+              <a:rPr lang="zh-CN" altLang="en-US" dirty="0">
                 <a:sym typeface="Wingdings" panose="05000000000000000000" pitchFamily="2" charset="2"/>
               </a:rPr>
               <a:t>循环：</a:t>
             </a:r>
             <a:r>
-              <a:rPr lang="en-US" altLang="zh-CN" dirty="0" smtClean="0">
+              <a:rPr lang="en-US" altLang="zh-CN" dirty="0">
                 <a:sym typeface="Wingdings" panose="05000000000000000000" pitchFamily="2" charset="2"/>
               </a:rPr>
               <a:t>for </a:t>
             </a:r>
             <a:r>
-              <a:rPr lang="en-US" altLang="zh-CN" dirty="0" err="1" smtClean="0">
+              <a:rPr lang="en-US" altLang="zh-CN" dirty="0" err="1">
                 <a:sym typeface="Wingdings" panose="05000000000000000000" pitchFamily="2" charset="2"/>
               </a:rPr>
               <a:t>a,b</a:t>
             </a:r>
             <a:r>
-              <a:rPr lang="en-US" altLang="zh-CN" dirty="0" smtClean="0">
+              <a:rPr lang="en-US" altLang="zh-CN" dirty="0">
                 <a:sym typeface="Wingdings" panose="05000000000000000000" pitchFamily="2" charset="2"/>
               </a:rPr>
               <a:t> in zip(L1,L2):print(</a:t>
             </a:r>
             <a:r>
-              <a:rPr lang="en-US" altLang="zh-CN" dirty="0" err="1" smtClean="0">
+              <a:rPr lang="en-US" altLang="zh-CN" dirty="0" err="1">
                 <a:sym typeface="Wingdings" panose="05000000000000000000" pitchFamily="2" charset="2"/>
               </a:rPr>
               <a:t>a,b</a:t>
             </a:r>
             <a:r>
-              <a:rPr lang="en-US" altLang="zh-CN" dirty="0" smtClean="0">
+              <a:rPr lang="en-US" altLang="zh-CN" dirty="0">
                 <a:sym typeface="Wingdings" panose="05000000000000000000" pitchFamily="2" charset="2"/>
               </a:rPr>
               <a:t>)</a:t>
@@ -8278,34 +8136,28 @@
               <a:rPr lang="en-US" altLang="zh-CN" dirty="0">
                 <a:sym typeface="Wingdings" panose="05000000000000000000" pitchFamily="2" charset="2"/>
               </a:rPr>
-              <a:t>e</a:t>
-            </a:r>
-            <a:r>
-              <a:rPr lang="en-US" altLang="zh-CN" dirty="0" smtClean="0">
-                <a:sym typeface="Wingdings" panose="05000000000000000000" pitchFamily="2" charset="2"/>
-              </a:rPr>
-              <a:t>numerate:</a:t>
-            </a:r>
-            <a:r>
-              <a:rPr lang="zh-CN" altLang="en-US" dirty="0" smtClean="0">
+              <a:t>enumerate:</a:t>
+            </a:r>
+            <a:r>
+              <a:rPr lang="zh-CN" altLang="en-US" dirty="0">
                 <a:sym typeface="Wingdings" panose="05000000000000000000" pitchFamily="2" charset="2"/>
               </a:rPr>
               <a:t>产偏移和元素  </a:t>
             </a:r>
             <a:r>
-              <a:rPr lang="en-US" altLang="zh-CN" dirty="0" smtClean="0">
+              <a:rPr lang="en-US" altLang="zh-CN" dirty="0">
                 <a:sym typeface="Wingdings" panose="05000000000000000000" pitchFamily="2" charset="2"/>
               </a:rPr>
               <a:t>enumerate(</a:t>
             </a:r>
             <a:r>
-              <a:rPr lang="en-US" altLang="zh-CN" dirty="0" err="1" smtClean="0">
+              <a:rPr lang="en-US" altLang="zh-CN" dirty="0" err="1">
                 <a:sym typeface="Wingdings" panose="05000000000000000000" pitchFamily="2" charset="2"/>
               </a:rPr>
               <a:t>iter,start</a:t>
             </a:r>
             <a:r>
-              <a:rPr lang="en-US" altLang="zh-CN" dirty="0" smtClean="0">
+              <a:rPr lang="en-US" altLang="zh-CN" dirty="0">
                 <a:sym typeface="Wingdings" panose="05000000000000000000" pitchFamily="2" charset="2"/>
               </a:rPr>
               <a:t>);</a:t>
@@ -8316,34 +8168,28 @@
               <a:rPr lang="en-US" altLang="zh-CN" dirty="0">
                 <a:sym typeface="Wingdings" panose="05000000000000000000" pitchFamily="2" charset="2"/>
               </a:rPr>
-              <a:t> </a:t>
-            </a:r>
-            <a:r>
-              <a:rPr lang="en-US" altLang="zh-CN" dirty="0" smtClean="0">
-                <a:sym typeface="Wingdings" panose="05000000000000000000" pitchFamily="2" charset="2"/>
-              </a:rPr>
-              <a:t>  for </a:t>
-            </a:r>
-            <a:r>
-              <a:rPr lang="en-US" altLang="zh-CN" dirty="0" err="1" smtClean="0">
+              <a:t>   for </a:t>
+            </a:r>
+            <a:r>
+              <a:rPr lang="en-US" altLang="zh-CN" dirty="0" err="1">
                 <a:sym typeface="Wingdings" panose="05000000000000000000" pitchFamily="2" charset="2"/>
               </a:rPr>
               <a:t>offet,item</a:t>
             </a:r>
             <a:r>
-              <a:rPr lang="en-US" altLang="zh-CN" dirty="0" smtClean="0">
+              <a:rPr lang="en-US" altLang="zh-CN" dirty="0">
                 <a:sym typeface="Wingdings" panose="05000000000000000000" pitchFamily="2" charset="2"/>
               </a:rPr>
               <a:t> in enumerate(range(5),1):print(</a:t>
             </a:r>
             <a:r>
-              <a:rPr lang="en-US" altLang="zh-CN" dirty="0" err="1" smtClean="0">
+              <a:rPr lang="en-US" altLang="zh-CN" dirty="0" err="1">
                 <a:sym typeface="Wingdings" panose="05000000000000000000" pitchFamily="2" charset="2"/>
               </a:rPr>
               <a:t>offet,item</a:t>
             </a:r>
             <a:r>
-              <a:rPr lang="en-US" altLang="zh-CN" dirty="0" smtClean="0">
+              <a:rPr lang="en-US" altLang="zh-CN" dirty="0">
                 <a:sym typeface="Wingdings" panose="05000000000000000000" pitchFamily="2" charset="2"/>
               </a:rPr>
               <a:t>)</a:t>
@@ -8354,17 +8200,11 @@
               <a:rPr lang="en-US" altLang="zh-CN" dirty="0">
                 <a:sym typeface="Wingdings" panose="05000000000000000000" pitchFamily="2" charset="2"/>
               </a:rPr>
-              <a:t> </a:t>
-            </a:r>
-            <a:r>
-              <a:rPr lang="en-US" altLang="zh-CN" dirty="0" smtClean="0">
-                <a:sym typeface="Wingdings" panose="05000000000000000000" pitchFamily="2" charset="2"/>
-              </a:rPr>
-              <a:t>  -----(1,0) (2,1) (3,2) (4,3) (5,4)</a:t>
-            </a:r>
-          </a:p>
-          <a:p>
-            <a:endParaRPr lang="en-US" altLang="zh-CN" dirty="0" smtClean="0">
+              <a:t>   -----(1,0) (2,1) (3,2) (4,3) (5,4)</a:t>
+            </a:r>
+          </a:p>
+          <a:p>
+            <a:endParaRPr lang="en-US" altLang="zh-CN" dirty="0">
               <a:sym typeface="Wingdings" panose="05000000000000000000" pitchFamily="2" charset="2"/>
             </a:endParaRPr>
           </a:p>
@@ -8416,10 +8256,9 @@
           <a:lstStyle/>
           <a:p>
             <a:r>
-              <a:rPr lang="zh-CN" altLang="en-US" dirty="0" smtClean="0"/>
+              <a:rPr lang="zh-CN" altLang="en-US" dirty="0"/>
               <a:t>函数基本介绍</a:t>
             </a:r>
-            <a:endParaRPr lang="zh-CN" altLang="en-US" dirty="0"/>
           </a:p>
         </p:txBody>
       </p:sp>
@@ -8439,116 +8278,108 @@
           <a:lstStyle/>
           <a:p>
             <a:r>
-              <a:rPr lang="zh-CN" altLang="en-US" dirty="0" smtClean="0"/>
+              <a:rPr lang="zh-CN" altLang="en-US" dirty="0"/>
               <a:t>书写形式</a:t>
             </a:r>
             <a:r>
-              <a:rPr lang="en-US" altLang="zh-CN" dirty="0" smtClean="0"/>
+              <a:rPr lang="en-US" altLang="zh-CN" dirty="0"/>
               <a:t>:</a:t>
             </a:r>
           </a:p>
           <a:p>
             <a:r>
-              <a:rPr lang="en-US" altLang="zh-CN" dirty="0" err="1" smtClean="0"/>
+              <a:rPr lang="en-US" altLang="zh-CN" dirty="0" err="1"/>
               <a:t>def</a:t>
             </a:r>
             <a:r>
-              <a:rPr lang="en-US" altLang="zh-CN" dirty="0" smtClean="0"/>
+              <a:rPr lang="en-US" altLang="zh-CN" dirty="0"/>
               <a:t> </a:t>
             </a:r>
             <a:r>
-              <a:rPr lang="en-US" altLang="zh-CN" dirty="0" err="1" smtClean="0"/>
+              <a:rPr lang="en-US" altLang="zh-CN" dirty="0" err="1"/>
               <a:t>addData</a:t>
             </a:r>
             <a:r>
-              <a:rPr lang="en-US" altLang="zh-CN" dirty="0" smtClean="0"/>
+              <a:rPr lang="en-US" altLang="zh-CN" dirty="0"/>
               <a:t>(</a:t>
             </a:r>
             <a:r>
-              <a:rPr lang="en-US" altLang="zh-CN" dirty="0" err="1" smtClean="0"/>
+              <a:rPr lang="en-US" altLang="zh-CN" dirty="0" err="1"/>
               <a:t>a,b</a:t>
             </a:r>
             <a:r>
-              <a:rPr lang="en-US" altLang="zh-CN" dirty="0" smtClean="0"/>
+              <a:rPr lang="en-US" altLang="zh-CN" dirty="0"/>
               <a:t>):</a:t>
             </a:r>
           </a:p>
           <a:p>
             <a:r>
               <a:rPr lang="en-US" altLang="zh-CN" dirty="0"/>
-              <a:t> </a:t>
-            </a:r>
-            <a:r>
-              <a:rPr lang="en-US" altLang="zh-CN" dirty="0" smtClean="0"/>
-              <a:t>     c=10+a+b</a:t>
-            </a:r>
-          </a:p>
-          <a:p>
-            <a:r>
-              <a:rPr lang="en-US" altLang="zh-CN" dirty="0"/>
-              <a:t> </a:t>
-            </a:r>
-            <a:r>
-              <a:rPr lang="en-US" altLang="zh-CN" dirty="0" smtClean="0"/>
-              <a:t>     return c</a:t>
-            </a:r>
-          </a:p>
-          <a:p>
-            <a:r>
-              <a:rPr lang="zh-CN" altLang="en-US" dirty="0" smtClean="0"/>
+              <a:t>      c=10+a+b</a:t>
+            </a:r>
+          </a:p>
+          <a:p>
+            <a:r>
+              <a:rPr lang="en-US" altLang="zh-CN" dirty="0"/>
+              <a:t>      return c</a:t>
+            </a:r>
+          </a:p>
+          <a:p>
+            <a:r>
+              <a:rPr lang="zh-CN" altLang="en-US" dirty="0"/>
               <a:t>函数调用</a:t>
             </a:r>
             <a:r>
-              <a:rPr lang="en-US" altLang="zh-CN" dirty="0" smtClean="0"/>
+              <a:rPr lang="en-US" altLang="zh-CN" dirty="0"/>
               <a:t>:c=</a:t>
             </a:r>
             <a:r>
-              <a:rPr lang="en-US" altLang="zh-CN" dirty="0" err="1" smtClean="0"/>
+              <a:rPr lang="en-US" altLang="zh-CN" dirty="0" err="1"/>
               <a:t>addData</a:t>
             </a:r>
             <a:r>
-              <a:rPr lang="en-US" altLang="zh-CN" dirty="0" smtClean="0"/>
+              <a:rPr lang="en-US" altLang="zh-CN" dirty="0"/>
               <a:t>(10,20)  </a:t>
             </a:r>
           </a:p>
           <a:p>
             <a:r>
-              <a:rPr lang="zh-CN" altLang="en-US" dirty="0" smtClean="0"/>
+              <a:rPr lang="zh-CN" altLang="en-US" dirty="0"/>
               <a:t>返回可以使用</a:t>
             </a:r>
             <a:r>
-              <a:rPr lang="en-US" altLang="zh-CN" dirty="0" err="1" smtClean="0"/>
+              <a:rPr lang="en-US" altLang="zh-CN" dirty="0" err="1"/>
               <a:t>return,yield</a:t>
             </a:r>
-            <a:endParaRPr lang="en-US" altLang="zh-CN" dirty="0" smtClean="0"/>
-          </a:p>
-          <a:p>
-            <a:r>
-              <a:rPr lang="zh-CN" altLang="en-US" dirty="0" smtClean="0"/>
+            <a:endParaRPr lang="en-US" altLang="zh-CN" dirty="0"/>
+          </a:p>
+          <a:p>
+            <a:r>
+              <a:rPr lang="zh-CN" altLang="en-US" dirty="0"/>
               <a:t>其他形式：</a:t>
             </a:r>
             <a:r>
-              <a:rPr lang="en-US" altLang="zh-CN" dirty="0" err="1" smtClean="0"/>
+              <a:rPr lang="en-US" altLang="zh-CN" dirty="0" err="1"/>
               <a:t>func</a:t>
             </a:r>
             <a:r>
-              <a:rPr lang="en-US" altLang="zh-CN" dirty="0" smtClean="0"/>
+              <a:rPr lang="en-US" altLang="zh-CN" dirty="0"/>
               <a:t>=</a:t>
             </a:r>
             <a:r>
-              <a:rPr lang="en-US" altLang="zh-CN" dirty="0" err="1" smtClean="0"/>
+              <a:rPr lang="en-US" altLang="zh-CN" dirty="0" err="1"/>
               <a:t>addData</a:t>
             </a:r>
             <a:r>
-              <a:rPr lang="en-US" altLang="zh-CN" dirty="0" smtClean="0"/>
+              <a:rPr lang="en-US" altLang="zh-CN" dirty="0"/>
               <a:t>            </a:t>
             </a:r>
             <a:r>
-              <a:rPr lang="en-US" altLang="zh-CN" dirty="0" err="1" smtClean="0"/>
+              <a:rPr lang="en-US" altLang="zh-CN" dirty="0" err="1"/>
               <a:t>func</a:t>
             </a:r>
             <a:r>
-              <a:rPr lang="en-US" altLang="zh-CN" dirty="0" smtClean="0"/>
+              <a:rPr lang="en-US" altLang="zh-CN" dirty="0"/>
               <a:t>(10,20)</a:t>
             </a:r>
             <a:endParaRPr lang="zh-CN" altLang="en-US" dirty="0"/>
@@ -8601,10 +8432,9 @@
           <a:lstStyle/>
           <a:p>
             <a:r>
-              <a:rPr lang="zh-CN" altLang="en-US" dirty="0" smtClean="0"/>
+              <a:rPr lang="zh-CN" altLang="en-US" dirty="0"/>
               <a:t>作用域</a:t>
             </a:r>
-            <a:endParaRPr lang="zh-CN" altLang="en-US" dirty="0"/>
           </a:p>
         </p:txBody>
       </p:sp>
@@ -8624,30 +8454,30 @@
           <a:lstStyle/>
           <a:p>
             <a:r>
-              <a:rPr lang="zh-CN" altLang="en-US" dirty="0" smtClean="0"/>
+              <a:rPr lang="zh-CN" altLang="en-US" dirty="0"/>
               <a:t>变量类型：本地变量、全局变量、内置变量；</a:t>
             </a:r>
-            <a:endParaRPr lang="en-US" altLang="zh-CN" dirty="0" smtClean="0"/>
-          </a:p>
-          <a:p>
-            <a:endParaRPr lang="en-US" altLang="zh-CN" dirty="0" smtClean="0"/>
-          </a:p>
-          <a:p>
             <a:endParaRPr lang="en-US" altLang="zh-CN" dirty="0"/>
           </a:p>
           <a:p>
-            <a:endParaRPr lang="en-US" altLang="zh-CN" dirty="0" smtClean="0"/>
-          </a:p>
-          <a:p>
             <a:endParaRPr lang="en-US" altLang="zh-CN" dirty="0"/>
           </a:p>
           <a:p>
-            <a:r>
-              <a:rPr lang="zh-CN" altLang="en-US" dirty="0" smtClean="0"/>
+            <a:endParaRPr lang="en-US" altLang="zh-CN" dirty="0"/>
+          </a:p>
+          <a:p>
+            <a:endParaRPr lang="en-US" altLang="zh-CN" dirty="0"/>
+          </a:p>
+          <a:p>
+            <a:endParaRPr lang="en-US" altLang="zh-CN" dirty="0"/>
+          </a:p>
+          <a:p>
+            <a:r>
+              <a:rPr lang="zh-CN" altLang="en-US" dirty="0"/>
               <a:t>函数内部改变全局变量值需要使用</a:t>
             </a:r>
             <a:r>
-              <a:rPr lang="en-US" altLang="zh-CN" dirty="0" smtClean="0"/>
+              <a:rPr lang="en-US" altLang="zh-CN" dirty="0"/>
               <a:t>global</a:t>
             </a:r>
             <a:endParaRPr lang="zh-CN" altLang="en-US" dirty="0"/>
@@ -8748,10 +8578,9 @@
           <a:lstStyle/>
           <a:p>
             <a:r>
-              <a:rPr lang="zh-CN" altLang="en-US" dirty="0" smtClean="0"/>
+              <a:rPr lang="zh-CN" altLang="en-US" dirty="0"/>
               <a:t>闭包</a:t>
             </a:r>
-            <a:endParaRPr lang="zh-CN" altLang="en-US" dirty="0"/>
           </a:p>
         </p:txBody>
       </p:sp>
@@ -8772,14 +8601,10 @@
           <a:p>
             <a:r>
               <a:rPr lang="zh-CN" altLang="en-US" dirty="0"/>
-              <a:t>表现</a:t>
-            </a:r>
-            <a:r>
-              <a:rPr lang="zh-CN" altLang="en-US" dirty="0" smtClean="0"/>
-              <a:t>形式</a:t>
-            </a:r>
-            <a:r>
-              <a:rPr lang="en-US" altLang="zh-CN" dirty="0" smtClean="0"/>
+              <a:t>表现形式</a:t>
+            </a:r>
+            <a:r>
+              <a:rPr lang="en-US" altLang="zh-CN" dirty="0"/>
               <a:t>:</a:t>
             </a:r>
           </a:p>
@@ -8787,34 +8612,34 @@
             <a:endParaRPr lang="en-US" altLang="zh-CN" dirty="0"/>
           </a:p>
           <a:p>
-            <a:endParaRPr lang="en-US" altLang="zh-CN" dirty="0" smtClean="0"/>
-          </a:p>
-          <a:p>
             <a:endParaRPr lang="en-US" altLang="zh-CN" dirty="0"/>
           </a:p>
           <a:p>
-            <a:endParaRPr lang="en-US" altLang="zh-CN" dirty="0" smtClean="0"/>
-          </a:p>
-          <a:p>
-            <a:r>
-              <a:rPr lang="zh-CN" altLang="en-US" dirty="0" smtClean="0"/>
+            <a:endParaRPr lang="en-US" altLang="zh-CN" dirty="0"/>
+          </a:p>
+          <a:p>
+            <a:endParaRPr lang="en-US" altLang="zh-CN" dirty="0"/>
+          </a:p>
+          <a:p>
+            <a:r>
+              <a:rPr lang="zh-CN" altLang="en-US" dirty="0"/>
               <a:t>调用</a:t>
             </a:r>
             <a:r>
-              <a:rPr lang="en-US" altLang="zh-CN" dirty="0" smtClean="0"/>
+              <a:rPr lang="en-US" altLang="zh-CN" dirty="0"/>
               <a:t>:f=</a:t>
             </a:r>
             <a:r>
-              <a:rPr lang="en-US" altLang="zh-CN" dirty="0" err="1" smtClean="0"/>
+              <a:rPr lang="en-US" altLang="zh-CN" dirty="0" err="1"/>
               <a:t>make_filter</a:t>
             </a:r>
             <a:r>
-              <a:rPr lang="en-US" altLang="zh-CN" dirty="0" smtClean="0"/>
+              <a:rPr lang="en-US" altLang="zh-CN" dirty="0"/>
               <a:t>(‘test’)   f(‘a.txt’)  f(‘b.txt’)</a:t>
             </a:r>
           </a:p>
           <a:p>
-            <a:endParaRPr lang="en-US" altLang="zh-CN" dirty="0" smtClean="0"/>
+            <a:endParaRPr lang="en-US" altLang="zh-CN" dirty="0"/>
           </a:p>
         </p:txBody>
       </p:sp>
@@ -8888,10 +8713,9 @@
           <a:lstStyle/>
           <a:p>
             <a:r>
-              <a:rPr lang="zh-CN" altLang="en-US" dirty="0" smtClean="0"/>
+              <a:rPr lang="zh-CN" altLang="en-US" dirty="0"/>
               <a:t>函数参数</a:t>
             </a:r>
-            <a:endParaRPr lang="zh-CN" altLang="en-US" dirty="0"/>
           </a:p>
         </p:txBody>
       </p:sp>
@@ -8911,113 +8735,113 @@
           <a:lstStyle/>
           <a:p>
             <a:r>
-              <a:rPr lang="zh-CN" altLang="en-US" dirty="0" smtClean="0"/>
+              <a:rPr lang="zh-CN" altLang="en-US" dirty="0"/>
               <a:t>基本形式</a:t>
             </a:r>
             <a:r>
-              <a:rPr lang="en-US" altLang="zh-CN" dirty="0" smtClean="0"/>
+              <a:rPr lang="en-US" altLang="zh-CN" dirty="0"/>
               <a:t>:</a:t>
             </a:r>
             <a:r>
-              <a:rPr lang="en-US" altLang="zh-CN" dirty="0" err="1" smtClean="0"/>
+              <a:rPr lang="en-US" altLang="zh-CN" dirty="0" err="1"/>
               <a:t>def</a:t>
             </a:r>
             <a:r>
-              <a:rPr lang="en-US" altLang="zh-CN" dirty="0" smtClean="0"/>
+              <a:rPr lang="en-US" altLang="zh-CN" dirty="0"/>
               <a:t> add(</a:t>
             </a:r>
             <a:r>
-              <a:rPr lang="en-US" altLang="zh-CN" dirty="0" err="1" smtClean="0"/>
+              <a:rPr lang="en-US" altLang="zh-CN" dirty="0" err="1"/>
               <a:t>a,b,c</a:t>
             </a:r>
             <a:r>
-              <a:rPr lang="en-US" altLang="zh-CN" dirty="0" smtClean="0"/>
+              <a:rPr lang="en-US" altLang="zh-CN" dirty="0"/>
               <a:t>)       </a:t>
             </a:r>
             <a:r>
-              <a:rPr lang="zh-CN" altLang="en-US" dirty="0" smtClean="0"/>
+              <a:rPr lang="zh-CN" altLang="en-US" dirty="0"/>
               <a:t>一般调用</a:t>
             </a:r>
             <a:r>
-              <a:rPr lang="en-US" altLang="zh-CN" dirty="0" smtClean="0"/>
+              <a:rPr lang="en-US" altLang="zh-CN" dirty="0"/>
               <a:t>:add(1,2,3) </a:t>
             </a:r>
             <a:r>
-              <a:rPr lang="zh-CN" altLang="en-US" dirty="0" smtClean="0"/>
+              <a:rPr lang="zh-CN" altLang="en-US" dirty="0"/>
               <a:t>关键字调用 </a:t>
             </a:r>
             <a:r>
-              <a:rPr lang="en-US" altLang="zh-CN" dirty="0" smtClean="0"/>
+              <a:rPr lang="en-US" altLang="zh-CN" dirty="0"/>
               <a:t>add(b=2,c=3,a=1)</a:t>
             </a:r>
           </a:p>
           <a:p>
             <a:r>
-              <a:rPr lang="zh-CN" altLang="en-US" dirty="0" smtClean="0"/>
+              <a:rPr lang="zh-CN" altLang="en-US" dirty="0"/>
               <a:t>默认参数形式</a:t>
             </a:r>
             <a:r>
-              <a:rPr lang="en-US" altLang="zh-CN" dirty="0" smtClean="0"/>
+              <a:rPr lang="en-US" altLang="zh-CN" dirty="0"/>
               <a:t>:</a:t>
             </a:r>
             <a:r>
-              <a:rPr lang="en-US" altLang="zh-CN" dirty="0" err="1" smtClean="0"/>
+              <a:rPr lang="en-US" altLang="zh-CN" dirty="0" err="1"/>
               <a:t>def</a:t>
             </a:r>
             <a:r>
-              <a:rPr lang="en-US" altLang="zh-CN" dirty="0" smtClean="0"/>
+              <a:rPr lang="en-US" altLang="zh-CN" dirty="0"/>
               <a:t> add(</a:t>
             </a:r>
             <a:r>
-              <a:rPr lang="en-US" altLang="zh-CN" dirty="0" err="1" smtClean="0"/>
+              <a:rPr lang="en-US" altLang="zh-CN" dirty="0" err="1"/>
               <a:t>a,b</a:t>
             </a:r>
             <a:r>
-              <a:rPr lang="en-US" altLang="zh-CN" dirty="0" smtClean="0"/>
+              <a:rPr lang="en-US" altLang="zh-CN" dirty="0"/>
               <a:t>=2,c=3) </a:t>
             </a:r>
             <a:r>
-              <a:rPr lang="zh-CN" altLang="en-US" dirty="0" smtClean="0"/>
+              <a:rPr lang="zh-CN" altLang="en-US" dirty="0"/>
               <a:t>一般调用</a:t>
             </a:r>
             <a:r>
-              <a:rPr lang="en-US" altLang="zh-CN" dirty="0" smtClean="0"/>
+              <a:rPr lang="en-US" altLang="zh-CN" dirty="0"/>
               <a:t>:add(1),add(1,5),add(1,6,4)</a:t>
             </a:r>
           </a:p>
           <a:p>
             <a:r>
-              <a:rPr lang="zh-CN" altLang="en-US" dirty="0" smtClean="0"/>
+              <a:rPr lang="zh-CN" altLang="en-US" dirty="0"/>
               <a:t>可变参数：</a:t>
             </a:r>
             <a:r>
-              <a:rPr lang="en-US" altLang="zh-CN" dirty="0" err="1" smtClean="0"/>
+              <a:rPr lang="en-US" altLang="zh-CN" dirty="0" err="1"/>
               <a:t>def</a:t>
             </a:r>
             <a:r>
-              <a:rPr lang="en-US" altLang="zh-CN" dirty="0" smtClean="0"/>
+              <a:rPr lang="en-US" altLang="zh-CN" dirty="0"/>
               <a:t> add(*</a:t>
             </a:r>
             <a:r>
-              <a:rPr lang="en-US" altLang="zh-CN" dirty="0" err="1" smtClean="0"/>
+              <a:rPr lang="en-US" altLang="zh-CN" dirty="0" err="1"/>
               <a:t>args</a:t>
             </a:r>
             <a:r>
-              <a:rPr lang="en-US" altLang="zh-CN" dirty="0" smtClean="0"/>
+              <a:rPr lang="en-US" altLang="zh-CN" dirty="0"/>
               <a:t>)  </a:t>
             </a:r>
             <a:r>
-              <a:rPr lang="zh-CN" altLang="en-US" dirty="0" smtClean="0"/>
+              <a:rPr lang="zh-CN" altLang="en-US" dirty="0"/>
               <a:t>调用</a:t>
             </a:r>
             <a:r>
-              <a:rPr lang="en-US" altLang="zh-CN" dirty="0" smtClean="0"/>
+              <a:rPr lang="en-US" altLang="zh-CN" dirty="0"/>
               <a:t>:add(1,2,3,4,5)</a:t>
             </a:r>
           </a:p>
           <a:p>
             <a:r>
-              <a:rPr lang="zh-CN" altLang="en-US" dirty="0" smtClean="0"/>
+              <a:rPr lang="zh-CN" altLang="en-US" dirty="0"/>
               <a:t>可变参数键值对形式</a:t>
             </a:r>
             <a:r>
@@ -9025,40 +8849,40 @@
               <a:t> </a:t>
             </a:r>
             <a:r>
-              <a:rPr lang="en-US" altLang="zh-CN" dirty="0" err="1" smtClean="0"/>
+              <a:rPr lang="en-US" altLang="zh-CN" dirty="0" err="1"/>
               <a:t>def</a:t>
             </a:r>
             <a:r>
-              <a:rPr lang="en-US" altLang="zh-CN" dirty="0" smtClean="0"/>
+              <a:rPr lang="en-US" altLang="zh-CN" dirty="0"/>
               <a:t> add(**</a:t>
             </a:r>
             <a:r>
-              <a:rPr lang="en-US" altLang="zh-CN" dirty="0" err="1" smtClean="0"/>
+              <a:rPr lang="en-US" altLang="zh-CN" dirty="0" err="1"/>
               <a:t>kwargs</a:t>
             </a:r>
             <a:r>
-              <a:rPr lang="en-US" altLang="zh-CN" dirty="0" smtClean="0"/>
+              <a:rPr lang="en-US" altLang="zh-CN" dirty="0"/>
               <a:t>)  </a:t>
             </a:r>
             <a:r>
-              <a:rPr lang="zh-CN" altLang="en-US" dirty="0" smtClean="0"/>
+              <a:rPr lang="zh-CN" altLang="en-US" dirty="0"/>
               <a:t>调用</a:t>
             </a:r>
             <a:r>
-              <a:rPr lang="en-US" altLang="zh-CN" dirty="0" smtClean="0"/>
+              <a:rPr lang="en-US" altLang="zh-CN" dirty="0"/>
               <a:t>:add(name=‘</a:t>
             </a:r>
             <a:r>
-              <a:rPr lang="en-US" altLang="zh-CN" dirty="0" err="1" smtClean="0"/>
+              <a:rPr lang="en-US" altLang="zh-CN" dirty="0" err="1"/>
               <a:t>test’,age</a:t>
             </a:r>
             <a:r>
-              <a:rPr lang="en-US" altLang="zh-CN" dirty="0" smtClean="0"/>
+              <a:rPr lang="en-US" altLang="zh-CN" dirty="0"/>
               <a:t>=20)</a:t>
             </a:r>
           </a:p>
           <a:p>
-            <a:endParaRPr lang="en-US" altLang="zh-CN" dirty="0" smtClean="0"/>
+            <a:endParaRPr lang="en-US" altLang="zh-CN" dirty="0"/>
           </a:p>
         </p:txBody>
       </p:sp>
@@ -9108,14 +8932,13 @@
           <a:lstStyle/>
           <a:p>
             <a:r>
-              <a:rPr lang="en-US" altLang="zh-CN" dirty="0" smtClean="0"/>
+              <a:rPr lang="en-US" altLang="zh-CN" dirty="0"/>
               <a:t>Lambda</a:t>
             </a:r>
             <a:r>
-              <a:rPr lang="zh-CN" altLang="en-US" dirty="0" smtClean="0"/>
+              <a:rPr lang="zh-CN" altLang="en-US" dirty="0"/>
               <a:t>表达式</a:t>
             </a:r>
-            <a:endParaRPr lang="zh-CN" altLang="en-US" dirty="0"/>
           </a:p>
         </p:txBody>
       </p:sp>
@@ -9135,42 +8958,38 @@
           <a:lstStyle/>
           <a:p>
             <a:r>
-              <a:rPr lang="zh-CN" altLang="en-US" dirty="0" smtClean="0"/>
+              <a:rPr lang="zh-CN" altLang="en-US" dirty="0"/>
               <a:t>基本形式</a:t>
             </a:r>
             <a:r>
-              <a:rPr lang="en-US" altLang="zh-CN" dirty="0" smtClean="0"/>
+              <a:rPr lang="en-US" altLang="zh-CN" dirty="0"/>
               <a:t>: lambda </a:t>
             </a:r>
             <a:r>
-              <a:rPr lang="en-US" altLang="zh-CN" dirty="0" err="1" smtClean="0"/>
+              <a:rPr lang="en-US" altLang="zh-CN" dirty="0" err="1"/>
               <a:t>x,y,z:x+y+z</a:t>
             </a:r>
-            <a:endParaRPr lang="en-US" altLang="zh-CN" dirty="0" smtClean="0"/>
-          </a:p>
-          <a:p>
-            <a:r>
-              <a:rPr lang="en-US" altLang="zh-CN" dirty="0" smtClean="0"/>
-              <a:t>F=</a:t>
-            </a:r>
-            <a:r>
-              <a:rPr lang="en-US" altLang="zh-CN" dirty="0"/>
-              <a:t>lambda </a:t>
-            </a:r>
-            <a:r>
-              <a:rPr lang="en-US" altLang="zh-CN" dirty="0" err="1" smtClean="0"/>
+            <a:endParaRPr lang="en-US" altLang="zh-CN" dirty="0"/>
+          </a:p>
+          <a:p>
+            <a:r>
+              <a:rPr lang="en-US" altLang="zh-CN" dirty="0"/>
+              <a:t>F=lambda </a:t>
+            </a:r>
+            <a:r>
+              <a:rPr lang="en-US" altLang="zh-CN" dirty="0" err="1"/>
               <a:t>x,y,z:x+y+z</a:t>
             </a:r>
             <a:r>
-              <a:rPr lang="zh-CN" altLang="en-US" dirty="0" smtClean="0"/>
+              <a:rPr lang="zh-CN" altLang="en-US" dirty="0"/>
               <a:t>        </a:t>
             </a:r>
             <a:r>
-              <a:rPr lang="en-US" altLang="zh-CN" dirty="0" smtClean="0"/>
+              <a:rPr lang="en-US" altLang="zh-CN" dirty="0"/>
               <a:t>F(1,4,5)-</a:t>
             </a:r>
             <a:r>
-              <a:rPr lang="en-US" altLang="zh-CN" dirty="0" smtClean="0">
+              <a:rPr lang="en-US" altLang="zh-CN" dirty="0">
                 <a:sym typeface="Wingdings" panose="05000000000000000000" pitchFamily="2" charset="2"/>
               </a:rPr>
               <a:t>10</a:t>
@@ -9178,33 +8997,33 @@
           </a:p>
           <a:p>
             <a:r>
-              <a:rPr lang="zh-CN" altLang="en-US" dirty="0" smtClean="0"/>
+              <a:rPr lang="zh-CN" altLang="en-US" dirty="0"/>
               <a:t>书写简洁，可以放到不能出现</a:t>
             </a:r>
             <a:r>
-              <a:rPr lang="en-US" altLang="zh-CN" dirty="0" err="1" smtClean="0"/>
+              <a:rPr lang="en-US" altLang="zh-CN" dirty="0" err="1"/>
               <a:t>def</a:t>
             </a:r>
             <a:r>
-              <a:rPr lang="zh-CN" altLang="en-US" dirty="0" smtClean="0"/>
+              <a:rPr lang="zh-CN" altLang="en-US" dirty="0"/>
               <a:t>的地方进行使用</a:t>
             </a:r>
-            <a:endParaRPr lang="en-US" altLang="zh-CN" dirty="0" smtClean="0"/>
-          </a:p>
-          <a:p>
             <a:endParaRPr lang="en-US" altLang="zh-CN" dirty="0"/>
           </a:p>
           <a:p>
-            <a:endParaRPr lang="en-US" altLang="zh-CN" dirty="0" smtClean="0"/>
-          </a:p>
-          <a:p>
             <a:endParaRPr lang="en-US" altLang="zh-CN" dirty="0"/>
           </a:p>
           <a:p>
-            <a:endParaRPr lang="en-US" altLang="zh-CN" dirty="0" smtClean="0"/>
-          </a:p>
-          <a:p>
-            <a:endParaRPr lang="en-US" altLang="zh-CN" dirty="0" smtClean="0"/>
+            <a:endParaRPr lang="en-US" altLang="zh-CN" dirty="0"/>
+          </a:p>
+          <a:p>
+            <a:endParaRPr lang="en-US" altLang="zh-CN" dirty="0"/>
+          </a:p>
+          <a:p>
+            <a:endParaRPr lang="en-US" altLang="zh-CN" dirty="0"/>
+          </a:p>
+          <a:p>
+            <a:endParaRPr lang="en-US" altLang="zh-CN" dirty="0"/>
           </a:p>
           <a:p>
             <a:endParaRPr lang="en-US" altLang="zh-CN" dirty="0"/>
@@ -9282,17 +9101,12 @@
           <a:p>
             <a:r>
               <a:rPr lang="en-US" altLang="zh-CN" dirty="0"/>
-              <a:t>m</a:t>
-            </a:r>
-            <a:r>
-              <a:rPr lang="en-US" altLang="zh-CN" dirty="0" smtClean="0"/>
-              <a:t>ap</a:t>
-            </a:r>
-            <a:r>
-              <a:rPr lang="zh-CN" altLang="en-US" dirty="0" smtClean="0"/>
+              <a:t>map</a:t>
+            </a:r>
+            <a:r>
+              <a:rPr lang="zh-CN" altLang="en-US" dirty="0"/>
               <a:t>函数</a:t>
             </a:r>
-            <a:endParaRPr lang="zh-CN" altLang="en-US" dirty="0"/>
           </a:p>
         </p:txBody>
       </p:sp>
@@ -9312,40 +9126,40 @@
           <a:lstStyle/>
           <a:p>
             <a:r>
-              <a:rPr lang="zh-CN" altLang="en-US" dirty="0" smtClean="0"/>
+              <a:rPr lang="zh-CN" altLang="en-US" dirty="0"/>
               <a:t>功能：对列表或者其他序列内的每一个元素进行同一个操作并把结果集合起来；</a:t>
             </a:r>
-            <a:endParaRPr lang="en-US" altLang="zh-CN" dirty="0" smtClean="0"/>
-          </a:p>
-          <a:p>
-            <a:r>
-              <a:rPr lang="en-US" altLang="zh-CN" dirty="0" smtClean="0"/>
+            <a:endParaRPr lang="en-US" altLang="zh-CN" dirty="0"/>
+          </a:p>
+          <a:p>
+            <a:r>
+              <a:rPr lang="en-US" altLang="zh-CN" dirty="0"/>
               <a:t>Counter=[1,2,3,4]  </a:t>
             </a:r>
             <a:r>
-              <a:rPr lang="en-US" altLang="zh-CN" dirty="0" err="1" smtClean="0"/>
+              <a:rPr lang="en-US" altLang="zh-CN" dirty="0" err="1"/>
               <a:t>def</a:t>
             </a:r>
             <a:r>
-              <a:rPr lang="en-US" altLang="zh-CN" dirty="0" smtClean="0"/>
+              <a:rPr lang="en-US" altLang="zh-CN" dirty="0"/>
               <a:t> add(x):return x+10     map(</a:t>
             </a:r>
             <a:r>
-              <a:rPr lang="en-US" altLang="zh-CN" dirty="0" err="1" smtClean="0"/>
+              <a:rPr lang="en-US" altLang="zh-CN" dirty="0" err="1"/>
               <a:t>add,Counter</a:t>
             </a:r>
             <a:r>
-              <a:rPr lang="en-US" altLang="zh-CN" dirty="0" smtClean="0"/>
+              <a:rPr lang="en-US" altLang="zh-CN" dirty="0"/>
               <a:t>)-&gt;[11,12,13,14]</a:t>
             </a:r>
           </a:p>
           <a:p>
             <a:r>
-              <a:rPr lang="en-US" altLang="zh-CN" dirty="0" smtClean="0"/>
+              <a:rPr lang="en-US" altLang="zh-CN" dirty="0"/>
               <a:t>map(lambda x:x+10,Counter)  -</a:t>
             </a:r>
             <a:r>
-              <a:rPr lang="en-US" altLang="zh-CN" dirty="0" smtClean="0">
+              <a:rPr lang="en-US" altLang="zh-CN" dirty="0">
                 <a:sym typeface="Wingdings" panose="05000000000000000000" pitchFamily="2" charset="2"/>
               </a:rPr>
               <a:t>[11,12,13,14]</a:t>
@@ -9353,13 +9167,13 @@
           </a:p>
           <a:p>
             <a:r>
-              <a:rPr lang="zh-CN" altLang="en-US" dirty="0" smtClean="0">
+              <a:rPr lang="zh-CN" altLang="en-US" dirty="0">
                 <a:sym typeface="Wingdings" panose="05000000000000000000" pitchFamily="2" charset="2"/>
               </a:rPr>
               <a:t>如果参数为多个序列</a:t>
             </a:r>
             <a:r>
-              <a:rPr lang="en-US" altLang="zh-CN" dirty="0" smtClean="0">
+              <a:rPr lang="en-US" altLang="zh-CN" dirty="0">
                 <a:sym typeface="Wingdings" panose="05000000000000000000" pitchFamily="2" charset="2"/>
               </a:rPr>
               <a:t>:</a:t>
@@ -9367,19 +9181,19 @@
           </a:p>
           <a:p>
             <a:r>
-              <a:rPr lang="en-US" altLang="zh-CN" dirty="0" smtClean="0">
+              <a:rPr lang="en-US" altLang="zh-CN" dirty="0">
                 <a:sym typeface="Wingdings" panose="05000000000000000000" pitchFamily="2" charset="2"/>
               </a:rPr>
               <a:t>L1=[1,2,3]  L2=[2,3,4]                  power(2,3) ---8(2</a:t>
             </a:r>
             <a:r>
-              <a:rPr lang="zh-CN" altLang="en-US" dirty="0" smtClean="0">
+              <a:rPr lang="zh-CN" altLang="en-US" dirty="0">
                 <a:sym typeface="Wingdings" panose="05000000000000000000" pitchFamily="2" charset="2"/>
               </a:rPr>
               <a:t>的三次方</a:t>
             </a:r>
             <a:r>
-              <a:rPr lang="en-US" altLang="zh-CN" dirty="0" smtClean="0">
+              <a:rPr lang="en-US" altLang="zh-CN" dirty="0">
                 <a:sym typeface="Wingdings" panose="05000000000000000000" pitchFamily="2" charset="2"/>
               </a:rPr>
               <a:t>)</a:t>
@@ -9387,17 +9201,17 @@
           </a:p>
           <a:p>
             <a:r>
-              <a:rPr lang="en-US" altLang="zh-CN" dirty="0" smtClean="0">
+              <a:rPr lang="en-US" altLang="zh-CN" dirty="0">
                 <a:sym typeface="Wingdings" panose="05000000000000000000" pitchFamily="2" charset="2"/>
               </a:rPr>
               <a:t>map(power,L1,L2)</a:t>
             </a:r>
             <a:r>
-              <a:rPr lang="en-US" altLang="zh-CN" dirty="0" smtClean="0"/>
+              <a:rPr lang="en-US" altLang="zh-CN" dirty="0"/>
               <a:t> ----</a:t>
             </a:r>
             <a:r>
-              <a:rPr lang="en-US" altLang="zh-CN" dirty="0" smtClean="0">
+              <a:rPr lang="en-US" altLang="zh-CN" dirty="0">
                 <a:sym typeface="Wingdings" panose="05000000000000000000" pitchFamily="2" charset="2"/>
               </a:rPr>
               <a:t>[1,8,81]</a:t>
@@ -9405,31 +9219,31 @@
           </a:p>
           <a:p>
             <a:r>
-              <a:rPr lang="zh-CN" altLang="en-US" dirty="0" smtClean="0">
+              <a:rPr lang="zh-CN" altLang="en-US" dirty="0">
                 <a:sym typeface="Wingdings" panose="05000000000000000000" pitchFamily="2" charset="2"/>
               </a:rPr>
               <a:t>返回的是</a:t>
             </a:r>
             <a:r>
-              <a:rPr lang="en-US" altLang="zh-CN" dirty="0" smtClean="0">
+              <a:rPr lang="en-US" altLang="zh-CN" dirty="0">
                 <a:sym typeface="Wingdings" panose="05000000000000000000" pitchFamily="2" charset="2"/>
               </a:rPr>
               <a:t>map</a:t>
             </a:r>
             <a:r>
-              <a:rPr lang="zh-CN" altLang="en-US" dirty="0" smtClean="0">
+              <a:rPr lang="zh-CN" altLang="en-US" dirty="0">
                 <a:sym typeface="Wingdings" panose="05000000000000000000" pitchFamily="2" charset="2"/>
               </a:rPr>
               <a:t>对象，需要通过</a:t>
             </a:r>
             <a:r>
-              <a:rPr lang="en-US" altLang="zh-CN" dirty="0" smtClean="0">
+              <a:rPr lang="en-US" altLang="zh-CN" dirty="0">
                 <a:sym typeface="Wingdings" panose="05000000000000000000" pitchFamily="2" charset="2"/>
               </a:rPr>
               <a:t>list</a:t>
             </a:r>
             <a:r>
-              <a:rPr lang="zh-CN" altLang="en-US" dirty="0" smtClean="0">
+              <a:rPr lang="zh-CN" altLang="en-US" dirty="0">
                 <a:sym typeface="Wingdings" panose="05000000000000000000" pitchFamily="2" charset="2"/>
               </a:rPr>
               <a:t>强制转换获取数据</a:t>
@@ -9485,25 +9299,20 @@
           <a:p>
             <a:r>
               <a:rPr lang="en-US" altLang="zh-CN" dirty="0"/>
-              <a:t>f</a:t>
-            </a:r>
-            <a:r>
-              <a:rPr lang="en-US" altLang="zh-CN" dirty="0" smtClean="0"/>
-              <a:t>ilter</a:t>
-            </a:r>
-            <a:r>
-              <a:rPr lang="zh-CN" altLang="en-US" dirty="0" smtClean="0"/>
+              <a:t>filter</a:t>
+            </a:r>
+            <a:r>
+              <a:rPr lang="zh-CN" altLang="en-US" dirty="0"/>
               <a:t>和</a:t>
             </a:r>
             <a:r>
-              <a:rPr lang="en-US" altLang="zh-CN" dirty="0" smtClean="0"/>
+              <a:rPr lang="en-US" altLang="zh-CN" dirty="0"/>
               <a:t>reduce</a:t>
             </a:r>
             <a:r>
-              <a:rPr lang="zh-CN" altLang="en-US" dirty="0" smtClean="0"/>
+              <a:rPr lang="zh-CN" altLang="en-US" dirty="0"/>
               <a:t>函数</a:t>
             </a:r>
-            <a:endParaRPr lang="zh-CN" altLang="en-US" dirty="0"/>
           </a:p>
         </p:txBody>
       </p:sp>
@@ -9524,50 +9333,42 @@
           <a:p>
             <a:r>
               <a:rPr lang="en-US" altLang="zh-CN" dirty="0"/>
-              <a:t>f</a:t>
-            </a:r>
-            <a:r>
-              <a:rPr lang="en-US" altLang="zh-CN" dirty="0" smtClean="0"/>
-              <a:t>ilter</a:t>
-            </a:r>
-            <a:r>
-              <a:rPr lang="zh-CN" altLang="en-US" dirty="0" smtClean="0"/>
+              <a:t>filter</a:t>
+            </a:r>
+            <a:r>
+              <a:rPr lang="zh-CN" altLang="en-US" dirty="0"/>
               <a:t>过滤函数：对于序列进行同一操作得到复合条件的数据</a:t>
             </a:r>
             <a:r>
-              <a:rPr lang="en-US" altLang="zh-CN" dirty="0" smtClean="0"/>
+              <a:rPr lang="en-US" altLang="zh-CN" dirty="0"/>
               <a:t>;</a:t>
             </a:r>
           </a:p>
           <a:p>
             <a:r>
               <a:rPr lang="zh-CN" altLang="en-US" dirty="0"/>
-              <a:t>基本</a:t>
-            </a:r>
-            <a:r>
-              <a:rPr lang="zh-CN" altLang="en-US" dirty="0" smtClean="0"/>
-              <a:t>形式</a:t>
-            </a:r>
-            <a:r>
-              <a:rPr lang="en-US" altLang="zh-CN" dirty="0" smtClean="0"/>
+              <a:t>基本形式</a:t>
+            </a:r>
+            <a:r>
+              <a:rPr lang="en-US" altLang="zh-CN" dirty="0"/>
               <a:t>:filter(</a:t>
             </a:r>
             <a:r>
-              <a:rPr lang="en-US" altLang="zh-CN" dirty="0" err="1" smtClean="0"/>
+              <a:rPr lang="en-US" altLang="zh-CN" dirty="0" err="1"/>
               <a:t>f,iter</a:t>
             </a:r>
             <a:r>
-              <a:rPr lang="en-US" altLang="zh-CN" dirty="0" smtClean="0"/>
+              <a:rPr lang="en-US" altLang="zh-CN" dirty="0"/>
               <a:t>)</a:t>
             </a:r>
           </a:p>
           <a:p>
             <a:r>
-              <a:rPr lang="en-US" altLang="zh-CN" dirty="0" smtClean="0"/>
+              <a:rPr lang="en-US" altLang="zh-CN" dirty="0"/>
               <a:t>filter(lambda x:x&gt;0,[-1,-5,1,4,5])-------</a:t>
             </a:r>
             <a:r>
-              <a:rPr lang="en-US" altLang="zh-CN" dirty="0" smtClean="0">
+              <a:rPr lang="en-US" altLang="zh-CN" dirty="0">
                 <a:sym typeface="Wingdings" panose="05000000000000000000" pitchFamily="2" charset="2"/>
               </a:rPr>
               <a:t>[1,4,5]</a:t>
@@ -9578,51 +9379,45 @@
               <a:rPr lang="en-US" altLang="zh-CN" dirty="0">
                 <a:sym typeface="Wingdings" panose="05000000000000000000" pitchFamily="2" charset="2"/>
               </a:rPr>
-              <a:t>r</a:t>
-            </a:r>
-            <a:r>
-              <a:rPr lang="en-US" altLang="zh-CN" dirty="0" smtClean="0">
-                <a:sym typeface="Wingdings" panose="05000000000000000000" pitchFamily="2" charset="2"/>
-              </a:rPr>
-              <a:t>educe</a:t>
-            </a:r>
-            <a:r>
-              <a:rPr lang="zh-CN" altLang="en-US" dirty="0" smtClean="0">
+              <a:t>reduce</a:t>
+            </a:r>
+            <a:r>
+              <a:rPr lang="zh-CN" altLang="en-US" dirty="0">
                 <a:sym typeface="Wingdings" panose="05000000000000000000" pitchFamily="2" charset="2"/>
               </a:rPr>
               <a:t>函数：序列内的元素依次两两应用函数把得到的值与序列的下一个元素再应用函数，直到序列尾部，得出最后结果；</a:t>
             </a:r>
-            <a:endParaRPr lang="en-US" altLang="zh-CN" dirty="0" smtClean="0">
+            <a:endParaRPr lang="en-US" altLang="zh-CN" dirty="0">
               <a:sym typeface="Wingdings" panose="05000000000000000000" pitchFamily="2" charset="2"/>
             </a:endParaRPr>
           </a:p>
           <a:p>
             <a:r>
-              <a:rPr lang="en-US" altLang="zh-CN" dirty="0" smtClean="0">
+              <a:rPr lang="en-US" altLang="zh-CN" dirty="0">
                 <a:sym typeface="Wingdings" panose="05000000000000000000" pitchFamily="2" charset="2"/>
               </a:rPr>
               <a:t>Python3</a:t>
             </a:r>
             <a:r>
-              <a:rPr lang="zh-CN" altLang="en-US" dirty="0" smtClean="0">
+              <a:rPr lang="zh-CN" altLang="en-US" dirty="0">
                 <a:sym typeface="Wingdings" panose="05000000000000000000" pitchFamily="2" charset="2"/>
               </a:rPr>
               <a:t>内 </a:t>
             </a:r>
             <a:r>
-              <a:rPr lang="en-US" altLang="zh-CN" dirty="0" smtClean="0">
+              <a:rPr lang="en-US" altLang="zh-CN" dirty="0">
                 <a:sym typeface="Wingdings" panose="05000000000000000000" pitchFamily="2" charset="2"/>
               </a:rPr>
               <a:t>import </a:t>
             </a:r>
             <a:r>
-              <a:rPr lang="en-US" altLang="zh-CN" dirty="0" err="1" smtClean="0">
+              <a:rPr lang="en-US" altLang="zh-CN" dirty="0" err="1">
                 <a:sym typeface="Wingdings" panose="05000000000000000000" pitchFamily="2" charset="2"/>
               </a:rPr>
               <a:t>functools</a:t>
             </a:r>
             <a:r>
-              <a:rPr lang="en-US" altLang="zh-CN" dirty="0" smtClean="0">
+              <a:rPr lang="en-US" altLang="zh-CN" dirty="0">
                 <a:sym typeface="Wingdings" panose="05000000000000000000" pitchFamily="2" charset="2"/>
               </a:rPr>
               <a:t> import reduce</a:t>
@@ -9630,25 +9425,25 @@
           </a:p>
           <a:p>
             <a:r>
-              <a:rPr lang="en-US" altLang="zh-CN" dirty="0" smtClean="0">
+              <a:rPr lang="en-US" altLang="zh-CN" dirty="0">
                 <a:sym typeface="Wingdings" panose="05000000000000000000" pitchFamily="2" charset="2"/>
               </a:rPr>
               <a:t>reduce(lambda </a:t>
             </a:r>
             <a:r>
-              <a:rPr lang="en-US" altLang="zh-CN" dirty="0" err="1" smtClean="0">
+              <a:rPr lang="en-US" altLang="zh-CN" dirty="0" err="1">
                 <a:sym typeface="Wingdings" panose="05000000000000000000" pitchFamily="2" charset="2"/>
               </a:rPr>
               <a:t>x,y:x+y</a:t>
             </a:r>
             <a:r>
-              <a:rPr lang="en-US" altLang="zh-CN" dirty="0" smtClean="0">
+              <a:rPr lang="en-US" altLang="zh-CN" dirty="0">
                 <a:sym typeface="Wingdings" panose="05000000000000000000" pitchFamily="2" charset="2"/>
               </a:rPr>
               <a:t>,[1,2,3,4],-1) -----10     </a:t>
             </a:r>
             <a:r>
-              <a:rPr lang="zh-CN" altLang="en-US" dirty="0" smtClean="0">
+              <a:rPr lang="zh-CN" altLang="en-US" dirty="0">
                 <a:sym typeface="Wingdings" panose="05000000000000000000" pitchFamily="2" charset="2"/>
               </a:rPr>
               <a:t>第三个参数为可选参数</a:t>
@@ -9703,10 +9498,9 @@
           <a:lstStyle/>
           <a:p>
             <a:r>
-              <a:rPr lang="zh-CN" altLang="en-US" dirty="0" smtClean="0"/>
+              <a:rPr lang="zh-CN" altLang="en-US" dirty="0"/>
               <a:t>列表解析式</a:t>
             </a:r>
-            <a:endParaRPr lang="zh-CN" altLang="en-US" dirty="0"/>
           </a:p>
         </p:txBody>
       </p:sp>
@@ -9726,40 +9520,36 @@
           <a:lstStyle/>
           <a:p>
             <a:r>
-              <a:rPr lang="zh-CN" altLang="en-US" dirty="0" smtClean="0"/>
+              <a:rPr lang="zh-CN" altLang="en-US" dirty="0"/>
               <a:t>它可以根据已有列表高效的创建新的列表；</a:t>
             </a:r>
-            <a:endParaRPr lang="en-US" altLang="zh-CN" dirty="0" smtClean="0"/>
-          </a:p>
-          <a:p>
-            <a:r>
-              <a:rPr lang="zh-CN" altLang="en-US" dirty="0"/>
-              <a:t>基本</a:t>
-            </a:r>
-            <a:r>
-              <a:rPr lang="zh-CN" altLang="en-US" dirty="0" smtClean="0"/>
-              <a:t>形式：</a:t>
-            </a:r>
-            <a:r>
-              <a:rPr lang="en-US" altLang="zh-CN" dirty="0" smtClean="0"/>
+            <a:endParaRPr lang="en-US" altLang="zh-CN" dirty="0"/>
+          </a:p>
+          <a:p>
+            <a:r>
+              <a:rPr lang="zh-CN" altLang="en-US" dirty="0"/>
+              <a:t>基本形式：</a:t>
+            </a:r>
+            <a:r>
+              <a:rPr lang="en-US" altLang="zh-CN" dirty="0"/>
               <a:t>[x+5 for x in L]  L</a:t>
             </a:r>
             <a:r>
-              <a:rPr lang="zh-CN" altLang="en-US" dirty="0" smtClean="0"/>
+              <a:rPr lang="zh-CN" altLang="en-US" dirty="0"/>
               <a:t>为一个可迭代的类型数据</a:t>
             </a:r>
             <a:r>
-              <a:rPr lang="en-US" altLang="zh-CN" dirty="0" smtClean="0"/>
+              <a:rPr lang="en-US" altLang="zh-CN" dirty="0"/>
               <a:t>;</a:t>
             </a:r>
           </a:p>
           <a:p>
             <a:r>
-              <a:rPr lang="zh-CN" altLang="en-US" dirty="0" smtClean="0"/>
+              <a:rPr lang="zh-CN" altLang="en-US" dirty="0"/>
               <a:t>写法比较</a:t>
             </a:r>
             <a:r>
-              <a:rPr lang="en-US" altLang="zh-CN" dirty="0" smtClean="0"/>
+              <a:rPr lang="en-US" altLang="zh-CN" dirty="0"/>
               <a:t>:</a:t>
             </a:r>
           </a:p>
@@ -9862,10 +9652,9 @@
           <a:lstStyle/>
           <a:p>
             <a:r>
-              <a:rPr lang="zh-CN" altLang="en-US" dirty="0" smtClean="0"/>
+              <a:rPr lang="zh-CN" altLang="en-US" dirty="0"/>
               <a:t>迭代器</a:t>
             </a:r>
-            <a:endParaRPr lang="zh-CN" altLang="en-US" dirty="0"/>
           </a:p>
         </p:txBody>
       </p:sp>
@@ -9885,95 +9674,91 @@
           <a:lstStyle/>
           <a:p>
             <a:r>
-              <a:rPr lang="zh-CN" altLang="en-US" dirty="0" smtClean="0"/>
+              <a:rPr lang="zh-CN" altLang="en-US" dirty="0"/>
               <a:t>迭代器对象从第一个元素开始访问，直到最后，只能往前不能后退；</a:t>
             </a:r>
-            <a:endParaRPr lang="en-US" altLang="zh-CN" dirty="0" smtClean="0"/>
-          </a:p>
-          <a:p>
-            <a:r>
-              <a:rPr lang="zh-CN" altLang="en-US" dirty="0"/>
-              <a:t>基本</a:t>
-            </a:r>
-            <a:r>
-              <a:rPr lang="zh-CN" altLang="en-US" dirty="0" smtClean="0"/>
+            <a:endParaRPr lang="en-US" altLang="zh-CN" dirty="0"/>
+          </a:p>
+          <a:p>
+            <a:r>
+              <a:rPr lang="zh-CN" altLang="en-US" dirty="0"/>
+              <a:t>基本方法</a:t>
+            </a:r>
+            <a:r>
+              <a:rPr lang="en-US" altLang="zh-CN" dirty="0"/>
+              <a:t>:</a:t>
+            </a:r>
+            <a:r>
+              <a:rPr lang="en-US" altLang="zh-CN" dirty="0" err="1"/>
+              <a:t>iter</a:t>
+            </a:r>
+            <a:r>
+              <a:rPr lang="en-US" altLang="zh-CN" dirty="0"/>
+              <a:t>()</a:t>
+            </a:r>
+            <a:r>
+              <a:rPr lang="zh-CN" altLang="en-US" dirty="0"/>
+              <a:t>和</a:t>
+            </a:r>
+            <a:r>
+              <a:rPr lang="en-US" altLang="zh-CN" dirty="0"/>
+              <a:t>next();</a:t>
+            </a:r>
+          </a:p>
+          <a:p>
+            <a:r>
+              <a:rPr lang="zh-CN" altLang="en-US" dirty="0"/>
+              <a:t>到达尾部，继续</a:t>
+            </a:r>
+            <a:r>
+              <a:rPr lang="en-US" altLang="zh-CN" dirty="0"/>
+              <a:t>next()</a:t>
+            </a:r>
+            <a:r>
+              <a:rPr lang="zh-CN" altLang="en-US" dirty="0"/>
+              <a:t>会抛出</a:t>
+            </a:r>
+            <a:r>
+              <a:rPr lang="en-US" altLang="zh-CN" dirty="0" err="1"/>
+              <a:t>StopIteration</a:t>
+            </a:r>
+            <a:r>
+              <a:rPr lang="zh-CN" altLang="en-US" dirty="0"/>
+              <a:t>异常；</a:t>
+            </a:r>
+            <a:endParaRPr lang="en-US" altLang="zh-CN" dirty="0"/>
+          </a:p>
+          <a:p>
+            <a:r>
+              <a:rPr lang="zh-CN" altLang="en-US" dirty="0"/>
+              <a:t>创建一个迭代器类必须实现</a:t>
+            </a:r>
+            <a:r>
+              <a:rPr lang="en-US" altLang="zh-CN" dirty="0"/>
+              <a:t>__</a:t>
+            </a:r>
+            <a:r>
+              <a:rPr lang="en-US" altLang="zh-CN" dirty="0" err="1"/>
+              <a:t>iter</a:t>
+            </a:r>
+            <a:r>
+              <a:rPr lang="en-US" altLang="zh-CN" dirty="0"/>
+              <a:t>__</a:t>
+            </a:r>
+            <a:r>
+              <a:rPr lang="zh-CN" altLang="en-US" dirty="0"/>
+              <a:t>和</a:t>
+            </a:r>
+            <a:r>
+              <a:rPr lang="en-US" altLang="zh-CN" dirty="0"/>
+              <a:t>__next__</a:t>
+            </a:r>
+            <a:r>
+              <a:rPr lang="zh-CN" altLang="en-US" dirty="0"/>
               <a:t>方法</a:t>
             </a:r>
             <a:r>
               <a:rPr lang="en-US" altLang="zh-CN" dirty="0"/>
-              <a:t>:</a:t>
-            </a:r>
-            <a:r>
-              <a:rPr lang="en-US" altLang="zh-CN" dirty="0" err="1" smtClean="0"/>
-              <a:t>iter</a:t>
-            </a:r>
-            <a:r>
-              <a:rPr lang="en-US" altLang="zh-CN" dirty="0" smtClean="0"/>
-              <a:t>()</a:t>
-            </a:r>
-            <a:r>
-              <a:rPr lang="zh-CN" altLang="en-US" dirty="0" smtClean="0"/>
-              <a:t>和</a:t>
-            </a:r>
-            <a:r>
-              <a:rPr lang="en-US" altLang="zh-CN" dirty="0" smtClean="0"/>
-              <a:t>next();</a:t>
-            </a:r>
-          </a:p>
-          <a:p>
-            <a:r>
-              <a:rPr lang="zh-CN" altLang="en-US" dirty="0" smtClean="0"/>
-              <a:t>到达尾部，继续</a:t>
-            </a:r>
-            <a:r>
-              <a:rPr lang="en-US" altLang="zh-CN" dirty="0" smtClean="0"/>
-              <a:t>next()</a:t>
-            </a:r>
-            <a:r>
-              <a:rPr lang="zh-CN" altLang="en-US" dirty="0" smtClean="0"/>
-              <a:t>会抛出</a:t>
-            </a:r>
-            <a:r>
-              <a:rPr lang="en-US" altLang="zh-CN" dirty="0" err="1" smtClean="0"/>
-              <a:t>StopIteration</a:t>
-            </a:r>
-            <a:r>
-              <a:rPr lang="zh-CN" altLang="en-US" dirty="0" smtClean="0"/>
-              <a:t>异常；</a:t>
-            </a:r>
-            <a:endParaRPr lang="en-US" altLang="zh-CN" dirty="0" smtClean="0"/>
-          </a:p>
-          <a:p>
-            <a:r>
-              <a:rPr lang="zh-CN" altLang="en-US" dirty="0" smtClean="0"/>
-              <a:t>创建一个迭代器类必须实现</a:t>
-            </a:r>
-            <a:r>
-              <a:rPr lang="en-US" altLang="zh-CN" dirty="0" smtClean="0"/>
-              <a:t>__</a:t>
-            </a:r>
-            <a:r>
-              <a:rPr lang="en-US" altLang="zh-CN" dirty="0" err="1" smtClean="0"/>
-              <a:t>iter</a:t>
-            </a:r>
-            <a:r>
-              <a:rPr lang="en-US" altLang="zh-CN" dirty="0" smtClean="0"/>
-              <a:t>__</a:t>
-            </a:r>
-            <a:r>
-              <a:rPr lang="zh-CN" altLang="en-US" dirty="0" smtClean="0"/>
-              <a:t>和</a:t>
-            </a:r>
-            <a:r>
-              <a:rPr lang="en-US" altLang="zh-CN" dirty="0" smtClean="0"/>
-              <a:t>__next__</a:t>
-            </a:r>
-            <a:r>
-              <a:rPr lang="zh-CN" altLang="en-US" dirty="0" smtClean="0"/>
-              <a:t>方法</a:t>
-            </a:r>
-            <a:r>
-              <a:rPr lang="en-US" altLang="zh-CN" dirty="0" smtClean="0"/>
               <a:t>;</a:t>
             </a:r>
           </a:p>
@@ -10052,14 +9837,13 @@
           <a:lstStyle/>
           <a:p>
             <a:r>
-              <a:rPr lang="en-US" altLang="zh-CN" dirty="0" smtClean="0"/>
+              <a:rPr lang="en-US" altLang="zh-CN" dirty="0"/>
               <a:t>Python</a:t>
             </a:r>
             <a:r>
-              <a:rPr lang="zh-CN" altLang="en-US" dirty="0" smtClean="0"/>
+              <a:rPr lang="zh-CN" altLang="en-US" dirty="0"/>
               <a:t>特点</a:t>
             </a:r>
-            <a:endParaRPr lang="zh-CN" altLang="en-US" dirty="0"/>
           </a:p>
         </p:txBody>
       </p:sp>
@@ -10088,13 +9872,9 @@
             </a:r>
             <a:r>
               <a:rPr lang="zh-CN" altLang="en-US" dirty="0"/>
-              <a:t>有相对较少的关键字，结构简单，和一个明确定义的语法，学习起来更加</a:t>
-            </a:r>
-            <a:r>
-              <a:rPr lang="zh-CN" altLang="en-US" dirty="0" smtClean="0"/>
-              <a:t>简单；</a:t>
-            </a:r>
-            <a:endParaRPr lang="en-US" altLang="zh-CN" dirty="0" smtClean="0"/>
+              <a:t>有相对较少的关键字，结构简单，和一个明确定义的语法，学习起来更加简单；</a:t>
+            </a:r>
+            <a:endParaRPr lang="en-US" altLang="zh-CN" dirty="0"/>
           </a:p>
           <a:p>
             <a:r>
@@ -10107,13 +9887,9 @@
             </a:r>
             <a:r>
               <a:rPr lang="zh-CN" altLang="en-US" dirty="0"/>
-              <a:t>代码定义的更</a:t>
-            </a:r>
-            <a:r>
-              <a:rPr lang="zh-CN" altLang="en-US" dirty="0" smtClean="0"/>
-              <a:t>清晰；</a:t>
-            </a:r>
-            <a:endParaRPr lang="en-US" altLang="zh-CN" dirty="0" smtClean="0"/>
+              <a:t>代码定义的更清晰；</a:t>
+            </a:r>
+            <a:endParaRPr lang="en-US" altLang="zh-CN" dirty="0"/>
           </a:p>
           <a:p>
             <a:r>
@@ -10122,13 +9898,9 @@
             </a:r>
             <a:r>
               <a:rPr lang="zh-CN" altLang="en-US" dirty="0"/>
-              <a:t>互动模式的支持，您可以从终端输入执行代码并获得结果的语言，互动的测试和调试代码</a:t>
-            </a:r>
-            <a:r>
-              <a:rPr lang="zh-CN" altLang="en-US" dirty="0" smtClean="0"/>
-              <a:t>片断；</a:t>
-            </a:r>
-            <a:endParaRPr lang="en-US" altLang="zh-CN" dirty="0" smtClean="0"/>
+              <a:t>互动模式的支持，您可以从终端输入执行代码并获得结果的语言，互动的测试和调试代码片断；</a:t>
+            </a:r>
+            <a:endParaRPr lang="en-US" altLang="zh-CN" dirty="0"/>
           </a:p>
           <a:p>
             <a:r>
@@ -10145,13 +9917,9 @@
             </a:r>
             <a:r>
               <a:rPr lang="zh-CN" altLang="en-US" dirty="0"/>
-              <a:t>已经被移植（也就是使其工作）到许多</a:t>
-            </a:r>
-            <a:r>
-              <a:rPr lang="zh-CN" altLang="en-US" dirty="0" smtClean="0"/>
-              <a:t>平台；</a:t>
-            </a:r>
-            <a:endParaRPr lang="en-US" altLang="zh-CN" dirty="0" smtClean="0"/>
+              <a:t>已经被移植（也就是使其工作）到许多平台；</a:t>
+            </a:r>
+            <a:endParaRPr lang="en-US" altLang="zh-CN" dirty="0"/>
           </a:p>
           <a:p>
             <a:r>
@@ -10188,13 +9956,8 @@
             </a:r>
             <a:r>
               <a:rPr lang="zh-CN" altLang="en-US" dirty="0"/>
-              <a:t>兼容</a:t>
-            </a:r>
-            <a:r>
-              <a:rPr lang="zh-CN" altLang="en-US" dirty="0" smtClean="0"/>
-              <a:t>很好。</a:t>
-            </a:r>
-            <a:endParaRPr lang="zh-CN" altLang="en-US" dirty="0"/>
+              <a:t>兼容很好。</a:t>
+            </a:r>
           </a:p>
         </p:txBody>
       </p:sp>
@@ -10208,13 +9971,6 @@
   <p:clrMapOvr>
     <a:masterClrMapping/>
   </p:clrMapOvr>
-  <p:timing>
-    <p:tnLst>
-      <p:par>
-        <p:cTn id="1" dur="indefinite" restart="never" nodeType="tmRoot"/>
-      </p:par>
-    </p:tnLst>
-  </p:timing>
 </p:sld>
 </file>
 
@@ -10251,10 +10007,9 @@
           <a:lstStyle/>
           <a:p>
             <a:r>
-              <a:rPr lang="zh-CN" altLang="en-US" dirty="0" smtClean="0"/>
+              <a:rPr lang="zh-CN" altLang="en-US" dirty="0"/>
               <a:t>生成器</a:t>
             </a:r>
-            <a:endParaRPr lang="zh-CN" altLang="en-US" dirty="0"/>
           </a:p>
         </p:txBody>
       </p:sp>
@@ -10274,82 +10029,78 @@
           <a:lstStyle/>
           <a:p>
             <a:r>
-              <a:rPr lang="zh-CN" altLang="en-US" dirty="0" smtClean="0"/>
+              <a:rPr lang="zh-CN" altLang="en-US" dirty="0"/>
               <a:t>生成器是一个返回迭代器的函数，用于迭代操作；</a:t>
             </a:r>
-            <a:endParaRPr lang="en-US" altLang="zh-CN" dirty="0" smtClean="0"/>
-          </a:p>
-          <a:p>
-            <a:r>
-              <a:rPr lang="zh-CN" altLang="en-US" dirty="0" smtClean="0"/>
+            <a:endParaRPr lang="en-US" altLang="zh-CN" dirty="0"/>
+          </a:p>
+          <a:p>
+            <a:r>
+              <a:rPr lang="zh-CN" altLang="en-US" dirty="0"/>
               <a:t>普通函数返回使用</a:t>
             </a:r>
             <a:r>
-              <a:rPr lang="en-US" altLang="zh-CN" dirty="0" smtClean="0"/>
+              <a:rPr lang="en-US" altLang="zh-CN" dirty="0"/>
               <a:t>return</a:t>
             </a:r>
             <a:r>
-              <a:rPr lang="zh-CN" altLang="en-US" dirty="0" smtClean="0"/>
+              <a:rPr lang="zh-CN" altLang="en-US" dirty="0"/>
               <a:t>，生成器函数返回</a:t>
             </a:r>
             <a:r>
-              <a:rPr lang="en-US" altLang="zh-CN" dirty="0" smtClean="0"/>
+              <a:rPr lang="en-US" altLang="zh-CN" dirty="0"/>
               <a:t>yield;</a:t>
             </a:r>
           </a:p>
           <a:p>
             <a:r>
-              <a:rPr lang="zh-CN" altLang="en-US" dirty="0" smtClean="0"/>
+              <a:rPr lang="zh-CN" altLang="en-US" dirty="0"/>
               <a:t>生成器函数运行过程中，遇到</a:t>
             </a:r>
             <a:r>
-              <a:rPr lang="en-US" altLang="zh-CN" dirty="0" smtClean="0"/>
+              <a:rPr lang="en-US" altLang="zh-CN" dirty="0"/>
               <a:t>yield</a:t>
             </a:r>
             <a:r>
-              <a:rPr lang="zh-CN" altLang="en-US" dirty="0" smtClean="0"/>
+              <a:rPr lang="zh-CN" altLang="en-US" dirty="0"/>
               <a:t>会暂停保存当前的信息，并在下一次</a:t>
             </a:r>
             <a:r>
-              <a:rPr lang="en-US" altLang="zh-CN" dirty="0" smtClean="0"/>
+              <a:rPr lang="en-US" altLang="zh-CN" dirty="0"/>
               <a:t>next</a:t>
             </a:r>
             <a:r>
-              <a:rPr lang="zh-CN" altLang="en-US" dirty="0" smtClean="0"/>
+              <a:rPr lang="zh-CN" altLang="en-US" dirty="0"/>
               <a:t>时会从当前位置继续执行；</a:t>
             </a:r>
-            <a:endParaRPr lang="en-US" altLang="zh-CN" dirty="0" smtClean="0"/>
-          </a:p>
-          <a:p>
-            <a:endParaRPr lang="en-US" altLang="zh-CN" dirty="0" smtClean="0"/>
-          </a:p>
-          <a:p>
             <a:endParaRPr lang="en-US" altLang="zh-CN" dirty="0"/>
           </a:p>
           <a:p>
-            <a:endParaRPr lang="en-US" altLang="zh-CN" dirty="0" smtClean="0"/>
-          </a:p>
-          <a:p>
-            <a:r>
-              <a:rPr lang="zh-CN" altLang="en-US" dirty="0"/>
-              <a:t>结果</a:t>
-            </a:r>
-            <a:r>
-              <a:rPr lang="zh-CN" altLang="en-US" dirty="0" smtClean="0"/>
-              <a:t>为</a:t>
-            </a:r>
-            <a:r>
-              <a:rPr lang="en-US" altLang="zh-CN" dirty="0" smtClean="0"/>
+            <a:endParaRPr lang="en-US" altLang="zh-CN" dirty="0"/>
+          </a:p>
+          <a:p>
+            <a:endParaRPr lang="en-US" altLang="zh-CN" dirty="0"/>
+          </a:p>
+          <a:p>
+            <a:endParaRPr lang="en-US" altLang="zh-CN" dirty="0"/>
+          </a:p>
+          <a:p>
+            <a:r>
+              <a:rPr lang="zh-CN" altLang="en-US" dirty="0"/>
+              <a:t>结果为</a:t>
+            </a:r>
+            <a:r>
+              <a:rPr lang="en-US" altLang="zh-CN" dirty="0"/>
               <a:t>:6 7 8 9</a:t>
             </a:r>
           </a:p>
           <a:p>
             <a:r>
-              <a:rPr lang="zh-CN" altLang="en-US" dirty="0" smtClean="0"/>
+              <a:rPr lang="zh-CN" altLang="en-US" dirty="0"/>
               <a:t>生成器表达式</a:t>
             </a:r>
             <a:r>
-              <a:rPr lang="en-US" altLang="zh-CN" dirty="0" smtClean="0">
+              <a:rPr lang="en-US" altLang="zh-CN" dirty="0">
                 <a:sym typeface="Wingdings" panose="05000000000000000000" pitchFamily="2" charset="2"/>
               </a:rPr>
               <a:t>:(x**2 for x in rang(4))</a:t>
@@ -10428,11 +10179,11 @@
           <a:lstStyle/>
           <a:p>
             <a:r>
-              <a:rPr lang="zh-CN" altLang="en-US" dirty="0" smtClean="0"/>
+              <a:rPr lang="zh-CN" altLang="en-US" dirty="0"/>
               <a:t>装饰器</a:t>
             </a:r>
             <a:r>
-              <a:rPr lang="en-US" altLang="zh-CN" dirty="0" smtClean="0"/>
+              <a:rPr lang="en-US" altLang="zh-CN" dirty="0"/>
               <a:t>-1</a:t>
             </a:r>
             <a:endParaRPr lang="zh-CN" altLang="en-US" dirty="0"/>
@@ -10455,11 +10206,11 @@
           <a:lstStyle/>
           <a:p>
             <a:r>
-              <a:rPr lang="zh-CN" altLang="en-US" dirty="0" smtClean="0"/>
+              <a:rPr lang="zh-CN" altLang="en-US" dirty="0"/>
               <a:t>表现形式</a:t>
             </a:r>
             <a:r>
-              <a:rPr lang="en-US" altLang="zh-CN" dirty="0" smtClean="0"/>
+              <a:rPr lang="en-US" altLang="zh-CN" dirty="0"/>
               <a:t>:</a:t>
             </a:r>
           </a:p>
@@ -10467,19 +10218,19 @@
             <a:endParaRPr lang="en-US" altLang="zh-CN" dirty="0"/>
           </a:p>
           <a:p>
-            <a:endParaRPr lang="en-US" altLang="zh-CN" dirty="0" smtClean="0"/>
-          </a:p>
-          <a:p>
             <a:endParaRPr lang="en-US" altLang="zh-CN" dirty="0"/>
           </a:p>
           <a:p>
-            <a:endParaRPr lang="en-US" altLang="zh-CN" dirty="0" smtClean="0"/>
-          </a:p>
-          <a:p>
             <a:endParaRPr lang="en-US" altLang="zh-CN" dirty="0"/>
           </a:p>
           <a:p>
-            <a:endParaRPr lang="en-US" altLang="zh-CN" dirty="0" smtClean="0"/>
+            <a:endParaRPr lang="en-US" altLang="zh-CN" dirty="0"/>
+          </a:p>
+          <a:p>
+            <a:endParaRPr lang="en-US" altLang="zh-CN" dirty="0"/>
+          </a:p>
+          <a:p>
+            <a:endParaRPr lang="en-US" altLang="zh-CN" dirty="0"/>
           </a:p>
           <a:p>
             <a:endParaRPr lang="en-US" altLang="zh-CN" dirty="0"/>
@@ -10500,7 +10251,6 @@
               <a:rPr lang="en-US" altLang="zh-CN" dirty="0"/>
               <a:t>.&lt;locals&gt;.wrapper at 0x000000000292AA60&gt;</a:t>
             </a:r>
-            <a:endParaRPr lang="en-US" altLang="zh-CN" dirty="0" smtClean="0"/>
           </a:p>
           <a:p>
             <a:endParaRPr lang="zh-CN" altLang="en-US" dirty="0"/>
@@ -10577,11 +10327,11 @@
           <a:lstStyle/>
           <a:p>
             <a:r>
-              <a:rPr lang="zh-CN" altLang="en-US" dirty="0" smtClean="0"/>
+              <a:rPr lang="zh-CN" altLang="en-US" dirty="0"/>
               <a:t>装饰器</a:t>
             </a:r>
             <a:r>
-              <a:rPr lang="en-US" altLang="zh-CN" dirty="0" smtClean="0"/>
+              <a:rPr lang="en-US" altLang="zh-CN" dirty="0"/>
               <a:t>-2</a:t>
             </a:r>
             <a:endParaRPr lang="zh-CN" altLang="en-US" dirty="0"/>
@@ -10604,11 +10354,11 @@
           <a:lstStyle/>
           <a:p>
             <a:r>
-              <a:rPr lang="zh-CN" altLang="en-US" dirty="0" smtClean="0"/>
+              <a:rPr lang="zh-CN" altLang="en-US" dirty="0"/>
               <a:t>常用写法</a:t>
             </a:r>
             <a:r>
-              <a:rPr lang="en-US" altLang="zh-CN" dirty="0" smtClean="0"/>
+              <a:rPr lang="en-US" altLang="zh-CN" dirty="0"/>
               <a:t>:</a:t>
             </a:r>
           </a:p>
@@ -10616,51 +10366,46 @@
             <a:endParaRPr lang="en-US" altLang="zh-CN" dirty="0"/>
           </a:p>
           <a:p>
-            <a:endParaRPr lang="en-US" altLang="zh-CN" dirty="0" smtClean="0"/>
-          </a:p>
-          <a:p>
-            <a:r>
-              <a:rPr lang="zh-CN" altLang="en-US" dirty="0" smtClean="0"/>
+            <a:endParaRPr lang="en-US" altLang="zh-CN" dirty="0"/>
+          </a:p>
+          <a:p>
+            <a:r>
+              <a:rPr lang="zh-CN" altLang="en-US" dirty="0"/>
               <a:t>此时的</a:t>
             </a:r>
             <a:r>
-              <a:rPr lang="en-US" altLang="zh-CN" dirty="0" smtClean="0"/>
+              <a:rPr lang="en-US" altLang="zh-CN" dirty="0"/>
               <a:t>test</a:t>
             </a:r>
             <a:r>
-              <a:rPr lang="zh-CN" altLang="en-US" dirty="0" smtClean="0"/>
+              <a:rPr lang="zh-CN" altLang="en-US" dirty="0"/>
               <a:t>函数对象为</a:t>
             </a:r>
             <a:r>
-              <a:rPr lang="en-US" altLang="zh-CN" dirty="0" smtClean="0"/>
+              <a:rPr lang="en-US" altLang="zh-CN" dirty="0"/>
               <a:t>:test=</a:t>
             </a:r>
             <a:r>
-              <a:rPr lang="en-US" altLang="zh-CN" dirty="0" err="1" smtClean="0"/>
+              <a:rPr lang="en-US" altLang="zh-CN" dirty="0" err="1"/>
               <a:t>calculateTime</a:t>
             </a:r>
             <a:r>
-              <a:rPr lang="en-US" altLang="zh-CN" dirty="0" smtClean="0"/>
-              <a:t>(test</a:t>
-            </a:r>
-            <a:r>
-              <a:rPr lang="en-US" altLang="zh-CN" dirty="0" smtClean="0"/>
-              <a:t>)</a:t>
-            </a:r>
-          </a:p>
-          <a:p>
-            <a:r>
-              <a:rPr lang="zh-CN" altLang="en-US" dirty="0" smtClean="0"/>
+              <a:rPr lang="en-US" altLang="zh-CN" dirty="0"/>
+              <a:t>(test)</a:t>
+            </a:r>
+          </a:p>
+          <a:p>
+            <a:r>
+              <a:rPr lang="zh-CN" altLang="en-US" dirty="0"/>
               <a:t>带参数的装饰器</a:t>
             </a:r>
             <a:r>
-              <a:rPr lang="en-US" altLang="zh-CN" dirty="0" smtClean="0"/>
+              <a:rPr lang="en-US" altLang="zh-CN" dirty="0"/>
               <a:t>:</a:t>
             </a:r>
-            <a:endParaRPr lang="en-US" altLang="zh-CN" dirty="0" smtClean="0"/>
-          </a:p>
-          <a:p>
-            <a:endParaRPr lang="en-US" altLang="zh-CN" dirty="0" smtClean="0"/>
+          </a:p>
+          <a:p>
+            <a:endParaRPr lang="en-US" altLang="zh-CN" dirty="0"/>
           </a:p>
           <a:p>
             <a:endParaRPr lang="zh-CN" altLang="en-US" dirty="0"/>
@@ -10761,11 +10506,11 @@
           <a:lstStyle/>
           <a:p>
             <a:r>
-              <a:rPr lang="zh-CN" altLang="en-US" dirty="0" smtClean="0"/>
+              <a:rPr lang="zh-CN" altLang="en-US" dirty="0"/>
               <a:t>装饰器</a:t>
             </a:r>
             <a:r>
-              <a:rPr lang="en-US" altLang="zh-CN" dirty="0" smtClean="0"/>
+              <a:rPr lang="en-US" altLang="zh-CN" dirty="0"/>
               <a:t>-3</a:t>
             </a:r>
             <a:endParaRPr lang="zh-CN" altLang="en-US" dirty="0"/>
@@ -10788,54 +10533,54 @@
           <a:lstStyle/>
           <a:p>
             <a:r>
-              <a:rPr lang="zh-CN" altLang="en-US" dirty="0" smtClean="0"/>
+              <a:rPr lang="zh-CN" altLang="en-US" dirty="0"/>
               <a:t>类装饰器</a:t>
             </a:r>
             <a:r>
-              <a:rPr lang="en-US" altLang="zh-CN" dirty="0" smtClean="0"/>
+              <a:rPr lang="en-US" altLang="zh-CN" dirty="0"/>
               <a:t>:</a:t>
             </a:r>
             <a:r>
-              <a:rPr lang="zh-CN" altLang="en-US" dirty="0" smtClean="0"/>
+              <a:rPr lang="zh-CN" altLang="en-US" dirty="0"/>
               <a:t>实现</a:t>
             </a:r>
             <a:r>
-              <a:rPr lang="en-US" altLang="zh-CN" dirty="0" smtClean="0"/>
+              <a:rPr lang="en-US" altLang="zh-CN" dirty="0"/>
               <a:t>__call__</a:t>
             </a:r>
             <a:r>
-              <a:rPr lang="zh-CN" altLang="en-US" dirty="0" smtClean="0"/>
+              <a:rPr lang="zh-CN" altLang="en-US" dirty="0"/>
               <a:t>方法</a:t>
             </a:r>
-            <a:endParaRPr lang="en-US" altLang="zh-CN" dirty="0" smtClean="0"/>
-          </a:p>
-          <a:p>
             <a:endParaRPr lang="en-US" altLang="zh-CN" dirty="0"/>
           </a:p>
           <a:p>
-            <a:endParaRPr lang="en-US" altLang="zh-CN" dirty="0" smtClean="0"/>
-          </a:p>
-          <a:p>
             <a:endParaRPr lang="en-US" altLang="zh-CN" dirty="0"/>
           </a:p>
           <a:p>
-            <a:endParaRPr lang="en-US" altLang="zh-CN" dirty="0" smtClean="0"/>
-          </a:p>
-          <a:p>
             <a:endParaRPr lang="en-US" altLang="zh-CN" dirty="0"/>
           </a:p>
           <a:p>
-            <a:endParaRPr lang="en-US" altLang="zh-CN" dirty="0" smtClean="0"/>
-          </a:p>
-          <a:p>
             <a:endParaRPr lang="en-US" altLang="zh-CN" dirty="0"/>
           </a:p>
           <a:p>
-            <a:r>
-              <a:rPr lang="en-US" altLang="zh-CN" smtClean="0"/>
+            <a:endParaRPr lang="en-US" altLang="zh-CN" dirty="0"/>
+          </a:p>
+          <a:p>
+            <a:endParaRPr lang="en-US" altLang="zh-CN" dirty="0"/>
+          </a:p>
+          <a:p>
+            <a:endParaRPr lang="en-US" altLang="zh-CN" dirty="0"/>
+          </a:p>
+          <a:p>
+            <a:endParaRPr lang="en-US" altLang="zh-CN" dirty="0"/>
+          </a:p>
+          <a:p>
+            <a:r>
+              <a:rPr lang="en-US" altLang="zh-CN"/>
               <a:t>test=Foo(test)</a:t>
             </a:r>
-            <a:endParaRPr lang="en-US" altLang="zh-CN" dirty="0" smtClean="0"/>
+            <a:endParaRPr lang="en-US" altLang="zh-CN" dirty="0"/>
           </a:p>
           <a:p>
             <a:endParaRPr lang="zh-CN" altLang="en-US" dirty="0"/>
@@ -10879,6 +10624,240 @@
 </p:sld>
 </file>
 
+<file path=ppt/slides/slide34.xml><?xml version="1.0" encoding="utf-8"?>
+<p:sld xmlns:a="http://schemas.openxmlformats.org/drawingml/2006/main" xmlns:r="http://schemas.openxmlformats.org/officeDocument/2006/relationships" xmlns:p="http://schemas.openxmlformats.org/presentationml/2006/main">
+  <p:cSld>
+    <p:spTree>
+      <p:nvGrpSpPr>
+        <p:cNvPr id="1" name=""/>
+        <p:cNvGrpSpPr/>
+        <p:nvPr/>
+      </p:nvGrpSpPr>
+      <p:grpSpPr>
+        <a:xfrm>
+          <a:off x="0" y="0"/>
+          <a:ext cx="0" cy="0"/>
+          <a:chOff x="0" y="0"/>
+          <a:chExt cx="0" cy="0"/>
+        </a:xfrm>
+      </p:grpSpPr>
+      <p:sp>
+        <p:nvSpPr>
+          <p:cNvPr id="2" name="标题 1">
+            <a:extLst>
+              <a:ext uri="{FF2B5EF4-FFF2-40B4-BE49-F238E27FC236}">
+                <a16:creationId xmlns:a16="http://schemas.microsoft.com/office/drawing/2014/main" id="{10E0E7D6-8D53-4C21-AE23-44E8EB90F132}"/>
+              </a:ext>
+            </a:extLst>
+          </p:cNvPr>
+          <p:cNvSpPr>
+            <a:spLocks noGrp="1"/>
+          </p:cNvSpPr>
+          <p:nvPr>
+            <p:ph type="title"/>
+          </p:nvPr>
+        </p:nvSpPr>
+        <p:spPr/>
+        <p:txBody>
+          <a:bodyPr/>
+          <a:lstStyle/>
+          <a:p>
+            <a:r>
+              <a:rPr lang="zh-CN" altLang="en-US" dirty="0"/>
+              <a:t>模块导入</a:t>
+            </a:r>
+          </a:p>
+        </p:txBody>
+      </p:sp>
+      <p:sp>
+        <p:nvSpPr>
+          <p:cNvPr id="3" name="内容占位符 2">
+            <a:extLst>
+              <a:ext uri="{FF2B5EF4-FFF2-40B4-BE49-F238E27FC236}">
+                <a16:creationId xmlns:a16="http://schemas.microsoft.com/office/drawing/2014/main" id="{C4938B56-D497-45BC-93A0-0CC271815A75}"/>
+              </a:ext>
+            </a:extLst>
+          </p:cNvPr>
+          <p:cNvSpPr>
+            <a:spLocks noGrp="1"/>
+          </p:cNvSpPr>
+          <p:nvPr>
+            <p:ph idx="1"/>
+          </p:nvPr>
+        </p:nvSpPr>
+        <p:spPr/>
+        <p:txBody>
+          <a:bodyPr/>
+          <a:lstStyle/>
+          <a:p>
+            <a:r>
+              <a:rPr lang="zh-CN" altLang="en-US" dirty="0"/>
+              <a:t>导入形式</a:t>
+            </a:r>
+            <a:r>
+              <a:rPr lang="en-US" altLang="zh-CN" dirty="0"/>
+              <a:t>:import </a:t>
+            </a:r>
+            <a:r>
+              <a:rPr lang="en-US" altLang="zh-CN" dirty="0" err="1"/>
+              <a:t>os</a:t>
+            </a:r>
+            <a:r>
+              <a:rPr lang="en-US" altLang="zh-CN" dirty="0"/>
+              <a:t>;  from </a:t>
+            </a:r>
+            <a:r>
+              <a:rPr lang="en-US" altLang="zh-CN" dirty="0" err="1"/>
+              <a:t>os.path</a:t>
+            </a:r>
+            <a:r>
+              <a:rPr lang="en-US" altLang="zh-CN" dirty="0"/>
+              <a:t> import </a:t>
+            </a:r>
+            <a:r>
+              <a:rPr lang="en-US" altLang="zh-CN" dirty="0" err="1"/>
+              <a:t>isdir</a:t>
+            </a:r>
+            <a:r>
+              <a:rPr lang="en-US" altLang="zh-CN" dirty="0"/>
+              <a:t>;</a:t>
+            </a:r>
+          </a:p>
+          <a:p>
+            <a:r>
+              <a:rPr lang="zh-CN" altLang="en-US" dirty="0"/>
+              <a:t>同级目录下导入：</a:t>
+            </a:r>
+            <a:r>
+              <a:rPr lang="en-US" altLang="zh-CN" dirty="0"/>
+              <a:t>from .</a:t>
+            </a:r>
+            <a:r>
+              <a:rPr lang="en-US" altLang="zh-CN" dirty="0" err="1"/>
+              <a:t>toolUtil</a:t>
+            </a:r>
+            <a:r>
+              <a:rPr lang="en-US" altLang="zh-CN" dirty="0"/>
+              <a:t> import </a:t>
+            </a:r>
+            <a:r>
+              <a:rPr lang="en-US" altLang="zh-CN" dirty="0" err="1"/>
+              <a:t>testCalculate</a:t>
+            </a:r>
+            <a:endParaRPr lang="en-US" altLang="zh-CN" dirty="0"/>
+          </a:p>
+          <a:p>
+            <a:r>
+              <a:rPr lang="en-US" altLang="zh-CN" dirty="0"/>
+              <a:t>import </a:t>
+            </a:r>
+            <a:r>
+              <a:rPr lang="en-US" altLang="zh-CN" dirty="0" err="1"/>
+              <a:t>toolUtil</a:t>
+            </a:r>
+            <a:r>
+              <a:rPr lang="en-US" altLang="zh-CN" dirty="0"/>
+              <a:t>;</a:t>
+            </a:r>
+          </a:p>
+          <a:p>
+            <a:r>
+              <a:rPr lang="zh-CN" altLang="en-US" dirty="0"/>
+              <a:t>调用</a:t>
+            </a:r>
+            <a:r>
+              <a:rPr lang="en-US" altLang="zh-CN" dirty="0"/>
+              <a:t>: </a:t>
+            </a:r>
+            <a:r>
+              <a:rPr lang="en-US" altLang="zh-CN" dirty="0" err="1"/>
+              <a:t>toolUtil</a:t>
+            </a:r>
+            <a:r>
+              <a:rPr lang="en-US" altLang="zh-CN" dirty="0"/>
+              <a:t>. </a:t>
+            </a:r>
+            <a:r>
+              <a:rPr lang="en-US" altLang="zh-CN" dirty="0" err="1"/>
+              <a:t>testCalculate</a:t>
+            </a:r>
+            <a:r>
+              <a:rPr lang="en-US" altLang="zh-CN" dirty="0"/>
+              <a:t>()</a:t>
+            </a:r>
+          </a:p>
+          <a:p>
+            <a:r>
+              <a:rPr lang="zh-CN" altLang="en-US" dirty="0"/>
+              <a:t>文件搜索路径</a:t>
+            </a:r>
+            <a:r>
+              <a:rPr lang="en-US" altLang="zh-CN" dirty="0"/>
+              <a:t>:</a:t>
+            </a:r>
+            <a:r>
+              <a:rPr lang="en-US" altLang="zh-CN" dirty="0" err="1"/>
+              <a:t>sys.path</a:t>
+            </a:r>
+            <a:r>
+              <a:rPr lang="en-US" altLang="zh-CN" dirty="0"/>
+              <a:t> </a:t>
+            </a:r>
+          </a:p>
+          <a:p>
+            <a:r>
+              <a:rPr lang="zh-CN" altLang="en-US" dirty="0"/>
+              <a:t>不同的模块内有相同的函数或变量时需要使用</a:t>
+            </a:r>
+            <a:r>
+              <a:rPr lang="en-US" altLang="zh-CN" dirty="0"/>
+              <a:t>import</a:t>
+            </a:r>
+            <a:r>
+              <a:rPr lang="zh-CN" altLang="en-US" dirty="0"/>
+              <a:t>导入；</a:t>
+            </a:r>
+            <a:endParaRPr lang="en-US" altLang="zh-CN" dirty="0"/>
+          </a:p>
+          <a:p>
+            <a:r>
+              <a:rPr lang="zh-CN" altLang="en-US" dirty="0"/>
+              <a:t>重载模块</a:t>
+            </a:r>
+            <a:r>
+              <a:rPr lang="en-US" altLang="zh-CN" dirty="0"/>
+              <a:t>:python2 reload(sys)   python3  </a:t>
+            </a:r>
+            <a:r>
+              <a:rPr lang="en-US" altLang="zh-CN" dirty="0" err="1"/>
+              <a:t>importlib.reload</a:t>
+            </a:r>
+            <a:r>
+              <a:rPr lang="en-US" altLang="zh-CN" dirty="0"/>
+              <a:t>(sys)</a:t>
+            </a:r>
+          </a:p>
+          <a:p>
+            <a:endParaRPr lang="en-US" altLang="zh-CN" dirty="0"/>
+          </a:p>
+          <a:p>
+            <a:endParaRPr lang="zh-CN" altLang="en-US" dirty="0"/>
+          </a:p>
+        </p:txBody>
+      </p:sp>
+    </p:spTree>
+    <p:extLst>
+      <p:ext uri="{BB962C8B-B14F-4D97-AF65-F5344CB8AC3E}">
+        <p14:creationId xmlns:p14="http://schemas.microsoft.com/office/powerpoint/2010/main" val="2241598985"/>
+      </p:ext>
+    </p:extLst>
+  </p:cSld>
+  <p:clrMapOvr>
+    <a:masterClrMapping/>
+  </p:clrMapOvr>
+</p:sld>
+</file>
+
 <file path=ppt/slides/slide4.xml><?xml version="1.0" encoding="utf-8"?>
 <p:sld xmlns:a="http://schemas.openxmlformats.org/drawingml/2006/main" xmlns:r="http://schemas.openxmlformats.org/officeDocument/2006/relationships" xmlns:p="http://schemas.openxmlformats.org/presentationml/2006/main">
   <p:cSld>
@@ -10912,14 +10891,13 @@
           <a:lstStyle/>
           <a:p>
             <a:r>
-              <a:rPr lang="en-US" altLang="zh-CN" dirty="0" smtClean="0"/>
+              <a:rPr lang="en-US" altLang="zh-CN" dirty="0"/>
               <a:t>Python</a:t>
             </a:r>
             <a:r>
-              <a:rPr lang="zh-CN" altLang="en-US" dirty="0" smtClean="0"/>
+              <a:rPr lang="zh-CN" altLang="en-US" dirty="0"/>
               <a:t>使用场景</a:t>
             </a:r>
-            <a:endParaRPr lang="zh-CN" altLang="en-US" dirty="0"/>
           </a:p>
         </p:txBody>
       </p:sp>
@@ -10940,19 +10918,11 @@
           <a:p>
             <a:r>
               <a:rPr lang="zh-CN" altLang="en-US" dirty="0"/>
-              <a:t>常规</a:t>
-            </a:r>
-            <a:r>
-              <a:rPr lang="zh-CN" altLang="en-US" dirty="0" smtClean="0"/>
-              <a:t>软件开发</a:t>
-            </a:r>
-            <a:r>
-              <a:rPr lang="en-US" altLang="zh-CN" dirty="0" smtClean="0"/>
-              <a:t>:</a:t>
-            </a:r>
-            <a:r>
-              <a:rPr lang="en-US" altLang="zh-CN" dirty="0"/>
-              <a:t>Python</a:t>
+              <a:t>常规软件开发</a:t>
+            </a:r>
+            <a:r>
+              <a:rPr lang="en-US" altLang="zh-CN" dirty="0"/>
+              <a:t>:Python</a:t>
             </a:r>
             <a:r>
               <a:rPr lang="zh-CN" altLang="en-US" dirty="0"/>
@@ -10964,45 +10934,25 @@
             </a:r>
             <a:r>
               <a:rPr lang="zh-CN" altLang="en-US" dirty="0"/>
-              <a:t>面向对象</a:t>
-            </a:r>
-            <a:r>
-              <a:rPr lang="zh-CN" altLang="en-US" dirty="0" smtClean="0"/>
-              <a:t>编程</a:t>
-            </a:r>
-            <a:r>
-              <a:rPr lang="en-US" altLang="zh-CN" dirty="0" smtClean="0"/>
+              <a:t>面向对象编程</a:t>
+            </a:r>
+            <a:r>
+              <a:rPr lang="en-US" altLang="zh-CN" dirty="0"/>
               <a:t>,</a:t>
             </a:r>
             <a:r>
-              <a:rPr lang="zh-CN" altLang="en-US" dirty="0" smtClean="0"/>
-              <a:t>常规</a:t>
-            </a:r>
-            <a:r>
-              <a:rPr lang="zh-CN" altLang="en-US" dirty="0"/>
-              <a:t>的软件开发、脚本编写、网络编程等</a:t>
-            </a:r>
-            <a:r>
-              <a:rPr lang="zh-CN" altLang="en-US" dirty="0" smtClean="0"/>
-              <a:t>都可以胜任</a:t>
-            </a:r>
-            <a:r>
-              <a:rPr lang="en-US" altLang="zh-CN" dirty="0" smtClean="0"/>
+              <a:rPr lang="zh-CN" altLang="en-US" dirty="0"/>
+              <a:t>常规的软件开发、脚本编写、网络编程等都可以胜任</a:t>
+            </a:r>
+            <a:r>
+              <a:rPr lang="en-US" altLang="zh-CN" dirty="0"/>
               <a:t>;</a:t>
             </a:r>
           </a:p>
           <a:p>
             <a:r>
               <a:rPr lang="zh-CN" altLang="en-US" dirty="0"/>
-              <a:t>科学</a:t>
-            </a:r>
-            <a:r>
-              <a:rPr lang="zh-CN" altLang="en-US" dirty="0" smtClean="0"/>
-              <a:t>计算：</a:t>
-            </a:r>
-            <a:r>
-              <a:rPr lang="zh-CN" altLang="en-US" dirty="0"/>
-              <a:t>随着</a:t>
+              <a:t>科学计算：随着</a:t>
             </a:r>
             <a:r>
               <a:rPr lang="en-US" altLang="zh-CN" dirty="0" err="1"/>
@@ -11021,16 +10971,12 @@
               <a:t>，</a:t>
             </a:r>
             <a:r>
-              <a:rPr lang="en-US" altLang="zh-CN" dirty="0" err="1" smtClean="0"/>
+              <a:rPr lang="en-US" altLang="zh-CN" dirty="0" err="1"/>
               <a:t>Matplotlib</a:t>
             </a:r>
             <a:r>
-              <a:rPr lang="zh-CN" altLang="en-US" dirty="0" smtClean="0"/>
-              <a:t>等</a:t>
-            </a:r>
-            <a:r>
-              <a:rPr lang="zh-CN" altLang="en-US" dirty="0"/>
-              <a:t>众多程序库的开发，</a:t>
+              <a:rPr lang="zh-CN" altLang="en-US" dirty="0"/>
+              <a:t>等众多程序库的开发，</a:t>
             </a:r>
             <a:r>
               <a:rPr lang="en-US" altLang="zh-CN" dirty="0"/>
@@ -11053,10 +10999,10 @@
               <a:t>3D</a:t>
             </a:r>
             <a:r>
-              <a:rPr lang="zh-CN" altLang="en-US" dirty="0" smtClean="0"/>
+              <a:rPr lang="zh-CN" altLang="en-US" dirty="0"/>
               <a:t>图像；</a:t>
             </a:r>
-            <a:endParaRPr lang="en-US" altLang="zh-CN" dirty="0" smtClean="0"/>
+            <a:endParaRPr lang="en-US" altLang="zh-CN" dirty="0"/>
           </a:p>
           <a:p>
             <a:r>
@@ -11065,15 +11011,7 @@
             </a:r>
             <a:r>
               <a:rPr lang="zh-CN" altLang="en-US" dirty="0"/>
-              <a:t>开发</a:t>
-            </a:r>
-            <a:r>
-              <a:rPr lang="zh-CN" altLang="en-US" dirty="0" smtClean="0"/>
-              <a:t>：</a:t>
-            </a:r>
-            <a:r>
-              <a:rPr lang="zh-CN" altLang="en-US" dirty="0"/>
-              <a:t>基于</a:t>
+              <a:t>开发：基于</a:t>
             </a:r>
             <a:r>
               <a:rPr lang="en-US" altLang="zh-CN" dirty="0"/>
@@ -11084,23 +11022,23 @@
               <a:t>的</a:t>
             </a:r>
             <a:r>
-              <a:rPr lang="en-US" altLang="zh-CN" dirty="0" smtClean="0"/>
+              <a:rPr lang="en-US" altLang="zh-CN" dirty="0"/>
               <a:t>Web</a:t>
             </a:r>
             <a:r>
-              <a:rPr lang="zh-CN" altLang="en-US" dirty="0" smtClean="0"/>
+              <a:rPr lang="zh-CN" altLang="en-US" dirty="0"/>
               <a:t>主流开发框架包括</a:t>
             </a:r>
             <a:r>
-              <a:rPr lang="en-US" altLang="zh-CN" dirty="0" smtClean="0"/>
+              <a:rPr lang="en-US" altLang="zh-CN" dirty="0"/>
               <a:t>Django</a:t>
             </a:r>
             <a:r>
-              <a:rPr lang="zh-CN" altLang="en-US" dirty="0" smtClean="0"/>
+              <a:rPr lang="zh-CN" altLang="en-US" dirty="0"/>
               <a:t>，</a:t>
             </a:r>
             <a:r>
-              <a:rPr lang="en-US" altLang="zh-CN" dirty="0" smtClean="0"/>
+              <a:rPr lang="en-US" altLang="zh-CN" dirty="0"/>
               <a:t>Tornado</a:t>
             </a:r>
             <a:r>
@@ -11108,63 +11046,51 @@
               <a:t>，</a:t>
             </a:r>
             <a:r>
-              <a:rPr lang="en-US" altLang="zh-CN" dirty="0" smtClean="0"/>
+              <a:rPr lang="en-US" altLang="zh-CN" dirty="0"/>
               <a:t>Flask</a:t>
             </a:r>
             <a:r>
-              <a:rPr lang="zh-CN" altLang="en-US" dirty="0" smtClean="0"/>
+              <a:rPr lang="zh-CN" altLang="en-US" dirty="0"/>
               <a:t>；</a:t>
             </a:r>
-            <a:endParaRPr lang="en-US" altLang="zh-CN" dirty="0" smtClean="0"/>
-          </a:p>
-          <a:p>
-            <a:r>
-              <a:rPr lang="zh-CN" altLang="en-US" dirty="0"/>
-              <a:t>网络</a:t>
-            </a:r>
-            <a:r>
-              <a:rPr lang="zh-CN" altLang="en-US" dirty="0" smtClean="0"/>
-              <a:t>爬虫：</a:t>
-            </a:r>
-            <a:r>
-              <a:rPr lang="en-US" altLang="zh-CN" dirty="0" smtClean="0"/>
+            <a:endParaRPr lang="en-US" altLang="zh-CN" dirty="0"/>
+          </a:p>
+          <a:p>
+            <a:r>
+              <a:rPr lang="zh-CN" altLang="en-US" dirty="0"/>
+              <a:t>网络爬虫：</a:t>
+            </a:r>
+            <a:r>
+              <a:rPr lang="en-US" altLang="zh-CN" dirty="0"/>
               <a:t>Python</a:t>
             </a:r>
             <a:r>
-              <a:rPr lang="zh-CN" altLang="en-US" dirty="0" smtClean="0"/>
+              <a:rPr lang="zh-CN" altLang="en-US" dirty="0"/>
               <a:t>是编写网络爬虫主流语言之一，</a:t>
             </a:r>
             <a:r>
-              <a:rPr lang="en-US" altLang="zh-CN" dirty="0" err="1" smtClean="0"/>
+              <a:rPr lang="en-US" altLang="zh-CN" dirty="0" err="1"/>
               <a:t>Scripy</a:t>
             </a:r>
             <a:r>
-              <a:rPr lang="zh-CN" altLang="en-US" dirty="0" smtClean="0"/>
+              <a:rPr lang="zh-CN" altLang="en-US" dirty="0"/>
               <a:t>爬虫框架应用很广；</a:t>
             </a:r>
-            <a:endParaRPr lang="en-US" altLang="zh-CN" dirty="0" smtClean="0"/>
-          </a:p>
-          <a:p>
-            <a:r>
-              <a:rPr lang="zh-CN" altLang="en-US" dirty="0" smtClean="0"/>
-              <a:t>数据分析：</a:t>
-            </a:r>
-            <a:r>
-              <a:rPr lang="zh-CN" altLang="en-US" dirty="0"/>
-              <a:t>在大量数据的基础上，结合科学计算、机器学习等技术，对数据进行清洗、去重、规格化和针对性的分析是大数据行业的</a:t>
-            </a:r>
-            <a:r>
-              <a:rPr lang="zh-CN" altLang="en-US" dirty="0" smtClean="0"/>
-              <a:t>基石；核心库</a:t>
-            </a:r>
-            <a:r>
-              <a:rPr lang="en-US" altLang="zh-CN" dirty="0" smtClean="0"/>
+            <a:endParaRPr lang="en-US" altLang="zh-CN" dirty="0"/>
+          </a:p>
+          <a:p>
+            <a:r>
+              <a:rPr lang="zh-CN" altLang="en-US" dirty="0"/>
+              <a:t>数据分析：在大量数据的基础上，结合科学计算、机器学习等技术，对数据进行清洗、去重、规格化和针对性的分析是大数据行业的基石；核心库</a:t>
+            </a:r>
+            <a:r>
+              <a:rPr lang="en-US" altLang="zh-CN" dirty="0"/>
               <a:t>pandas</a:t>
             </a:r>
           </a:p>
           <a:p>
             <a:r>
-              <a:rPr lang="zh-CN" altLang="en-US" dirty="0" smtClean="0"/>
+              <a:rPr lang="zh-CN" altLang="en-US" dirty="0"/>
               <a:t>人工智能：</a:t>
             </a:r>
             <a:r>
@@ -11173,33 +11099,29 @@
             </a:r>
             <a:r>
               <a:rPr lang="zh-CN" altLang="en-US" dirty="0"/>
-              <a:t>在人工智能大范畴领域内的机器学习、神经网络、深度学习等方面都是主流的</a:t>
-            </a:r>
-            <a:r>
-              <a:rPr lang="zh-CN" altLang="en-US" dirty="0" smtClean="0"/>
-              <a:t>编程语言；机器学习核心库</a:t>
-            </a:r>
-            <a:r>
-              <a:rPr lang="en-US" altLang="zh-CN" dirty="0" err="1" smtClean="0"/>
+              <a:t>在人工智能大范畴领域内的机器学习、神经网络、深度学习等方面都是主流的编程语言；机器学习核心库</a:t>
+            </a:r>
+            <a:r>
+              <a:rPr lang="en-US" altLang="zh-CN" dirty="0" err="1"/>
               <a:t>sklearn</a:t>
             </a:r>
             <a:r>
-              <a:rPr lang="en-US" altLang="zh-CN" dirty="0" smtClean="0"/>
+              <a:rPr lang="en-US" altLang="zh-CN" dirty="0"/>
               <a:t>,</a:t>
             </a:r>
             <a:r>
-              <a:rPr lang="zh-CN" altLang="en-US" dirty="0" smtClean="0"/>
+              <a:rPr lang="zh-CN" altLang="en-US" dirty="0"/>
               <a:t>深度学习框架</a:t>
             </a:r>
             <a:r>
-              <a:rPr lang="en-US" altLang="zh-CN" dirty="0" err="1" smtClean="0"/>
+              <a:rPr lang="en-US" altLang="zh-CN" dirty="0" err="1"/>
               <a:t>tensorflow</a:t>
             </a:r>
             <a:r>
-              <a:rPr lang="zh-CN" altLang="en-US" dirty="0" smtClean="0"/>
+              <a:rPr lang="zh-CN" altLang="en-US" dirty="0"/>
               <a:t>。</a:t>
             </a:r>
-            <a:endParaRPr lang="en-US" altLang="zh-CN" dirty="0" smtClean="0"/>
+            <a:endParaRPr lang="en-US" altLang="zh-CN" dirty="0"/>
           </a:p>
           <a:p>
             <a:endParaRPr lang="zh-CN" altLang="en-US" dirty="0"/>
@@ -11216,13 +11138,6 @@
   <p:clrMapOvr>
     <a:masterClrMapping/>
   </p:clrMapOvr>
-  <p:timing>
-    <p:tnLst>
-      <p:par>
-        <p:cTn id="1" dur="indefinite" restart="never" nodeType="tmRoot"/>
-      </p:par>
-    </p:tnLst>
-  </p:timing>
 </p:sld>
 </file>
 
@@ -11259,14 +11174,13 @@
           <a:lstStyle/>
           <a:p>
             <a:r>
-              <a:rPr lang="en-US" altLang="zh-CN" dirty="0" smtClean="0"/>
+              <a:rPr lang="en-US" altLang="zh-CN" dirty="0"/>
               <a:t>Python</a:t>
             </a:r>
             <a:r>
-              <a:rPr lang="zh-CN" altLang="en-US" dirty="0" smtClean="0"/>
+              <a:rPr lang="zh-CN" altLang="en-US" dirty="0"/>
               <a:t>环境搭建</a:t>
             </a:r>
-            <a:endParaRPr lang="zh-CN" altLang="en-US" dirty="0"/>
           </a:p>
         </p:txBody>
       </p:sp>
@@ -11286,36 +11200,32 @@
           <a:lstStyle/>
           <a:p>
             <a:r>
-              <a:rPr lang="zh-CN" altLang="en-US" dirty="0" smtClean="0"/>
+              <a:rPr lang="zh-CN" altLang="en-US" dirty="0"/>
               <a:t>官网下载地址</a:t>
             </a:r>
             <a:r>
               <a:rPr lang="en-US" altLang="zh-CN" dirty="0"/>
-              <a:t>:https://www.python.org/downloads</a:t>
-            </a:r>
-            <a:r>
-              <a:rPr lang="en-US" altLang="zh-CN" dirty="0" smtClean="0"/>
-              <a:t>/</a:t>
-            </a:r>
-          </a:p>
-          <a:p>
-            <a:r>
-              <a:rPr lang="en-US" altLang="zh-CN" dirty="0" smtClean="0"/>
+              <a:t>:https://www.python.org/downloads/</a:t>
+            </a:r>
+          </a:p>
+          <a:p>
+            <a:r>
+              <a:rPr lang="en-US" altLang="zh-CN" dirty="0"/>
               <a:t>Windows</a:t>
             </a:r>
             <a:r>
-              <a:rPr lang="zh-CN" altLang="en-US" dirty="0" smtClean="0"/>
+              <a:rPr lang="zh-CN" altLang="en-US" dirty="0"/>
               <a:t>安装：直接运行安装包完成安装；检查环境变量是否已配置；命令行模式下输入</a:t>
             </a:r>
             <a:r>
-              <a:rPr lang="en-US" altLang="zh-CN" dirty="0" err="1" smtClean="0"/>
+              <a:rPr lang="en-US" altLang="zh-CN" dirty="0" err="1"/>
               <a:t>ptyhon</a:t>
             </a:r>
             <a:r>
-              <a:rPr lang="zh-CN" altLang="en-US" dirty="0" smtClean="0"/>
+              <a:rPr lang="zh-CN" altLang="en-US" dirty="0"/>
               <a:t>，检查是否安装成功。</a:t>
             </a:r>
-            <a:endParaRPr lang="en-US" altLang="zh-CN" dirty="0" smtClean="0"/>
+            <a:endParaRPr lang="en-US" altLang="zh-CN" dirty="0"/>
           </a:p>
           <a:p>
             <a:endParaRPr lang="zh-CN" altLang="en-US" dirty="0"/>
@@ -11356,13 +11266,6 @@
   <p:clrMapOvr>
     <a:masterClrMapping/>
   </p:clrMapOvr>
-  <p:timing>
-    <p:tnLst>
-      <p:par>
-        <p:cTn id="1" dur="indefinite" restart="never" nodeType="tmRoot"/>
-      </p:par>
-    </p:tnLst>
-  </p:timing>
 </p:sld>
 </file>
 
@@ -11399,14 +11302,13 @@
           <a:lstStyle/>
           <a:p>
             <a:r>
-              <a:rPr lang="en-US" altLang="zh-CN" dirty="0" smtClean="0"/>
+              <a:rPr lang="en-US" altLang="zh-CN" dirty="0"/>
               <a:t>Python</a:t>
             </a:r>
             <a:r>
-              <a:rPr lang="zh-CN" altLang="en-US" dirty="0" smtClean="0"/>
+              <a:rPr lang="zh-CN" altLang="en-US" dirty="0"/>
               <a:t>第三方库安装</a:t>
             </a:r>
-            <a:endParaRPr lang="zh-CN" altLang="en-US" dirty="0"/>
           </a:p>
         </p:txBody>
       </p:sp>
@@ -11426,163 +11328,158 @@
           <a:lstStyle/>
           <a:p>
             <a:r>
-              <a:rPr lang="zh-CN" altLang="en-US" dirty="0" smtClean="0"/>
+              <a:rPr lang="zh-CN" altLang="en-US" dirty="0"/>
               <a:t>联网状态</a:t>
             </a:r>
             <a:r>
-              <a:rPr lang="en-US" altLang="zh-CN" dirty="0" smtClean="0"/>
+              <a:rPr lang="en-US" altLang="zh-CN" dirty="0"/>
               <a:t>:</a:t>
             </a:r>
             <a:r>
-              <a:rPr lang="zh-CN" altLang="en-US" dirty="0" smtClean="0"/>
+              <a:rPr lang="zh-CN" altLang="en-US" dirty="0"/>
               <a:t>命令行模式下输入 </a:t>
             </a:r>
             <a:r>
-              <a:rPr lang="en-US" altLang="zh-CN" dirty="0" smtClean="0"/>
+              <a:rPr lang="en-US" altLang="zh-CN" dirty="0"/>
               <a:t>pip install + </a:t>
             </a:r>
             <a:r>
-              <a:rPr lang="zh-CN" altLang="en-US" dirty="0" smtClean="0"/>
+              <a:rPr lang="zh-CN" altLang="en-US" dirty="0"/>
               <a:t>库</a:t>
             </a:r>
             <a:r>
-              <a:rPr lang="en-US" altLang="zh-CN" dirty="0" smtClean="0"/>
+              <a:rPr lang="en-US" altLang="zh-CN" dirty="0"/>
               <a:t>,</a:t>
             </a:r>
             <a:r>
-              <a:rPr lang="zh-CN" altLang="en-US" dirty="0" smtClean="0"/>
+              <a:rPr lang="zh-CN" altLang="en-US" dirty="0"/>
               <a:t>如</a:t>
             </a:r>
             <a:r>
-              <a:rPr lang="en-US" altLang="zh-CN" dirty="0" smtClean="0"/>
+              <a:rPr lang="en-US" altLang="zh-CN" dirty="0"/>
               <a:t>pip install </a:t>
             </a:r>
             <a:r>
-              <a:rPr lang="en-US" altLang="zh-CN" dirty="0" err="1" smtClean="0"/>
+              <a:rPr lang="en-US" altLang="zh-CN" dirty="0" err="1"/>
               <a:t>pymysql;pip</a:t>
             </a:r>
             <a:r>
-              <a:rPr lang="en-US" altLang="zh-CN" dirty="0" smtClean="0"/>
+              <a:rPr lang="en-US" altLang="zh-CN" dirty="0"/>
               <a:t> list </a:t>
             </a:r>
             <a:r>
-              <a:rPr lang="zh-CN" altLang="en-US" dirty="0" smtClean="0"/>
+              <a:rPr lang="zh-CN" altLang="en-US" dirty="0"/>
               <a:t>查看已安装库；卸载</a:t>
             </a:r>
             <a:r>
-              <a:rPr lang="en-US" altLang="zh-CN" dirty="0" smtClean="0"/>
+              <a:rPr lang="en-US" altLang="zh-CN" dirty="0"/>
               <a:t>:pip uninstall + </a:t>
             </a:r>
             <a:r>
-              <a:rPr lang="zh-CN" altLang="en-US" dirty="0" smtClean="0"/>
+              <a:rPr lang="zh-CN" altLang="en-US" dirty="0"/>
               <a:t>库</a:t>
             </a:r>
             <a:r>
-              <a:rPr lang="en-US" altLang="zh-CN" dirty="0" smtClean="0"/>
+              <a:rPr lang="en-US" altLang="zh-CN" dirty="0"/>
               <a:t>;</a:t>
             </a:r>
           </a:p>
           <a:p>
             <a:r>
-              <a:rPr lang="zh-CN" altLang="en-US" dirty="0" smtClean="0"/>
+              <a:rPr lang="zh-CN" altLang="en-US" dirty="0"/>
               <a:t>无网状态</a:t>
             </a:r>
             <a:r>
-              <a:rPr lang="en-US" altLang="zh-CN" dirty="0" smtClean="0"/>
+              <a:rPr lang="en-US" altLang="zh-CN" dirty="0"/>
               <a:t>:</a:t>
             </a:r>
             <a:r>
-              <a:rPr lang="zh-CN" altLang="en-US" dirty="0" smtClean="0"/>
+              <a:rPr lang="zh-CN" altLang="en-US" dirty="0"/>
               <a:t>下载库源文件，如</a:t>
             </a:r>
             <a:r>
-              <a:rPr lang="en-US" altLang="zh-CN" dirty="0" smtClean="0"/>
+              <a:rPr lang="en-US" altLang="zh-CN" dirty="0"/>
               <a:t>beautifulsoup4-4.7.1.tar.gz</a:t>
             </a:r>
             <a:r>
-              <a:rPr lang="zh-CN" altLang="en-US" dirty="0" smtClean="0"/>
+              <a:rPr lang="zh-CN" altLang="en-US" dirty="0"/>
               <a:t>，解压文件，命令行进入到</a:t>
             </a:r>
             <a:r>
-              <a:rPr lang="en-US" altLang="zh-CN" dirty="0" smtClean="0"/>
+              <a:rPr lang="en-US" altLang="zh-CN" dirty="0"/>
               <a:t>setup.py</a:t>
             </a:r>
             <a:r>
-              <a:rPr lang="zh-CN" altLang="en-US" dirty="0" smtClean="0"/>
+              <a:rPr lang="zh-CN" altLang="en-US" dirty="0"/>
               <a:t>所在目录</a:t>
             </a:r>
             <a:r>
-              <a:rPr lang="en-US" altLang="zh-CN" dirty="0" smtClean="0"/>
+              <a:rPr lang="en-US" altLang="zh-CN" dirty="0"/>
               <a:t>(</a:t>
             </a:r>
             <a:r>
-              <a:rPr lang="zh-CN" altLang="en-US" dirty="0" smtClean="0"/>
+              <a:rPr lang="zh-CN" altLang="en-US" dirty="0"/>
               <a:t>文件根目录下</a:t>
             </a:r>
             <a:r>
-              <a:rPr lang="en-US" altLang="zh-CN" dirty="0" smtClean="0"/>
+              <a:rPr lang="en-US" altLang="zh-CN" dirty="0"/>
               <a:t>)</a:t>
             </a:r>
             <a:r>
-              <a:rPr lang="zh-CN" altLang="en-US" dirty="0" smtClean="0"/>
+              <a:rPr lang="zh-CN" altLang="en-US" dirty="0"/>
               <a:t>，输入</a:t>
             </a:r>
             <a:r>
-              <a:rPr lang="en-US" altLang="zh-CN" dirty="0" smtClean="0"/>
+              <a:rPr lang="en-US" altLang="zh-CN" dirty="0"/>
               <a:t>python setup.py install</a:t>
             </a:r>
             <a:r>
-              <a:rPr lang="zh-CN" altLang="en-US" dirty="0" smtClean="0"/>
+              <a:rPr lang="zh-CN" altLang="en-US" dirty="0"/>
               <a:t>完成安装；如果下载的是</a:t>
             </a:r>
             <a:r>
-              <a:rPr lang="en-US" altLang="zh-CN" dirty="0" smtClean="0"/>
+              <a:rPr lang="en-US" altLang="zh-CN" dirty="0"/>
               <a:t>*.</a:t>
             </a:r>
             <a:r>
-              <a:rPr lang="en-US" altLang="zh-CN" dirty="0" err="1" smtClean="0"/>
+              <a:rPr lang="en-US" altLang="zh-CN" dirty="0" err="1"/>
               <a:t>whl</a:t>
             </a:r>
             <a:r>
-              <a:rPr lang="zh-CN" altLang="en-US" dirty="0" smtClean="0"/>
+              <a:rPr lang="zh-CN" altLang="en-US" dirty="0"/>
               <a:t>文件，命令行模式进入到</a:t>
             </a:r>
             <a:r>
-              <a:rPr lang="en-US" altLang="zh-CN" dirty="0" err="1" smtClean="0"/>
+              <a:rPr lang="en-US" altLang="zh-CN" dirty="0" err="1"/>
               <a:t>whl</a:t>
             </a:r>
             <a:r>
-              <a:rPr lang="zh-CN" altLang="en-US" dirty="0" smtClean="0"/>
+              <a:rPr lang="zh-CN" altLang="en-US" dirty="0"/>
               <a:t>文件所在目录，输入 </a:t>
             </a:r>
             <a:r>
-              <a:rPr lang="en-US" altLang="zh-CN" dirty="0" smtClean="0"/>
+              <a:rPr lang="en-US" altLang="zh-CN" dirty="0"/>
               <a:t>pip install + </a:t>
             </a:r>
             <a:r>
-              <a:rPr lang="en-US" altLang="zh-CN" dirty="0" err="1" smtClean="0"/>
+              <a:rPr lang="en-US" altLang="zh-CN" dirty="0" err="1"/>
               <a:t>whl</a:t>
             </a:r>
             <a:r>
-              <a:rPr lang="zh-CN" altLang="en-US" dirty="0" smtClean="0"/>
+              <a:rPr lang="zh-CN" altLang="en-US" dirty="0"/>
               <a:t>文件 完成安装。</a:t>
             </a:r>
-            <a:endParaRPr lang="en-US" altLang="zh-CN" dirty="0" smtClean="0"/>
-          </a:p>
-          <a:p>
-            <a:r>
-              <a:rPr lang="zh-CN" altLang="en-US" dirty="0"/>
-              <a:t>第三</a:t>
-            </a:r>
-            <a:r>
-              <a:rPr lang="zh-CN" altLang="en-US" dirty="0" smtClean="0"/>
-              <a:t>方库下载网址</a:t>
+            <a:endParaRPr lang="en-US" altLang="zh-CN" dirty="0"/>
+          </a:p>
+          <a:p>
+            <a:r>
+              <a:rPr lang="zh-CN" altLang="en-US" dirty="0"/>
+              <a:t>第三方库下载网址</a:t>
             </a:r>
             <a:r>
               <a:rPr lang="en-US" altLang="zh-CN" dirty="0"/>
               <a:t>:https://pypi.org/</a:t>
             </a:r>
-            <a:endParaRPr lang="en-US" altLang="zh-CN" dirty="0" smtClean="0"/>
           </a:p>
         </p:txBody>
       </p:sp>
@@ -11596,13 +11493,6 @@
   <p:clrMapOvr>
     <a:masterClrMapping/>
   </p:clrMapOvr>
-  <p:timing>
-    <p:tnLst>
-      <p:par>
-        <p:cTn id="1" dur="indefinite" restart="never" nodeType="tmRoot"/>
-      </p:par>
-    </p:tnLst>
-  </p:timing>
 </p:sld>
 </file>
 
@@ -11639,14 +11529,13 @@
           <a:lstStyle/>
           <a:p>
             <a:r>
-              <a:rPr lang="en-US" altLang="zh-CN" dirty="0" smtClean="0"/>
+              <a:rPr lang="en-US" altLang="zh-CN" dirty="0"/>
               <a:t>Python</a:t>
             </a:r>
             <a:r>
-              <a:rPr lang="zh-CN" altLang="en-US" dirty="0" smtClean="0"/>
+              <a:rPr lang="zh-CN" altLang="en-US" dirty="0"/>
               <a:t>内置数据类型</a:t>
             </a:r>
-            <a:endParaRPr lang="zh-CN" altLang="en-US" dirty="0"/>
           </a:p>
         </p:txBody>
       </p:sp>
@@ -11666,174 +11555,174 @@
           <a:lstStyle/>
           <a:p>
             <a:r>
-              <a:rPr lang="zh-CN" altLang="en-US" dirty="0" smtClean="0"/>
+              <a:rPr lang="zh-CN" altLang="en-US" dirty="0"/>
               <a:t>数字：</a:t>
             </a:r>
             <a:r>
-              <a:rPr lang="en-US" altLang="zh-CN" dirty="0" smtClean="0"/>
+              <a:rPr lang="en-US" altLang="zh-CN" dirty="0"/>
               <a:t>1234,3.14,999L,1+2j</a:t>
             </a:r>
             <a:r>
-              <a:rPr lang="zh-CN" altLang="en-US" dirty="0" smtClean="0"/>
+              <a:rPr lang="zh-CN" altLang="en-US" dirty="0"/>
               <a:t>；</a:t>
             </a:r>
-            <a:endParaRPr lang="en-US" altLang="zh-CN" dirty="0" smtClean="0"/>
-          </a:p>
-          <a:p>
-            <a:r>
-              <a:rPr lang="zh-CN" altLang="en-US" dirty="0" smtClean="0"/>
+            <a:endParaRPr lang="en-US" altLang="zh-CN" dirty="0"/>
+          </a:p>
+          <a:p>
+            <a:r>
+              <a:rPr lang="zh-CN" altLang="en-US" dirty="0"/>
               <a:t>字符串：‘</a:t>
             </a:r>
             <a:r>
-              <a:rPr lang="en-US" altLang="zh-CN" dirty="0" smtClean="0"/>
+              <a:rPr lang="en-US" altLang="zh-CN" dirty="0"/>
               <a:t>hello world</a:t>
             </a:r>
             <a:r>
-              <a:rPr lang="zh-CN" altLang="en-US" dirty="0" smtClean="0"/>
+              <a:rPr lang="zh-CN" altLang="en-US" dirty="0"/>
               <a:t>’；</a:t>
             </a:r>
-            <a:endParaRPr lang="en-US" altLang="zh-CN" dirty="0" smtClean="0"/>
-          </a:p>
-          <a:p>
-            <a:r>
-              <a:rPr lang="zh-CN" altLang="en-US" dirty="0" smtClean="0"/>
+            <a:endParaRPr lang="en-US" altLang="zh-CN" dirty="0"/>
+          </a:p>
+          <a:p>
+            <a:r>
+              <a:rPr lang="zh-CN" altLang="en-US" dirty="0"/>
               <a:t>列表：</a:t>
             </a:r>
             <a:r>
-              <a:rPr lang="en-US" altLang="zh-CN" dirty="0" smtClean="0"/>
+              <a:rPr lang="en-US" altLang="zh-CN" dirty="0"/>
               <a:t>[1,2,3,[4,5],</a:t>
             </a:r>
             <a:r>
-              <a:rPr lang="zh-CN" altLang="en-US" dirty="0" smtClean="0"/>
+              <a:rPr lang="zh-CN" altLang="en-US" dirty="0"/>
               <a:t>‘</a:t>
             </a:r>
             <a:r>
-              <a:rPr lang="en-US" altLang="zh-CN" dirty="0" smtClean="0"/>
+              <a:rPr lang="en-US" altLang="zh-CN" dirty="0"/>
               <a:t>hello</a:t>
             </a:r>
             <a:r>
-              <a:rPr lang="zh-CN" altLang="en-US" dirty="0" smtClean="0"/>
+              <a:rPr lang="zh-CN" altLang="en-US" dirty="0"/>
               <a:t>’</a:t>
             </a:r>
             <a:r>
-              <a:rPr lang="en-US" altLang="zh-CN" dirty="0" smtClean="0"/>
+              <a:rPr lang="en-US" altLang="zh-CN" dirty="0"/>
               <a:t>]</a:t>
             </a:r>
             <a:r>
-              <a:rPr lang="zh-CN" altLang="en-US" dirty="0" smtClean="0"/>
+              <a:rPr lang="zh-CN" altLang="en-US" dirty="0"/>
               <a:t>；</a:t>
             </a:r>
-            <a:endParaRPr lang="en-US" altLang="zh-CN" dirty="0" smtClean="0"/>
-          </a:p>
-          <a:p>
-            <a:r>
-              <a:rPr lang="zh-CN" altLang="en-US" dirty="0" smtClean="0"/>
+            <a:endParaRPr lang="en-US" altLang="zh-CN" dirty="0"/>
+          </a:p>
+          <a:p>
+            <a:r>
+              <a:rPr lang="zh-CN" altLang="en-US" dirty="0"/>
               <a:t>字典：</a:t>
             </a:r>
             <a:r>
-              <a:rPr lang="en-US" altLang="zh-CN" dirty="0" smtClean="0"/>
+              <a:rPr lang="en-US" altLang="zh-CN" dirty="0"/>
               <a:t>{</a:t>
             </a:r>
             <a:r>
-              <a:rPr lang="zh-CN" altLang="en-US" dirty="0" smtClean="0"/>
+              <a:rPr lang="zh-CN" altLang="en-US" dirty="0"/>
               <a:t>‘</a:t>
             </a:r>
             <a:r>
-              <a:rPr lang="en-US" altLang="zh-CN" dirty="0" smtClean="0"/>
+              <a:rPr lang="en-US" altLang="zh-CN" dirty="0"/>
               <a:t>name</a:t>
             </a:r>
             <a:r>
-              <a:rPr lang="zh-CN" altLang="en-US" dirty="0" smtClean="0"/>
+              <a:rPr lang="zh-CN" altLang="en-US" dirty="0"/>
               <a:t>’</a:t>
             </a:r>
             <a:r>
-              <a:rPr lang="en-US" altLang="zh-CN" dirty="0" smtClean="0"/>
+              <a:rPr lang="en-US" altLang="zh-CN" dirty="0"/>
               <a:t>:</a:t>
             </a:r>
             <a:r>
-              <a:rPr lang="zh-CN" altLang="en-US" dirty="0" smtClean="0"/>
+              <a:rPr lang="zh-CN" altLang="en-US" dirty="0"/>
               <a:t>‘张三’</a:t>
             </a:r>
             <a:r>
-              <a:rPr lang="en-US" altLang="zh-CN" dirty="0" smtClean="0"/>
+              <a:rPr lang="en-US" altLang="zh-CN" dirty="0"/>
               <a:t>,</a:t>
             </a:r>
             <a:r>
-              <a:rPr lang="zh-CN" altLang="en-US" dirty="0" smtClean="0"/>
+              <a:rPr lang="zh-CN" altLang="en-US" dirty="0"/>
               <a:t>‘</a:t>
             </a:r>
             <a:r>
-              <a:rPr lang="en-US" altLang="zh-CN" dirty="0" smtClean="0"/>
+              <a:rPr lang="en-US" altLang="zh-CN" dirty="0"/>
               <a:t>age</a:t>
             </a:r>
             <a:r>
-              <a:rPr lang="zh-CN" altLang="en-US" dirty="0" smtClean="0"/>
+              <a:rPr lang="zh-CN" altLang="en-US" dirty="0"/>
               <a:t>’</a:t>
             </a:r>
             <a:r>
-              <a:rPr lang="en-US" altLang="zh-CN" dirty="0" smtClean="0"/>
+              <a:rPr lang="en-US" altLang="zh-CN" dirty="0"/>
               <a:t>:20}</a:t>
             </a:r>
             <a:r>
-              <a:rPr lang="zh-CN" altLang="en-US" dirty="0" smtClean="0"/>
+              <a:rPr lang="zh-CN" altLang="en-US" dirty="0"/>
               <a:t>；</a:t>
             </a:r>
-            <a:endParaRPr lang="en-US" altLang="zh-CN" dirty="0" smtClean="0"/>
-          </a:p>
-          <a:p>
-            <a:r>
-              <a:rPr lang="zh-CN" altLang="en-US" dirty="0" smtClean="0"/>
+            <a:endParaRPr lang="en-US" altLang="zh-CN" dirty="0"/>
+          </a:p>
+          <a:p>
+            <a:r>
+              <a:rPr lang="zh-CN" altLang="en-US" dirty="0"/>
               <a:t>元组</a:t>
             </a:r>
             <a:r>
-              <a:rPr lang="zh-CN" altLang="en-US" dirty="0" smtClean="0">
+              <a:rPr lang="zh-CN" altLang="en-US" dirty="0">
                 <a:sym typeface="Wingdings" panose="05000000000000000000" pitchFamily="2" charset="2"/>
               </a:rPr>
               <a:t>：</a:t>
             </a:r>
             <a:r>
-              <a:rPr lang="en-US" altLang="zh-CN" dirty="0" smtClean="0">
+              <a:rPr lang="en-US" altLang="zh-CN" dirty="0">
                 <a:sym typeface="Wingdings" panose="05000000000000000000" pitchFamily="2" charset="2"/>
               </a:rPr>
               <a:t>(1,2,3</a:t>
             </a:r>
             <a:r>
-              <a:rPr lang="zh-CN" altLang="en-US" dirty="0" smtClean="0">
+              <a:rPr lang="zh-CN" altLang="en-US" dirty="0">
                 <a:sym typeface="Wingdings" panose="05000000000000000000" pitchFamily="2" charset="2"/>
               </a:rPr>
               <a:t>，‘李四’</a:t>
             </a:r>
             <a:r>
-              <a:rPr lang="en-US" altLang="zh-CN" dirty="0" smtClean="0">
+              <a:rPr lang="en-US" altLang="zh-CN" dirty="0">
                 <a:sym typeface="Wingdings" panose="05000000000000000000" pitchFamily="2" charset="2"/>
               </a:rPr>
               <a:t>)</a:t>
             </a:r>
             <a:r>
-              <a:rPr lang="zh-CN" altLang="en-US" dirty="0" smtClean="0">
+              <a:rPr lang="zh-CN" altLang="en-US" dirty="0">
                 <a:sym typeface="Wingdings" panose="05000000000000000000" pitchFamily="2" charset="2"/>
               </a:rPr>
               <a:t>；</a:t>
             </a:r>
-            <a:endParaRPr lang="en-US" altLang="zh-CN" dirty="0" smtClean="0">
+            <a:endParaRPr lang="en-US" altLang="zh-CN" dirty="0">
               <a:sym typeface="Wingdings" panose="05000000000000000000" pitchFamily="2" charset="2"/>
             </a:endParaRPr>
           </a:p>
           <a:p>
             <a:r>
-              <a:rPr lang="zh-CN" altLang="en-US" dirty="0" smtClean="0">
+              <a:rPr lang="zh-CN" altLang="en-US" dirty="0">
                 <a:sym typeface="Wingdings" panose="05000000000000000000" pitchFamily="2" charset="2"/>
               </a:rPr>
               <a:t>其他类型：集合，</a:t>
             </a:r>
             <a:r>
-              <a:rPr lang="en-US" altLang="zh-CN" dirty="0" smtClean="0">
+              <a:rPr lang="en-US" altLang="zh-CN" dirty="0">
                 <a:sym typeface="Wingdings" panose="05000000000000000000" pitchFamily="2" charset="2"/>
               </a:rPr>
               <a:t>None</a:t>
             </a:r>
             <a:r>
-              <a:rPr lang="zh-CN" altLang="en-US" dirty="0" smtClean="0">
+              <a:rPr lang="zh-CN" altLang="en-US" dirty="0">
                 <a:sym typeface="Wingdings" panose="05000000000000000000" pitchFamily="2" charset="2"/>
               </a:rPr>
               <a:t>，布尔型。</a:t>
@@ -11852,13 +11741,6 @@
   <p:clrMapOvr>
     <a:masterClrMapping/>
   </p:clrMapOvr>
-  <p:timing>
-    <p:tnLst>
-      <p:par>
-        <p:cTn id="1" dur="indefinite" restart="never" nodeType="tmRoot"/>
-      </p:par>
-    </p:tnLst>
-  </p:timing>
 </p:sld>
 </file>
 
@@ -11895,10 +11777,9 @@
           <a:lstStyle/>
           <a:p>
             <a:r>
-              <a:rPr lang="zh-CN" altLang="en-US" dirty="0" smtClean="0"/>
+              <a:rPr lang="zh-CN" altLang="en-US" dirty="0"/>
               <a:t>字符串</a:t>
             </a:r>
-            <a:endParaRPr lang="zh-CN" altLang="en-US" dirty="0"/>
           </a:p>
         </p:txBody>
       </p:sp>
@@ -11918,237 +11799,237 @@
           <a:lstStyle/>
           <a:p>
             <a:r>
-              <a:rPr lang="zh-CN" altLang="en-US" dirty="0" smtClean="0"/>
+              <a:rPr lang="zh-CN" altLang="en-US" dirty="0"/>
               <a:t>不可变类型；</a:t>
             </a:r>
-            <a:endParaRPr lang="en-US" altLang="zh-CN" dirty="0" smtClean="0"/>
-          </a:p>
-          <a:p>
-            <a:r>
-              <a:rPr lang="zh-CN" altLang="en-US" dirty="0" smtClean="0"/>
+            <a:endParaRPr lang="en-US" altLang="zh-CN" dirty="0"/>
+          </a:p>
+          <a:p>
+            <a:r>
+              <a:rPr lang="zh-CN" altLang="en-US" dirty="0"/>
               <a:t>表示方式：单引号</a:t>
             </a:r>
             <a:r>
-              <a:rPr lang="en-US" altLang="zh-CN" dirty="0" smtClean="0"/>
+              <a:rPr lang="en-US" altLang="zh-CN" dirty="0"/>
               <a:t>’hello’,</a:t>
             </a:r>
             <a:r>
-              <a:rPr lang="zh-CN" altLang="en-US" dirty="0" smtClean="0"/>
+              <a:rPr lang="zh-CN" altLang="en-US" dirty="0"/>
               <a:t>双引号</a:t>
             </a:r>
             <a:r>
-              <a:rPr lang="en-US" altLang="zh-CN" dirty="0" smtClean="0"/>
+              <a:rPr lang="en-US" altLang="zh-CN" dirty="0"/>
               <a:t>”hello”,</a:t>
             </a:r>
             <a:r>
-              <a:rPr lang="zh-CN" altLang="en-US" dirty="0" smtClean="0"/>
+              <a:rPr lang="zh-CN" altLang="en-US" dirty="0"/>
               <a:t>三重引号块</a:t>
             </a:r>
             <a:r>
-              <a:rPr lang="en-US" altLang="zh-CN" dirty="0" err="1" smtClean="0"/>
+              <a:rPr lang="en-US" altLang="zh-CN" dirty="0" err="1"/>
               <a:t>str</a:t>
             </a:r>
             <a:r>
-              <a:rPr lang="en-US" altLang="zh-CN" dirty="0" smtClean="0"/>
+              <a:rPr lang="en-US" altLang="zh-CN" dirty="0"/>
               <a:t>=’’’hello world ‘’’</a:t>
             </a:r>
             <a:r>
-              <a:rPr lang="zh-CN" altLang="en-US" dirty="0" smtClean="0"/>
+              <a:rPr lang="zh-CN" altLang="en-US" dirty="0"/>
               <a:t>；三重引号也可以用做长段落注释；</a:t>
             </a:r>
-            <a:endParaRPr lang="en-US" altLang="zh-CN" dirty="0" smtClean="0"/>
-          </a:p>
-          <a:p>
-            <a:r>
-              <a:rPr lang="zh-CN" altLang="en-US" dirty="0" smtClean="0"/>
+            <a:endParaRPr lang="en-US" altLang="zh-CN" dirty="0"/>
+          </a:p>
+          <a:p>
+            <a:r>
+              <a:rPr lang="zh-CN" altLang="en-US" dirty="0"/>
               <a:t>索引：</a:t>
             </a:r>
             <a:r>
-              <a:rPr lang="en-US" altLang="zh-CN" dirty="0" err="1" smtClean="0"/>
+              <a:rPr lang="en-US" altLang="zh-CN" dirty="0" err="1"/>
               <a:t>str</a:t>
             </a:r>
             <a:r>
-              <a:rPr lang="en-US" altLang="zh-CN" dirty="0" smtClean="0"/>
+              <a:rPr lang="en-US" altLang="zh-CN" dirty="0"/>
               <a:t>=‘hello world’   </a:t>
             </a:r>
             <a:r>
-              <a:rPr lang="en-US" altLang="zh-CN" dirty="0" err="1" smtClean="0"/>
+              <a:rPr lang="en-US" altLang="zh-CN" dirty="0" err="1"/>
               <a:t>str</a:t>
             </a:r>
             <a:r>
-              <a:rPr lang="en-US" altLang="zh-CN" dirty="0" smtClean="0"/>
+              <a:rPr lang="en-US" altLang="zh-CN" dirty="0"/>
               <a:t>[0]-&gt;h;</a:t>
             </a:r>
           </a:p>
           <a:p>
             <a:r>
-              <a:rPr lang="zh-CN" altLang="en-US" dirty="0" smtClean="0"/>
+              <a:rPr lang="zh-CN" altLang="en-US" dirty="0"/>
               <a:t>分片：</a:t>
             </a:r>
             <a:r>
-              <a:rPr lang="en-US" altLang="zh-CN" dirty="0" err="1" smtClean="0"/>
+              <a:rPr lang="en-US" altLang="zh-CN" dirty="0" err="1"/>
               <a:t>str</a:t>
             </a:r>
             <a:r>
-              <a:rPr lang="en-US" altLang="zh-CN" dirty="0" smtClean="0"/>
+              <a:rPr lang="en-US" altLang="zh-CN" dirty="0"/>
               <a:t>[1:5]-&gt;</a:t>
             </a:r>
             <a:r>
-              <a:rPr lang="en-US" altLang="zh-CN" dirty="0" err="1" smtClean="0"/>
+              <a:rPr lang="en-US" altLang="zh-CN" dirty="0" err="1"/>
               <a:t>ello</a:t>
             </a:r>
             <a:r>
-              <a:rPr lang="en-US" altLang="zh-CN" dirty="0" smtClean="0"/>
+              <a:rPr lang="en-US" altLang="zh-CN" dirty="0"/>
               <a:t>;</a:t>
             </a:r>
           </a:p>
           <a:p>
             <a:r>
-              <a:rPr lang="zh-CN" altLang="en-US" dirty="0" smtClean="0"/>
+              <a:rPr lang="zh-CN" altLang="en-US" dirty="0"/>
               <a:t>常用方法</a:t>
             </a:r>
             <a:r>
-              <a:rPr lang="en-US" altLang="zh-CN" dirty="0" smtClean="0"/>
+              <a:rPr lang="en-US" altLang="zh-CN" dirty="0"/>
               <a:t>:</a:t>
             </a:r>
             <a:r>
-              <a:rPr lang="en-US" altLang="zh-CN" dirty="0" err="1" smtClean="0"/>
+              <a:rPr lang="en-US" altLang="zh-CN" dirty="0" err="1"/>
               <a:t>len</a:t>
             </a:r>
             <a:r>
-              <a:rPr lang="en-US" altLang="zh-CN" dirty="0" smtClean="0"/>
+              <a:rPr lang="en-US" altLang="zh-CN" dirty="0"/>
               <a:t>(</a:t>
             </a:r>
             <a:r>
-              <a:rPr lang="en-US" altLang="zh-CN" dirty="0" err="1" smtClean="0"/>
+              <a:rPr lang="en-US" altLang="zh-CN" dirty="0" err="1"/>
               <a:t>str</a:t>
             </a:r>
             <a:r>
-              <a:rPr lang="en-US" altLang="zh-CN" dirty="0" smtClean="0"/>
+              <a:rPr lang="en-US" altLang="zh-CN" dirty="0"/>
               <a:t>) </a:t>
             </a:r>
             <a:r>
-              <a:rPr lang="zh-CN" altLang="en-US" dirty="0" smtClean="0"/>
+              <a:rPr lang="zh-CN" altLang="en-US" dirty="0"/>
               <a:t>字符串长度；</a:t>
             </a:r>
             <a:r>
-              <a:rPr lang="en-US" altLang="zh-CN" dirty="0" err="1" smtClean="0"/>
+              <a:rPr lang="en-US" altLang="zh-CN" dirty="0" err="1"/>
               <a:t>str.split</a:t>
             </a:r>
             <a:r>
-              <a:rPr lang="en-US" altLang="zh-CN" dirty="0" smtClean="0"/>
+              <a:rPr lang="en-US" altLang="zh-CN" dirty="0"/>
               <a:t>(‘,’) </a:t>
             </a:r>
             <a:r>
-              <a:rPr lang="zh-CN" altLang="en-US" dirty="0" smtClean="0"/>
+              <a:rPr lang="zh-CN" altLang="en-US" dirty="0"/>
               <a:t>字符串分隔；</a:t>
             </a:r>
             <a:r>
-              <a:rPr lang="en-US" altLang="zh-CN" dirty="0" err="1" smtClean="0"/>
+              <a:rPr lang="en-US" altLang="zh-CN" dirty="0" err="1"/>
               <a:t>str.replace</a:t>
             </a:r>
             <a:r>
-              <a:rPr lang="en-US" altLang="zh-CN" dirty="0" smtClean="0"/>
+              <a:rPr lang="en-US" altLang="zh-CN" dirty="0"/>
               <a:t>(‘he’,’we’,1) </a:t>
             </a:r>
             <a:r>
-              <a:rPr lang="zh-CN" altLang="en-US" dirty="0" smtClean="0"/>
+              <a:rPr lang="zh-CN" altLang="en-US" dirty="0"/>
               <a:t>替换</a:t>
             </a:r>
             <a:r>
-              <a:rPr lang="en-US" altLang="zh-CN" dirty="0" smtClean="0"/>
+              <a:rPr lang="en-US" altLang="zh-CN" dirty="0"/>
               <a:t>;’my name is {}’.format(‘</a:t>
             </a:r>
             <a:r>
-              <a:rPr lang="zh-CN" altLang="en-US" dirty="0" smtClean="0"/>
+              <a:rPr lang="zh-CN" altLang="en-US" dirty="0"/>
               <a:t>张三</a:t>
             </a:r>
             <a:r>
-              <a:rPr lang="en-US" altLang="zh-CN" dirty="0" smtClean="0"/>
+              <a:rPr lang="en-US" altLang="zh-CN" dirty="0"/>
               <a:t>’)</a:t>
             </a:r>
             <a:r>
-              <a:rPr lang="zh-CN" altLang="en-US" dirty="0" smtClean="0"/>
+              <a:rPr lang="zh-CN" altLang="en-US" dirty="0"/>
               <a:t>格式化等</a:t>
             </a:r>
             <a:r>
-              <a:rPr lang="en-US" altLang="zh-CN" dirty="0" smtClean="0"/>
+              <a:rPr lang="en-US" altLang="zh-CN" dirty="0"/>
               <a:t>;</a:t>
             </a:r>
           </a:p>
           <a:p>
             <a:r>
-              <a:rPr lang="zh-CN" altLang="en-US" dirty="0" smtClean="0"/>
+              <a:rPr lang="zh-CN" altLang="en-US" dirty="0"/>
               <a:t>迭代</a:t>
             </a:r>
             <a:r>
-              <a:rPr lang="en-US" altLang="zh-CN" dirty="0" smtClean="0"/>
+              <a:rPr lang="en-US" altLang="zh-CN" dirty="0"/>
               <a:t>: for s in </a:t>
             </a:r>
             <a:r>
-              <a:rPr lang="en-US" altLang="zh-CN" dirty="0" err="1" smtClean="0"/>
+              <a:rPr lang="en-US" altLang="zh-CN" dirty="0" err="1"/>
               <a:t>str:print</a:t>
             </a:r>
             <a:r>
-              <a:rPr lang="en-US" altLang="zh-CN" dirty="0" smtClean="0"/>
+              <a:rPr lang="en-US" altLang="zh-CN" dirty="0"/>
               <a:t>(s);</a:t>
             </a:r>
           </a:p>
           <a:p>
             <a:r>
-              <a:rPr lang="zh-CN" altLang="en-US" dirty="0" smtClean="0"/>
+              <a:rPr lang="zh-CN" altLang="en-US" dirty="0"/>
               <a:t>转义：使用‘</a:t>
             </a:r>
             <a:r>
-              <a:rPr lang="en-US" altLang="zh-CN" dirty="0" smtClean="0"/>
+              <a:rPr lang="en-US" altLang="zh-CN" dirty="0"/>
               <a:t>\</a:t>
             </a:r>
             <a:r>
-              <a:rPr lang="zh-CN" altLang="en-US" dirty="0" smtClean="0"/>
+              <a:rPr lang="zh-CN" altLang="en-US" dirty="0"/>
               <a:t>’字符；</a:t>
             </a:r>
             <a:r>
-              <a:rPr lang="en-US" altLang="zh-CN" dirty="0" err="1" smtClean="0"/>
+              <a:rPr lang="en-US" altLang="zh-CN" dirty="0" err="1"/>
               <a:t>r’c</a:t>
             </a:r>
             <a:r>
-              <a:rPr lang="en-US" altLang="zh-CN" dirty="0" smtClean="0"/>
+              <a:rPr lang="en-US" altLang="zh-CN" dirty="0"/>
               <a:t>:\test’ </a:t>
             </a:r>
             <a:r>
-              <a:rPr lang="zh-CN" altLang="en-US" dirty="0" smtClean="0"/>
+              <a:rPr lang="zh-CN" altLang="en-US" dirty="0"/>
               <a:t>禁用转义；</a:t>
             </a:r>
-            <a:endParaRPr lang="en-US" altLang="zh-CN" dirty="0" smtClean="0"/>
-          </a:p>
-          <a:p>
-            <a:r>
-              <a:rPr lang="zh-CN" altLang="en-US" dirty="0" smtClean="0"/>
+            <a:endParaRPr lang="en-US" altLang="zh-CN" dirty="0"/>
+          </a:p>
+          <a:p>
+            <a:r>
+              <a:rPr lang="zh-CN" altLang="en-US" dirty="0"/>
               <a:t>字符串格式化：</a:t>
             </a:r>
             <a:r>
-              <a:rPr lang="en-US" altLang="zh-CN" dirty="0" smtClean="0"/>
+              <a:rPr lang="en-US" altLang="zh-CN" dirty="0"/>
               <a:t>’my name is %</a:t>
             </a:r>
             <a:r>
-              <a:rPr lang="en-US" altLang="zh-CN" dirty="0" err="1" smtClean="0"/>
+              <a:rPr lang="en-US" altLang="zh-CN" dirty="0" err="1"/>
               <a:t>s,age</a:t>
             </a:r>
             <a:r>
-              <a:rPr lang="en-US" altLang="zh-CN" dirty="0" smtClean="0"/>
+              <a:rPr lang="en-US" altLang="zh-CN" dirty="0"/>
               <a:t> is %d’ %(‘</a:t>
             </a:r>
             <a:r>
-              <a:rPr lang="zh-CN" altLang="en-US" dirty="0" smtClean="0"/>
+              <a:rPr lang="zh-CN" altLang="en-US" dirty="0"/>
               <a:t>张三</a:t>
             </a:r>
             <a:r>
-              <a:rPr lang="en-US" altLang="zh-CN" dirty="0" smtClean="0"/>
+              <a:rPr lang="en-US" altLang="zh-CN" dirty="0"/>
               <a:t>’,20);</a:t>
             </a:r>
           </a:p>
           <a:p>
-            <a:endParaRPr lang="en-US" altLang="zh-CN" dirty="0" smtClean="0"/>
+            <a:endParaRPr lang="en-US" altLang="zh-CN" dirty="0"/>
           </a:p>
           <a:p>
             <a:endParaRPr lang="zh-CN" altLang="en-US" dirty="0"/>
@@ -12165,13 +12046,6 @@
   <p:clrMapOvr>
     <a:masterClrMapping/>
   </p:clrMapOvr>
-  <p:timing>
-    <p:tnLst>
-      <p:par>
-        <p:cTn id="1" dur="indefinite" restart="never" nodeType="tmRoot"/>
-      </p:par>
-    </p:tnLst>
-  </p:timing>
 </p:sld>
 </file>
 
@@ -12208,10 +12082,9 @@
           <a:lstStyle/>
           <a:p>
             <a:r>
-              <a:rPr lang="zh-CN" altLang="en-US" dirty="0" smtClean="0"/>
+              <a:rPr lang="zh-CN" altLang="en-US" dirty="0"/>
               <a:t>列表</a:t>
             </a:r>
-            <a:endParaRPr lang="zh-CN" altLang="en-US" dirty="0"/>
           </a:p>
         </p:txBody>
       </p:sp>
@@ -12231,155 +12104,155 @@
           <a:lstStyle/>
           <a:p>
             <a:r>
-              <a:rPr lang="zh-CN" altLang="en-US" dirty="0" smtClean="0"/>
+              <a:rPr lang="zh-CN" altLang="en-US" dirty="0"/>
               <a:t>可变类型；</a:t>
             </a:r>
-            <a:endParaRPr lang="en-US" altLang="zh-CN" dirty="0" smtClean="0"/>
-          </a:p>
-          <a:p>
-            <a:r>
-              <a:rPr lang="zh-CN" altLang="en-US" dirty="0" smtClean="0"/>
+            <a:endParaRPr lang="en-US" altLang="zh-CN" dirty="0"/>
+          </a:p>
+          <a:p>
+            <a:r>
+              <a:rPr lang="zh-CN" altLang="en-US" dirty="0"/>
               <a:t>任意对象的有序集合</a:t>
             </a:r>
             <a:r>
-              <a:rPr lang="en-US" altLang="zh-CN" dirty="0" smtClean="0"/>
+              <a:rPr lang="en-US" altLang="zh-CN" dirty="0"/>
               <a:t>:[1,’str’,[],{}]</a:t>
             </a:r>
           </a:p>
           <a:p>
             <a:r>
-              <a:rPr lang="zh-CN" altLang="en-US" dirty="0" smtClean="0"/>
+              <a:rPr lang="zh-CN" altLang="en-US" dirty="0"/>
               <a:t>索引：</a:t>
             </a:r>
             <a:r>
-              <a:rPr lang="en-US" altLang="zh-CN" dirty="0" smtClean="0"/>
+              <a:rPr lang="en-US" altLang="zh-CN" dirty="0"/>
               <a:t>L=[1,2,3,4] L[</a:t>
             </a:r>
             <a:r>
-              <a:rPr lang="en-US" altLang="zh-CN" dirty="0" err="1" smtClean="0"/>
+              <a:rPr lang="en-US" altLang="zh-CN" dirty="0" err="1"/>
               <a:t>i</a:t>
             </a:r>
             <a:r>
-              <a:rPr lang="en-US" altLang="zh-CN" dirty="0" smtClean="0"/>
+              <a:rPr lang="en-US" altLang="zh-CN" dirty="0"/>
               <a:t>]</a:t>
             </a:r>
             <a:r>
-              <a:rPr lang="zh-CN" altLang="en-US" dirty="0" smtClean="0"/>
+              <a:rPr lang="zh-CN" altLang="en-US" dirty="0"/>
               <a:t>获取值；</a:t>
             </a:r>
-            <a:endParaRPr lang="en-US" altLang="zh-CN" dirty="0" smtClean="0"/>
-          </a:p>
-          <a:p>
-            <a:r>
-              <a:rPr lang="zh-CN" altLang="en-US" dirty="0" smtClean="0"/>
+            <a:endParaRPr lang="en-US" altLang="zh-CN" dirty="0"/>
+          </a:p>
+          <a:p>
+            <a:r>
+              <a:rPr lang="zh-CN" altLang="en-US" dirty="0"/>
               <a:t>分片：</a:t>
             </a:r>
             <a:r>
-              <a:rPr lang="en-US" altLang="zh-CN" dirty="0" smtClean="0"/>
+              <a:rPr lang="en-US" altLang="zh-CN" dirty="0"/>
               <a:t>L[1:]-&gt;[2,3,4]</a:t>
             </a:r>
             <a:r>
-              <a:rPr lang="zh-CN" altLang="en-US" dirty="0" smtClean="0"/>
+              <a:rPr lang="zh-CN" altLang="en-US" dirty="0"/>
               <a:t>；</a:t>
             </a:r>
             <a:r>
-              <a:rPr lang="en-US" altLang="zh-CN" dirty="0" smtClean="0"/>
+              <a:rPr lang="en-US" altLang="zh-CN" dirty="0"/>
               <a:t>S=L[:] </a:t>
             </a:r>
             <a:r>
-              <a:rPr lang="zh-CN" altLang="en-US" dirty="0" smtClean="0"/>
+              <a:rPr lang="zh-CN" altLang="en-US" dirty="0"/>
               <a:t>实现</a:t>
             </a:r>
             <a:r>
-              <a:rPr lang="en-US" altLang="zh-CN" dirty="0" smtClean="0"/>
+              <a:rPr lang="en-US" altLang="zh-CN" dirty="0"/>
               <a:t>L</a:t>
             </a:r>
             <a:r>
-              <a:rPr lang="zh-CN" altLang="en-US" dirty="0" smtClean="0"/>
+              <a:rPr lang="zh-CN" altLang="en-US" dirty="0"/>
               <a:t>的浅拷贝</a:t>
             </a:r>
-            <a:endParaRPr lang="en-US" altLang="zh-CN" dirty="0" smtClean="0"/>
-          </a:p>
-          <a:p>
-            <a:r>
-              <a:rPr lang="zh-CN" altLang="en-US" dirty="0" smtClean="0"/>
+            <a:endParaRPr lang="en-US" altLang="zh-CN" dirty="0"/>
+          </a:p>
+          <a:p>
+            <a:r>
+              <a:rPr lang="zh-CN" altLang="en-US" dirty="0"/>
               <a:t>常用方法：</a:t>
             </a:r>
             <a:r>
-              <a:rPr lang="en-US" altLang="zh-CN" dirty="0" err="1" smtClean="0"/>
+              <a:rPr lang="en-US" altLang="zh-CN" dirty="0" err="1"/>
               <a:t>L.append</a:t>
             </a:r>
             <a:r>
-              <a:rPr lang="en-US" altLang="zh-CN" dirty="0" smtClean="0"/>
+              <a:rPr lang="en-US" altLang="zh-CN" dirty="0"/>
               <a:t>(‘</a:t>
             </a:r>
             <a:r>
-              <a:rPr lang="en-US" altLang="zh-CN" dirty="0" err="1" smtClean="0"/>
+              <a:rPr lang="en-US" altLang="zh-CN" dirty="0" err="1"/>
               <a:t>abc</a:t>
             </a:r>
             <a:r>
-              <a:rPr lang="en-US" altLang="zh-CN" dirty="0" smtClean="0"/>
+              <a:rPr lang="en-US" altLang="zh-CN" dirty="0"/>
               <a:t>’) </a:t>
             </a:r>
             <a:r>
-              <a:rPr lang="zh-CN" altLang="en-US" dirty="0" smtClean="0"/>
+              <a:rPr lang="zh-CN" altLang="en-US" dirty="0"/>
               <a:t>尾部添加</a:t>
             </a:r>
             <a:r>
-              <a:rPr lang="en-US" altLang="zh-CN" dirty="0" smtClean="0"/>
+              <a:rPr lang="en-US" altLang="zh-CN" dirty="0"/>
               <a:t>;</a:t>
             </a:r>
             <a:r>
-              <a:rPr lang="en-US" altLang="zh-CN" dirty="0" err="1" smtClean="0"/>
+              <a:rPr lang="en-US" altLang="zh-CN" dirty="0" err="1"/>
               <a:t>L.extend</a:t>
             </a:r>
             <a:r>
-              <a:rPr lang="en-US" altLang="zh-CN" dirty="0" smtClean="0"/>
+              <a:rPr lang="en-US" altLang="zh-CN" dirty="0"/>
               <a:t>([1,2,3])</a:t>
             </a:r>
             <a:r>
-              <a:rPr lang="zh-CN" altLang="en-US" dirty="0" smtClean="0"/>
+              <a:rPr lang="zh-CN" altLang="en-US" dirty="0"/>
               <a:t>尾部添加多个元素</a:t>
             </a:r>
             <a:r>
-              <a:rPr lang="en-US" altLang="zh-CN" dirty="0" smtClean="0"/>
+              <a:rPr lang="en-US" altLang="zh-CN" dirty="0"/>
               <a:t> </a:t>
             </a:r>
             <a:r>
-              <a:rPr lang="zh-CN" altLang="en-US" dirty="0" smtClean="0"/>
+              <a:rPr lang="zh-CN" altLang="en-US" dirty="0"/>
               <a:t>；</a:t>
             </a:r>
             <a:r>
-              <a:rPr lang="en-US" altLang="zh-CN" dirty="0" err="1" smtClean="0"/>
+              <a:rPr lang="en-US" altLang="zh-CN" dirty="0" err="1"/>
               <a:t>L.sort</a:t>
             </a:r>
             <a:r>
-              <a:rPr lang="en-US" altLang="zh-CN" dirty="0" smtClean="0"/>
+              <a:rPr lang="en-US" altLang="zh-CN" dirty="0"/>
               <a:t>(reverse=false) </a:t>
             </a:r>
             <a:r>
-              <a:rPr lang="zh-CN" altLang="en-US" dirty="0" smtClean="0"/>
+              <a:rPr lang="zh-CN" altLang="en-US" dirty="0"/>
               <a:t>排序 默认正序排序；</a:t>
             </a:r>
             <a:r>
-              <a:rPr lang="en-US" altLang="zh-CN" dirty="0" err="1" smtClean="0"/>
+              <a:rPr lang="en-US" altLang="zh-CN" dirty="0" err="1"/>
               <a:t>L.pop</a:t>
             </a:r>
             <a:r>
-              <a:rPr lang="en-US" altLang="zh-CN" dirty="0" smtClean="0"/>
+              <a:rPr lang="en-US" altLang="zh-CN" dirty="0"/>
               <a:t>(index) </a:t>
             </a:r>
             <a:r>
-              <a:rPr lang="zh-CN" altLang="en-US" dirty="0" smtClean="0"/>
+              <a:rPr lang="zh-CN" altLang="en-US" dirty="0"/>
               <a:t>移除元素 默认尾部移除；</a:t>
             </a:r>
             <a:r>
-              <a:rPr lang="en-US" altLang="zh-CN" dirty="0" smtClean="0"/>
+              <a:rPr lang="en-US" altLang="zh-CN" dirty="0"/>
               <a:t> </a:t>
             </a:r>
           </a:p>
           <a:p>
-            <a:endParaRPr lang="en-US" altLang="zh-CN" dirty="0" smtClean="0"/>
+            <a:endParaRPr lang="en-US" altLang="zh-CN" dirty="0"/>
           </a:p>
           <a:p>
             <a:endParaRPr lang="zh-CN" altLang="en-US" dirty="0"/>
